--- a/DemoPaper/Poster/DemoPoster.pptx
+++ b/DemoPaper/Poster/DemoPoster.pptx
@@ -4515,7 +4515,35 @@
               <a:rPr lang="en-US" sz="6000" dirty="0" err="1" smtClean="0"/>
               <a:t>Parameswaran</a:t>
             </a:r>
-            <a:endParaRPr lang="en-US" sz="6000" dirty="0"/>
+            <a:endParaRPr lang="en-US" sz="6000" dirty="0" smtClean="0"/>
+          </a:p>
+          <a:p>
+            <a:pPr algn="ctr"/>
+            <a:r>
+              <a:rPr lang="en-US" sz="4500" dirty="0" smtClean="0">
+                <a:hlinkClick r:id="rId2"/>
+              </a:rPr>
+              <a:t>manasrj@stanford.edu</a:t>
+            </a:r>
+            <a:r>
+              <a:rPr lang="en-US" sz="4500" dirty="0" smtClean="0"/>
+              <a:t>, </a:t>
+            </a:r>
+            <a:r>
+              <a:rPr lang="en-US" sz="4500" dirty="0" smtClean="0">
+                <a:hlinkClick r:id="rId3"/>
+              </a:rPr>
+              <a:t>hector@cs.stanford.edu</a:t>
+            </a:r>
+            <a:r>
+              <a:rPr lang="en-US" sz="4500" dirty="0" smtClean="0"/>
+              <a:t>, </a:t>
+            </a:r>
+            <a:r>
+              <a:rPr lang="en-US" sz="4500" dirty="0" err="1" smtClean="0"/>
+              <a:t>adityagp@illinois.edu</a:t>
+            </a:r>
+            <a:endParaRPr lang="en-US" sz="4500" dirty="0"/>
           </a:p>
         </p:txBody>
       </p:sp>
@@ -4552,113 +4580,63 @@
           <a:bodyPr rtlCol="0" anchor="ctr"/>
           <a:lstStyle/>
           <a:p>
-            <a:pPr marL="685800" indent="-685800">
+            <a:r>
+              <a:rPr lang="en-US" sz="5500" b="1" dirty="0" smtClean="0"/>
+              <a:t>Problem</a:t>
+            </a:r>
+            <a:r>
+              <a:rPr lang="en-US" sz="4500" b="1" dirty="0" smtClean="0"/>
+              <a:t>:</a:t>
+            </a:r>
+            <a:r>
+              <a:rPr lang="en-US" sz="4500" dirty="0" smtClean="0"/>
+              <a:t> Enable fast tunable summarization of structured data.</a:t>
+            </a:r>
+          </a:p>
+          <a:p>
+            <a:pPr marL="2880360" lvl="1" indent="-685800">
               <a:buFont typeface="Arial"/>
               <a:buChar char="•"/>
             </a:pPr>
             <a:r>
               <a:rPr lang="en-US" sz="4500" b="1" dirty="0" smtClean="0"/>
-              <a:t>Smart Drill-Down</a:t>
+              <a:t>Motivation :</a:t>
             </a:r>
             <a:r>
               <a:rPr lang="en-US" sz="4500" dirty="0" smtClean="0"/>
-              <a:t> : Interactively find the </a:t>
-            </a:r>
-            <a:r>
-              <a:rPr lang="en-US" sz="4500" i="1" dirty="0" smtClean="0"/>
-              <a:t>best </a:t>
-            </a:r>
-            <a:r>
-              <a:rPr lang="en-US" sz="4500" dirty="0" smtClean="0"/>
-              <a:t>set of </a:t>
-            </a:r>
-            <a:r>
-              <a:rPr lang="en-US" sz="4500" i="1" dirty="0" smtClean="0"/>
-              <a:t>rules </a:t>
-            </a:r>
-            <a:r>
-              <a:rPr lang="en-US" sz="4500" dirty="0" smtClean="0"/>
-              <a:t>to summarize a database table.</a:t>
-            </a:r>
-          </a:p>
-          <a:p>
-            <a:pPr marL="457200" indent="-457200">
+              <a:t> Help users explore large structured datasets on the fly when they have limited prior knowledge of what to look for. Augment functionality of regular Drill-Down.</a:t>
+            </a:r>
+            <a:endParaRPr lang="en-US" sz="4500" b="1" dirty="0" smtClean="0"/>
+          </a:p>
+          <a:p>
+            <a:pPr marL="2880360" lvl="1" indent="-685800">
               <a:buFont typeface="Arial"/>
               <a:buChar char="•"/>
             </a:pPr>
             <a:r>
               <a:rPr lang="en-US" sz="4500" b="1" dirty="0" smtClean="0"/>
-              <a:t>Rule</a:t>
+              <a:t>Smart Drill-Down</a:t>
             </a:r>
             <a:r>
               <a:rPr lang="en-US" sz="4500" dirty="0" smtClean="0"/>
-              <a:t> </a:t>
+              <a:t> : Operator to find the </a:t>
+            </a:r>
+            <a:r>
+              <a:rPr lang="en-US" sz="4500" i="1" dirty="0" smtClean="0"/>
+              <a:t>best </a:t>
             </a:r>
             <a:r>
               <a:rPr lang="en-US" sz="4500" dirty="0" smtClean="0"/>
-              <a:t>: </a:t>
+              <a:t>set of </a:t>
+            </a:r>
+            <a:r>
+              <a:rPr lang="en-US" sz="4500" i="1" dirty="0" smtClean="0"/>
+              <a:t>rules </a:t>
             </a:r>
             <a:r>
               <a:rPr lang="en-US" sz="4500" dirty="0" smtClean="0"/>
-              <a:t>A tuple consisting of actual values and wildcard-characters e.g. (a, *) matches (</a:t>
-            </a:r>
-            <a:r>
-              <a:rPr lang="en-US" sz="4500" dirty="0" err="1" smtClean="0"/>
-              <a:t>a,b</a:t>
-            </a:r>
-            <a:r>
-              <a:rPr lang="en-US" sz="4500" dirty="0" smtClean="0"/>
-              <a:t>) but not (</a:t>
-            </a:r>
-            <a:r>
-              <a:rPr lang="en-US" sz="4500" dirty="0" err="1"/>
-              <a:t>c</a:t>
-            </a:r>
-            <a:r>
-              <a:rPr lang="en-US" sz="4500" dirty="0" err="1" smtClean="0"/>
-              <a:t>,</a:t>
-            </a:r>
-            <a:r>
-              <a:rPr lang="en-US" sz="4500" dirty="0" err="1"/>
-              <a:t>b</a:t>
-            </a:r>
-            <a:r>
-              <a:rPr lang="en-US" sz="4500" dirty="0" smtClean="0"/>
-              <a:t>).</a:t>
-            </a:r>
-          </a:p>
-          <a:p>
-            <a:pPr marL="457200" indent="-457200">
-              <a:buFont typeface="Arial"/>
-              <a:buChar char="•"/>
-            </a:pPr>
-            <a:r>
-              <a:rPr lang="en-US" sz="4500" b="1" dirty="0" smtClean="0"/>
-              <a:t>Sub</a:t>
-            </a:r>
-            <a:r>
-              <a:rPr lang="en-US" sz="4500" b="1" dirty="0" smtClean="0"/>
-              <a:t>-rule</a:t>
-            </a:r>
-            <a:r>
-              <a:rPr lang="en-US" sz="4500" dirty="0" smtClean="0"/>
-              <a:t> : Pattern that matches superset of tuples</a:t>
-            </a:r>
-          </a:p>
-          <a:p>
-            <a:pPr marL="457200" indent="-457200">
-              <a:buFont typeface="Arial"/>
-              <a:buChar char="•"/>
-            </a:pPr>
-            <a:r>
-              <a:rPr lang="en-US" sz="4500" b="1" dirty="0" smtClean="0"/>
-              <a:t>Best set of rules: </a:t>
-            </a:r>
-            <a:r>
-              <a:rPr lang="en-US" sz="4500" dirty="0" smtClean="0"/>
-              <a:t>Interestingness of a rule is based on :</a:t>
-            </a:r>
-            <a:endParaRPr lang="en-US" sz="4500" b="1" dirty="0" smtClean="0"/>
+              <a:t>to summarize a set of tuples.</a:t>
+            </a:r>
           </a:p>
           <a:p>
             <a:pPr marL="2651760" lvl="1" indent="-457200">
@@ -4667,11 +4645,35 @@
             </a:pPr>
             <a:r>
               <a:rPr lang="en-US" sz="4500" b="1" dirty="0" smtClean="0"/>
-              <a:t>Weighting function:</a:t>
+              <a:t>Rule</a:t>
             </a:r>
             <a:r>
               <a:rPr lang="en-US" sz="4500" dirty="0" smtClean="0"/>
-              <a:t> Inherent interestingness of a rule e.g. Number of non-* values.</a:t>
+              <a:t> : A tuple consisting of actual values and wildcard-characters e.g. (a, *) matches (</a:t>
+            </a:r>
+            <a:r>
+              <a:rPr lang="en-US" sz="4500" dirty="0" err="1" smtClean="0"/>
+              <a:t>a,b</a:t>
+            </a:r>
+            <a:r>
+              <a:rPr lang="en-US" sz="4500" dirty="0" smtClean="0"/>
+              <a:t>) but not (</a:t>
+            </a:r>
+            <a:r>
+              <a:rPr lang="en-US" sz="4500" dirty="0" err="1" smtClean="0"/>
+              <a:t>c</a:t>
+            </a:r>
+            <a:r>
+              <a:rPr lang="en-US" sz="4500" dirty="0" err="1" smtClean="0"/>
+              <a:t>,</a:t>
+            </a:r>
+            <a:r>
+              <a:rPr lang="en-US" sz="4500" dirty="0" err="1" smtClean="0"/>
+              <a:t>b</a:t>
+            </a:r>
+            <a:r>
+              <a:rPr lang="en-US" sz="4500" dirty="0" smtClean="0"/>
+              <a:t>).</a:t>
             </a:r>
           </a:p>
           <a:p>
@@ -4680,6 +4682,35 @@
               <a:buChar char="•"/>
             </a:pPr>
             <a:r>
+              <a:rPr lang="en-US" sz="4500" b="1" dirty="0" smtClean="0"/>
+              <a:t>Best set of rules: </a:t>
+            </a:r>
+            <a:r>
+              <a:rPr lang="en-US" sz="4500" dirty="0" smtClean="0"/>
+              <a:t>Interestingness of a rule is based on :</a:t>
+            </a:r>
+            <a:endParaRPr lang="en-US" sz="4500" b="1" dirty="0" smtClean="0"/>
+          </a:p>
+          <a:p>
+            <a:pPr marL="4846320" lvl="2" indent="-457200">
+              <a:buFont typeface="Arial"/>
+              <a:buChar char="•"/>
+            </a:pPr>
+            <a:r>
+              <a:rPr lang="en-US" sz="4500" b="1" dirty="0" smtClean="0"/>
+              <a:t>Weighting function:</a:t>
+            </a:r>
+            <a:r>
+              <a:rPr lang="en-US" sz="4500" dirty="0" smtClean="0"/>
+              <a:t> Inherent interestingness of a rule e.g. Number of non-* values.</a:t>
+            </a:r>
+          </a:p>
+          <a:p>
+            <a:pPr marL="4846320" lvl="2" indent="-457200">
+              <a:buFont typeface="Arial"/>
+              <a:buChar char="•"/>
+            </a:pPr>
+            <a:r>
               <a:rPr lang="en-US" sz="4500" b="1" dirty="0"/>
               <a:t>Count</a:t>
             </a:r>
@@ -4691,6 +4722,33 @@
               <a:rPr lang="en-US" sz="4500" dirty="0" smtClean="0"/>
               <a:t>rule. </a:t>
             </a:r>
+          </a:p>
+          <a:p>
+            <a:pPr marL="4846320" lvl="2" indent="-457200">
+              <a:buFont typeface="Arial"/>
+              <a:buChar char="•"/>
+            </a:pPr>
+            <a:r>
+              <a:rPr lang="en-US" sz="4500" b="1" dirty="0" err="1" smtClean="0"/>
+              <a:t>MCount</a:t>
+            </a:r>
+            <a:r>
+              <a:rPr lang="en-US" sz="4500" b="1" dirty="0" smtClean="0"/>
+              <a:t> </a:t>
+            </a:r>
+            <a:r>
+              <a:rPr lang="en-US" sz="4500" dirty="0"/>
+              <a:t>: Number of new tuples covered by rule in a list of </a:t>
+            </a:r>
+            <a:r>
+              <a:rPr lang="en-US" sz="4500" dirty="0" smtClean="0"/>
+              <a:t>rules</a:t>
+            </a:r>
+            <a:r>
+              <a:rPr lang="en-US" sz="4500" dirty="0" smtClean="0"/>
+              <a:t> </a:t>
+            </a:r>
+            <a:endParaRPr lang="en-US" sz="4500" b="1" dirty="0" smtClean="0"/>
           </a:p>
           <a:p>
             <a:pPr marL="2651760" lvl="1" indent="-457200">
@@ -4698,44 +4756,17 @@
               <a:buChar char="•"/>
             </a:pPr>
             <a:r>
-              <a:rPr lang="en-US" sz="4500" b="1" dirty="0" err="1" smtClean="0"/>
-              <a:t>MCount</a:t>
+              <a:rPr lang="en-US" sz="4500" dirty="0" smtClean="0"/>
+              <a:t>Smart Drill Down Maximizes</a:t>
             </a:r>
             <a:r>
               <a:rPr lang="en-US" sz="4500" b="1" dirty="0" smtClean="0"/>
-              <a:t> </a:t>
-            </a:r>
-            <a:r>
-              <a:rPr lang="en-US" sz="4500" dirty="0"/>
-              <a:t>: Number of new tuples covered by rule in a list of </a:t>
-            </a:r>
-            <a:r>
-              <a:rPr lang="en-US" sz="4500" dirty="0" smtClean="0"/>
-              <a:t>rules</a:t>
+              <a:t> Score:</a:t>
             </a:r>
             <a:r>
               <a:rPr lang="en-US" sz="4500" dirty="0" smtClean="0"/>
               <a:t> </a:t>
             </a:r>
-            <a:endParaRPr lang="en-US" sz="4500" b="1" dirty="0" smtClean="0"/>
-          </a:p>
-          <a:p>
-            <a:pPr marL="457200" indent="-457200">
-              <a:buFont typeface="Arial"/>
-              <a:buChar char="•"/>
-            </a:pPr>
-            <a:r>
-              <a:rPr lang="en-US" sz="4500" dirty="0" smtClean="0"/>
-              <a:t>Smart Drill Down Maximizes</a:t>
-            </a:r>
-            <a:r>
-              <a:rPr lang="en-US" sz="4500" b="1" dirty="0" smtClean="0"/>
-              <a:t> Score:</a:t>
-            </a:r>
-            <a:r>
-              <a:rPr lang="en-US" sz="4500" dirty="0" smtClean="0"/>
-              <a:t> </a:t>
-            </a:r>
             <a:r>
               <a:rPr lang="en-US" sz="4500" dirty="0" smtClean="0"/>
               <a:t>∑ </a:t>
@@ -4750,47 +4781,6 @@
             </a:r>
           </a:p>
           <a:p>
-            <a:pPr marL="457200" indent="-457200">
-              <a:buFont typeface="Arial"/>
-              <a:buChar char="•"/>
-            </a:pPr>
-            <a:endParaRPr lang="en-US" sz="4500" dirty="0"/>
-          </a:p>
-          <a:p>
-            <a:pPr marL="457200" indent="-457200">
-              <a:buFont typeface="Arial"/>
-              <a:buChar char="•"/>
-            </a:pPr>
-            <a:r>
-              <a:rPr lang="en-US" sz="4500" dirty="0" smtClean="0"/>
-              <a:t>Example Datasets</a:t>
-            </a:r>
-          </a:p>
-          <a:p>
-            <a:pPr marL="2651760" lvl="1" indent="-457200">
-              <a:buFont typeface="Arial"/>
-              <a:buChar char="•"/>
-            </a:pPr>
-            <a:r>
-              <a:rPr lang="en-US" sz="4500" dirty="0" smtClean="0"/>
-              <a:t>Marketing Survey, demographic data – 10000 tuples</a:t>
-            </a:r>
-          </a:p>
-          <a:p>
-            <a:pPr marL="2651760" lvl="1" indent="-457200">
-              <a:buFont typeface="Arial"/>
-              <a:buChar char="•"/>
-            </a:pPr>
-            <a:r>
-              <a:rPr lang="en-US" sz="4500" dirty="0" smtClean="0"/>
-              <a:t>Political Donations Data – 24000 tuples</a:t>
-            </a:r>
-          </a:p>
-          <a:p>
-            <a:pPr marL="457200" indent="-457200">
-              <a:buFont typeface="Arial"/>
-              <a:buChar char="•"/>
-            </a:pPr>
             <a:endParaRPr lang="en-US" sz="3500" dirty="0" smtClean="0"/>
           </a:p>
           <a:p>
@@ -4810,8 +4800,8 @@
         </p:nvSpPr>
         <p:spPr>
           <a:xfrm>
-            <a:off x="14833600" y="18918469"/>
-            <a:ext cx="16617910" cy="11663130"/>
+            <a:off x="1524197" y="18918469"/>
+            <a:ext cx="29927313" cy="11663130"/>
           </a:xfrm>
           <a:prstGeom prst="roundRect">
             <a:avLst/>
@@ -4836,93 +4826,124 @@
           <a:lstStyle/>
           <a:p>
             <a:r>
+              <a:rPr lang="en-US" sz="5500" b="1" dirty="0" smtClean="0"/>
+              <a:t>Technical Challenges</a:t>
+            </a:r>
+          </a:p>
+          <a:p>
+            <a:pPr lvl="1"/>
+            <a:r>
+              <a:rPr lang="en-US" sz="5000" b="1" dirty="0" smtClean="0"/>
+              <a:t>Rule Finding</a:t>
+            </a:r>
+          </a:p>
+          <a:p>
+            <a:pPr marL="2880360" lvl="1" indent="-685800">
+              <a:buFont typeface="Arial"/>
+              <a:buChar char="•"/>
+            </a:pPr>
+            <a:r>
               <a:rPr lang="en-US" sz="4500" dirty="0" smtClean="0"/>
-              <a:t>        </a:t>
-            </a:r>
-            <a:r>
-              <a:rPr lang="en-US" sz="5500" b="1" dirty="0" smtClean="0"/>
-              <a:t>User Interface</a:t>
-            </a:r>
-          </a:p>
-          <a:p>
-            <a:endParaRPr lang="en-US" sz="4500" dirty="0"/>
-          </a:p>
-          <a:p>
+              <a:t>Exact Optimization NP-Hard</a:t>
+            </a:r>
+            <a:endParaRPr lang="en-US" sz="4500" dirty="0" smtClean="0"/>
+          </a:p>
+          <a:p>
+            <a:pPr marL="2880360" lvl="1" indent="-685800">
+              <a:buFont typeface="Arial"/>
+              <a:buChar char="•"/>
+            </a:pPr>
+            <a:r>
+              <a:rPr lang="en-US" sz="4500" dirty="0"/>
+              <a:t>Score is </a:t>
+            </a:r>
+            <a:r>
+              <a:rPr lang="en-US" sz="4500" dirty="0" err="1"/>
+              <a:t>submodular</a:t>
+            </a:r>
+            <a:r>
+              <a:rPr lang="en-US" sz="4500" dirty="0"/>
+              <a:t> as long as </a:t>
+            </a:r>
             <a:r>
               <a:rPr lang="en-US" sz="4500" dirty="0" smtClean="0"/>
-              <a:t>        Number of sub-rules to display on drill-down</a:t>
-            </a:r>
-          </a:p>
-          <a:p>
-            <a:endParaRPr lang="en-US" sz="4500" dirty="0" smtClean="0"/>
-          </a:p>
-          <a:p>
+              <a:t>weighting </a:t>
+            </a:r>
+            <a:r>
+              <a:rPr lang="en-US" sz="4500" dirty="0"/>
+              <a:t>function if monotone</a:t>
+            </a:r>
+          </a:p>
+          <a:p>
+            <a:pPr marL="2880360" lvl="1" indent="-685800">
+              <a:buFont typeface="Arial"/>
+              <a:buChar char="•"/>
+            </a:pPr>
             <a:r>
               <a:rPr lang="en-US" sz="4500" dirty="0" smtClean="0"/>
-              <a:t>        Tradeoff response time </a:t>
-            </a:r>
-            <a:r>
-              <a:rPr lang="en-US" sz="4500" dirty="0" err="1" smtClean="0"/>
-              <a:t>vs</a:t>
-            </a:r>
+              <a:t>Greedy Approximation algorithm</a:t>
+            </a:r>
+          </a:p>
+          <a:p>
+            <a:pPr marL="2880360" lvl="1" indent="-685800">
+              <a:buFont typeface="Arial"/>
+              <a:buChar char="•"/>
+            </a:pPr>
             <a:r>
               <a:rPr lang="en-US" sz="4500" dirty="0" smtClean="0"/>
-              <a:t> score</a:t>
-            </a:r>
-          </a:p>
-          <a:p>
+              <a:t>A-priori like algorithm for each step of Greedy Algorithm</a:t>
+            </a:r>
+          </a:p>
+          <a:p>
+            <a:pPr lvl="1"/>
+            <a:r>
+              <a:rPr lang="en-US" sz="5000" b="1" dirty="0" smtClean="0"/>
+              <a:t>Sampling</a:t>
+            </a:r>
+          </a:p>
+          <a:p>
+            <a:pPr marL="2880360" lvl="1" indent="-685800">
+              <a:buFont typeface="Arial"/>
+              <a:buChar char="•"/>
+            </a:pPr>
             <a:r>
               <a:rPr lang="en-US" sz="4500" dirty="0" smtClean="0"/>
-              <a:t>      </a:t>
-            </a:r>
-          </a:p>
-          <a:p>
-            <a:r>
-              <a:rPr lang="en-US" sz="4500" dirty="0"/>
-              <a:t> </a:t>
-            </a:r>
+              <a:t>Using samples to speed up processing. When user clicks on a rule, we create sample for that rule on the fly, using existing samples in memory, or the hard disk. </a:t>
+            </a:r>
+          </a:p>
+          <a:p>
+            <a:pPr marL="2880360" lvl="1" indent="-685800">
+              <a:buFont typeface="Arial"/>
+              <a:buChar char="•"/>
+            </a:pPr>
             <a:r>
               <a:rPr lang="en-US" sz="4500" dirty="0" smtClean="0"/>
-              <a:t>       Determine what rules are interesting</a:t>
-            </a:r>
-          </a:p>
-          <a:p>
-            <a:endParaRPr lang="en-US" sz="4500" dirty="0" smtClean="0"/>
-          </a:p>
-          <a:p>
-            <a:endParaRPr lang="en-US" sz="4500" dirty="0" smtClean="0"/>
-          </a:p>
-          <a:p>
-            <a:endParaRPr lang="en-US" sz="4500" dirty="0" smtClean="0"/>
-          </a:p>
-          <a:p>
-            <a:pPr lvl="1"/>
+              <a:t>Store optimal samples </a:t>
+            </a:r>
+            <a:r>
+              <a:rPr lang="en-US" sz="4500" smtClean="0"/>
+              <a:t>to avoid </a:t>
+            </a:r>
             <a:r>
               <a:rPr lang="en-US" sz="4500" dirty="0" smtClean="0"/>
-              <a:t>Always instantiate column in rules</a:t>
-            </a:r>
-          </a:p>
-          <a:p>
-            <a:pPr lvl="1"/>
-            <a:endParaRPr lang="en-US" sz="4500" dirty="0" smtClean="0"/>
-          </a:p>
-          <a:p>
-            <a:pPr lvl="1"/>
+              <a:t>hard disk access. </a:t>
+            </a:r>
+          </a:p>
+          <a:p>
+            <a:pPr marL="2880360" lvl="1" indent="-685800">
+              <a:buFont typeface="Arial"/>
+              <a:buChar char="•"/>
+            </a:pPr>
             <a:r>
               <a:rPr lang="en-US" sz="4500" dirty="0" smtClean="0"/>
-              <a:t>Never instantiate column in rules</a:t>
-            </a:r>
-          </a:p>
-          <a:p>
-            <a:pPr lvl="1"/>
-            <a:endParaRPr lang="en-US" sz="4500" dirty="0" smtClean="0"/>
-          </a:p>
-          <a:p>
-            <a:pPr lvl="1"/>
-            <a:r>
-              <a:rPr lang="en-US" sz="4500" dirty="0" smtClean="0"/>
-              <a:t>Instantiate column only if it maximizes score</a:t>
-            </a:r>
+              <a:t>Finding best samples is NP-Hard; we use a Dynamic Programming Based Approximation. </a:t>
+            </a:r>
+          </a:p>
+          <a:p>
+            <a:pPr marL="2880360" lvl="1" indent="-685800">
+              <a:buFont typeface="Arial"/>
+              <a:buChar char="•"/>
+            </a:pPr>
             <a:endParaRPr lang="en-US" sz="4500" dirty="0"/>
           </a:p>
         </p:txBody>
@@ -4935,8 +4956,8 @@
         </p:nvSpPr>
         <p:spPr>
           <a:xfrm>
-            <a:off x="1524197" y="31712990"/>
-            <a:ext cx="12407074" cy="9695979"/>
+            <a:off x="1473396" y="31712990"/>
+            <a:ext cx="29927313" cy="9695979"/>
           </a:xfrm>
           <a:prstGeom prst="roundRect">
             <a:avLst/>
@@ -4962,462 +4983,101 @@
           <a:p>
             <a:r>
               <a:rPr lang="en-US" sz="5500" b="1" dirty="0" smtClean="0"/>
-              <a:t>Interactive Output</a:t>
-            </a:r>
-          </a:p>
-          <a:p>
-            <a:endParaRPr lang="en-US" sz="5500" b="1" dirty="0" smtClean="0"/>
-          </a:p>
-          <a:p>
-            <a:pPr marL="685800" indent="-685800">
+              <a:t>Comparison to Existing work</a:t>
+            </a:r>
+          </a:p>
+          <a:p>
+            <a:pPr marL="2880360" lvl="1" indent="-685800">
               <a:buFont typeface="Arial"/>
               <a:buChar char="•"/>
             </a:pPr>
             <a:r>
-              <a:rPr lang="en-US" sz="4500" dirty="0"/>
-              <a:t>Clicking on a ‘-’ </a:t>
-            </a:r>
-            <a:r>
-              <a:rPr lang="en-US" sz="4500" dirty="0" err="1"/>
-              <a:t>undos</a:t>
-            </a:r>
-            <a:r>
-              <a:rPr lang="en-US" sz="4500" dirty="0"/>
-              <a:t> the drill         down</a:t>
-            </a:r>
-          </a:p>
-          <a:p>
-            <a:pPr marL="685800" indent="-685800">
+              <a:rPr lang="en-US" sz="4500" dirty="0" smtClean="0"/>
+              <a:t> Pattern Mining </a:t>
+            </a:r>
+          </a:p>
+          <a:p>
+            <a:pPr marL="5074920" lvl="2" indent="-685800">
               <a:buFont typeface="Arial"/>
               <a:buChar char="•"/>
             </a:pPr>
             <a:r>
               <a:rPr lang="en-US" sz="4500" dirty="0" smtClean="0"/>
-              <a:t>Clicking on a ‘+’ drills down           further on that part of the table</a:t>
-            </a:r>
-          </a:p>
-        </p:txBody>
-      </p:sp>
-      <p:pic>
-        <p:nvPicPr>
-          <p:cNvPr id="2" name="Picture 1" descr="uiscreenshot.jpg"/>
-          <p:cNvPicPr>
-            <a:picLocks noChangeAspect="1"/>
-          </p:cNvPicPr>
-          <p:nvPr/>
-        </p:nvPicPr>
-        <p:blipFill>
-          <a:blip r:embed="rId2">
-            <a:extLst>
-              <a:ext uri="{28A0092B-C50C-407E-A947-70E740481C1C}">
-                <a14:useLocalDpi xmlns:a14="http://schemas.microsoft.com/office/drawing/2010/main" val="0"/>
-              </a:ext>
-            </a:extLst>
-          </a:blip>
-          <a:stretch>
-            <a:fillRect/>
-          </a:stretch>
-        </p:blipFill>
-        <p:spPr>
-          <a:xfrm>
-            <a:off x="1524196" y="18918468"/>
-            <a:ext cx="14813982" cy="11663131"/>
-          </a:xfrm>
-          <a:prstGeom prst="rect">
-            <a:avLst/>
-          </a:prstGeom>
-        </p:spPr>
-      </p:pic>
-      <p:pic>
-        <p:nvPicPr>
-          <p:cNvPr id="3" name="Picture 2" descr="uiresults.jpg"/>
-          <p:cNvPicPr>
-            <a:picLocks noChangeAspect="1"/>
-          </p:cNvPicPr>
-          <p:nvPr/>
-        </p:nvPicPr>
-        <p:blipFill>
-          <a:blip r:embed="rId3">
-            <a:extLst>
-              <a:ext uri="{28A0092B-C50C-407E-A947-70E740481C1C}">
-                <a14:useLocalDpi xmlns:a14="http://schemas.microsoft.com/office/drawing/2010/main" val="0"/>
-              </a:ext>
-            </a:extLst>
-          </a:blip>
-          <a:stretch>
-            <a:fillRect/>
-          </a:stretch>
-        </p:blipFill>
-        <p:spPr>
-          <a:xfrm>
-            <a:off x="11826283" y="31712990"/>
-            <a:ext cx="19625227" cy="9695979"/>
-          </a:xfrm>
-          <a:prstGeom prst="rect">
-            <a:avLst/>
-          </a:prstGeom>
-        </p:spPr>
-      </p:pic>
-      <p:cxnSp>
-        <p:nvCxnSpPr>
-          <p:cNvPr id="10" name="Straight Arrow Connector 9"/>
-          <p:cNvCxnSpPr/>
-          <p:nvPr/>
-        </p:nvCxnSpPr>
-        <p:spPr>
-          <a:xfrm>
-            <a:off x="14839636" y="21437600"/>
-            <a:ext cx="1816728" cy="0"/>
-          </a:xfrm>
-          <a:prstGeom prst="straightConnector1">
-            <a:avLst/>
-          </a:prstGeom>
-          <a:ln>
-            <a:solidFill>
-              <a:schemeClr val="accent6"/>
-            </a:solidFill>
-            <a:tailEnd type="arrow"/>
-          </a:ln>
-        </p:spPr>
-        <p:style>
-          <a:lnRef idx="2">
-            <a:schemeClr val="accent1"/>
-          </a:lnRef>
-          <a:fillRef idx="0">
-            <a:schemeClr val="accent1"/>
-          </a:fillRef>
-          <a:effectRef idx="1">
-            <a:schemeClr val="accent1"/>
-          </a:effectRef>
-          <a:fontRef idx="minor">
-            <a:schemeClr val="tx1"/>
-          </a:fontRef>
-        </p:style>
-      </p:cxnSp>
-      <p:cxnSp>
-        <p:nvCxnSpPr>
-          <p:cNvPr id="13" name="Straight Arrow Connector 12"/>
-          <p:cNvCxnSpPr/>
-          <p:nvPr/>
-        </p:nvCxnSpPr>
-        <p:spPr>
-          <a:xfrm>
-            <a:off x="14839636" y="22758400"/>
-            <a:ext cx="1816728" cy="0"/>
-          </a:xfrm>
-          <a:prstGeom prst="straightConnector1">
-            <a:avLst/>
-          </a:prstGeom>
-          <a:ln>
-            <a:solidFill>
-              <a:schemeClr val="accent6"/>
-            </a:solidFill>
-            <a:tailEnd type="arrow"/>
-          </a:ln>
-        </p:spPr>
-        <p:style>
-          <a:lnRef idx="2">
-            <a:schemeClr val="accent1"/>
-          </a:lnRef>
-          <a:fillRef idx="0">
-            <a:schemeClr val="accent1"/>
-          </a:fillRef>
-          <a:effectRef idx="1">
-            <a:schemeClr val="accent1"/>
-          </a:effectRef>
-          <a:fontRef idx="minor">
-            <a:schemeClr val="tx1"/>
-          </a:fontRef>
-        </p:style>
-      </p:cxnSp>
-      <p:cxnSp>
-        <p:nvCxnSpPr>
-          <p:cNvPr id="18" name="Straight Arrow Connector 17"/>
-          <p:cNvCxnSpPr/>
-          <p:nvPr/>
-        </p:nvCxnSpPr>
-        <p:spPr>
-          <a:xfrm>
-            <a:off x="14839636" y="24028400"/>
-            <a:ext cx="1816729" cy="0"/>
-          </a:xfrm>
-          <a:prstGeom prst="straightConnector1">
-            <a:avLst/>
-          </a:prstGeom>
-          <a:ln>
-            <a:solidFill>
-              <a:schemeClr val="accent6"/>
-            </a:solidFill>
-            <a:tailEnd type="arrow"/>
-          </a:ln>
-        </p:spPr>
-        <p:style>
-          <a:lnRef idx="2">
-            <a:schemeClr val="accent1"/>
-          </a:lnRef>
-          <a:fillRef idx="0">
-            <a:schemeClr val="accent1"/>
-          </a:fillRef>
-          <a:effectRef idx="1">
-            <a:schemeClr val="accent1"/>
-          </a:effectRef>
-          <a:fontRef idx="minor">
-            <a:schemeClr val="tx1"/>
-          </a:fontRef>
-        </p:style>
-      </p:cxnSp>
-      <p:cxnSp>
-        <p:nvCxnSpPr>
-          <p:cNvPr id="19" name="Straight Arrow Connector 18"/>
-          <p:cNvCxnSpPr/>
-          <p:nvPr/>
-        </p:nvCxnSpPr>
-        <p:spPr>
-          <a:xfrm>
-            <a:off x="8686800" y="25349200"/>
-            <a:ext cx="8839200" cy="4267200"/>
-          </a:xfrm>
-          <a:prstGeom prst="straightConnector1">
-            <a:avLst/>
-          </a:prstGeom>
-          <a:ln>
-            <a:solidFill>
-              <a:schemeClr val="accent6"/>
-            </a:solidFill>
-            <a:tailEnd type="arrow"/>
-          </a:ln>
-        </p:spPr>
-        <p:style>
-          <a:lnRef idx="2">
-            <a:schemeClr val="accent1"/>
-          </a:lnRef>
-          <a:fillRef idx="0">
-            <a:schemeClr val="accent1"/>
-          </a:fillRef>
-          <a:effectRef idx="1">
-            <a:schemeClr val="accent1"/>
-          </a:effectRef>
-          <a:fontRef idx="minor">
-            <a:schemeClr val="tx1"/>
-          </a:fontRef>
-        </p:style>
-      </p:cxnSp>
-      <p:cxnSp>
-        <p:nvCxnSpPr>
-          <p:cNvPr id="22" name="Straight Arrow Connector 21"/>
-          <p:cNvCxnSpPr/>
-          <p:nvPr/>
-        </p:nvCxnSpPr>
-        <p:spPr>
-          <a:xfrm>
-            <a:off x="11328400" y="25349200"/>
-            <a:ext cx="6197600" cy="2692400"/>
-          </a:xfrm>
-          <a:prstGeom prst="straightConnector1">
-            <a:avLst/>
-          </a:prstGeom>
-          <a:ln>
-            <a:solidFill>
-              <a:schemeClr val="accent6"/>
-            </a:solidFill>
-            <a:tailEnd type="arrow"/>
-          </a:ln>
-        </p:spPr>
-        <p:style>
-          <a:lnRef idx="2">
-            <a:schemeClr val="accent1"/>
-          </a:lnRef>
-          <a:fillRef idx="0">
-            <a:schemeClr val="accent1"/>
-          </a:fillRef>
-          <a:effectRef idx="1">
-            <a:schemeClr val="accent1"/>
-          </a:effectRef>
-          <a:fontRef idx="minor">
-            <a:schemeClr val="tx1"/>
-          </a:fontRef>
-        </p:style>
-      </p:cxnSp>
-      <p:cxnSp>
-        <p:nvCxnSpPr>
-          <p:cNvPr id="25" name="Straight Arrow Connector 24"/>
-          <p:cNvCxnSpPr/>
-          <p:nvPr/>
-        </p:nvCxnSpPr>
-        <p:spPr>
-          <a:xfrm>
-            <a:off x="13931271" y="25349200"/>
-            <a:ext cx="3594729" cy="1422400"/>
-          </a:xfrm>
-          <a:prstGeom prst="straightConnector1">
-            <a:avLst/>
-          </a:prstGeom>
-          <a:ln>
-            <a:solidFill>
-              <a:schemeClr val="accent6"/>
-            </a:solidFill>
-            <a:tailEnd type="arrow"/>
-          </a:ln>
-        </p:spPr>
-        <p:style>
-          <a:lnRef idx="2">
-            <a:schemeClr val="accent1"/>
-          </a:lnRef>
-          <a:fillRef idx="0">
-            <a:schemeClr val="accent1"/>
-          </a:fillRef>
-          <a:effectRef idx="1">
-            <a:schemeClr val="accent1"/>
-          </a:effectRef>
-          <a:fontRef idx="minor">
-            <a:schemeClr val="tx1"/>
-          </a:fontRef>
-        </p:style>
-      </p:cxnSp>
-      <p:cxnSp>
-        <p:nvCxnSpPr>
-          <p:cNvPr id="44" name="Straight Arrow Connector 43"/>
-          <p:cNvCxnSpPr/>
-          <p:nvPr/>
-        </p:nvCxnSpPr>
-        <p:spPr>
-          <a:xfrm flipH="1">
-            <a:off x="10922000" y="35509200"/>
-            <a:ext cx="2489200" cy="660400"/>
-          </a:xfrm>
-          <a:prstGeom prst="straightConnector1">
-            <a:avLst/>
-          </a:prstGeom>
-          <a:ln>
-            <a:solidFill>
-              <a:schemeClr val="accent5"/>
-            </a:solidFill>
-            <a:tailEnd type="arrow"/>
-          </a:ln>
-        </p:spPr>
-        <p:style>
-          <a:lnRef idx="2">
-            <a:schemeClr val="accent1"/>
-          </a:lnRef>
-          <a:fillRef idx="0">
-            <a:schemeClr val="accent1"/>
-          </a:fillRef>
-          <a:effectRef idx="1">
-            <a:schemeClr val="accent1"/>
-          </a:effectRef>
-          <a:fontRef idx="minor">
-            <a:schemeClr val="tx1"/>
-          </a:fontRef>
-        </p:style>
-      </p:cxnSp>
-      <p:cxnSp>
-        <p:nvCxnSpPr>
-          <p:cNvPr id="51" name="Straight Arrow Connector 50"/>
-          <p:cNvCxnSpPr/>
-          <p:nvPr/>
-        </p:nvCxnSpPr>
-        <p:spPr>
-          <a:xfrm flipH="1">
-            <a:off x="10210800" y="36677600"/>
-            <a:ext cx="3200400" cy="1016000"/>
-          </a:xfrm>
-          <a:prstGeom prst="straightConnector1">
-            <a:avLst/>
-          </a:prstGeom>
-          <a:ln>
-            <a:solidFill>
-              <a:schemeClr val="accent5"/>
-            </a:solidFill>
-            <a:tailEnd type="arrow"/>
-          </a:ln>
-        </p:spPr>
-        <p:style>
-          <a:lnRef idx="2">
-            <a:schemeClr val="accent1"/>
-          </a:lnRef>
-          <a:fillRef idx="0">
-            <a:schemeClr val="accent1"/>
-          </a:fillRef>
-          <a:effectRef idx="1">
-            <a:schemeClr val="accent1"/>
-          </a:effectRef>
-          <a:fontRef idx="minor">
-            <a:schemeClr val="tx1"/>
-          </a:fontRef>
-        </p:style>
-      </p:cxnSp>
-      <p:cxnSp>
-        <p:nvCxnSpPr>
-          <p:cNvPr id="53" name="Straight Arrow Connector 52"/>
-          <p:cNvCxnSpPr/>
-          <p:nvPr/>
-        </p:nvCxnSpPr>
-        <p:spPr>
-          <a:xfrm flipH="1" flipV="1">
-            <a:off x="10210800" y="37693600"/>
-            <a:ext cx="3200400" cy="406400"/>
-          </a:xfrm>
-          <a:prstGeom prst="straightConnector1">
-            <a:avLst/>
-          </a:prstGeom>
-          <a:ln>
-            <a:solidFill>
-              <a:schemeClr val="accent5"/>
-            </a:solidFill>
-            <a:tailEnd type="arrow"/>
-          </a:ln>
-        </p:spPr>
-        <p:style>
-          <a:lnRef idx="2">
-            <a:schemeClr val="accent1"/>
-          </a:lnRef>
-          <a:fillRef idx="0">
-            <a:schemeClr val="accent1"/>
-          </a:fillRef>
-          <a:effectRef idx="1">
-            <a:schemeClr val="accent1"/>
-          </a:effectRef>
-          <a:fontRef idx="minor">
-            <a:schemeClr val="tx1"/>
-          </a:fontRef>
-        </p:style>
-      </p:cxnSp>
-      <p:cxnSp>
-        <p:nvCxnSpPr>
-          <p:cNvPr id="55" name="Straight Arrow Connector 54"/>
-          <p:cNvCxnSpPr/>
-          <p:nvPr/>
-        </p:nvCxnSpPr>
-        <p:spPr>
-          <a:xfrm flipH="1" flipV="1">
-            <a:off x="10210800" y="37693600"/>
-            <a:ext cx="3200400" cy="1778000"/>
-          </a:xfrm>
-          <a:prstGeom prst="straightConnector1">
-            <a:avLst/>
-          </a:prstGeom>
-          <a:ln>
-            <a:solidFill>
-              <a:schemeClr val="accent5"/>
-            </a:solidFill>
-            <a:tailEnd type="arrow"/>
-          </a:ln>
-        </p:spPr>
-        <p:style>
-          <a:lnRef idx="2">
-            <a:schemeClr val="accent1"/>
-          </a:lnRef>
-          <a:fillRef idx="0">
-            <a:schemeClr val="accent1"/>
-          </a:fillRef>
-          <a:effectRef idx="1">
-            <a:schemeClr val="accent1"/>
-          </a:effectRef>
-          <a:fontRef idx="minor">
-            <a:schemeClr val="tx1"/>
-          </a:fontRef>
-        </p:style>
-      </p:cxnSp>
+              <a:t>Fast and Tunable</a:t>
+            </a:r>
+          </a:p>
+          <a:p>
+            <a:pPr marL="5074920" lvl="2" indent="-685800">
+              <a:buFont typeface="Arial"/>
+              <a:buChar char="•"/>
+            </a:pPr>
+            <a:r>
+              <a:rPr lang="en-US" sz="4500" dirty="0" smtClean="0"/>
+              <a:t>Works on Structured Data</a:t>
+            </a:r>
+          </a:p>
+          <a:p>
+            <a:pPr marL="5074920" lvl="2" indent="-685800">
+              <a:buFont typeface="Arial"/>
+              <a:buChar char="•"/>
+            </a:pPr>
+            <a:r>
+              <a:rPr lang="en-US" sz="4500" dirty="0" smtClean="0"/>
+              <a:t>Theoretical Approximation Guarantees. </a:t>
+            </a:r>
+          </a:p>
+          <a:p>
+            <a:pPr marL="2880360" lvl="1" indent="-685800">
+              <a:buFont typeface="Arial"/>
+              <a:buChar char="•"/>
+            </a:pPr>
+            <a:r>
+              <a:rPr lang="en-US" sz="4500" dirty="0" smtClean="0"/>
+              <a:t>Max entropy based approaches : Emphasizes High Coverage of Table using Minimum Space.  </a:t>
+            </a:r>
+          </a:p>
+          <a:p>
+            <a:pPr marL="2880360" lvl="1" indent="-685800">
+              <a:buFont typeface="Arial"/>
+              <a:buChar char="•"/>
+            </a:pPr>
+            <a:r>
+              <a:rPr lang="en-US" sz="4500" dirty="0" smtClean="0"/>
+              <a:t>Regular Drill-Down</a:t>
+            </a:r>
+          </a:p>
+          <a:p>
+            <a:pPr marL="5074920" lvl="2" indent="-685800">
+              <a:buFont typeface="Arial"/>
+              <a:buChar char="•"/>
+            </a:pPr>
+            <a:r>
+              <a:rPr lang="en-US" sz="4500" dirty="0" smtClean="0"/>
+              <a:t>Requires no pre-computation </a:t>
+            </a:r>
+          </a:p>
+          <a:p>
+            <a:pPr marL="5074920" lvl="2" indent="-685800">
+              <a:buFont typeface="Arial"/>
+              <a:buChar char="•"/>
+            </a:pPr>
+            <a:r>
+              <a:rPr lang="en-US" sz="4500" dirty="0" smtClean="0"/>
+              <a:t>Shows only most interesting results </a:t>
+            </a:r>
+          </a:p>
+          <a:p>
+            <a:pPr marL="5074920" lvl="2" indent="-685800">
+              <a:buFont typeface="Arial"/>
+              <a:buChar char="•"/>
+            </a:pPr>
+            <a:r>
+              <a:rPr lang="en-US" sz="4500" dirty="0" smtClean="0"/>
+              <a:t>Instantiates multiple columns at once without requiring user to guess the columns. </a:t>
+            </a:r>
+          </a:p>
+        </p:txBody>
+      </p:sp>
     </p:spTree>
     <p:extLst>
       <p:ext uri="{BB962C8B-B14F-4D97-AF65-F5344CB8AC3E}">

--- a/DemoPaper/Poster/DemoPoster.pptx
+++ b/DemoPaper/Poster/DemoPoster.pptx
@@ -4,6 +4,9 @@
   <p:sldMasterIdLst>
     <p:sldMasterId id="2147483722" r:id="rId1"/>
   </p:sldMasterIdLst>
+  <p:notesMasterIdLst>
+    <p:notesMasterId r:id="rId3"/>
+  </p:notesMasterIdLst>
   <p:sldIdLst>
     <p:sldId id="256" r:id="rId2"/>
   </p:sldIdLst>
@@ -105,6 +108,6421 @@
     </a:lvl9pPr>
   </p:defaultTextStyle>
 </p:presentation>
+</file>
+
+<file path=ppt/diagrams/colors1.xml><?xml version="1.0" encoding="utf-8"?>
+<dgm:colorsDef xmlns:dgm="http://schemas.openxmlformats.org/drawingml/2006/diagram" xmlns:a="http://schemas.openxmlformats.org/drawingml/2006/main" uniqueId="urn:microsoft.com/office/officeart/2005/8/colors/accent1_2">
+  <dgm:title val=""/>
+  <dgm:desc val=""/>
+  <dgm:catLst>
+    <dgm:cat type="accent1" pri="11200"/>
+  </dgm:catLst>
+  <dgm:styleLbl name="node0">
+    <dgm:fillClrLst meth="repeat">
+      <a:schemeClr val="accent1"/>
+    </dgm:fillClrLst>
+    <dgm:linClrLst meth="repeat">
+      <a:schemeClr val="lt1"/>
+    </dgm:linClrLst>
+    <dgm:effectClrLst/>
+    <dgm:txLinClrLst/>
+    <dgm:txFillClrLst/>
+    <dgm:txEffectClrLst/>
+  </dgm:styleLbl>
+  <dgm:styleLbl name="alignNode1">
+    <dgm:fillClrLst meth="repeat">
+      <a:schemeClr val="accent1"/>
+    </dgm:fillClrLst>
+    <dgm:linClrLst meth="repeat">
+      <a:schemeClr val="accent1"/>
+    </dgm:linClrLst>
+    <dgm:effectClrLst/>
+    <dgm:txLinClrLst/>
+    <dgm:txFillClrLst/>
+    <dgm:txEffectClrLst/>
+  </dgm:styleLbl>
+  <dgm:styleLbl name="node1">
+    <dgm:fillClrLst meth="repeat">
+      <a:schemeClr val="accent1"/>
+    </dgm:fillClrLst>
+    <dgm:linClrLst meth="repeat">
+      <a:schemeClr val="lt1"/>
+    </dgm:linClrLst>
+    <dgm:effectClrLst/>
+    <dgm:txLinClrLst/>
+    <dgm:txFillClrLst/>
+    <dgm:txEffectClrLst/>
+  </dgm:styleLbl>
+  <dgm:styleLbl name="lnNode1">
+    <dgm:fillClrLst meth="repeat">
+      <a:schemeClr val="accent1"/>
+    </dgm:fillClrLst>
+    <dgm:linClrLst meth="repeat">
+      <a:schemeClr val="lt1"/>
+    </dgm:linClrLst>
+    <dgm:effectClrLst/>
+    <dgm:txLinClrLst/>
+    <dgm:txFillClrLst/>
+    <dgm:txEffectClrLst/>
+  </dgm:styleLbl>
+  <dgm:styleLbl name="vennNode1">
+    <dgm:fillClrLst meth="repeat">
+      <a:schemeClr val="accent1">
+        <a:alpha val="50000"/>
+      </a:schemeClr>
+    </dgm:fillClrLst>
+    <dgm:linClrLst meth="repeat">
+      <a:schemeClr val="lt1"/>
+    </dgm:linClrLst>
+    <dgm:effectClrLst/>
+    <dgm:txLinClrLst/>
+    <dgm:txFillClrLst/>
+    <dgm:txEffectClrLst/>
+  </dgm:styleLbl>
+  <dgm:styleLbl name="node2">
+    <dgm:fillClrLst meth="repeat">
+      <a:schemeClr val="accent1"/>
+    </dgm:fillClrLst>
+    <dgm:linClrLst meth="repeat">
+      <a:schemeClr val="lt1"/>
+    </dgm:linClrLst>
+    <dgm:effectClrLst/>
+    <dgm:txLinClrLst/>
+    <dgm:txFillClrLst/>
+    <dgm:txEffectClrLst/>
+  </dgm:styleLbl>
+  <dgm:styleLbl name="node3">
+    <dgm:fillClrLst meth="repeat">
+      <a:schemeClr val="accent1"/>
+    </dgm:fillClrLst>
+    <dgm:linClrLst meth="repeat">
+      <a:schemeClr val="lt1"/>
+    </dgm:linClrLst>
+    <dgm:effectClrLst/>
+    <dgm:txLinClrLst/>
+    <dgm:txFillClrLst/>
+    <dgm:txEffectClrLst/>
+  </dgm:styleLbl>
+  <dgm:styleLbl name="node4">
+    <dgm:fillClrLst meth="repeat">
+      <a:schemeClr val="accent1"/>
+    </dgm:fillClrLst>
+    <dgm:linClrLst meth="repeat">
+      <a:schemeClr val="lt1"/>
+    </dgm:linClrLst>
+    <dgm:effectClrLst/>
+    <dgm:txLinClrLst/>
+    <dgm:txFillClrLst/>
+    <dgm:txEffectClrLst/>
+  </dgm:styleLbl>
+  <dgm:styleLbl name="fgImgPlace1">
+    <dgm:fillClrLst meth="repeat">
+      <a:schemeClr val="accent1">
+        <a:tint val="50000"/>
+      </a:schemeClr>
+    </dgm:fillClrLst>
+    <dgm:linClrLst meth="repeat">
+      <a:schemeClr val="lt1"/>
+    </dgm:linClrLst>
+    <dgm:effectClrLst/>
+    <dgm:txLinClrLst/>
+    <dgm:txFillClrLst meth="repeat">
+      <a:schemeClr val="lt1"/>
+    </dgm:txFillClrLst>
+    <dgm:txEffectClrLst/>
+  </dgm:styleLbl>
+  <dgm:styleLbl name="alignImgPlace1">
+    <dgm:fillClrLst meth="repeat">
+      <a:schemeClr val="accent1">
+        <a:tint val="50000"/>
+      </a:schemeClr>
+    </dgm:fillClrLst>
+    <dgm:linClrLst meth="repeat">
+      <a:schemeClr val="lt1"/>
+    </dgm:linClrLst>
+    <dgm:effectClrLst/>
+    <dgm:txLinClrLst/>
+    <dgm:txFillClrLst meth="repeat">
+      <a:schemeClr val="lt1"/>
+    </dgm:txFillClrLst>
+    <dgm:txEffectClrLst/>
+  </dgm:styleLbl>
+  <dgm:styleLbl name="bgImgPlace1">
+    <dgm:fillClrLst meth="repeat">
+      <a:schemeClr val="accent1">
+        <a:tint val="50000"/>
+      </a:schemeClr>
+    </dgm:fillClrLst>
+    <dgm:linClrLst meth="repeat">
+      <a:schemeClr val="lt1"/>
+    </dgm:linClrLst>
+    <dgm:effectClrLst/>
+    <dgm:txLinClrLst/>
+    <dgm:txFillClrLst meth="repeat">
+      <a:schemeClr val="lt1"/>
+    </dgm:txFillClrLst>
+    <dgm:txEffectClrLst/>
+  </dgm:styleLbl>
+  <dgm:styleLbl name="sibTrans2D1">
+    <dgm:fillClrLst meth="repeat">
+      <a:schemeClr val="accent1">
+        <a:tint val="60000"/>
+      </a:schemeClr>
+    </dgm:fillClrLst>
+    <dgm:linClrLst meth="repeat">
+      <a:schemeClr val="accent1">
+        <a:tint val="60000"/>
+      </a:schemeClr>
+    </dgm:linClrLst>
+    <dgm:effectClrLst/>
+    <dgm:txLinClrLst/>
+    <dgm:txFillClrLst/>
+    <dgm:txEffectClrLst/>
+  </dgm:styleLbl>
+  <dgm:styleLbl name="fgSibTrans2D1">
+    <dgm:fillClrLst meth="repeat">
+      <a:schemeClr val="accent1">
+        <a:tint val="60000"/>
+      </a:schemeClr>
+    </dgm:fillClrLst>
+    <dgm:linClrLst meth="repeat">
+      <a:schemeClr val="accent1">
+        <a:tint val="60000"/>
+      </a:schemeClr>
+    </dgm:linClrLst>
+    <dgm:effectClrLst/>
+    <dgm:txLinClrLst/>
+    <dgm:txFillClrLst/>
+    <dgm:txEffectClrLst/>
+  </dgm:styleLbl>
+  <dgm:styleLbl name="bgSibTrans2D1">
+    <dgm:fillClrLst meth="repeat">
+      <a:schemeClr val="accent1">
+        <a:tint val="60000"/>
+      </a:schemeClr>
+    </dgm:fillClrLst>
+    <dgm:linClrLst meth="repeat">
+      <a:schemeClr val="accent1">
+        <a:tint val="60000"/>
+      </a:schemeClr>
+    </dgm:linClrLst>
+    <dgm:effectClrLst/>
+    <dgm:txLinClrLst/>
+    <dgm:txFillClrLst/>
+    <dgm:txEffectClrLst/>
+  </dgm:styleLbl>
+  <dgm:styleLbl name="sibTrans1D1">
+    <dgm:fillClrLst meth="repeat">
+      <a:schemeClr val="accent1"/>
+    </dgm:fillClrLst>
+    <dgm:linClrLst meth="repeat">
+      <a:schemeClr val="accent1"/>
+    </dgm:linClrLst>
+    <dgm:effectClrLst/>
+    <dgm:txLinClrLst/>
+    <dgm:txFillClrLst meth="repeat">
+      <a:schemeClr val="tx1"/>
+    </dgm:txFillClrLst>
+    <dgm:txEffectClrLst/>
+  </dgm:styleLbl>
+  <dgm:styleLbl name="callout">
+    <dgm:fillClrLst meth="repeat">
+      <a:schemeClr val="accent1"/>
+    </dgm:fillClrLst>
+    <dgm:linClrLst meth="repeat">
+      <a:schemeClr val="accent1">
+        <a:tint val="50000"/>
+      </a:schemeClr>
+    </dgm:linClrLst>
+    <dgm:effectClrLst/>
+    <dgm:txLinClrLst/>
+    <dgm:txFillClrLst meth="repeat">
+      <a:schemeClr val="tx1"/>
+    </dgm:txFillClrLst>
+    <dgm:txEffectClrLst/>
+  </dgm:styleLbl>
+  <dgm:styleLbl name="asst0">
+    <dgm:fillClrLst meth="repeat">
+      <a:schemeClr val="accent1"/>
+    </dgm:fillClrLst>
+    <dgm:linClrLst meth="repeat">
+      <a:schemeClr val="lt1"/>
+    </dgm:linClrLst>
+    <dgm:effectClrLst/>
+    <dgm:txLinClrLst/>
+    <dgm:txFillClrLst/>
+    <dgm:txEffectClrLst/>
+  </dgm:styleLbl>
+  <dgm:styleLbl name="asst1">
+    <dgm:fillClrLst meth="repeat">
+      <a:schemeClr val="accent1"/>
+    </dgm:fillClrLst>
+    <dgm:linClrLst meth="repeat">
+      <a:schemeClr val="lt1"/>
+    </dgm:linClrLst>
+    <dgm:effectClrLst/>
+    <dgm:txLinClrLst/>
+    <dgm:txFillClrLst/>
+    <dgm:txEffectClrLst/>
+  </dgm:styleLbl>
+  <dgm:styleLbl name="asst2">
+    <dgm:fillClrLst meth="repeat">
+      <a:schemeClr val="accent1"/>
+    </dgm:fillClrLst>
+    <dgm:linClrLst meth="repeat">
+      <a:schemeClr val="lt1"/>
+    </dgm:linClrLst>
+    <dgm:effectClrLst/>
+    <dgm:txLinClrLst/>
+    <dgm:txFillClrLst/>
+    <dgm:txEffectClrLst/>
+  </dgm:styleLbl>
+  <dgm:styleLbl name="asst3">
+    <dgm:fillClrLst meth="repeat">
+      <a:schemeClr val="accent1"/>
+    </dgm:fillClrLst>
+    <dgm:linClrLst meth="repeat">
+      <a:schemeClr val="lt1"/>
+    </dgm:linClrLst>
+    <dgm:effectClrLst/>
+    <dgm:txLinClrLst/>
+    <dgm:txFillClrLst/>
+    <dgm:txEffectClrLst/>
+  </dgm:styleLbl>
+  <dgm:styleLbl name="asst4">
+    <dgm:fillClrLst meth="repeat">
+      <a:schemeClr val="accent1"/>
+    </dgm:fillClrLst>
+    <dgm:linClrLst meth="repeat">
+      <a:schemeClr val="lt1"/>
+    </dgm:linClrLst>
+    <dgm:effectClrLst/>
+    <dgm:txLinClrLst/>
+    <dgm:txFillClrLst/>
+    <dgm:txEffectClrLst/>
+  </dgm:styleLbl>
+  <dgm:styleLbl name="parChTrans2D1">
+    <dgm:fillClrLst meth="repeat">
+      <a:schemeClr val="accent1">
+        <a:tint val="60000"/>
+      </a:schemeClr>
+    </dgm:fillClrLst>
+    <dgm:linClrLst meth="repeat">
+      <a:schemeClr val="accent1">
+        <a:tint val="60000"/>
+      </a:schemeClr>
+    </dgm:linClrLst>
+    <dgm:effectClrLst/>
+    <dgm:txLinClrLst/>
+    <dgm:txFillClrLst meth="repeat">
+      <a:schemeClr val="lt1"/>
+    </dgm:txFillClrLst>
+    <dgm:txEffectClrLst/>
+  </dgm:styleLbl>
+  <dgm:styleLbl name="parChTrans2D2">
+    <dgm:fillClrLst meth="repeat">
+      <a:schemeClr val="accent1"/>
+    </dgm:fillClrLst>
+    <dgm:linClrLst meth="repeat">
+      <a:schemeClr val="accent1"/>
+    </dgm:linClrLst>
+    <dgm:effectClrLst/>
+    <dgm:txLinClrLst/>
+    <dgm:txFillClrLst meth="repeat">
+      <a:schemeClr val="lt1"/>
+    </dgm:txFillClrLst>
+    <dgm:txEffectClrLst/>
+  </dgm:styleLbl>
+  <dgm:styleLbl name="parChTrans2D3">
+    <dgm:fillClrLst meth="repeat">
+      <a:schemeClr val="accent1"/>
+    </dgm:fillClrLst>
+    <dgm:linClrLst meth="repeat">
+      <a:schemeClr val="accent1"/>
+    </dgm:linClrLst>
+    <dgm:effectClrLst/>
+    <dgm:txLinClrLst/>
+    <dgm:txFillClrLst meth="repeat">
+      <a:schemeClr val="lt1"/>
+    </dgm:txFillClrLst>
+    <dgm:txEffectClrLst/>
+  </dgm:styleLbl>
+  <dgm:styleLbl name="parChTrans2D4">
+    <dgm:fillClrLst meth="repeat">
+      <a:schemeClr val="accent1"/>
+    </dgm:fillClrLst>
+    <dgm:linClrLst meth="repeat">
+      <a:schemeClr val="accent1"/>
+    </dgm:linClrLst>
+    <dgm:effectClrLst/>
+    <dgm:txLinClrLst/>
+    <dgm:txFillClrLst meth="repeat">
+      <a:schemeClr val="lt1"/>
+    </dgm:txFillClrLst>
+    <dgm:txEffectClrLst/>
+  </dgm:styleLbl>
+  <dgm:styleLbl name="parChTrans1D1">
+    <dgm:fillClrLst meth="repeat">
+      <a:schemeClr val="accent1"/>
+    </dgm:fillClrLst>
+    <dgm:linClrLst meth="repeat">
+      <a:schemeClr val="accent1">
+        <a:shade val="60000"/>
+      </a:schemeClr>
+    </dgm:linClrLst>
+    <dgm:effectClrLst/>
+    <dgm:txLinClrLst/>
+    <dgm:txFillClrLst meth="repeat">
+      <a:schemeClr val="tx1"/>
+    </dgm:txFillClrLst>
+    <dgm:txEffectClrLst/>
+  </dgm:styleLbl>
+  <dgm:styleLbl name="parChTrans1D2">
+    <dgm:fillClrLst meth="repeat">
+      <a:schemeClr val="accent1"/>
+    </dgm:fillClrLst>
+    <dgm:linClrLst meth="repeat">
+      <a:schemeClr val="accent1">
+        <a:shade val="60000"/>
+      </a:schemeClr>
+    </dgm:linClrLst>
+    <dgm:effectClrLst/>
+    <dgm:txLinClrLst/>
+    <dgm:txFillClrLst meth="repeat">
+      <a:schemeClr val="tx1"/>
+    </dgm:txFillClrLst>
+    <dgm:txEffectClrLst/>
+  </dgm:styleLbl>
+  <dgm:styleLbl name="parChTrans1D3">
+    <dgm:fillClrLst meth="repeat">
+      <a:schemeClr val="accent1"/>
+    </dgm:fillClrLst>
+    <dgm:linClrLst meth="repeat">
+      <a:schemeClr val="accent1">
+        <a:shade val="80000"/>
+      </a:schemeClr>
+    </dgm:linClrLst>
+    <dgm:effectClrLst/>
+    <dgm:txLinClrLst/>
+    <dgm:txFillClrLst meth="repeat">
+      <a:schemeClr val="tx1"/>
+    </dgm:txFillClrLst>
+    <dgm:txEffectClrLst/>
+  </dgm:styleLbl>
+  <dgm:styleLbl name="parChTrans1D4">
+    <dgm:fillClrLst meth="repeat">
+      <a:schemeClr val="accent1"/>
+    </dgm:fillClrLst>
+    <dgm:linClrLst meth="repeat">
+      <a:schemeClr val="accent1">
+        <a:shade val="80000"/>
+      </a:schemeClr>
+    </dgm:linClrLst>
+    <dgm:effectClrLst/>
+    <dgm:txLinClrLst/>
+    <dgm:txFillClrLst meth="repeat">
+      <a:schemeClr val="tx1"/>
+    </dgm:txFillClrLst>
+    <dgm:txEffectClrLst/>
+  </dgm:styleLbl>
+  <dgm:styleLbl name="fgAcc1">
+    <dgm:fillClrLst meth="repeat">
+      <a:schemeClr val="lt1">
+        <a:alpha val="90000"/>
+      </a:schemeClr>
+    </dgm:fillClrLst>
+    <dgm:linClrLst meth="repeat">
+      <a:schemeClr val="accent1"/>
+    </dgm:linClrLst>
+    <dgm:effectClrLst/>
+    <dgm:txLinClrLst/>
+    <dgm:txFillClrLst meth="repeat">
+      <a:schemeClr val="dk1"/>
+    </dgm:txFillClrLst>
+    <dgm:txEffectClrLst/>
+  </dgm:styleLbl>
+  <dgm:styleLbl name="conFgAcc1">
+    <dgm:fillClrLst meth="repeat">
+      <a:schemeClr val="lt1">
+        <a:alpha val="90000"/>
+      </a:schemeClr>
+    </dgm:fillClrLst>
+    <dgm:linClrLst meth="repeat">
+      <a:schemeClr val="accent1"/>
+    </dgm:linClrLst>
+    <dgm:effectClrLst/>
+    <dgm:txLinClrLst/>
+    <dgm:txFillClrLst meth="repeat">
+      <a:schemeClr val="dk1"/>
+    </dgm:txFillClrLst>
+    <dgm:txEffectClrLst/>
+  </dgm:styleLbl>
+  <dgm:styleLbl name="alignAcc1">
+    <dgm:fillClrLst meth="repeat">
+      <a:schemeClr val="lt1">
+        <a:alpha val="90000"/>
+      </a:schemeClr>
+    </dgm:fillClrLst>
+    <dgm:linClrLst meth="repeat">
+      <a:schemeClr val="accent1"/>
+    </dgm:linClrLst>
+    <dgm:effectClrLst/>
+    <dgm:txLinClrLst/>
+    <dgm:txFillClrLst meth="repeat">
+      <a:schemeClr val="dk1"/>
+    </dgm:txFillClrLst>
+    <dgm:txEffectClrLst/>
+  </dgm:styleLbl>
+  <dgm:styleLbl name="trAlignAcc1">
+    <dgm:fillClrLst meth="repeat">
+      <a:schemeClr val="lt1">
+        <a:alpha val="40000"/>
+      </a:schemeClr>
+    </dgm:fillClrLst>
+    <dgm:linClrLst meth="repeat">
+      <a:schemeClr val="accent1"/>
+    </dgm:linClrLst>
+    <dgm:effectClrLst/>
+    <dgm:txLinClrLst/>
+    <dgm:txFillClrLst meth="repeat">
+      <a:schemeClr val="dk1"/>
+    </dgm:txFillClrLst>
+    <dgm:txEffectClrLst/>
+  </dgm:styleLbl>
+  <dgm:styleLbl name="bgAcc1">
+    <dgm:fillClrLst meth="repeat">
+      <a:schemeClr val="lt1">
+        <a:alpha val="90000"/>
+      </a:schemeClr>
+    </dgm:fillClrLst>
+    <dgm:linClrLst meth="repeat">
+      <a:schemeClr val="accent1"/>
+    </dgm:linClrLst>
+    <dgm:effectClrLst/>
+    <dgm:txLinClrLst/>
+    <dgm:txFillClrLst meth="repeat">
+      <a:schemeClr val="dk1"/>
+    </dgm:txFillClrLst>
+    <dgm:txEffectClrLst/>
+  </dgm:styleLbl>
+  <dgm:styleLbl name="solidFgAcc1">
+    <dgm:fillClrLst meth="repeat">
+      <a:schemeClr val="lt1"/>
+    </dgm:fillClrLst>
+    <dgm:linClrLst meth="repeat">
+      <a:schemeClr val="accent1"/>
+    </dgm:linClrLst>
+    <dgm:effectClrLst/>
+    <dgm:txLinClrLst/>
+    <dgm:txFillClrLst meth="repeat">
+      <a:schemeClr val="dk1"/>
+    </dgm:txFillClrLst>
+    <dgm:txEffectClrLst/>
+  </dgm:styleLbl>
+  <dgm:styleLbl name="solidAlignAcc1">
+    <dgm:fillClrLst meth="repeat">
+      <a:schemeClr val="lt1"/>
+    </dgm:fillClrLst>
+    <dgm:linClrLst meth="repeat">
+      <a:schemeClr val="accent1"/>
+    </dgm:linClrLst>
+    <dgm:effectClrLst/>
+    <dgm:txLinClrLst/>
+    <dgm:txFillClrLst meth="repeat">
+      <a:schemeClr val="dk1"/>
+    </dgm:txFillClrLst>
+    <dgm:txEffectClrLst/>
+  </dgm:styleLbl>
+  <dgm:styleLbl name="solidBgAcc1">
+    <dgm:fillClrLst meth="repeat">
+      <a:schemeClr val="lt1"/>
+    </dgm:fillClrLst>
+    <dgm:linClrLst meth="repeat">
+      <a:schemeClr val="accent1"/>
+    </dgm:linClrLst>
+    <dgm:effectClrLst/>
+    <dgm:txLinClrLst/>
+    <dgm:txFillClrLst meth="repeat">
+      <a:schemeClr val="dk1"/>
+    </dgm:txFillClrLst>
+    <dgm:txEffectClrLst/>
+  </dgm:styleLbl>
+  <dgm:styleLbl name="fgAccFollowNode1">
+    <dgm:fillClrLst meth="repeat">
+      <a:schemeClr val="accent1">
+        <a:alpha val="90000"/>
+        <a:tint val="40000"/>
+      </a:schemeClr>
+    </dgm:fillClrLst>
+    <dgm:linClrLst meth="repeat">
+      <a:schemeClr val="accent1">
+        <a:alpha val="90000"/>
+        <a:tint val="40000"/>
+      </a:schemeClr>
+    </dgm:linClrLst>
+    <dgm:effectClrLst/>
+    <dgm:txLinClrLst/>
+    <dgm:txFillClrLst meth="repeat">
+      <a:schemeClr val="dk1"/>
+    </dgm:txFillClrLst>
+    <dgm:txEffectClrLst/>
+  </dgm:styleLbl>
+  <dgm:styleLbl name="alignAccFollowNode1">
+    <dgm:fillClrLst meth="repeat">
+      <a:schemeClr val="accent1">
+        <a:alpha val="90000"/>
+        <a:tint val="40000"/>
+      </a:schemeClr>
+    </dgm:fillClrLst>
+    <dgm:linClrLst meth="repeat">
+      <a:schemeClr val="accent1">
+        <a:alpha val="90000"/>
+        <a:tint val="40000"/>
+      </a:schemeClr>
+    </dgm:linClrLst>
+    <dgm:effectClrLst/>
+    <dgm:txLinClrLst/>
+    <dgm:txFillClrLst meth="repeat">
+      <a:schemeClr val="dk1"/>
+    </dgm:txFillClrLst>
+    <dgm:txEffectClrLst/>
+  </dgm:styleLbl>
+  <dgm:styleLbl name="bgAccFollowNode1">
+    <dgm:fillClrLst meth="repeat">
+      <a:schemeClr val="accent1">
+        <a:alpha val="90000"/>
+        <a:tint val="40000"/>
+      </a:schemeClr>
+    </dgm:fillClrLst>
+    <dgm:linClrLst meth="repeat">
+      <a:schemeClr val="accent1">
+        <a:alpha val="90000"/>
+        <a:tint val="40000"/>
+      </a:schemeClr>
+    </dgm:linClrLst>
+    <dgm:effectClrLst/>
+    <dgm:txLinClrLst/>
+    <dgm:txFillClrLst meth="repeat">
+      <a:schemeClr val="dk1"/>
+    </dgm:txFillClrLst>
+    <dgm:txEffectClrLst/>
+  </dgm:styleLbl>
+  <dgm:styleLbl name="fgAcc0">
+    <dgm:fillClrLst meth="repeat">
+      <a:schemeClr val="lt1">
+        <a:alpha val="90000"/>
+      </a:schemeClr>
+    </dgm:fillClrLst>
+    <dgm:linClrLst meth="repeat">
+      <a:schemeClr val="accent1"/>
+    </dgm:linClrLst>
+    <dgm:effectClrLst/>
+    <dgm:txLinClrLst/>
+    <dgm:txFillClrLst meth="repeat">
+      <a:schemeClr val="dk1"/>
+    </dgm:txFillClrLst>
+    <dgm:txEffectClrLst/>
+  </dgm:styleLbl>
+  <dgm:styleLbl name="fgAcc2">
+    <dgm:fillClrLst meth="repeat">
+      <a:schemeClr val="lt1">
+        <a:alpha val="90000"/>
+      </a:schemeClr>
+    </dgm:fillClrLst>
+    <dgm:linClrLst meth="repeat">
+      <a:schemeClr val="accent1"/>
+    </dgm:linClrLst>
+    <dgm:effectClrLst/>
+    <dgm:txLinClrLst/>
+    <dgm:txFillClrLst meth="repeat">
+      <a:schemeClr val="dk1"/>
+    </dgm:txFillClrLst>
+    <dgm:txEffectClrLst/>
+  </dgm:styleLbl>
+  <dgm:styleLbl name="fgAcc3">
+    <dgm:fillClrLst meth="repeat">
+      <a:schemeClr val="lt1">
+        <a:alpha val="90000"/>
+      </a:schemeClr>
+    </dgm:fillClrLst>
+    <dgm:linClrLst meth="repeat">
+      <a:schemeClr val="accent1"/>
+    </dgm:linClrLst>
+    <dgm:effectClrLst/>
+    <dgm:txLinClrLst/>
+    <dgm:txFillClrLst meth="repeat">
+      <a:schemeClr val="dk1"/>
+    </dgm:txFillClrLst>
+    <dgm:txEffectClrLst/>
+  </dgm:styleLbl>
+  <dgm:styleLbl name="fgAcc4">
+    <dgm:fillClrLst meth="repeat">
+      <a:schemeClr val="lt1">
+        <a:alpha val="90000"/>
+      </a:schemeClr>
+    </dgm:fillClrLst>
+    <dgm:linClrLst meth="repeat">
+      <a:schemeClr val="accent1"/>
+    </dgm:linClrLst>
+    <dgm:effectClrLst/>
+    <dgm:txLinClrLst/>
+    <dgm:txFillClrLst meth="repeat">
+      <a:schemeClr val="dk1"/>
+    </dgm:txFillClrLst>
+    <dgm:txEffectClrLst/>
+  </dgm:styleLbl>
+  <dgm:styleLbl name="bgShp">
+    <dgm:fillClrLst meth="repeat">
+      <a:schemeClr val="accent1">
+        <a:tint val="40000"/>
+      </a:schemeClr>
+    </dgm:fillClrLst>
+    <dgm:linClrLst meth="repeat">
+      <a:schemeClr val="accent1"/>
+    </dgm:linClrLst>
+    <dgm:effectClrLst/>
+    <dgm:txLinClrLst/>
+    <dgm:txFillClrLst meth="repeat">
+      <a:schemeClr val="dk1"/>
+    </dgm:txFillClrLst>
+    <dgm:txEffectClrLst/>
+  </dgm:styleLbl>
+  <dgm:styleLbl name="dkBgShp">
+    <dgm:fillClrLst meth="repeat">
+      <a:schemeClr val="accent1">
+        <a:shade val="80000"/>
+      </a:schemeClr>
+    </dgm:fillClrLst>
+    <dgm:linClrLst meth="repeat">
+      <a:schemeClr val="accent1"/>
+    </dgm:linClrLst>
+    <dgm:effectClrLst/>
+    <dgm:txLinClrLst/>
+    <dgm:txFillClrLst meth="repeat">
+      <a:schemeClr val="lt1"/>
+    </dgm:txFillClrLst>
+    <dgm:txEffectClrLst/>
+  </dgm:styleLbl>
+  <dgm:styleLbl name="trBgShp">
+    <dgm:fillClrLst meth="repeat">
+      <a:schemeClr val="accent1">
+        <a:tint val="50000"/>
+        <a:alpha val="40000"/>
+      </a:schemeClr>
+    </dgm:fillClrLst>
+    <dgm:linClrLst meth="repeat">
+      <a:schemeClr val="accent1"/>
+    </dgm:linClrLst>
+    <dgm:effectClrLst/>
+    <dgm:txLinClrLst/>
+    <dgm:txFillClrLst meth="repeat">
+      <a:schemeClr val="lt1"/>
+    </dgm:txFillClrLst>
+    <dgm:txEffectClrLst/>
+  </dgm:styleLbl>
+  <dgm:styleLbl name="fgShp">
+    <dgm:fillClrLst meth="repeat">
+      <a:schemeClr val="accent1">
+        <a:tint val="60000"/>
+      </a:schemeClr>
+    </dgm:fillClrLst>
+    <dgm:linClrLst meth="repeat">
+      <a:schemeClr val="lt1"/>
+    </dgm:linClrLst>
+    <dgm:effectClrLst/>
+    <dgm:txLinClrLst/>
+    <dgm:txFillClrLst meth="repeat">
+      <a:schemeClr val="dk1"/>
+    </dgm:txFillClrLst>
+    <dgm:txEffectClrLst/>
+  </dgm:styleLbl>
+  <dgm:styleLbl name="revTx">
+    <dgm:fillClrLst meth="repeat">
+      <a:schemeClr val="lt1">
+        <a:alpha val="0"/>
+      </a:schemeClr>
+    </dgm:fillClrLst>
+    <dgm:linClrLst meth="repeat">
+      <a:schemeClr val="dk1">
+        <a:alpha val="0"/>
+      </a:schemeClr>
+    </dgm:linClrLst>
+    <dgm:effectClrLst/>
+    <dgm:txLinClrLst/>
+    <dgm:txFillClrLst meth="repeat">
+      <a:schemeClr val="tx1"/>
+    </dgm:txFillClrLst>
+    <dgm:txEffectClrLst/>
+  </dgm:styleLbl>
+</dgm:colorsDef>
+</file>
+
+<file path=ppt/diagrams/colors2.xml><?xml version="1.0" encoding="utf-8"?>
+<dgm:colorsDef xmlns:dgm="http://schemas.openxmlformats.org/drawingml/2006/diagram" xmlns:a="http://schemas.openxmlformats.org/drawingml/2006/main" uniqueId="urn:microsoft.com/office/officeart/2005/8/colors/accent1_2">
+  <dgm:title val=""/>
+  <dgm:desc val=""/>
+  <dgm:catLst>
+    <dgm:cat type="accent1" pri="11200"/>
+  </dgm:catLst>
+  <dgm:styleLbl name="node0">
+    <dgm:fillClrLst meth="repeat">
+      <a:schemeClr val="accent1"/>
+    </dgm:fillClrLst>
+    <dgm:linClrLst meth="repeat">
+      <a:schemeClr val="lt1"/>
+    </dgm:linClrLst>
+    <dgm:effectClrLst/>
+    <dgm:txLinClrLst/>
+    <dgm:txFillClrLst/>
+    <dgm:txEffectClrLst/>
+  </dgm:styleLbl>
+  <dgm:styleLbl name="alignNode1">
+    <dgm:fillClrLst meth="repeat">
+      <a:schemeClr val="accent1"/>
+    </dgm:fillClrLst>
+    <dgm:linClrLst meth="repeat">
+      <a:schemeClr val="accent1"/>
+    </dgm:linClrLst>
+    <dgm:effectClrLst/>
+    <dgm:txLinClrLst/>
+    <dgm:txFillClrLst/>
+    <dgm:txEffectClrLst/>
+  </dgm:styleLbl>
+  <dgm:styleLbl name="node1">
+    <dgm:fillClrLst meth="repeat">
+      <a:schemeClr val="accent1"/>
+    </dgm:fillClrLst>
+    <dgm:linClrLst meth="repeat">
+      <a:schemeClr val="lt1"/>
+    </dgm:linClrLst>
+    <dgm:effectClrLst/>
+    <dgm:txLinClrLst/>
+    <dgm:txFillClrLst/>
+    <dgm:txEffectClrLst/>
+  </dgm:styleLbl>
+  <dgm:styleLbl name="lnNode1">
+    <dgm:fillClrLst meth="repeat">
+      <a:schemeClr val="accent1"/>
+    </dgm:fillClrLst>
+    <dgm:linClrLst meth="repeat">
+      <a:schemeClr val="lt1"/>
+    </dgm:linClrLst>
+    <dgm:effectClrLst/>
+    <dgm:txLinClrLst/>
+    <dgm:txFillClrLst/>
+    <dgm:txEffectClrLst/>
+  </dgm:styleLbl>
+  <dgm:styleLbl name="vennNode1">
+    <dgm:fillClrLst meth="repeat">
+      <a:schemeClr val="accent1">
+        <a:alpha val="50000"/>
+      </a:schemeClr>
+    </dgm:fillClrLst>
+    <dgm:linClrLst meth="repeat">
+      <a:schemeClr val="lt1"/>
+    </dgm:linClrLst>
+    <dgm:effectClrLst/>
+    <dgm:txLinClrLst/>
+    <dgm:txFillClrLst/>
+    <dgm:txEffectClrLst/>
+  </dgm:styleLbl>
+  <dgm:styleLbl name="node2">
+    <dgm:fillClrLst meth="repeat">
+      <a:schemeClr val="accent1"/>
+    </dgm:fillClrLst>
+    <dgm:linClrLst meth="repeat">
+      <a:schemeClr val="lt1"/>
+    </dgm:linClrLst>
+    <dgm:effectClrLst/>
+    <dgm:txLinClrLst/>
+    <dgm:txFillClrLst/>
+    <dgm:txEffectClrLst/>
+  </dgm:styleLbl>
+  <dgm:styleLbl name="node3">
+    <dgm:fillClrLst meth="repeat">
+      <a:schemeClr val="accent1"/>
+    </dgm:fillClrLst>
+    <dgm:linClrLst meth="repeat">
+      <a:schemeClr val="lt1"/>
+    </dgm:linClrLst>
+    <dgm:effectClrLst/>
+    <dgm:txLinClrLst/>
+    <dgm:txFillClrLst/>
+    <dgm:txEffectClrLst/>
+  </dgm:styleLbl>
+  <dgm:styleLbl name="node4">
+    <dgm:fillClrLst meth="repeat">
+      <a:schemeClr val="accent1"/>
+    </dgm:fillClrLst>
+    <dgm:linClrLst meth="repeat">
+      <a:schemeClr val="lt1"/>
+    </dgm:linClrLst>
+    <dgm:effectClrLst/>
+    <dgm:txLinClrLst/>
+    <dgm:txFillClrLst/>
+    <dgm:txEffectClrLst/>
+  </dgm:styleLbl>
+  <dgm:styleLbl name="fgImgPlace1">
+    <dgm:fillClrLst meth="repeat">
+      <a:schemeClr val="accent1">
+        <a:tint val="50000"/>
+      </a:schemeClr>
+    </dgm:fillClrLst>
+    <dgm:linClrLst meth="repeat">
+      <a:schemeClr val="lt1"/>
+    </dgm:linClrLst>
+    <dgm:effectClrLst/>
+    <dgm:txLinClrLst/>
+    <dgm:txFillClrLst meth="repeat">
+      <a:schemeClr val="lt1"/>
+    </dgm:txFillClrLst>
+    <dgm:txEffectClrLst/>
+  </dgm:styleLbl>
+  <dgm:styleLbl name="alignImgPlace1">
+    <dgm:fillClrLst meth="repeat">
+      <a:schemeClr val="accent1">
+        <a:tint val="50000"/>
+      </a:schemeClr>
+    </dgm:fillClrLst>
+    <dgm:linClrLst meth="repeat">
+      <a:schemeClr val="lt1"/>
+    </dgm:linClrLst>
+    <dgm:effectClrLst/>
+    <dgm:txLinClrLst/>
+    <dgm:txFillClrLst meth="repeat">
+      <a:schemeClr val="lt1"/>
+    </dgm:txFillClrLst>
+    <dgm:txEffectClrLst/>
+  </dgm:styleLbl>
+  <dgm:styleLbl name="bgImgPlace1">
+    <dgm:fillClrLst meth="repeat">
+      <a:schemeClr val="accent1">
+        <a:tint val="50000"/>
+      </a:schemeClr>
+    </dgm:fillClrLst>
+    <dgm:linClrLst meth="repeat">
+      <a:schemeClr val="lt1"/>
+    </dgm:linClrLst>
+    <dgm:effectClrLst/>
+    <dgm:txLinClrLst/>
+    <dgm:txFillClrLst meth="repeat">
+      <a:schemeClr val="lt1"/>
+    </dgm:txFillClrLst>
+    <dgm:txEffectClrLst/>
+  </dgm:styleLbl>
+  <dgm:styleLbl name="sibTrans2D1">
+    <dgm:fillClrLst meth="repeat">
+      <a:schemeClr val="accent1">
+        <a:tint val="60000"/>
+      </a:schemeClr>
+    </dgm:fillClrLst>
+    <dgm:linClrLst meth="repeat">
+      <a:schemeClr val="accent1">
+        <a:tint val="60000"/>
+      </a:schemeClr>
+    </dgm:linClrLst>
+    <dgm:effectClrLst/>
+    <dgm:txLinClrLst/>
+    <dgm:txFillClrLst/>
+    <dgm:txEffectClrLst/>
+  </dgm:styleLbl>
+  <dgm:styleLbl name="fgSibTrans2D1">
+    <dgm:fillClrLst meth="repeat">
+      <a:schemeClr val="accent1">
+        <a:tint val="60000"/>
+      </a:schemeClr>
+    </dgm:fillClrLst>
+    <dgm:linClrLst meth="repeat">
+      <a:schemeClr val="accent1">
+        <a:tint val="60000"/>
+      </a:schemeClr>
+    </dgm:linClrLst>
+    <dgm:effectClrLst/>
+    <dgm:txLinClrLst/>
+    <dgm:txFillClrLst/>
+    <dgm:txEffectClrLst/>
+  </dgm:styleLbl>
+  <dgm:styleLbl name="bgSibTrans2D1">
+    <dgm:fillClrLst meth="repeat">
+      <a:schemeClr val="accent1">
+        <a:tint val="60000"/>
+      </a:schemeClr>
+    </dgm:fillClrLst>
+    <dgm:linClrLst meth="repeat">
+      <a:schemeClr val="accent1">
+        <a:tint val="60000"/>
+      </a:schemeClr>
+    </dgm:linClrLst>
+    <dgm:effectClrLst/>
+    <dgm:txLinClrLst/>
+    <dgm:txFillClrLst/>
+    <dgm:txEffectClrLst/>
+  </dgm:styleLbl>
+  <dgm:styleLbl name="sibTrans1D1">
+    <dgm:fillClrLst meth="repeat">
+      <a:schemeClr val="accent1"/>
+    </dgm:fillClrLst>
+    <dgm:linClrLst meth="repeat">
+      <a:schemeClr val="accent1"/>
+    </dgm:linClrLst>
+    <dgm:effectClrLst/>
+    <dgm:txLinClrLst/>
+    <dgm:txFillClrLst meth="repeat">
+      <a:schemeClr val="tx1"/>
+    </dgm:txFillClrLst>
+    <dgm:txEffectClrLst/>
+  </dgm:styleLbl>
+  <dgm:styleLbl name="callout">
+    <dgm:fillClrLst meth="repeat">
+      <a:schemeClr val="accent1"/>
+    </dgm:fillClrLst>
+    <dgm:linClrLst meth="repeat">
+      <a:schemeClr val="accent1">
+        <a:tint val="50000"/>
+      </a:schemeClr>
+    </dgm:linClrLst>
+    <dgm:effectClrLst/>
+    <dgm:txLinClrLst/>
+    <dgm:txFillClrLst meth="repeat">
+      <a:schemeClr val="tx1"/>
+    </dgm:txFillClrLst>
+    <dgm:txEffectClrLst/>
+  </dgm:styleLbl>
+  <dgm:styleLbl name="asst0">
+    <dgm:fillClrLst meth="repeat">
+      <a:schemeClr val="accent1"/>
+    </dgm:fillClrLst>
+    <dgm:linClrLst meth="repeat">
+      <a:schemeClr val="lt1"/>
+    </dgm:linClrLst>
+    <dgm:effectClrLst/>
+    <dgm:txLinClrLst/>
+    <dgm:txFillClrLst/>
+    <dgm:txEffectClrLst/>
+  </dgm:styleLbl>
+  <dgm:styleLbl name="asst1">
+    <dgm:fillClrLst meth="repeat">
+      <a:schemeClr val="accent1"/>
+    </dgm:fillClrLst>
+    <dgm:linClrLst meth="repeat">
+      <a:schemeClr val="lt1"/>
+    </dgm:linClrLst>
+    <dgm:effectClrLst/>
+    <dgm:txLinClrLst/>
+    <dgm:txFillClrLst/>
+    <dgm:txEffectClrLst/>
+  </dgm:styleLbl>
+  <dgm:styleLbl name="asst2">
+    <dgm:fillClrLst meth="repeat">
+      <a:schemeClr val="accent1"/>
+    </dgm:fillClrLst>
+    <dgm:linClrLst meth="repeat">
+      <a:schemeClr val="lt1"/>
+    </dgm:linClrLst>
+    <dgm:effectClrLst/>
+    <dgm:txLinClrLst/>
+    <dgm:txFillClrLst/>
+    <dgm:txEffectClrLst/>
+  </dgm:styleLbl>
+  <dgm:styleLbl name="asst3">
+    <dgm:fillClrLst meth="repeat">
+      <a:schemeClr val="accent1"/>
+    </dgm:fillClrLst>
+    <dgm:linClrLst meth="repeat">
+      <a:schemeClr val="lt1"/>
+    </dgm:linClrLst>
+    <dgm:effectClrLst/>
+    <dgm:txLinClrLst/>
+    <dgm:txFillClrLst/>
+    <dgm:txEffectClrLst/>
+  </dgm:styleLbl>
+  <dgm:styleLbl name="asst4">
+    <dgm:fillClrLst meth="repeat">
+      <a:schemeClr val="accent1"/>
+    </dgm:fillClrLst>
+    <dgm:linClrLst meth="repeat">
+      <a:schemeClr val="lt1"/>
+    </dgm:linClrLst>
+    <dgm:effectClrLst/>
+    <dgm:txLinClrLst/>
+    <dgm:txFillClrLst/>
+    <dgm:txEffectClrLst/>
+  </dgm:styleLbl>
+  <dgm:styleLbl name="parChTrans2D1">
+    <dgm:fillClrLst meth="repeat">
+      <a:schemeClr val="accent1">
+        <a:tint val="60000"/>
+      </a:schemeClr>
+    </dgm:fillClrLst>
+    <dgm:linClrLst meth="repeat">
+      <a:schemeClr val="accent1">
+        <a:tint val="60000"/>
+      </a:schemeClr>
+    </dgm:linClrLst>
+    <dgm:effectClrLst/>
+    <dgm:txLinClrLst/>
+    <dgm:txFillClrLst meth="repeat">
+      <a:schemeClr val="lt1"/>
+    </dgm:txFillClrLst>
+    <dgm:txEffectClrLst/>
+  </dgm:styleLbl>
+  <dgm:styleLbl name="parChTrans2D2">
+    <dgm:fillClrLst meth="repeat">
+      <a:schemeClr val="accent1"/>
+    </dgm:fillClrLst>
+    <dgm:linClrLst meth="repeat">
+      <a:schemeClr val="accent1"/>
+    </dgm:linClrLst>
+    <dgm:effectClrLst/>
+    <dgm:txLinClrLst/>
+    <dgm:txFillClrLst meth="repeat">
+      <a:schemeClr val="lt1"/>
+    </dgm:txFillClrLst>
+    <dgm:txEffectClrLst/>
+  </dgm:styleLbl>
+  <dgm:styleLbl name="parChTrans2D3">
+    <dgm:fillClrLst meth="repeat">
+      <a:schemeClr val="accent1"/>
+    </dgm:fillClrLst>
+    <dgm:linClrLst meth="repeat">
+      <a:schemeClr val="accent1"/>
+    </dgm:linClrLst>
+    <dgm:effectClrLst/>
+    <dgm:txLinClrLst/>
+    <dgm:txFillClrLst meth="repeat">
+      <a:schemeClr val="lt1"/>
+    </dgm:txFillClrLst>
+    <dgm:txEffectClrLst/>
+  </dgm:styleLbl>
+  <dgm:styleLbl name="parChTrans2D4">
+    <dgm:fillClrLst meth="repeat">
+      <a:schemeClr val="accent1"/>
+    </dgm:fillClrLst>
+    <dgm:linClrLst meth="repeat">
+      <a:schemeClr val="accent1"/>
+    </dgm:linClrLst>
+    <dgm:effectClrLst/>
+    <dgm:txLinClrLst/>
+    <dgm:txFillClrLst meth="repeat">
+      <a:schemeClr val="lt1"/>
+    </dgm:txFillClrLst>
+    <dgm:txEffectClrLst/>
+  </dgm:styleLbl>
+  <dgm:styleLbl name="parChTrans1D1">
+    <dgm:fillClrLst meth="repeat">
+      <a:schemeClr val="accent1"/>
+    </dgm:fillClrLst>
+    <dgm:linClrLst meth="repeat">
+      <a:schemeClr val="accent1">
+        <a:shade val="60000"/>
+      </a:schemeClr>
+    </dgm:linClrLst>
+    <dgm:effectClrLst/>
+    <dgm:txLinClrLst/>
+    <dgm:txFillClrLst meth="repeat">
+      <a:schemeClr val="tx1"/>
+    </dgm:txFillClrLst>
+    <dgm:txEffectClrLst/>
+  </dgm:styleLbl>
+  <dgm:styleLbl name="parChTrans1D2">
+    <dgm:fillClrLst meth="repeat">
+      <a:schemeClr val="accent1"/>
+    </dgm:fillClrLst>
+    <dgm:linClrLst meth="repeat">
+      <a:schemeClr val="accent1">
+        <a:shade val="60000"/>
+      </a:schemeClr>
+    </dgm:linClrLst>
+    <dgm:effectClrLst/>
+    <dgm:txLinClrLst/>
+    <dgm:txFillClrLst meth="repeat">
+      <a:schemeClr val="tx1"/>
+    </dgm:txFillClrLst>
+    <dgm:txEffectClrLst/>
+  </dgm:styleLbl>
+  <dgm:styleLbl name="parChTrans1D3">
+    <dgm:fillClrLst meth="repeat">
+      <a:schemeClr val="accent1"/>
+    </dgm:fillClrLst>
+    <dgm:linClrLst meth="repeat">
+      <a:schemeClr val="accent1">
+        <a:shade val="80000"/>
+      </a:schemeClr>
+    </dgm:linClrLst>
+    <dgm:effectClrLst/>
+    <dgm:txLinClrLst/>
+    <dgm:txFillClrLst meth="repeat">
+      <a:schemeClr val="tx1"/>
+    </dgm:txFillClrLst>
+    <dgm:txEffectClrLst/>
+  </dgm:styleLbl>
+  <dgm:styleLbl name="parChTrans1D4">
+    <dgm:fillClrLst meth="repeat">
+      <a:schemeClr val="accent1"/>
+    </dgm:fillClrLst>
+    <dgm:linClrLst meth="repeat">
+      <a:schemeClr val="accent1">
+        <a:shade val="80000"/>
+      </a:schemeClr>
+    </dgm:linClrLst>
+    <dgm:effectClrLst/>
+    <dgm:txLinClrLst/>
+    <dgm:txFillClrLst meth="repeat">
+      <a:schemeClr val="tx1"/>
+    </dgm:txFillClrLst>
+    <dgm:txEffectClrLst/>
+  </dgm:styleLbl>
+  <dgm:styleLbl name="fgAcc1">
+    <dgm:fillClrLst meth="repeat">
+      <a:schemeClr val="lt1">
+        <a:alpha val="90000"/>
+      </a:schemeClr>
+    </dgm:fillClrLst>
+    <dgm:linClrLst meth="repeat">
+      <a:schemeClr val="accent1"/>
+    </dgm:linClrLst>
+    <dgm:effectClrLst/>
+    <dgm:txLinClrLst/>
+    <dgm:txFillClrLst meth="repeat">
+      <a:schemeClr val="dk1"/>
+    </dgm:txFillClrLst>
+    <dgm:txEffectClrLst/>
+  </dgm:styleLbl>
+  <dgm:styleLbl name="conFgAcc1">
+    <dgm:fillClrLst meth="repeat">
+      <a:schemeClr val="lt1">
+        <a:alpha val="90000"/>
+      </a:schemeClr>
+    </dgm:fillClrLst>
+    <dgm:linClrLst meth="repeat">
+      <a:schemeClr val="accent1"/>
+    </dgm:linClrLst>
+    <dgm:effectClrLst/>
+    <dgm:txLinClrLst/>
+    <dgm:txFillClrLst meth="repeat">
+      <a:schemeClr val="dk1"/>
+    </dgm:txFillClrLst>
+    <dgm:txEffectClrLst/>
+  </dgm:styleLbl>
+  <dgm:styleLbl name="alignAcc1">
+    <dgm:fillClrLst meth="repeat">
+      <a:schemeClr val="lt1">
+        <a:alpha val="90000"/>
+      </a:schemeClr>
+    </dgm:fillClrLst>
+    <dgm:linClrLst meth="repeat">
+      <a:schemeClr val="accent1"/>
+    </dgm:linClrLst>
+    <dgm:effectClrLst/>
+    <dgm:txLinClrLst/>
+    <dgm:txFillClrLst meth="repeat">
+      <a:schemeClr val="dk1"/>
+    </dgm:txFillClrLst>
+    <dgm:txEffectClrLst/>
+  </dgm:styleLbl>
+  <dgm:styleLbl name="trAlignAcc1">
+    <dgm:fillClrLst meth="repeat">
+      <a:schemeClr val="lt1">
+        <a:alpha val="40000"/>
+      </a:schemeClr>
+    </dgm:fillClrLst>
+    <dgm:linClrLst meth="repeat">
+      <a:schemeClr val="accent1"/>
+    </dgm:linClrLst>
+    <dgm:effectClrLst/>
+    <dgm:txLinClrLst/>
+    <dgm:txFillClrLst meth="repeat">
+      <a:schemeClr val="dk1"/>
+    </dgm:txFillClrLst>
+    <dgm:txEffectClrLst/>
+  </dgm:styleLbl>
+  <dgm:styleLbl name="bgAcc1">
+    <dgm:fillClrLst meth="repeat">
+      <a:schemeClr val="lt1">
+        <a:alpha val="90000"/>
+      </a:schemeClr>
+    </dgm:fillClrLst>
+    <dgm:linClrLst meth="repeat">
+      <a:schemeClr val="accent1"/>
+    </dgm:linClrLst>
+    <dgm:effectClrLst/>
+    <dgm:txLinClrLst/>
+    <dgm:txFillClrLst meth="repeat">
+      <a:schemeClr val="dk1"/>
+    </dgm:txFillClrLst>
+    <dgm:txEffectClrLst/>
+  </dgm:styleLbl>
+  <dgm:styleLbl name="solidFgAcc1">
+    <dgm:fillClrLst meth="repeat">
+      <a:schemeClr val="lt1"/>
+    </dgm:fillClrLst>
+    <dgm:linClrLst meth="repeat">
+      <a:schemeClr val="accent1"/>
+    </dgm:linClrLst>
+    <dgm:effectClrLst/>
+    <dgm:txLinClrLst/>
+    <dgm:txFillClrLst meth="repeat">
+      <a:schemeClr val="dk1"/>
+    </dgm:txFillClrLst>
+    <dgm:txEffectClrLst/>
+  </dgm:styleLbl>
+  <dgm:styleLbl name="solidAlignAcc1">
+    <dgm:fillClrLst meth="repeat">
+      <a:schemeClr val="lt1"/>
+    </dgm:fillClrLst>
+    <dgm:linClrLst meth="repeat">
+      <a:schemeClr val="accent1"/>
+    </dgm:linClrLst>
+    <dgm:effectClrLst/>
+    <dgm:txLinClrLst/>
+    <dgm:txFillClrLst meth="repeat">
+      <a:schemeClr val="dk1"/>
+    </dgm:txFillClrLst>
+    <dgm:txEffectClrLst/>
+  </dgm:styleLbl>
+  <dgm:styleLbl name="solidBgAcc1">
+    <dgm:fillClrLst meth="repeat">
+      <a:schemeClr val="lt1"/>
+    </dgm:fillClrLst>
+    <dgm:linClrLst meth="repeat">
+      <a:schemeClr val="accent1"/>
+    </dgm:linClrLst>
+    <dgm:effectClrLst/>
+    <dgm:txLinClrLst/>
+    <dgm:txFillClrLst meth="repeat">
+      <a:schemeClr val="dk1"/>
+    </dgm:txFillClrLst>
+    <dgm:txEffectClrLst/>
+  </dgm:styleLbl>
+  <dgm:styleLbl name="fgAccFollowNode1">
+    <dgm:fillClrLst meth="repeat">
+      <a:schemeClr val="accent1">
+        <a:alpha val="90000"/>
+        <a:tint val="40000"/>
+      </a:schemeClr>
+    </dgm:fillClrLst>
+    <dgm:linClrLst meth="repeat">
+      <a:schemeClr val="accent1">
+        <a:alpha val="90000"/>
+        <a:tint val="40000"/>
+      </a:schemeClr>
+    </dgm:linClrLst>
+    <dgm:effectClrLst/>
+    <dgm:txLinClrLst/>
+    <dgm:txFillClrLst meth="repeat">
+      <a:schemeClr val="dk1"/>
+    </dgm:txFillClrLst>
+    <dgm:txEffectClrLst/>
+  </dgm:styleLbl>
+  <dgm:styleLbl name="alignAccFollowNode1">
+    <dgm:fillClrLst meth="repeat">
+      <a:schemeClr val="accent1">
+        <a:alpha val="90000"/>
+        <a:tint val="40000"/>
+      </a:schemeClr>
+    </dgm:fillClrLst>
+    <dgm:linClrLst meth="repeat">
+      <a:schemeClr val="accent1">
+        <a:alpha val="90000"/>
+        <a:tint val="40000"/>
+      </a:schemeClr>
+    </dgm:linClrLst>
+    <dgm:effectClrLst/>
+    <dgm:txLinClrLst/>
+    <dgm:txFillClrLst meth="repeat">
+      <a:schemeClr val="dk1"/>
+    </dgm:txFillClrLst>
+    <dgm:txEffectClrLst/>
+  </dgm:styleLbl>
+  <dgm:styleLbl name="bgAccFollowNode1">
+    <dgm:fillClrLst meth="repeat">
+      <a:schemeClr val="accent1">
+        <a:alpha val="90000"/>
+        <a:tint val="40000"/>
+      </a:schemeClr>
+    </dgm:fillClrLst>
+    <dgm:linClrLst meth="repeat">
+      <a:schemeClr val="accent1">
+        <a:alpha val="90000"/>
+        <a:tint val="40000"/>
+      </a:schemeClr>
+    </dgm:linClrLst>
+    <dgm:effectClrLst/>
+    <dgm:txLinClrLst/>
+    <dgm:txFillClrLst meth="repeat">
+      <a:schemeClr val="dk1"/>
+    </dgm:txFillClrLst>
+    <dgm:txEffectClrLst/>
+  </dgm:styleLbl>
+  <dgm:styleLbl name="fgAcc0">
+    <dgm:fillClrLst meth="repeat">
+      <a:schemeClr val="lt1">
+        <a:alpha val="90000"/>
+      </a:schemeClr>
+    </dgm:fillClrLst>
+    <dgm:linClrLst meth="repeat">
+      <a:schemeClr val="accent1"/>
+    </dgm:linClrLst>
+    <dgm:effectClrLst/>
+    <dgm:txLinClrLst/>
+    <dgm:txFillClrLst meth="repeat">
+      <a:schemeClr val="dk1"/>
+    </dgm:txFillClrLst>
+    <dgm:txEffectClrLst/>
+  </dgm:styleLbl>
+  <dgm:styleLbl name="fgAcc2">
+    <dgm:fillClrLst meth="repeat">
+      <a:schemeClr val="lt1">
+        <a:alpha val="90000"/>
+      </a:schemeClr>
+    </dgm:fillClrLst>
+    <dgm:linClrLst meth="repeat">
+      <a:schemeClr val="accent1"/>
+    </dgm:linClrLst>
+    <dgm:effectClrLst/>
+    <dgm:txLinClrLst/>
+    <dgm:txFillClrLst meth="repeat">
+      <a:schemeClr val="dk1"/>
+    </dgm:txFillClrLst>
+    <dgm:txEffectClrLst/>
+  </dgm:styleLbl>
+  <dgm:styleLbl name="fgAcc3">
+    <dgm:fillClrLst meth="repeat">
+      <a:schemeClr val="lt1">
+        <a:alpha val="90000"/>
+      </a:schemeClr>
+    </dgm:fillClrLst>
+    <dgm:linClrLst meth="repeat">
+      <a:schemeClr val="accent1"/>
+    </dgm:linClrLst>
+    <dgm:effectClrLst/>
+    <dgm:txLinClrLst/>
+    <dgm:txFillClrLst meth="repeat">
+      <a:schemeClr val="dk1"/>
+    </dgm:txFillClrLst>
+    <dgm:txEffectClrLst/>
+  </dgm:styleLbl>
+  <dgm:styleLbl name="fgAcc4">
+    <dgm:fillClrLst meth="repeat">
+      <a:schemeClr val="lt1">
+        <a:alpha val="90000"/>
+      </a:schemeClr>
+    </dgm:fillClrLst>
+    <dgm:linClrLst meth="repeat">
+      <a:schemeClr val="accent1"/>
+    </dgm:linClrLst>
+    <dgm:effectClrLst/>
+    <dgm:txLinClrLst/>
+    <dgm:txFillClrLst meth="repeat">
+      <a:schemeClr val="dk1"/>
+    </dgm:txFillClrLst>
+    <dgm:txEffectClrLst/>
+  </dgm:styleLbl>
+  <dgm:styleLbl name="bgShp">
+    <dgm:fillClrLst meth="repeat">
+      <a:schemeClr val="accent1">
+        <a:tint val="40000"/>
+      </a:schemeClr>
+    </dgm:fillClrLst>
+    <dgm:linClrLst meth="repeat">
+      <a:schemeClr val="accent1"/>
+    </dgm:linClrLst>
+    <dgm:effectClrLst/>
+    <dgm:txLinClrLst/>
+    <dgm:txFillClrLst meth="repeat">
+      <a:schemeClr val="dk1"/>
+    </dgm:txFillClrLst>
+    <dgm:txEffectClrLst/>
+  </dgm:styleLbl>
+  <dgm:styleLbl name="dkBgShp">
+    <dgm:fillClrLst meth="repeat">
+      <a:schemeClr val="accent1">
+        <a:shade val="80000"/>
+      </a:schemeClr>
+    </dgm:fillClrLst>
+    <dgm:linClrLst meth="repeat">
+      <a:schemeClr val="accent1"/>
+    </dgm:linClrLst>
+    <dgm:effectClrLst/>
+    <dgm:txLinClrLst/>
+    <dgm:txFillClrLst meth="repeat">
+      <a:schemeClr val="lt1"/>
+    </dgm:txFillClrLst>
+    <dgm:txEffectClrLst/>
+  </dgm:styleLbl>
+  <dgm:styleLbl name="trBgShp">
+    <dgm:fillClrLst meth="repeat">
+      <a:schemeClr val="accent1">
+        <a:tint val="50000"/>
+        <a:alpha val="40000"/>
+      </a:schemeClr>
+    </dgm:fillClrLst>
+    <dgm:linClrLst meth="repeat">
+      <a:schemeClr val="accent1"/>
+    </dgm:linClrLst>
+    <dgm:effectClrLst/>
+    <dgm:txLinClrLst/>
+    <dgm:txFillClrLst meth="repeat">
+      <a:schemeClr val="lt1"/>
+    </dgm:txFillClrLst>
+    <dgm:txEffectClrLst/>
+  </dgm:styleLbl>
+  <dgm:styleLbl name="fgShp">
+    <dgm:fillClrLst meth="repeat">
+      <a:schemeClr val="accent1">
+        <a:tint val="60000"/>
+      </a:schemeClr>
+    </dgm:fillClrLst>
+    <dgm:linClrLst meth="repeat">
+      <a:schemeClr val="lt1"/>
+    </dgm:linClrLst>
+    <dgm:effectClrLst/>
+    <dgm:txLinClrLst/>
+    <dgm:txFillClrLst meth="repeat">
+      <a:schemeClr val="dk1"/>
+    </dgm:txFillClrLst>
+    <dgm:txEffectClrLst/>
+  </dgm:styleLbl>
+  <dgm:styleLbl name="revTx">
+    <dgm:fillClrLst meth="repeat">
+      <a:schemeClr val="lt1">
+        <a:alpha val="0"/>
+      </a:schemeClr>
+    </dgm:fillClrLst>
+    <dgm:linClrLst meth="repeat">
+      <a:schemeClr val="dk1">
+        <a:alpha val="0"/>
+      </a:schemeClr>
+    </dgm:linClrLst>
+    <dgm:effectClrLst/>
+    <dgm:txLinClrLst/>
+    <dgm:txFillClrLst meth="repeat">
+      <a:schemeClr val="tx1"/>
+    </dgm:txFillClrLst>
+    <dgm:txEffectClrLst/>
+  </dgm:styleLbl>
+</dgm:colorsDef>
+</file>
+
+<file path=ppt/diagrams/data1.xml><?xml version="1.0" encoding="utf-8"?>
+<dgm:dataModel xmlns:dgm="http://schemas.openxmlformats.org/drawingml/2006/diagram" xmlns:a="http://schemas.openxmlformats.org/drawingml/2006/main">
+  <dgm:ptLst>
+    <dgm:pt modelId="{B0835052-3F34-9D4C-882E-C79ABF23946F}" type="doc">
+      <dgm:prSet loTypeId="urn:microsoft.com/office/officeart/2005/8/layout/process1" loCatId="" qsTypeId="urn:microsoft.com/office/officeart/2005/8/quickstyle/simple5" qsCatId="simple" csTypeId="urn:microsoft.com/office/officeart/2005/8/colors/accent1_2" csCatId="accent1" phldr="1"/>
+      <dgm:spPr/>
+    </dgm:pt>
+    <dgm:pt modelId="{04DCF5E6-A340-F540-9670-36A87D3D9E5D}">
+      <dgm:prSet phldrT="[Text]"/>
+      <dgm:spPr/>
+      <dgm:t>
+        <a:bodyPr/>
+        <a:lstStyle/>
+        <a:p>
+          <a:r>
+            <a:rPr lang="en-US" dirty="0" smtClean="0"/>
+            <a:t>1. Start with empty Set S</a:t>
+          </a:r>
+          <a:endParaRPr lang="en-US" dirty="0"/>
+        </a:p>
+      </dgm:t>
+    </dgm:pt>
+    <dgm:pt modelId="{856D2151-1311-0641-B040-30E4F38EFB4F}" type="parTrans" cxnId="{D0A92A87-5AA7-0E44-B262-69EE8B4FFC1C}">
+      <dgm:prSet/>
+      <dgm:spPr/>
+      <dgm:t>
+        <a:bodyPr/>
+        <a:lstStyle/>
+        <a:p>
+          <a:endParaRPr lang="en-US"/>
+        </a:p>
+      </dgm:t>
+    </dgm:pt>
+    <dgm:pt modelId="{0559349D-A51E-AE42-9130-4AF0D6DA89BD}" type="sibTrans" cxnId="{D0A92A87-5AA7-0E44-B262-69EE8B4FFC1C}">
+      <dgm:prSet/>
+      <dgm:spPr/>
+      <dgm:t>
+        <a:bodyPr/>
+        <a:lstStyle/>
+        <a:p>
+          <a:endParaRPr lang="en-US"/>
+        </a:p>
+      </dgm:t>
+    </dgm:pt>
+    <dgm:pt modelId="{5A4BA33D-45D7-C442-ABF2-258AC759BF30}">
+      <dgm:prSet phldrT="[Text]"/>
+      <dgm:spPr/>
+      <dgm:t>
+        <a:bodyPr/>
+        <a:lstStyle/>
+        <a:p>
+          <a:r>
+            <a:rPr lang="en-US" dirty="0" smtClean="0"/>
+            <a:t>2. Greedily add best rule to S using a-priori like algorithm</a:t>
+          </a:r>
+          <a:endParaRPr lang="en-US" dirty="0"/>
+        </a:p>
+      </dgm:t>
+    </dgm:pt>
+    <dgm:pt modelId="{B5D0BD6A-8EFE-A247-967A-28A660544B98}" type="parTrans" cxnId="{6F7338B3-DA3D-514D-8D7C-FF745489CB55}">
+      <dgm:prSet/>
+      <dgm:spPr/>
+      <dgm:t>
+        <a:bodyPr/>
+        <a:lstStyle/>
+        <a:p>
+          <a:endParaRPr lang="en-US"/>
+        </a:p>
+      </dgm:t>
+    </dgm:pt>
+    <dgm:pt modelId="{B80FCE86-E9EA-9046-82A3-B561A0DA4BCB}" type="sibTrans" cxnId="{6F7338B3-DA3D-514D-8D7C-FF745489CB55}">
+      <dgm:prSet/>
+      <dgm:spPr/>
+      <dgm:t>
+        <a:bodyPr/>
+        <a:lstStyle/>
+        <a:p>
+          <a:endParaRPr lang="en-US"/>
+        </a:p>
+      </dgm:t>
+    </dgm:pt>
+    <dgm:pt modelId="{C1D8F58C-D44C-1645-8B64-3B5786DD4A2C}">
+      <dgm:prSet phldrT="[Text]"/>
+      <dgm:spPr/>
+      <dgm:t>
+        <a:bodyPr/>
+        <a:lstStyle/>
+        <a:p>
+          <a:r>
+            <a:rPr lang="en-US" dirty="0" smtClean="0"/>
+            <a:t>4. Return S sorted by weight</a:t>
+          </a:r>
+          <a:endParaRPr lang="en-US" dirty="0"/>
+        </a:p>
+      </dgm:t>
+    </dgm:pt>
+    <dgm:pt modelId="{5E4D78EB-AD42-B145-B64A-2DEA98A21168}" type="parTrans" cxnId="{C522C605-FA8E-984A-991E-D6CB1CE45312}">
+      <dgm:prSet/>
+      <dgm:spPr/>
+      <dgm:t>
+        <a:bodyPr/>
+        <a:lstStyle/>
+        <a:p>
+          <a:endParaRPr lang="en-US"/>
+        </a:p>
+      </dgm:t>
+    </dgm:pt>
+    <dgm:pt modelId="{A800F2F3-5C0B-8A4F-8176-4E2D7408CEDC}" type="sibTrans" cxnId="{C522C605-FA8E-984A-991E-D6CB1CE45312}">
+      <dgm:prSet/>
+      <dgm:spPr/>
+      <dgm:t>
+        <a:bodyPr/>
+        <a:lstStyle/>
+        <a:p>
+          <a:endParaRPr lang="en-US"/>
+        </a:p>
+      </dgm:t>
+    </dgm:pt>
+    <dgm:pt modelId="{DBE1BA70-9DA7-CF47-8C32-147D2383C491}">
+      <dgm:prSet phldrT="[Text]"/>
+      <dgm:spPr/>
+      <dgm:t>
+        <a:bodyPr/>
+        <a:lstStyle/>
+        <a:p>
+          <a:r>
+            <a:rPr lang="en-US" dirty="0" smtClean="0"/>
+            <a:t>3. If we have enough rules, return to Step 2, else:</a:t>
+          </a:r>
+          <a:endParaRPr lang="en-US" dirty="0"/>
+        </a:p>
+      </dgm:t>
+    </dgm:pt>
+    <dgm:pt modelId="{06D869E9-4F51-8E47-9A78-E50C812A3792}" type="parTrans" cxnId="{4AEBE297-ACF4-8244-8FD8-A7E59941D1C9}">
+      <dgm:prSet/>
+      <dgm:spPr/>
+      <dgm:t>
+        <a:bodyPr/>
+        <a:lstStyle/>
+        <a:p>
+          <a:endParaRPr lang="en-US"/>
+        </a:p>
+      </dgm:t>
+    </dgm:pt>
+    <dgm:pt modelId="{8DA02576-D485-9946-A970-6876DC931621}" type="sibTrans" cxnId="{4AEBE297-ACF4-8244-8FD8-A7E59941D1C9}">
+      <dgm:prSet/>
+      <dgm:spPr/>
+      <dgm:t>
+        <a:bodyPr/>
+        <a:lstStyle/>
+        <a:p>
+          <a:endParaRPr lang="en-US"/>
+        </a:p>
+      </dgm:t>
+    </dgm:pt>
+    <dgm:pt modelId="{3E2B9631-AC0C-924F-8AA1-C3B1B848A956}" type="pres">
+      <dgm:prSet presAssocID="{B0835052-3F34-9D4C-882E-C79ABF23946F}" presName="Name0" presStyleCnt="0">
+        <dgm:presLayoutVars>
+          <dgm:dir/>
+          <dgm:resizeHandles val="exact"/>
+        </dgm:presLayoutVars>
+      </dgm:prSet>
+      <dgm:spPr/>
+    </dgm:pt>
+    <dgm:pt modelId="{AD317480-EB17-5C44-9E7B-D1BFA2ADE1DC}" type="pres">
+      <dgm:prSet presAssocID="{04DCF5E6-A340-F540-9670-36A87D3D9E5D}" presName="node" presStyleLbl="node1" presStyleIdx="0" presStyleCnt="4">
+        <dgm:presLayoutVars>
+          <dgm:bulletEnabled val="1"/>
+        </dgm:presLayoutVars>
+      </dgm:prSet>
+      <dgm:spPr/>
+      <dgm:t>
+        <a:bodyPr/>
+        <a:lstStyle/>
+        <a:p>
+          <a:endParaRPr lang="en-US"/>
+        </a:p>
+      </dgm:t>
+    </dgm:pt>
+    <dgm:pt modelId="{F589E56F-FF0E-E44F-9194-CEDC33BD781C}" type="pres">
+      <dgm:prSet presAssocID="{0559349D-A51E-AE42-9130-4AF0D6DA89BD}" presName="sibTrans" presStyleLbl="sibTrans2D1" presStyleIdx="0" presStyleCnt="3"/>
+      <dgm:spPr/>
+    </dgm:pt>
+    <dgm:pt modelId="{2811A582-569F-2641-8D33-539E3149005C}" type="pres">
+      <dgm:prSet presAssocID="{0559349D-A51E-AE42-9130-4AF0D6DA89BD}" presName="connectorText" presStyleLbl="sibTrans2D1" presStyleIdx="0" presStyleCnt="3"/>
+      <dgm:spPr/>
+    </dgm:pt>
+    <dgm:pt modelId="{6616C542-299A-0B49-B457-1BEE24F6B193}" type="pres">
+      <dgm:prSet presAssocID="{5A4BA33D-45D7-C442-ABF2-258AC759BF30}" presName="node" presStyleLbl="node1" presStyleIdx="1" presStyleCnt="4">
+        <dgm:presLayoutVars>
+          <dgm:bulletEnabled val="1"/>
+        </dgm:presLayoutVars>
+      </dgm:prSet>
+      <dgm:spPr/>
+      <dgm:t>
+        <a:bodyPr/>
+        <a:lstStyle/>
+        <a:p>
+          <a:endParaRPr lang="en-US"/>
+        </a:p>
+      </dgm:t>
+    </dgm:pt>
+    <dgm:pt modelId="{6B6F3CB4-AA77-2C43-B2B4-444FD55867B4}" type="pres">
+      <dgm:prSet presAssocID="{B80FCE86-E9EA-9046-82A3-B561A0DA4BCB}" presName="sibTrans" presStyleLbl="sibTrans2D1" presStyleIdx="1" presStyleCnt="3" custLinFactNeighborX="-2966" custLinFactNeighborY="73843"/>
+      <dgm:spPr/>
+    </dgm:pt>
+    <dgm:pt modelId="{47495047-5C2E-9A40-A4C3-08C8C887EF27}" type="pres">
+      <dgm:prSet presAssocID="{B80FCE86-E9EA-9046-82A3-B561A0DA4BCB}" presName="connectorText" presStyleLbl="sibTrans2D1" presStyleIdx="1" presStyleCnt="3"/>
+      <dgm:spPr/>
+    </dgm:pt>
+    <dgm:pt modelId="{CA0005FE-0DB4-4148-ADB1-FBBCDFD4FDCE}" type="pres">
+      <dgm:prSet presAssocID="{DBE1BA70-9DA7-CF47-8C32-147D2383C491}" presName="node" presStyleLbl="node1" presStyleIdx="2" presStyleCnt="4">
+        <dgm:presLayoutVars>
+          <dgm:bulletEnabled val="1"/>
+        </dgm:presLayoutVars>
+      </dgm:prSet>
+      <dgm:spPr/>
+    </dgm:pt>
+    <dgm:pt modelId="{AAE80FAF-F927-B748-BE62-CFF192C3AA48}" type="pres">
+      <dgm:prSet presAssocID="{8DA02576-D485-9946-A970-6876DC931621}" presName="sibTrans" presStyleLbl="sibTrans2D1" presStyleIdx="2" presStyleCnt="3"/>
+      <dgm:spPr/>
+    </dgm:pt>
+    <dgm:pt modelId="{25D0CC58-52B7-9D4F-8783-FAA8823E30D5}" type="pres">
+      <dgm:prSet presAssocID="{8DA02576-D485-9946-A970-6876DC931621}" presName="connectorText" presStyleLbl="sibTrans2D1" presStyleIdx="2" presStyleCnt="3"/>
+      <dgm:spPr/>
+    </dgm:pt>
+    <dgm:pt modelId="{1D0BE7EF-4EF0-A54F-A186-1DFD468C5C36}" type="pres">
+      <dgm:prSet presAssocID="{C1D8F58C-D44C-1645-8B64-3B5786DD4A2C}" presName="node" presStyleLbl="node1" presStyleIdx="3" presStyleCnt="4">
+        <dgm:presLayoutVars>
+          <dgm:bulletEnabled val="1"/>
+        </dgm:presLayoutVars>
+      </dgm:prSet>
+      <dgm:spPr/>
+    </dgm:pt>
+  </dgm:ptLst>
+  <dgm:cxnLst>
+    <dgm:cxn modelId="{69230038-9D34-F74B-951D-CFF976C77F78}" type="presOf" srcId="{04DCF5E6-A340-F540-9670-36A87D3D9E5D}" destId="{AD317480-EB17-5C44-9E7B-D1BFA2ADE1DC}" srcOrd="0" destOrd="0" presId="urn:microsoft.com/office/officeart/2005/8/layout/process1"/>
+    <dgm:cxn modelId="{4AEBE297-ACF4-8244-8FD8-A7E59941D1C9}" srcId="{B0835052-3F34-9D4C-882E-C79ABF23946F}" destId="{DBE1BA70-9DA7-CF47-8C32-147D2383C491}" srcOrd="2" destOrd="0" parTransId="{06D869E9-4F51-8E47-9A78-E50C812A3792}" sibTransId="{8DA02576-D485-9946-A970-6876DC931621}"/>
+    <dgm:cxn modelId="{D0A92A87-5AA7-0E44-B262-69EE8B4FFC1C}" srcId="{B0835052-3F34-9D4C-882E-C79ABF23946F}" destId="{04DCF5E6-A340-F540-9670-36A87D3D9E5D}" srcOrd="0" destOrd="0" parTransId="{856D2151-1311-0641-B040-30E4F38EFB4F}" sibTransId="{0559349D-A51E-AE42-9130-4AF0D6DA89BD}"/>
+    <dgm:cxn modelId="{08D57289-869B-D14D-AF5F-D9506A6E336C}" type="presOf" srcId="{B80FCE86-E9EA-9046-82A3-B561A0DA4BCB}" destId="{6B6F3CB4-AA77-2C43-B2B4-444FD55867B4}" srcOrd="0" destOrd="0" presId="urn:microsoft.com/office/officeart/2005/8/layout/process1"/>
+    <dgm:cxn modelId="{1C3B3DA4-BE03-3542-9013-2A55F31177E1}" type="presOf" srcId="{DBE1BA70-9DA7-CF47-8C32-147D2383C491}" destId="{CA0005FE-0DB4-4148-ADB1-FBBCDFD4FDCE}" srcOrd="0" destOrd="0" presId="urn:microsoft.com/office/officeart/2005/8/layout/process1"/>
+    <dgm:cxn modelId="{8BB7B8CC-1EFE-BB4D-AF80-971CB3EE0215}" type="presOf" srcId="{B0835052-3F34-9D4C-882E-C79ABF23946F}" destId="{3E2B9631-AC0C-924F-8AA1-C3B1B848A956}" srcOrd="0" destOrd="0" presId="urn:microsoft.com/office/officeart/2005/8/layout/process1"/>
+    <dgm:cxn modelId="{C522C605-FA8E-984A-991E-D6CB1CE45312}" srcId="{B0835052-3F34-9D4C-882E-C79ABF23946F}" destId="{C1D8F58C-D44C-1645-8B64-3B5786DD4A2C}" srcOrd="3" destOrd="0" parTransId="{5E4D78EB-AD42-B145-B64A-2DEA98A21168}" sibTransId="{A800F2F3-5C0B-8A4F-8176-4E2D7408CEDC}"/>
+    <dgm:cxn modelId="{6F7338B3-DA3D-514D-8D7C-FF745489CB55}" srcId="{B0835052-3F34-9D4C-882E-C79ABF23946F}" destId="{5A4BA33D-45D7-C442-ABF2-258AC759BF30}" srcOrd="1" destOrd="0" parTransId="{B5D0BD6A-8EFE-A247-967A-28A660544B98}" sibTransId="{B80FCE86-E9EA-9046-82A3-B561A0DA4BCB}"/>
+    <dgm:cxn modelId="{717E9425-5D20-DA44-B500-6BAA2295E651}" type="presOf" srcId="{0559349D-A51E-AE42-9130-4AF0D6DA89BD}" destId="{F589E56F-FF0E-E44F-9194-CEDC33BD781C}" srcOrd="0" destOrd="0" presId="urn:microsoft.com/office/officeart/2005/8/layout/process1"/>
+    <dgm:cxn modelId="{2877BF54-6A55-1B40-B590-BC40868978D2}" type="presOf" srcId="{8DA02576-D485-9946-A970-6876DC931621}" destId="{AAE80FAF-F927-B748-BE62-CFF192C3AA48}" srcOrd="0" destOrd="0" presId="urn:microsoft.com/office/officeart/2005/8/layout/process1"/>
+    <dgm:cxn modelId="{CBDBD456-0AFC-CF4C-AA9B-C385A24D6A48}" type="presOf" srcId="{8DA02576-D485-9946-A970-6876DC931621}" destId="{25D0CC58-52B7-9D4F-8783-FAA8823E30D5}" srcOrd="1" destOrd="0" presId="urn:microsoft.com/office/officeart/2005/8/layout/process1"/>
+    <dgm:cxn modelId="{9095F1FD-EA19-D94C-91F6-0D0C02244632}" type="presOf" srcId="{C1D8F58C-D44C-1645-8B64-3B5786DD4A2C}" destId="{1D0BE7EF-4EF0-A54F-A186-1DFD468C5C36}" srcOrd="0" destOrd="0" presId="urn:microsoft.com/office/officeart/2005/8/layout/process1"/>
+    <dgm:cxn modelId="{DBA8F893-EADD-3549-9455-4B67B2750123}" type="presOf" srcId="{0559349D-A51E-AE42-9130-4AF0D6DA89BD}" destId="{2811A582-569F-2641-8D33-539E3149005C}" srcOrd="1" destOrd="0" presId="urn:microsoft.com/office/officeart/2005/8/layout/process1"/>
+    <dgm:cxn modelId="{36ABA169-80CB-EF4B-B9EC-15587AA8D726}" type="presOf" srcId="{5A4BA33D-45D7-C442-ABF2-258AC759BF30}" destId="{6616C542-299A-0B49-B457-1BEE24F6B193}" srcOrd="0" destOrd="0" presId="urn:microsoft.com/office/officeart/2005/8/layout/process1"/>
+    <dgm:cxn modelId="{EFC90D0A-A2E0-6241-8D7B-91714882614B}" type="presOf" srcId="{B80FCE86-E9EA-9046-82A3-B561A0DA4BCB}" destId="{47495047-5C2E-9A40-A4C3-08C8C887EF27}" srcOrd="1" destOrd="0" presId="urn:microsoft.com/office/officeart/2005/8/layout/process1"/>
+    <dgm:cxn modelId="{8E488D6B-D190-9E4A-A8A8-B83977FA9099}" type="presParOf" srcId="{3E2B9631-AC0C-924F-8AA1-C3B1B848A956}" destId="{AD317480-EB17-5C44-9E7B-D1BFA2ADE1DC}" srcOrd="0" destOrd="0" presId="urn:microsoft.com/office/officeart/2005/8/layout/process1"/>
+    <dgm:cxn modelId="{7789CC30-1571-5444-BA65-16BEAAF7BAE9}" type="presParOf" srcId="{3E2B9631-AC0C-924F-8AA1-C3B1B848A956}" destId="{F589E56F-FF0E-E44F-9194-CEDC33BD781C}" srcOrd="1" destOrd="0" presId="urn:microsoft.com/office/officeart/2005/8/layout/process1"/>
+    <dgm:cxn modelId="{B3516196-0C0A-5E43-80CA-E5C1DB331373}" type="presParOf" srcId="{F589E56F-FF0E-E44F-9194-CEDC33BD781C}" destId="{2811A582-569F-2641-8D33-539E3149005C}" srcOrd="0" destOrd="0" presId="urn:microsoft.com/office/officeart/2005/8/layout/process1"/>
+    <dgm:cxn modelId="{44E34A58-896C-DB4C-818C-99C999844D59}" type="presParOf" srcId="{3E2B9631-AC0C-924F-8AA1-C3B1B848A956}" destId="{6616C542-299A-0B49-B457-1BEE24F6B193}" srcOrd="2" destOrd="0" presId="urn:microsoft.com/office/officeart/2005/8/layout/process1"/>
+    <dgm:cxn modelId="{F311A0E8-93B3-B24F-B9F2-BE7DD8954057}" type="presParOf" srcId="{3E2B9631-AC0C-924F-8AA1-C3B1B848A956}" destId="{6B6F3CB4-AA77-2C43-B2B4-444FD55867B4}" srcOrd="3" destOrd="0" presId="urn:microsoft.com/office/officeart/2005/8/layout/process1"/>
+    <dgm:cxn modelId="{BC6C4A30-E595-9E47-ABDD-1E4D7FC0A108}" type="presParOf" srcId="{6B6F3CB4-AA77-2C43-B2B4-444FD55867B4}" destId="{47495047-5C2E-9A40-A4C3-08C8C887EF27}" srcOrd="0" destOrd="0" presId="urn:microsoft.com/office/officeart/2005/8/layout/process1"/>
+    <dgm:cxn modelId="{DA4BE0BE-BE72-C145-9159-A834F83163BB}" type="presParOf" srcId="{3E2B9631-AC0C-924F-8AA1-C3B1B848A956}" destId="{CA0005FE-0DB4-4148-ADB1-FBBCDFD4FDCE}" srcOrd="4" destOrd="0" presId="urn:microsoft.com/office/officeart/2005/8/layout/process1"/>
+    <dgm:cxn modelId="{DAD55B53-1C22-1D4A-8D6C-B46475A10BD3}" type="presParOf" srcId="{3E2B9631-AC0C-924F-8AA1-C3B1B848A956}" destId="{AAE80FAF-F927-B748-BE62-CFF192C3AA48}" srcOrd="5" destOrd="0" presId="urn:microsoft.com/office/officeart/2005/8/layout/process1"/>
+    <dgm:cxn modelId="{064A9C3B-1D40-6C49-AC67-EF5140C49C31}" type="presParOf" srcId="{AAE80FAF-F927-B748-BE62-CFF192C3AA48}" destId="{25D0CC58-52B7-9D4F-8783-FAA8823E30D5}" srcOrd="0" destOrd="0" presId="urn:microsoft.com/office/officeart/2005/8/layout/process1"/>
+    <dgm:cxn modelId="{5AF238E6-9AC5-8745-9C20-69D53237C835}" type="presParOf" srcId="{3E2B9631-AC0C-924F-8AA1-C3B1B848A956}" destId="{1D0BE7EF-4EF0-A54F-A186-1DFD468C5C36}" srcOrd="6" destOrd="0" presId="urn:microsoft.com/office/officeart/2005/8/layout/process1"/>
+  </dgm:cxnLst>
+  <dgm:bg/>
+  <dgm:whole/>
+  <dgm:extLst>
+    <a:ext uri="http://schemas.microsoft.com/office/drawing/2008/diagram">
+      <dsp:dataModelExt xmlns:dsp="http://schemas.microsoft.com/office/drawing/2008/diagram" relId="rId7" minVer="http://schemas.openxmlformats.org/drawingml/2006/diagram"/>
+    </a:ext>
+  </dgm:extLst>
+</dgm:dataModel>
+</file>
+
+<file path=ppt/diagrams/data2.xml><?xml version="1.0" encoding="utf-8"?>
+<dgm:dataModel xmlns:dgm="http://schemas.openxmlformats.org/drawingml/2006/diagram" xmlns:a="http://schemas.openxmlformats.org/drawingml/2006/main">
+  <dgm:ptLst>
+    <dgm:pt modelId="{EF7DCB12-F2D5-4A4E-A5AF-0F0BE01D5131}" type="doc">
+      <dgm:prSet loTypeId="urn:microsoft.com/office/officeart/2005/8/layout/chevron1" loCatId="" qsTypeId="urn:microsoft.com/office/officeart/2005/8/quickstyle/simple4" qsCatId="simple" csTypeId="urn:microsoft.com/office/officeart/2005/8/colors/accent1_2" csCatId="accent1" phldr="1"/>
+      <dgm:spPr/>
+    </dgm:pt>
+    <dgm:pt modelId="{FE1CFC97-E416-ED4E-9B9F-F82B571D7ED6}">
+      <dgm:prSet phldrT="[Text]"/>
+      <dgm:spPr/>
+      <dgm:t>
+        <a:bodyPr/>
+        <a:lstStyle/>
+        <a:p>
+          <a:r>
+            <a:rPr lang="en-US" dirty="0" smtClean="0"/>
+            <a:t>If not possible, compute optimal new samples to create</a:t>
+          </a:r>
+          <a:endParaRPr lang="en-US" dirty="0"/>
+        </a:p>
+      </dgm:t>
+    </dgm:pt>
+    <dgm:pt modelId="{28E0F38C-AAF4-BB4D-8951-B91CE82894B6}" type="parTrans" cxnId="{D925A82F-F388-9C43-B212-18564E7BAAB1}">
+      <dgm:prSet/>
+      <dgm:spPr/>
+      <dgm:t>
+        <a:bodyPr/>
+        <a:lstStyle/>
+        <a:p>
+          <a:endParaRPr lang="en-US"/>
+        </a:p>
+      </dgm:t>
+    </dgm:pt>
+    <dgm:pt modelId="{FB58DB8C-087A-D54A-AFAF-D3CF136E92DD}" type="sibTrans" cxnId="{D925A82F-F388-9C43-B212-18564E7BAAB1}">
+      <dgm:prSet/>
+      <dgm:spPr/>
+      <dgm:t>
+        <a:bodyPr/>
+        <a:lstStyle/>
+        <a:p>
+          <a:endParaRPr lang="en-US"/>
+        </a:p>
+      </dgm:t>
+    </dgm:pt>
+    <dgm:pt modelId="{DB8D7DBB-44E5-DE49-A5E9-02CAF52D0F2B}">
+      <dgm:prSet/>
+      <dgm:spPr/>
+      <dgm:t>
+        <a:bodyPr/>
+        <a:lstStyle/>
+        <a:p>
+          <a:r>
+            <a:rPr lang="en-US" dirty="0" smtClean="0"/>
+            <a:t>User clicks on rule R</a:t>
+          </a:r>
+          <a:endParaRPr lang="en-US" dirty="0"/>
+        </a:p>
+      </dgm:t>
+    </dgm:pt>
+    <dgm:pt modelId="{A9CD5065-4CA5-404A-A6ED-664F0975511C}" type="parTrans" cxnId="{6C25FE7A-A45F-E94C-AD68-5D0260656207}">
+      <dgm:prSet/>
+      <dgm:spPr/>
+      <dgm:t>
+        <a:bodyPr/>
+        <a:lstStyle/>
+        <a:p>
+          <a:endParaRPr lang="en-US"/>
+        </a:p>
+      </dgm:t>
+    </dgm:pt>
+    <dgm:pt modelId="{4FD46C42-40E5-064D-8E87-83B801069DA7}" type="sibTrans" cxnId="{6C25FE7A-A45F-E94C-AD68-5D0260656207}">
+      <dgm:prSet/>
+      <dgm:spPr/>
+      <dgm:t>
+        <a:bodyPr/>
+        <a:lstStyle/>
+        <a:p>
+          <a:endParaRPr lang="en-US"/>
+        </a:p>
+      </dgm:t>
+    </dgm:pt>
+    <dgm:pt modelId="{DD454AC2-BFF2-5A42-9249-751FE74B387C}">
+      <dgm:prSet phldrT="[Text]"/>
+      <dgm:spPr/>
+      <dgm:t>
+        <a:bodyPr/>
+        <a:lstStyle/>
+        <a:p>
+          <a:r>
+            <a:rPr lang="en-US" dirty="0" smtClean="0"/>
+            <a:t>Attempt to create R-sample from main memory</a:t>
+          </a:r>
+          <a:endParaRPr lang="en-US" dirty="0"/>
+        </a:p>
+      </dgm:t>
+    </dgm:pt>
+    <dgm:pt modelId="{1727C0C6-CC38-914D-93BA-66ADB27BC757}" type="parTrans" cxnId="{7DAA6FED-ABBE-DD4C-95CD-1E1B7C3517A3}">
+      <dgm:prSet/>
+      <dgm:spPr/>
+      <dgm:t>
+        <a:bodyPr/>
+        <a:lstStyle/>
+        <a:p>
+          <a:endParaRPr lang="en-US"/>
+        </a:p>
+      </dgm:t>
+    </dgm:pt>
+    <dgm:pt modelId="{27F1C45A-DD36-B345-812B-924DC96979DB}" type="sibTrans" cxnId="{7DAA6FED-ABBE-DD4C-95CD-1E1B7C3517A3}">
+      <dgm:prSet/>
+      <dgm:spPr/>
+      <dgm:t>
+        <a:bodyPr/>
+        <a:lstStyle/>
+        <a:p>
+          <a:endParaRPr lang="en-US"/>
+        </a:p>
+      </dgm:t>
+    </dgm:pt>
+    <dgm:pt modelId="{D9E08B50-3B98-B84B-A4D2-7E2015BA963C}">
+      <dgm:prSet/>
+      <dgm:spPr/>
+      <dgm:t>
+        <a:bodyPr/>
+        <a:lstStyle/>
+        <a:p>
+          <a:r>
+            <a:rPr lang="en-US" dirty="0" smtClean="0"/>
+            <a:t>Materialize new samples from Hard Disk</a:t>
+          </a:r>
+          <a:endParaRPr lang="en-US" dirty="0"/>
+        </a:p>
+      </dgm:t>
+    </dgm:pt>
+    <dgm:pt modelId="{7220C1D3-687E-1441-BC0C-2A9869AC63BA}" type="parTrans" cxnId="{AAD50EFD-5DB8-D24A-9A53-114EBDC83221}">
+      <dgm:prSet/>
+      <dgm:spPr/>
+      <dgm:t>
+        <a:bodyPr/>
+        <a:lstStyle/>
+        <a:p>
+          <a:endParaRPr lang="en-US"/>
+        </a:p>
+      </dgm:t>
+    </dgm:pt>
+    <dgm:pt modelId="{56AAC390-89F7-B545-A429-79E1FC024150}" type="sibTrans" cxnId="{AAD50EFD-5DB8-D24A-9A53-114EBDC83221}">
+      <dgm:prSet/>
+      <dgm:spPr/>
+      <dgm:t>
+        <a:bodyPr/>
+        <a:lstStyle/>
+        <a:p>
+          <a:endParaRPr lang="en-US"/>
+        </a:p>
+      </dgm:t>
+    </dgm:pt>
+    <dgm:pt modelId="{359C8DD6-AE7E-5347-BED8-99BE99092BAF}">
+      <dgm:prSet phldrT="[Text]"/>
+      <dgm:spPr/>
+      <dgm:t>
+        <a:bodyPr/>
+        <a:lstStyle/>
+        <a:p>
+          <a:r>
+            <a:rPr lang="en-US" dirty="0" smtClean="0"/>
+            <a:t>Return R-sample to Rule Finder</a:t>
+          </a:r>
+          <a:endParaRPr lang="en-US" dirty="0"/>
+        </a:p>
+      </dgm:t>
+    </dgm:pt>
+    <dgm:pt modelId="{6EC19F1A-EBE6-F345-816A-C5EEB49974D3}" type="parTrans" cxnId="{7D36664C-9C72-AB4D-B291-C043B5B22D15}">
+      <dgm:prSet/>
+      <dgm:spPr/>
+      <dgm:t>
+        <a:bodyPr/>
+        <a:lstStyle/>
+        <a:p>
+          <a:endParaRPr lang="en-US"/>
+        </a:p>
+      </dgm:t>
+    </dgm:pt>
+    <dgm:pt modelId="{D48B31FF-5C41-F345-8AE8-35462E750B8E}" type="sibTrans" cxnId="{7D36664C-9C72-AB4D-B291-C043B5B22D15}">
+      <dgm:prSet/>
+      <dgm:spPr/>
+      <dgm:t>
+        <a:bodyPr/>
+        <a:lstStyle/>
+        <a:p>
+          <a:endParaRPr lang="en-US"/>
+        </a:p>
+      </dgm:t>
+    </dgm:pt>
+    <dgm:pt modelId="{51B26901-0651-5D48-85D3-9C6C9479DEDD}" type="pres">
+      <dgm:prSet presAssocID="{EF7DCB12-F2D5-4A4E-A5AF-0F0BE01D5131}" presName="Name0" presStyleCnt="0">
+        <dgm:presLayoutVars>
+          <dgm:dir/>
+          <dgm:animLvl val="lvl"/>
+          <dgm:resizeHandles val="exact"/>
+        </dgm:presLayoutVars>
+      </dgm:prSet>
+      <dgm:spPr/>
+    </dgm:pt>
+    <dgm:pt modelId="{74DA812F-502E-CA47-95D6-6394C99B80EF}" type="pres">
+      <dgm:prSet presAssocID="{DB8D7DBB-44E5-DE49-A5E9-02CAF52D0F2B}" presName="parTxOnly" presStyleLbl="node1" presStyleIdx="0" presStyleCnt="5">
+        <dgm:presLayoutVars>
+          <dgm:chMax val="0"/>
+          <dgm:chPref val="0"/>
+          <dgm:bulletEnabled val="1"/>
+        </dgm:presLayoutVars>
+      </dgm:prSet>
+      <dgm:spPr/>
+    </dgm:pt>
+    <dgm:pt modelId="{6CED734D-E8F9-7B46-B1C2-60CCFD82DB54}" type="pres">
+      <dgm:prSet presAssocID="{4FD46C42-40E5-064D-8E87-83B801069DA7}" presName="parTxOnlySpace" presStyleCnt="0"/>
+      <dgm:spPr/>
+    </dgm:pt>
+    <dgm:pt modelId="{F5152B79-3B98-F24F-B5DC-DF59F8481819}" type="pres">
+      <dgm:prSet presAssocID="{DD454AC2-BFF2-5A42-9249-751FE74B387C}" presName="parTxOnly" presStyleLbl="node1" presStyleIdx="1" presStyleCnt="5">
+        <dgm:presLayoutVars>
+          <dgm:chMax val="0"/>
+          <dgm:chPref val="0"/>
+          <dgm:bulletEnabled val="1"/>
+        </dgm:presLayoutVars>
+      </dgm:prSet>
+      <dgm:spPr/>
+      <dgm:t>
+        <a:bodyPr/>
+        <a:lstStyle/>
+        <a:p>
+          <a:endParaRPr lang="en-US"/>
+        </a:p>
+      </dgm:t>
+    </dgm:pt>
+    <dgm:pt modelId="{EFDE4C78-CF8D-C349-BC7D-746854699E17}" type="pres">
+      <dgm:prSet presAssocID="{27F1C45A-DD36-B345-812B-924DC96979DB}" presName="parTxOnlySpace" presStyleCnt="0"/>
+      <dgm:spPr/>
+    </dgm:pt>
+    <dgm:pt modelId="{FA3E3A8A-D434-F149-9755-A9B7E3A6B75E}" type="pres">
+      <dgm:prSet presAssocID="{FE1CFC97-E416-ED4E-9B9F-F82B571D7ED6}" presName="parTxOnly" presStyleLbl="node1" presStyleIdx="2" presStyleCnt="5">
+        <dgm:presLayoutVars>
+          <dgm:chMax val="0"/>
+          <dgm:chPref val="0"/>
+          <dgm:bulletEnabled val="1"/>
+        </dgm:presLayoutVars>
+      </dgm:prSet>
+      <dgm:spPr/>
+      <dgm:t>
+        <a:bodyPr/>
+        <a:lstStyle/>
+        <a:p>
+          <a:endParaRPr lang="en-US"/>
+        </a:p>
+      </dgm:t>
+    </dgm:pt>
+    <dgm:pt modelId="{A5C2258E-DFEA-4E4E-859A-2176C9F36289}" type="pres">
+      <dgm:prSet presAssocID="{FB58DB8C-087A-D54A-AFAF-D3CF136E92DD}" presName="parTxOnlySpace" presStyleCnt="0"/>
+      <dgm:spPr/>
+    </dgm:pt>
+    <dgm:pt modelId="{E840BDBD-EA4A-6246-9789-AEFB9187CA35}" type="pres">
+      <dgm:prSet presAssocID="{D9E08B50-3B98-B84B-A4D2-7E2015BA963C}" presName="parTxOnly" presStyleLbl="node1" presStyleIdx="3" presStyleCnt="5">
+        <dgm:presLayoutVars>
+          <dgm:chMax val="0"/>
+          <dgm:chPref val="0"/>
+          <dgm:bulletEnabled val="1"/>
+        </dgm:presLayoutVars>
+      </dgm:prSet>
+      <dgm:spPr/>
+      <dgm:t>
+        <a:bodyPr/>
+        <a:lstStyle/>
+        <a:p>
+          <a:endParaRPr lang="en-US"/>
+        </a:p>
+      </dgm:t>
+    </dgm:pt>
+    <dgm:pt modelId="{36C18635-BA20-5F4C-A299-6E1FB948AC20}" type="pres">
+      <dgm:prSet presAssocID="{56AAC390-89F7-B545-A429-79E1FC024150}" presName="parTxOnlySpace" presStyleCnt="0"/>
+      <dgm:spPr/>
+    </dgm:pt>
+    <dgm:pt modelId="{59AD2FC9-9DBD-844B-BEB4-B6FD10DC3B42}" type="pres">
+      <dgm:prSet presAssocID="{359C8DD6-AE7E-5347-BED8-99BE99092BAF}" presName="parTxOnly" presStyleLbl="node1" presStyleIdx="4" presStyleCnt="5">
+        <dgm:presLayoutVars>
+          <dgm:chMax val="0"/>
+          <dgm:chPref val="0"/>
+          <dgm:bulletEnabled val="1"/>
+        </dgm:presLayoutVars>
+      </dgm:prSet>
+      <dgm:spPr/>
+      <dgm:t>
+        <a:bodyPr/>
+        <a:lstStyle/>
+        <a:p>
+          <a:endParaRPr lang="en-US"/>
+        </a:p>
+      </dgm:t>
+    </dgm:pt>
+  </dgm:ptLst>
+  <dgm:cxnLst>
+    <dgm:cxn modelId="{0F99D6C1-C46F-3E4A-8A9B-465E1F8727CA}" type="presOf" srcId="{DB8D7DBB-44E5-DE49-A5E9-02CAF52D0F2B}" destId="{74DA812F-502E-CA47-95D6-6394C99B80EF}" srcOrd="0" destOrd="0" presId="urn:microsoft.com/office/officeart/2005/8/layout/chevron1"/>
+    <dgm:cxn modelId="{D925A82F-F388-9C43-B212-18564E7BAAB1}" srcId="{EF7DCB12-F2D5-4A4E-A5AF-0F0BE01D5131}" destId="{FE1CFC97-E416-ED4E-9B9F-F82B571D7ED6}" srcOrd="2" destOrd="0" parTransId="{28E0F38C-AAF4-BB4D-8951-B91CE82894B6}" sibTransId="{FB58DB8C-087A-D54A-AFAF-D3CF136E92DD}"/>
+    <dgm:cxn modelId="{213382AC-B090-E043-992B-867765484DA1}" type="presOf" srcId="{FE1CFC97-E416-ED4E-9B9F-F82B571D7ED6}" destId="{FA3E3A8A-D434-F149-9755-A9B7E3A6B75E}" srcOrd="0" destOrd="0" presId="urn:microsoft.com/office/officeart/2005/8/layout/chevron1"/>
+    <dgm:cxn modelId="{AAD50EFD-5DB8-D24A-9A53-114EBDC83221}" srcId="{EF7DCB12-F2D5-4A4E-A5AF-0F0BE01D5131}" destId="{D9E08B50-3B98-B84B-A4D2-7E2015BA963C}" srcOrd="3" destOrd="0" parTransId="{7220C1D3-687E-1441-BC0C-2A9869AC63BA}" sibTransId="{56AAC390-89F7-B545-A429-79E1FC024150}"/>
+    <dgm:cxn modelId="{1A10408A-DA85-9C41-933B-8D6E0D14A01D}" type="presOf" srcId="{359C8DD6-AE7E-5347-BED8-99BE99092BAF}" destId="{59AD2FC9-9DBD-844B-BEB4-B6FD10DC3B42}" srcOrd="0" destOrd="0" presId="urn:microsoft.com/office/officeart/2005/8/layout/chevron1"/>
+    <dgm:cxn modelId="{7DAA6FED-ABBE-DD4C-95CD-1E1B7C3517A3}" srcId="{EF7DCB12-F2D5-4A4E-A5AF-0F0BE01D5131}" destId="{DD454AC2-BFF2-5A42-9249-751FE74B387C}" srcOrd="1" destOrd="0" parTransId="{1727C0C6-CC38-914D-93BA-66ADB27BC757}" sibTransId="{27F1C45A-DD36-B345-812B-924DC96979DB}"/>
+    <dgm:cxn modelId="{7D36664C-9C72-AB4D-B291-C043B5B22D15}" srcId="{EF7DCB12-F2D5-4A4E-A5AF-0F0BE01D5131}" destId="{359C8DD6-AE7E-5347-BED8-99BE99092BAF}" srcOrd="4" destOrd="0" parTransId="{6EC19F1A-EBE6-F345-816A-C5EEB49974D3}" sibTransId="{D48B31FF-5C41-F345-8AE8-35462E750B8E}"/>
+    <dgm:cxn modelId="{9BC8828C-FA4D-FF4A-98B7-17C8DD4E0E9D}" type="presOf" srcId="{EF7DCB12-F2D5-4A4E-A5AF-0F0BE01D5131}" destId="{51B26901-0651-5D48-85D3-9C6C9479DEDD}" srcOrd="0" destOrd="0" presId="urn:microsoft.com/office/officeart/2005/8/layout/chevron1"/>
+    <dgm:cxn modelId="{6C25FE7A-A45F-E94C-AD68-5D0260656207}" srcId="{EF7DCB12-F2D5-4A4E-A5AF-0F0BE01D5131}" destId="{DB8D7DBB-44E5-DE49-A5E9-02CAF52D0F2B}" srcOrd="0" destOrd="0" parTransId="{A9CD5065-4CA5-404A-A6ED-664F0975511C}" sibTransId="{4FD46C42-40E5-064D-8E87-83B801069DA7}"/>
+    <dgm:cxn modelId="{6C01806A-9196-604C-918F-8471224BA7B8}" type="presOf" srcId="{DD454AC2-BFF2-5A42-9249-751FE74B387C}" destId="{F5152B79-3B98-F24F-B5DC-DF59F8481819}" srcOrd="0" destOrd="0" presId="urn:microsoft.com/office/officeart/2005/8/layout/chevron1"/>
+    <dgm:cxn modelId="{F74D0F18-C867-8744-9411-4F488CE46402}" type="presOf" srcId="{D9E08B50-3B98-B84B-A4D2-7E2015BA963C}" destId="{E840BDBD-EA4A-6246-9789-AEFB9187CA35}" srcOrd="0" destOrd="0" presId="urn:microsoft.com/office/officeart/2005/8/layout/chevron1"/>
+    <dgm:cxn modelId="{53F275D8-8DDA-B441-A6D5-B6AA532C366E}" type="presParOf" srcId="{51B26901-0651-5D48-85D3-9C6C9479DEDD}" destId="{74DA812F-502E-CA47-95D6-6394C99B80EF}" srcOrd="0" destOrd="0" presId="urn:microsoft.com/office/officeart/2005/8/layout/chevron1"/>
+    <dgm:cxn modelId="{0DA31DF5-5F07-8346-9410-17FF28800E21}" type="presParOf" srcId="{51B26901-0651-5D48-85D3-9C6C9479DEDD}" destId="{6CED734D-E8F9-7B46-B1C2-60CCFD82DB54}" srcOrd="1" destOrd="0" presId="urn:microsoft.com/office/officeart/2005/8/layout/chevron1"/>
+    <dgm:cxn modelId="{F5263C10-F5D2-8C41-A174-C4C9F324CCCC}" type="presParOf" srcId="{51B26901-0651-5D48-85D3-9C6C9479DEDD}" destId="{F5152B79-3B98-F24F-B5DC-DF59F8481819}" srcOrd="2" destOrd="0" presId="urn:microsoft.com/office/officeart/2005/8/layout/chevron1"/>
+    <dgm:cxn modelId="{4B40C1AC-549E-1D45-936C-41E9EAFA7029}" type="presParOf" srcId="{51B26901-0651-5D48-85D3-9C6C9479DEDD}" destId="{EFDE4C78-CF8D-C349-BC7D-746854699E17}" srcOrd="3" destOrd="0" presId="urn:microsoft.com/office/officeart/2005/8/layout/chevron1"/>
+    <dgm:cxn modelId="{4C637F03-65C5-0946-815F-9F338A311FEA}" type="presParOf" srcId="{51B26901-0651-5D48-85D3-9C6C9479DEDD}" destId="{FA3E3A8A-D434-F149-9755-A9B7E3A6B75E}" srcOrd="4" destOrd="0" presId="urn:microsoft.com/office/officeart/2005/8/layout/chevron1"/>
+    <dgm:cxn modelId="{93D3F012-285B-C14B-9074-973B2B3DFFEC}" type="presParOf" srcId="{51B26901-0651-5D48-85D3-9C6C9479DEDD}" destId="{A5C2258E-DFEA-4E4E-859A-2176C9F36289}" srcOrd="5" destOrd="0" presId="urn:microsoft.com/office/officeart/2005/8/layout/chevron1"/>
+    <dgm:cxn modelId="{73B65A5F-3544-6C4C-B585-5070AD5D379D}" type="presParOf" srcId="{51B26901-0651-5D48-85D3-9C6C9479DEDD}" destId="{E840BDBD-EA4A-6246-9789-AEFB9187CA35}" srcOrd="6" destOrd="0" presId="urn:microsoft.com/office/officeart/2005/8/layout/chevron1"/>
+    <dgm:cxn modelId="{2917C9CC-69E2-FF42-A053-D75F1C5ECBAA}" type="presParOf" srcId="{51B26901-0651-5D48-85D3-9C6C9479DEDD}" destId="{36C18635-BA20-5F4C-A299-6E1FB948AC20}" srcOrd="7" destOrd="0" presId="urn:microsoft.com/office/officeart/2005/8/layout/chevron1"/>
+    <dgm:cxn modelId="{DB725DB9-47DB-D044-B920-D279C81A57C3}" type="presParOf" srcId="{51B26901-0651-5D48-85D3-9C6C9479DEDD}" destId="{59AD2FC9-9DBD-844B-BEB4-B6FD10DC3B42}" srcOrd="8" destOrd="0" presId="urn:microsoft.com/office/officeart/2005/8/layout/chevron1"/>
+  </dgm:cxnLst>
+  <dgm:bg/>
+  <dgm:whole/>
+  <dgm:extLst>
+    <a:ext uri="http://schemas.microsoft.com/office/drawing/2008/diagram">
+      <dsp:dataModelExt xmlns:dsp="http://schemas.microsoft.com/office/drawing/2008/diagram" relId="rId15" minVer="http://schemas.openxmlformats.org/drawingml/2006/diagram"/>
+    </a:ext>
+  </dgm:extLst>
+</dgm:dataModel>
+</file>
+
+<file path=ppt/diagrams/drawing1.xml><?xml version="1.0" encoding="utf-8"?>
+<dsp:drawing xmlns:dgm="http://schemas.openxmlformats.org/drawingml/2006/diagram" xmlns:dsp="http://schemas.microsoft.com/office/drawing/2008/diagram" xmlns:a="http://schemas.openxmlformats.org/drawingml/2006/main">
+  <dsp:spTree>
+    <dsp:nvGrpSpPr>
+      <dsp:cNvPr id="0" name=""/>
+      <dsp:cNvGrpSpPr/>
+    </dsp:nvGrpSpPr>
+    <dsp:grpSpPr/>
+    <dsp:sp modelId="{AD317480-EB17-5C44-9E7B-D1BFA2ADE1DC}">
+      <dsp:nvSpPr>
+        <dsp:cNvPr id="0" name=""/>
+        <dsp:cNvSpPr/>
+      </dsp:nvSpPr>
+      <dsp:spPr>
+        <a:xfrm>
+          <a:off x="12322" y="872848"/>
+          <a:ext cx="5387837" cy="3232702"/>
+        </a:xfrm>
+        <a:prstGeom prst="roundRect">
+          <a:avLst>
+            <a:gd name="adj" fmla="val 10000"/>
+          </a:avLst>
+        </a:prstGeom>
+        <a:gradFill rotWithShape="0">
+          <a:gsLst>
+            <a:gs pos="0">
+              <a:schemeClr val="accent1">
+                <a:hueOff val="0"/>
+                <a:satOff val="0"/>
+                <a:lumOff val="0"/>
+                <a:alphaOff val="0"/>
+                <a:lumMod val="95000"/>
+              </a:schemeClr>
+            </a:gs>
+            <a:gs pos="100000">
+              <a:schemeClr val="accent1">
+                <a:hueOff val="0"/>
+                <a:satOff val="0"/>
+                <a:lumOff val="0"/>
+                <a:alphaOff val="0"/>
+                <a:shade val="82000"/>
+                <a:satMod val="125000"/>
+                <a:lumMod val="74000"/>
+              </a:schemeClr>
+            </a:gs>
+          </a:gsLst>
+          <a:lin ang="5400000" scaled="0"/>
+        </a:gradFill>
+        <a:ln>
+          <a:noFill/>
+        </a:ln>
+        <a:effectLst>
+          <a:reflection blurRad="38100" stA="26000" endPos="23000" dist="25400" dir="5400000" sy="-100000" rotWithShape="0"/>
+        </a:effectLst>
+        <a:scene3d>
+          <a:camera prst="orthographicFront">
+            <a:rot lat="0" lon="0" rev="0"/>
+          </a:camera>
+          <a:lightRig rig="balanced" dir="tr"/>
+        </a:scene3d>
+        <a:sp3d contourW="14605" prstMaterial="plastic">
+          <a:bevelT w="50800"/>
+          <a:contourClr>
+            <a:schemeClr val="accent1">
+              <a:hueOff val="0"/>
+              <a:satOff val="0"/>
+              <a:lumOff val="0"/>
+              <a:alphaOff val="0"/>
+              <a:shade val="30000"/>
+              <a:satMod val="120000"/>
+            </a:schemeClr>
+          </a:contourClr>
+        </a:sp3d>
+      </dsp:spPr>
+      <dsp:style>
+        <a:lnRef idx="0">
+          <a:scrgbClr r="0" g="0" b="0"/>
+        </a:lnRef>
+        <a:fillRef idx="3">
+          <a:scrgbClr r="0" g="0" b="0"/>
+        </a:fillRef>
+        <a:effectRef idx="3">
+          <a:scrgbClr r="0" g="0" b="0"/>
+        </a:effectRef>
+        <a:fontRef idx="minor">
+          <a:schemeClr val="lt1"/>
+        </a:fontRef>
+      </dsp:style>
+      <dsp:txBody>
+        <a:bodyPr spcFirstLastPara="0" vert="horz" wrap="square" lIns="182880" tIns="182880" rIns="182880" bIns="182880" numCol="1" spcCol="1270" anchor="ctr" anchorCtr="0">
+          <a:noAutofit/>
+        </a:bodyPr>
+        <a:lstStyle/>
+        <a:p>
+          <a:pPr lvl="0" algn="ctr" defTabSz="2133600">
+            <a:lnSpc>
+              <a:spcPct val="90000"/>
+            </a:lnSpc>
+            <a:spcBef>
+              <a:spcPct val="0"/>
+            </a:spcBef>
+            <a:spcAft>
+              <a:spcPct val="35000"/>
+            </a:spcAft>
+          </a:pPr>
+          <a:r>
+            <a:rPr lang="en-US" sz="4800" kern="1200" dirty="0" smtClean="0"/>
+            <a:t>1. Start with empty Set S</a:t>
+          </a:r>
+          <a:endParaRPr lang="en-US" sz="4800" kern="1200" dirty="0"/>
+        </a:p>
+      </dsp:txBody>
+      <dsp:txXfrm>
+        <a:off x="107005" y="967531"/>
+        <a:ext cx="5198471" cy="3043336"/>
+      </dsp:txXfrm>
+    </dsp:sp>
+    <dsp:sp modelId="{F589E56F-FF0E-E44F-9194-CEDC33BD781C}">
+      <dsp:nvSpPr>
+        <dsp:cNvPr id="0" name=""/>
+        <dsp:cNvSpPr/>
+      </dsp:nvSpPr>
+      <dsp:spPr>
+        <a:xfrm>
+          <a:off x="5938944" y="1821107"/>
+          <a:ext cx="1142221" cy="1336183"/>
+        </a:xfrm>
+        <a:prstGeom prst="rightArrow">
+          <a:avLst>
+            <a:gd name="adj1" fmla="val 60000"/>
+            <a:gd name="adj2" fmla="val 50000"/>
+          </a:avLst>
+        </a:prstGeom>
+        <a:gradFill rotWithShape="0">
+          <a:gsLst>
+            <a:gs pos="0">
+              <a:schemeClr val="accent1">
+                <a:tint val="60000"/>
+                <a:hueOff val="0"/>
+                <a:satOff val="0"/>
+                <a:lumOff val="0"/>
+                <a:alphaOff val="0"/>
+                <a:lumMod val="95000"/>
+              </a:schemeClr>
+            </a:gs>
+            <a:gs pos="100000">
+              <a:schemeClr val="accent1">
+                <a:tint val="60000"/>
+                <a:hueOff val="0"/>
+                <a:satOff val="0"/>
+                <a:lumOff val="0"/>
+                <a:alphaOff val="0"/>
+                <a:shade val="82000"/>
+                <a:satMod val="125000"/>
+                <a:lumMod val="74000"/>
+              </a:schemeClr>
+            </a:gs>
+          </a:gsLst>
+          <a:lin ang="5400000" scaled="0"/>
+        </a:gradFill>
+        <a:ln>
+          <a:noFill/>
+        </a:ln>
+        <a:effectLst>
+          <a:reflection blurRad="38100" stA="26000" endPos="23000" dist="25400" dir="5400000" sy="-100000" rotWithShape="0"/>
+        </a:effectLst>
+        <a:scene3d>
+          <a:camera prst="orthographicFront">
+            <a:rot lat="0" lon="0" rev="0"/>
+          </a:camera>
+          <a:lightRig rig="balanced" dir="tr"/>
+        </a:scene3d>
+        <a:sp3d contourW="14605" prstMaterial="plastic">
+          <a:bevelT w="50800"/>
+          <a:contourClr>
+            <a:schemeClr val="accent1">
+              <a:tint val="60000"/>
+              <a:hueOff val="0"/>
+              <a:satOff val="0"/>
+              <a:lumOff val="0"/>
+              <a:alphaOff val="0"/>
+              <a:shade val="30000"/>
+              <a:satMod val="120000"/>
+            </a:schemeClr>
+          </a:contourClr>
+        </a:sp3d>
+      </dsp:spPr>
+      <dsp:style>
+        <a:lnRef idx="0">
+          <a:scrgbClr r="0" g="0" b="0"/>
+        </a:lnRef>
+        <a:fillRef idx="3">
+          <a:scrgbClr r="0" g="0" b="0"/>
+        </a:fillRef>
+        <a:effectRef idx="3">
+          <a:scrgbClr r="0" g="0" b="0"/>
+        </a:effectRef>
+        <a:fontRef idx="minor">
+          <a:schemeClr val="lt1"/>
+        </a:fontRef>
+      </dsp:style>
+      <dsp:txBody>
+        <a:bodyPr spcFirstLastPara="0" vert="horz" wrap="square" lIns="0" tIns="0" rIns="0" bIns="0" numCol="1" spcCol="1270" anchor="ctr" anchorCtr="0">
+          <a:noAutofit/>
+        </a:bodyPr>
+        <a:lstStyle/>
+        <a:p>
+          <a:pPr lvl="0" algn="ctr" defTabSz="1689100">
+            <a:lnSpc>
+              <a:spcPct val="90000"/>
+            </a:lnSpc>
+            <a:spcBef>
+              <a:spcPct val="0"/>
+            </a:spcBef>
+            <a:spcAft>
+              <a:spcPct val="35000"/>
+            </a:spcAft>
+          </a:pPr>
+          <a:endParaRPr lang="en-US" sz="3800" kern="1200"/>
+        </a:p>
+      </dsp:txBody>
+      <dsp:txXfrm>
+        <a:off x="5938944" y="2088344"/>
+        <a:ext cx="799555" cy="801709"/>
+      </dsp:txXfrm>
+    </dsp:sp>
+    <dsp:sp modelId="{6616C542-299A-0B49-B457-1BEE24F6B193}">
+      <dsp:nvSpPr>
+        <dsp:cNvPr id="0" name=""/>
+        <dsp:cNvSpPr/>
+      </dsp:nvSpPr>
+      <dsp:spPr>
+        <a:xfrm>
+          <a:off x="7555295" y="872848"/>
+          <a:ext cx="5387837" cy="3232702"/>
+        </a:xfrm>
+        <a:prstGeom prst="roundRect">
+          <a:avLst>
+            <a:gd name="adj" fmla="val 10000"/>
+          </a:avLst>
+        </a:prstGeom>
+        <a:gradFill rotWithShape="0">
+          <a:gsLst>
+            <a:gs pos="0">
+              <a:schemeClr val="accent1">
+                <a:hueOff val="0"/>
+                <a:satOff val="0"/>
+                <a:lumOff val="0"/>
+                <a:alphaOff val="0"/>
+                <a:lumMod val="95000"/>
+              </a:schemeClr>
+            </a:gs>
+            <a:gs pos="100000">
+              <a:schemeClr val="accent1">
+                <a:hueOff val="0"/>
+                <a:satOff val="0"/>
+                <a:lumOff val="0"/>
+                <a:alphaOff val="0"/>
+                <a:shade val="82000"/>
+                <a:satMod val="125000"/>
+                <a:lumMod val="74000"/>
+              </a:schemeClr>
+            </a:gs>
+          </a:gsLst>
+          <a:lin ang="5400000" scaled="0"/>
+        </a:gradFill>
+        <a:ln>
+          <a:noFill/>
+        </a:ln>
+        <a:effectLst>
+          <a:reflection blurRad="38100" stA="26000" endPos="23000" dist="25400" dir="5400000" sy="-100000" rotWithShape="0"/>
+        </a:effectLst>
+        <a:scene3d>
+          <a:camera prst="orthographicFront">
+            <a:rot lat="0" lon="0" rev="0"/>
+          </a:camera>
+          <a:lightRig rig="balanced" dir="tr"/>
+        </a:scene3d>
+        <a:sp3d contourW="14605" prstMaterial="plastic">
+          <a:bevelT w="50800"/>
+          <a:contourClr>
+            <a:schemeClr val="accent1">
+              <a:hueOff val="0"/>
+              <a:satOff val="0"/>
+              <a:lumOff val="0"/>
+              <a:alphaOff val="0"/>
+              <a:shade val="30000"/>
+              <a:satMod val="120000"/>
+            </a:schemeClr>
+          </a:contourClr>
+        </a:sp3d>
+      </dsp:spPr>
+      <dsp:style>
+        <a:lnRef idx="0">
+          <a:scrgbClr r="0" g="0" b="0"/>
+        </a:lnRef>
+        <a:fillRef idx="3">
+          <a:scrgbClr r="0" g="0" b="0"/>
+        </a:fillRef>
+        <a:effectRef idx="3">
+          <a:scrgbClr r="0" g="0" b="0"/>
+        </a:effectRef>
+        <a:fontRef idx="minor">
+          <a:schemeClr val="lt1"/>
+        </a:fontRef>
+      </dsp:style>
+      <dsp:txBody>
+        <a:bodyPr spcFirstLastPara="0" vert="horz" wrap="square" lIns="182880" tIns="182880" rIns="182880" bIns="182880" numCol="1" spcCol="1270" anchor="ctr" anchorCtr="0">
+          <a:noAutofit/>
+        </a:bodyPr>
+        <a:lstStyle/>
+        <a:p>
+          <a:pPr lvl="0" algn="ctr" defTabSz="2133600">
+            <a:lnSpc>
+              <a:spcPct val="90000"/>
+            </a:lnSpc>
+            <a:spcBef>
+              <a:spcPct val="0"/>
+            </a:spcBef>
+            <a:spcAft>
+              <a:spcPct val="35000"/>
+            </a:spcAft>
+          </a:pPr>
+          <a:r>
+            <a:rPr lang="en-US" sz="4800" kern="1200" dirty="0" smtClean="0"/>
+            <a:t>2. Greedily add best rule to S using a-priori like algorithm</a:t>
+          </a:r>
+          <a:endParaRPr lang="en-US" sz="4800" kern="1200" dirty="0"/>
+        </a:p>
+      </dsp:txBody>
+      <dsp:txXfrm>
+        <a:off x="7649978" y="967531"/>
+        <a:ext cx="5198471" cy="3043336"/>
+      </dsp:txXfrm>
+    </dsp:sp>
+    <dsp:sp modelId="{6B6F3CB4-AA77-2C43-B2B4-444FD55867B4}">
+      <dsp:nvSpPr>
+        <dsp:cNvPr id="0" name=""/>
+        <dsp:cNvSpPr/>
+      </dsp:nvSpPr>
+      <dsp:spPr>
+        <a:xfrm>
+          <a:off x="13448039" y="2807785"/>
+          <a:ext cx="1142221" cy="1336183"/>
+        </a:xfrm>
+        <a:prstGeom prst="rightArrow">
+          <a:avLst>
+            <a:gd name="adj1" fmla="val 60000"/>
+            <a:gd name="adj2" fmla="val 50000"/>
+          </a:avLst>
+        </a:prstGeom>
+        <a:gradFill rotWithShape="0">
+          <a:gsLst>
+            <a:gs pos="0">
+              <a:schemeClr val="accent1">
+                <a:tint val="60000"/>
+                <a:hueOff val="0"/>
+                <a:satOff val="0"/>
+                <a:lumOff val="0"/>
+                <a:alphaOff val="0"/>
+                <a:lumMod val="95000"/>
+              </a:schemeClr>
+            </a:gs>
+            <a:gs pos="100000">
+              <a:schemeClr val="accent1">
+                <a:tint val="60000"/>
+                <a:hueOff val="0"/>
+                <a:satOff val="0"/>
+                <a:lumOff val="0"/>
+                <a:alphaOff val="0"/>
+                <a:shade val="82000"/>
+                <a:satMod val="125000"/>
+                <a:lumMod val="74000"/>
+              </a:schemeClr>
+            </a:gs>
+          </a:gsLst>
+          <a:lin ang="5400000" scaled="0"/>
+        </a:gradFill>
+        <a:ln>
+          <a:noFill/>
+        </a:ln>
+        <a:effectLst>
+          <a:reflection blurRad="38100" stA="26000" endPos="23000" dist="25400" dir="5400000" sy="-100000" rotWithShape="0"/>
+        </a:effectLst>
+        <a:scene3d>
+          <a:camera prst="orthographicFront">
+            <a:rot lat="0" lon="0" rev="0"/>
+          </a:camera>
+          <a:lightRig rig="balanced" dir="tr"/>
+        </a:scene3d>
+        <a:sp3d contourW="14605" prstMaterial="plastic">
+          <a:bevelT w="50800"/>
+          <a:contourClr>
+            <a:schemeClr val="accent1">
+              <a:tint val="60000"/>
+              <a:hueOff val="0"/>
+              <a:satOff val="0"/>
+              <a:lumOff val="0"/>
+              <a:alphaOff val="0"/>
+              <a:shade val="30000"/>
+              <a:satMod val="120000"/>
+            </a:schemeClr>
+          </a:contourClr>
+        </a:sp3d>
+      </dsp:spPr>
+      <dsp:style>
+        <a:lnRef idx="0">
+          <a:scrgbClr r="0" g="0" b="0"/>
+        </a:lnRef>
+        <a:fillRef idx="3">
+          <a:scrgbClr r="0" g="0" b="0"/>
+        </a:fillRef>
+        <a:effectRef idx="3">
+          <a:scrgbClr r="0" g="0" b="0"/>
+        </a:effectRef>
+        <a:fontRef idx="minor">
+          <a:schemeClr val="lt1"/>
+        </a:fontRef>
+      </dsp:style>
+      <dsp:txBody>
+        <a:bodyPr spcFirstLastPara="0" vert="horz" wrap="square" lIns="0" tIns="0" rIns="0" bIns="0" numCol="1" spcCol="1270" anchor="ctr" anchorCtr="0">
+          <a:noAutofit/>
+        </a:bodyPr>
+        <a:lstStyle/>
+        <a:p>
+          <a:pPr lvl="0" algn="ctr" defTabSz="1689100">
+            <a:lnSpc>
+              <a:spcPct val="90000"/>
+            </a:lnSpc>
+            <a:spcBef>
+              <a:spcPct val="0"/>
+            </a:spcBef>
+            <a:spcAft>
+              <a:spcPct val="35000"/>
+            </a:spcAft>
+          </a:pPr>
+          <a:endParaRPr lang="en-US" sz="3800" kern="1200"/>
+        </a:p>
+      </dsp:txBody>
+      <dsp:txXfrm>
+        <a:off x="13448039" y="3075022"/>
+        <a:ext cx="799555" cy="801709"/>
+      </dsp:txXfrm>
+    </dsp:sp>
+    <dsp:sp modelId="{CA0005FE-0DB4-4148-ADB1-FBBCDFD4FDCE}">
+      <dsp:nvSpPr>
+        <dsp:cNvPr id="0" name=""/>
+        <dsp:cNvSpPr/>
+      </dsp:nvSpPr>
+      <dsp:spPr>
+        <a:xfrm>
+          <a:off x="15098269" y="872848"/>
+          <a:ext cx="5387837" cy="3232702"/>
+        </a:xfrm>
+        <a:prstGeom prst="roundRect">
+          <a:avLst>
+            <a:gd name="adj" fmla="val 10000"/>
+          </a:avLst>
+        </a:prstGeom>
+        <a:gradFill rotWithShape="0">
+          <a:gsLst>
+            <a:gs pos="0">
+              <a:schemeClr val="accent1">
+                <a:hueOff val="0"/>
+                <a:satOff val="0"/>
+                <a:lumOff val="0"/>
+                <a:alphaOff val="0"/>
+                <a:lumMod val="95000"/>
+              </a:schemeClr>
+            </a:gs>
+            <a:gs pos="100000">
+              <a:schemeClr val="accent1">
+                <a:hueOff val="0"/>
+                <a:satOff val="0"/>
+                <a:lumOff val="0"/>
+                <a:alphaOff val="0"/>
+                <a:shade val="82000"/>
+                <a:satMod val="125000"/>
+                <a:lumMod val="74000"/>
+              </a:schemeClr>
+            </a:gs>
+          </a:gsLst>
+          <a:lin ang="5400000" scaled="0"/>
+        </a:gradFill>
+        <a:ln>
+          <a:noFill/>
+        </a:ln>
+        <a:effectLst>
+          <a:reflection blurRad="38100" stA="26000" endPos="23000" dist="25400" dir="5400000" sy="-100000" rotWithShape="0"/>
+        </a:effectLst>
+        <a:scene3d>
+          <a:camera prst="orthographicFront">
+            <a:rot lat="0" lon="0" rev="0"/>
+          </a:camera>
+          <a:lightRig rig="balanced" dir="tr"/>
+        </a:scene3d>
+        <a:sp3d contourW="14605" prstMaterial="plastic">
+          <a:bevelT w="50800"/>
+          <a:contourClr>
+            <a:schemeClr val="accent1">
+              <a:hueOff val="0"/>
+              <a:satOff val="0"/>
+              <a:lumOff val="0"/>
+              <a:alphaOff val="0"/>
+              <a:shade val="30000"/>
+              <a:satMod val="120000"/>
+            </a:schemeClr>
+          </a:contourClr>
+        </a:sp3d>
+      </dsp:spPr>
+      <dsp:style>
+        <a:lnRef idx="0">
+          <a:scrgbClr r="0" g="0" b="0"/>
+        </a:lnRef>
+        <a:fillRef idx="3">
+          <a:scrgbClr r="0" g="0" b="0"/>
+        </a:fillRef>
+        <a:effectRef idx="3">
+          <a:scrgbClr r="0" g="0" b="0"/>
+        </a:effectRef>
+        <a:fontRef idx="minor">
+          <a:schemeClr val="lt1"/>
+        </a:fontRef>
+      </dsp:style>
+      <dsp:txBody>
+        <a:bodyPr spcFirstLastPara="0" vert="horz" wrap="square" lIns="182880" tIns="182880" rIns="182880" bIns="182880" numCol="1" spcCol="1270" anchor="ctr" anchorCtr="0">
+          <a:noAutofit/>
+        </a:bodyPr>
+        <a:lstStyle/>
+        <a:p>
+          <a:pPr lvl="0" algn="ctr" defTabSz="2133600">
+            <a:lnSpc>
+              <a:spcPct val="90000"/>
+            </a:lnSpc>
+            <a:spcBef>
+              <a:spcPct val="0"/>
+            </a:spcBef>
+            <a:spcAft>
+              <a:spcPct val="35000"/>
+            </a:spcAft>
+          </a:pPr>
+          <a:r>
+            <a:rPr lang="en-US" sz="4800" kern="1200" dirty="0" smtClean="0"/>
+            <a:t>3. If we have enough rules, return to Step 2, else:</a:t>
+          </a:r>
+          <a:endParaRPr lang="en-US" sz="4800" kern="1200" dirty="0"/>
+        </a:p>
+      </dsp:txBody>
+      <dsp:txXfrm>
+        <a:off x="15192952" y="967531"/>
+        <a:ext cx="5198471" cy="3043336"/>
+      </dsp:txXfrm>
+    </dsp:sp>
+    <dsp:sp modelId="{AAE80FAF-F927-B748-BE62-CFF192C3AA48}">
+      <dsp:nvSpPr>
+        <dsp:cNvPr id="0" name=""/>
+        <dsp:cNvSpPr/>
+      </dsp:nvSpPr>
+      <dsp:spPr>
+        <a:xfrm>
+          <a:off x="21024890" y="1821107"/>
+          <a:ext cx="1142221" cy="1336183"/>
+        </a:xfrm>
+        <a:prstGeom prst="rightArrow">
+          <a:avLst>
+            <a:gd name="adj1" fmla="val 60000"/>
+            <a:gd name="adj2" fmla="val 50000"/>
+          </a:avLst>
+        </a:prstGeom>
+        <a:gradFill rotWithShape="0">
+          <a:gsLst>
+            <a:gs pos="0">
+              <a:schemeClr val="accent1">
+                <a:tint val="60000"/>
+                <a:hueOff val="0"/>
+                <a:satOff val="0"/>
+                <a:lumOff val="0"/>
+                <a:alphaOff val="0"/>
+                <a:lumMod val="95000"/>
+              </a:schemeClr>
+            </a:gs>
+            <a:gs pos="100000">
+              <a:schemeClr val="accent1">
+                <a:tint val="60000"/>
+                <a:hueOff val="0"/>
+                <a:satOff val="0"/>
+                <a:lumOff val="0"/>
+                <a:alphaOff val="0"/>
+                <a:shade val="82000"/>
+                <a:satMod val="125000"/>
+                <a:lumMod val="74000"/>
+              </a:schemeClr>
+            </a:gs>
+          </a:gsLst>
+          <a:lin ang="5400000" scaled="0"/>
+        </a:gradFill>
+        <a:ln>
+          <a:noFill/>
+        </a:ln>
+        <a:effectLst>
+          <a:reflection blurRad="38100" stA="26000" endPos="23000" dist="25400" dir="5400000" sy="-100000" rotWithShape="0"/>
+        </a:effectLst>
+        <a:scene3d>
+          <a:camera prst="orthographicFront">
+            <a:rot lat="0" lon="0" rev="0"/>
+          </a:camera>
+          <a:lightRig rig="balanced" dir="tr"/>
+        </a:scene3d>
+        <a:sp3d contourW="14605" prstMaterial="plastic">
+          <a:bevelT w="50800"/>
+          <a:contourClr>
+            <a:schemeClr val="accent1">
+              <a:tint val="60000"/>
+              <a:hueOff val="0"/>
+              <a:satOff val="0"/>
+              <a:lumOff val="0"/>
+              <a:alphaOff val="0"/>
+              <a:shade val="30000"/>
+              <a:satMod val="120000"/>
+            </a:schemeClr>
+          </a:contourClr>
+        </a:sp3d>
+      </dsp:spPr>
+      <dsp:style>
+        <a:lnRef idx="0">
+          <a:scrgbClr r="0" g="0" b="0"/>
+        </a:lnRef>
+        <a:fillRef idx="3">
+          <a:scrgbClr r="0" g="0" b="0"/>
+        </a:fillRef>
+        <a:effectRef idx="3">
+          <a:scrgbClr r="0" g="0" b="0"/>
+        </a:effectRef>
+        <a:fontRef idx="minor">
+          <a:schemeClr val="lt1"/>
+        </a:fontRef>
+      </dsp:style>
+      <dsp:txBody>
+        <a:bodyPr spcFirstLastPara="0" vert="horz" wrap="square" lIns="0" tIns="0" rIns="0" bIns="0" numCol="1" spcCol="1270" anchor="ctr" anchorCtr="0">
+          <a:noAutofit/>
+        </a:bodyPr>
+        <a:lstStyle/>
+        <a:p>
+          <a:pPr lvl="0" algn="ctr" defTabSz="1689100">
+            <a:lnSpc>
+              <a:spcPct val="90000"/>
+            </a:lnSpc>
+            <a:spcBef>
+              <a:spcPct val="0"/>
+            </a:spcBef>
+            <a:spcAft>
+              <a:spcPct val="35000"/>
+            </a:spcAft>
+          </a:pPr>
+          <a:endParaRPr lang="en-US" sz="3800" kern="1200"/>
+        </a:p>
+      </dsp:txBody>
+      <dsp:txXfrm>
+        <a:off x="21024890" y="2088344"/>
+        <a:ext cx="799555" cy="801709"/>
+      </dsp:txXfrm>
+    </dsp:sp>
+    <dsp:sp modelId="{1D0BE7EF-4EF0-A54F-A186-1DFD468C5C36}">
+      <dsp:nvSpPr>
+        <dsp:cNvPr id="0" name=""/>
+        <dsp:cNvSpPr/>
+      </dsp:nvSpPr>
+      <dsp:spPr>
+        <a:xfrm>
+          <a:off x="22641242" y="872848"/>
+          <a:ext cx="5387837" cy="3232702"/>
+        </a:xfrm>
+        <a:prstGeom prst="roundRect">
+          <a:avLst>
+            <a:gd name="adj" fmla="val 10000"/>
+          </a:avLst>
+        </a:prstGeom>
+        <a:gradFill rotWithShape="0">
+          <a:gsLst>
+            <a:gs pos="0">
+              <a:schemeClr val="accent1">
+                <a:hueOff val="0"/>
+                <a:satOff val="0"/>
+                <a:lumOff val="0"/>
+                <a:alphaOff val="0"/>
+                <a:lumMod val="95000"/>
+              </a:schemeClr>
+            </a:gs>
+            <a:gs pos="100000">
+              <a:schemeClr val="accent1">
+                <a:hueOff val="0"/>
+                <a:satOff val="0"/>
+                <a:lumOff val="0"/>
+                <a:alphaOff val="0"/>
+                <a:shade val="82000"/>
+                <a:satMod val="125000"/>
+                <a:lumMod val="74000"/>
+              </a:schemeClr>
+            </a:gs>
+          </a:gsLst>
+          <a:lin ang="5400000" scaled="0"/>
+        </a:gradFill>
+        <a:ln>
+          <a:noFill/>
+        </a:ln>
+        <a:effectLst>
+          <a:reflection blurRad="38100" stA="26000" endPos="23000" dist="25400" dir="5400000" sy="-100000" rotWithShape="0"/>
+        </a:effectLst>
+        <a:scene3d>
+          <a:camera prst="orthographicFront">
+            <a:rot lat="0" lon="0" rev="0"/>
+          </a:camera>
+          <a:lightRig rig="balanced" dir="tr"/>
+        </a:scene3d>
+        <a:sp3d contourW="14605" prstMaterial="plastic">
+          <a:bevelT w="50800"/>
+          <a:contourClr>
+            <a:schemeClr val="accent1">
+              <a:hueOff val="0"/>
+              <a:satOff val="0"/>
+              <a:lumOff val="0"/>
+              <a:alphaOff val="0"/>
+              <a:shade val="30000"/>
+              <a:satMod val="120000"/>
+            </a:schemeClr>
+          </a:contourClr>
+        </a:sp3d>
+      </dsp:spPr>
+      <dsp:style>
+        <a:lnRef idx="0">
+          <a:scrgbClr r="0" g="0" b="0"/>
+        </a:lnRef>
+        <a:fillRef idx="3">
+          <a:scrgbClr r="0" g="0" b="0"/>
+        </a:fillRef>
+        <a:effectRef idx="3">
+          <a:scrgbClr r="0" g="0" b="0"/>
+        </a:effectRef>
+        <a:fontRef idx="minor">
+          <a:schemeClr val="lt1"/>
+        </a:fontRef>
+      </dsp:style>
+      <dsp:txBody>
+        <a:bodyPr spcFirstLastPara="0" vert="horz" wrap="square" lIns="182880" tIns="182880" rIns="182880" bIns="182880" numCol="1" spcCol="1270" anchor="ctr" anchorCtr="0">
+          <a:noAutofit/>
+        </a:bodyPr>
+        <a:lstStyle/>
+        <a:p>
+          <a:pPr lvl="0" algn="ctr" defTabSz="2133600">
+            <a:lnSpc>
+              <a:spcPct val="90000"/>
+            </a:lnSpc>
+            <a:spcBef>
+              <a:spcPct val="0"/>
+            </a:spcBef>
+            <a:spcAft>
+              <a:spcPct val="35000"/>
+            </a:spcAft>
+          </a:pPr>
+          <a:r>
+            <a:rPr lang="en-US" sz="4800" kern="1200" dirty="0" smtClean="0"/>
+            <a:t>4. Return S sorted by weight</a:t>
+          </a:r>
+          <a:endParaRPr lang="en-US" sz="4800" kern="1200" dirty="0"/>
+        </a:p>
+      </dsp:txBody>
+      <dsp:txXfrm>
+        <a:off x="22735925" y="967531"/>
+        <a:ext cx="5198471" cy="3043336"/>
+      </dsp:txXfrm>
+    </dsp:sp>
+  </dsp:spTree>
+</dsp:drawing>
+</file>
+
+<file path=ppt/diagrams/drawing2.xml><?xml version="1.0" encoding="utf-8"?>
+<dsp:drawing xmlns:dgm="http://schemas.openxmlformats.org/drawingml/2006/diagram" xmlns:dsp="http://schemas.microsoft.com/office/drawing/2008/diagram" xmlns:a="http://schemas.openxmlformats.org/drawingml/2006/main">
+  <dsp:spTree>
+    <dsp:nvGrpSpPr>
+      <dsp:cNvPr id="0" name=""/>
+      <dsp:cNvGrpSpPr/>
+    </dsp:nvGrpSpPr>
+    <dsp:grpSpPr/>
+    <dsp:sp modelId="{74DA812F-502E-CA47-95D6-6394C99B80EF}">
+      <dsp:nvSpPr>
+        <dsp:cNvPr id="0" name=""/>
+        <dsp:cNvSpPr/>
+      </dsp:nvSpPr>
+      <dsp:spPr>
+        <a:xfrm>
+          <a:off x="7021" y="2128423"/>
+          <a:ext cx="6248884" cy="2499553"/>
+        </a:xfrm>
+        <a:prstGeom prst="chevron">
+          <a:avLst/>
+        </a:prstGeom>
+        <a:gradFill rotWithShape="0">
+          <a:gsLst>
+            <a:gs pos="0">
+              <a:schemeClr val="accent1">
+                <a:hueOff val="0"/>
+                <a:satOff val="0"/>
+                <a:lumOff val="0"/>
+                <a:alphaOff val="0"/>
+                <a:lumMod val="95000"/>
+              </a:schemeClr>
+            </a:gs>
+            <a:gs pos="100000">
+              <a:schemeClr val="accent1">
+                <a:hueOff val="0"/>
+                <a:satOff val="0"/>
+                <a:lumOff val="0"/>
+                <a:alphaOff val="0"/>
+                <a:shade val="82000"/>
+                <a:satMod val="125000"/>
+                <a:lumMod val="74000"/>
+              </a:schemeClr>
+            </a:gs>
+          </a:gsLst>
+          <a:lin ang="5400000" scaled="0"/>
+        </a:gradFill>
+        <a:ln>
+          <a:noFill/>
+        </a:ln>
+        <a:effectLst>
+          <a:outerShdw blurRad="40005" dist="22984" dir="5400000" rotWithShape="0">
+            <a:srgbClr val="000000">
+              <a:alpha val="45000"/>
+            </a:srgbClr>
+          </a:outerShdw>
+        </a:effectLst>
+        <a:scene3d>
+          <a:camera prst="orthographicFront">
+            <a:rot lat="0" lon="0" rev="0"/>
+          </a:camera>
+          <a:lightRig rig="balanced" dir="tr"/>
+        </a:scene3d>
+        <a:sp3d prstMaterial="matte">
+          <a:bevelT w="19050" h="38100"/>
+        </a:sp3d>
+      </dsp:spPr>
+      <dsp:style>
+        <a:lnRef idx="0">
+          <a:scrgbClr r="0" g="0" b="0"/>
+        </a:lnRef>
+        <a:fillRef idx="3">
+          <a:scrgbClr r="0" g="0" b="0"/>
+        </a:fillRef>
+        <a:effectRef idx="2">
+          <a:scrgbClr r="0" g="0" b="0"/>
+        </a:effectRef>
+        <a:fontRef idx="minor">
+          <a:schemeClr val="lt1"/>
+        </a:fontRef>
+      </dsp:style>
+      <dsp:txBody>
+        <a:bodyPr spcFirstLastPara="0" vert="horz" wrap="square" lIns="144018" tIns="48006" rIns="48006" bIns="48006" numCol="1" spcCol="1270" anchor="ctr" anchorCtr="0">
+          <a:noAutofit/>
+        </a:bodyPr>
+        <a:lstStyle/>
+        <a:p>
+          <a:pPr lvl="0" algn="ctr" defTabSz="1600200">
+            <a:lnSpc>
+              <a:spcPct val="90000"/>
+            </a:lnSpc>
+            <a:spcBef>
+              <a:spcPct val="0"/>
+            </a:spcBef>
+            <a:spcAft>
+              <a:spcPct val="35000"/>
+            </a:spcAft>
+          </a:pPr>
+          <a:r>
+            <a:rPr lang="en-US" sz="3600" kern="1200" dirty="0" smtClean="0"/>
+            <a:t>User clicks on rule R</a:t>
+          </a:r>
+          <a:endParaRPr lang="en-US" sz="3600" kern="1200" dirty="0"/>
+        </a:p>
+      </dsp:txBody>
+      <dsp:txXfrm>
+        <a:off x="1256798" y="2128423"/>
+        <a:ext cx="3749331" cy="2499553"/>
+      </dsp:txXfrm>
+    </dsp:sp>
+    <dsp:sp modelId="{F5152B79-3B98-F24F-B5DC-DF59F8481819}">
+      <dsp:nvSpPr>
+        <dsp:cNvPr id="0" name=""/>
+        <dsp:cNvSpPr/>
+      </dsp:nvSpPr>
+      <dsp:spPr>
+        <a:xfrm>
+          <a:off x="5631017" y="2128423"/>
+          <a:ext cx="6248884" cy="2499553"/>
+        </a:xfrm>
+        <a:prstGeom prst="chevron">
+          <a:avLst/>
+        </a:prstGeom>
+        <a:gradFill rotWithShape="0">
+          <a:gsLst>
+            <a:gs pos="0">
+              <a:schemeClr val="accent1">
+                <a:hueOff val="0"/>
+                <a:satOff val="0"/>
+                <a:lumOff val="0"/>
+                <a:alphaOff val="0"/>
+                <a:lumMod val="95000"/>
+              </a:schemeClr>
+            </a:gs>
+            <a:gs pos="100000">
+              <a:schemeClr val="accent1">
+                <a:hueOff val="0"/>
+                <a:satOff val="0"/>
+                <a:lumOff val="0"/>
+                <a:alphaOff val="0"/>
+                <a:shade val="82000"/>
+                <a:satMod val="125000"/>
+                <a:lumMod val="74000"/>
+              </a:schemeClr>
+            </a:gs>
+          </a:gsLst>
+          <a:lin ang="5400000" scaled="0"/>
+        </a:gradFill>
+        <a:ln>
+          <a:noFill/>
+        </a:ln>
+        <a:effectLst>
+          <a:outerShdw blurRad="40005" dist="22984" dir="5400000" rotWithShape="0">
+            <a:srgbClr val="000000">
+              <a:alpha val="45000"/>
+            </a:srgbClr>
+          </a:outerShdw>
+        </a:effectLst>
+        <a:scene3d>
+          <a:camera prst="orthographicFront">
+            <a:rot lat="0" lon="0" rev="0"/>
+          </a:camera>
+          <a:lightRig rig="balanced" dir="tr"/>
+        </a:scene3d>
+        <a:sp3d prstMaterial="matte">
+          <a:bevelT w="19050" h="38100"/>
+        </a:sp3d>
+      </dsp:spPr>
+      <dsp:style>
+        <a:lnRef idx="0">
+          <a:scrgbClr r="0" g="0" b="0"/>
+        </a:lnRef>
+        <a:fillRef idx="3">
+          <a:scrgbClr r="0" g="0" b="0"/>
+        </a:fillRef>
+        <a:effectRef idx="2">
+          <a:scrgbClr r="0" g="0" b="0"/>
+        </a:effectRef>
+        <a:fontRef idx="minor">
+          <a:schemeClr val="lt1"/>
+        </a:fontRef>
+      </dsp:style>
+      <dsp:txBody>
+        <a:bodyPr spcFirstLastPara="0" vert="horz" wrap="square" lIns="144018" tIns="48006" rIns="48006" bIns="48006" numCol="1" spcCol="1270" anchor="ctr" anchorCtr="0">
+          <a:noAutofit/>
+        </a:bodyPr>
+        <a:lstStyle/>
+        <a:p>
+          <a:pPr lvl="0" algn="ctr" defTabSz="1600200">
+            <a:lnSpc>
+              <a:spcPct val="90000"/>
+            </a:lnSpc>
+            <a:spcBef>
+              <a:spcPct val="0"/>
+            </a:spcBef>
+            <a:spcAft>
+              <a:spcPct val="35000"/>
+            </a:spcAft>
+          </a:pPr>
+          <a:r>
+            <a:rPr lang="en-US" sz="3600" kern="1200" dirty="0" smtClean="0"/>
+            <a:t>Attempt to create R-sample from main memory</a:t>
+          </a:r>
+          <a:endParaRPr lang="en-US" sz="3600" kern="1200" dirty="0"/>
+        </a:p>
+      </dsp:txBody>
+      <dsp:txXfrm>
+        <a:off x="6880794" y="2128423"/>
+        <a:ext cx="3749331" cy="2499553"/>
+      </dsp:txXfrm>
+    </dsp:sp>
+    <dsp:sp modelId="{FA3E3A8A-D434-F149-9755-A9B7E3A6B75E}">
+      <dsp:nvSpPr>
+        <dsp:cNvPr id="0" name=""/>
+        <dsp:cNvSpPr/>
+      </dsp:nvSpPr>
+      <dsp:spPr>
+        <a:xfrm>
+          <a:off x="11255014" y="2128423"/>
+          <a:ext cx="6248884" cy="2499553"/>
+        </a:xfrm>
+        <a:prstGeom prst="chevron">
+          <a:avLst/>
+        </a:prstGeom>
+        <a:gradFill rotWithShape="0">
+          <a:gsLst>
+            <a:gs pos="0">
+              <a:schemeClr val="accent1">
+                <a:hueOff val="0"/>
+                <a:satOff val="0"/>
+                <a:lumOff val="0"/>
+                <a:alphaOff val="0"/>
+                <a:lumMod val="95000"/>
+              </a:schemeClr>
+            </a:gs>
+            <a:gs pos="100000">
+              <a:schemeClr val="accent1">
+                <a:hueOff val="0"/>
+                <a:satOff val="0"/>
+                <a:lumOff val="0"/>
+                <a:alphaOff val="0"/>
+                <a:shade val="82000"/>
+                <a:satMod val="125000"/>
+                <a:lumMod val="74000"/>
+              </a:schemeClr>
+            </a:gs>
+          </a:gsLst>
+          <a:lin ang="5400000" scaled="0"/>
+        </a:gradFill>
+        <a:ln>
+          <a:noFill/>
+        </a:ln>
+        <a:effectLst>
+          <a:outerShdw blurRad="40005" dist="22984" dir="5400000" rotWithShape="0">
+            <a:srgbClr val="000000">
+              <a:alpha val="45000"/>
+            </a:srgbClr>
+          </a:outerShdw>
+        </a:effectLst>
+        <a:scene3d>
+          <a:camera prst="orthographicFront">
+            <a:rot lat="0" lon="0" rev="0"/>
+          </a:camera>
+          <a:lightRig rig="balanced" dir="tr"/>
+        </a:scene3d>
+        <a:sp3d prstMaterial="matte">
+          <a:bevelT w="19050" h="38100"/>
+        </a:sp3d>
+      </dsp:spPr>
+      <dsp:style>
+        <a:lnRef idx="0">
+          <a:scrgbClr r="0" g="0" b="0"/>
+        </a:lnRef>
+        <a:fillRef idx="3">
+          <a:scrgbClr r="0" g="0" b="0"/>
+        </a:fillRef>
+        <a:effectRef idx="2">
+          <a:scrgbClr r="0" g="0" b="0"/>
+        </a:effectRef>
+        <a:fontRef idx="minor">
+          <a:schemeClr val="lt1"/>
+        </a:fontRef>
+      </dsp:style>
+      <dsp:txBody>
+        <a:bodyPr spcFirstLastPara="0" vert="horz" wrap="square" lIns="144018" tIns="48006" rIns="48006" bIns="48006" numCol="1" spcCol="1270" anchor="ctr" anchorCtr="0">
+          <a:noAutofit/>
+        </a:bodyPr>
+        <a:lstStyle/>
+        <a:p>
+          <a:pPr lvl="0" algn="ctr" defTabSz="1600200">
+            <a:lnSpc>
+              <a:spcPct val="90000"/>
+            </a:lnSpc>
+            <a:spcBef>
+              <a:spcPct val="0"/>
+            </a:spcBef>
+            <a:spcAft>
+              <a:spcPct val="35000"/>
+            </a:spcAft>
+          </a:pPr>
+          <a:r>
+            <a:rPr lang="en-US" sz="3600" kern="1200" dirty="0" smtClean="0"/>
+            <a:t>If not possible, compute optimal new samples to create</a:t>
+          </a:r>
+          <a:endParaRPr lang="en-US" sz="3600" kern="1200" dirty="0"/>
+        </a:p>
+      </dsp:txBody>
+      <dsp:txXfrm>
+        <a:off x="12504791" y="2128423"/>
+        <a:ext cx="3749331" cy="2499553"/>
+      </dsp:txXfrm>
+    </dsp:sp>
+    <dsp:sp modelId="{E840BDBD-EA4A-6246-9789-AEFB9187CA35}">
+      <dsp:nvSpPr>
+        <dsp:cNvPr id="0" name=""/>
+        <dsp:cNvSpPr/>
+      </dsp:nvSpPr>
+      <dsp:spPr>
+        <a:xfrm>
+          <a:off x="16879010" y="2128423"/>
+          <a:ext cx="6248884" cy="2499553"/>
+        </a:xfrm>
+        <a:prstGeom prst="chevron">
+          <a:avLst/>
+        </a:prstGeom>
+        <a:gradFill rotWithShape="0">
+          <a:gsLst>
+            <a:gs pos="0">
+              <a:schemeClr val="accent1">
+                <a:hueOff val="0"/>
+                <a:satOff val="0"/>
+                <a:lumOff val="0"/>
+                <a:alphaOff val="0"/>
+                <a:lumMod val="95000"/>
+              </a:schemeClr>
+            </a:gs>
+            <a:gs pos="100000">
+              <a:schemeClr val="accent1">
+                <a:hueOff val="0"/>
+                <a:satOff val="0"/>
+                <a:lumOff val="0"/>
+                <a:alphaOff val="0"/>
+                <a:shade val="82000"/>
+                <a:satMod val="125000"/>
+                <a:lumMod val="74000"/>
+              </a:schemeClr>
+            </a:gs>
+          </a:gsLst>
+          <a:lin ang="5400000" scaled="0"/>
+        </a:gradFill>
+        <a:ln>
+          <a:noFill/>
+        </a:ln>
+        <a:effectLst>
+          <a:outerShdw blurRad="40005" dist="22984" dir="5400000" rotWithShape="0">
+            <a:srgbClr val="000000">
+              <a:alpha val="45000"/>
+            </a:srgbClr>
+          </a:outerShdw>
+        </a:effectLst>
+        <a:scene3d>
+          <a:camera prst="orthographicFront">
+            <a:rot lat="0" lon="0" rev="0"/>
+          </a:camera>
+          <a:lightRig rig="balanced" dir="tr"/>
+        </a:scene3d>
+        <a:sp3d prstMaterial="matte">
+          <a:bevelT w="19050" h="38100"/>
+        </a:sp3d>
+      </dsp:spPr>
+      <dsp:style>
+        <a:lnRef idx="0">
+          <a:scrgbClr r="0" g="0" b="0"/>
+        </a:lnRef>
+        <a:fillRef idx="3">
+          <a:scrgbClr r="0" g="0" b="0"/>
+        </a:fillRef>
+        <a:effectRef idx="2">
+          <a:scrgbClr r="0" g="0" b="0"/>
+        </a:effectRef>
+        <a:fontRef idx="minor">
+          <a:schemeClr val="lt1"/>
+        </a:fontRef>
+      </dsp:style>
+      <dsp:txBody>
+        <a:bodyPr spcFirstLastPara="0" vert="horz" wrap="square" lIns="144018" tIns="48006" rIns="48006" bIns="48006" numCol="1" spcCol="1270" anchor="ctr" anchorCtr="0">
+          <a:noAutofit/>
+        </a:bodyPr>
+        <a:lstStyle/>
+        <a:p>
+          <a:pPr lvl="0" algn="ctr" defTabSz="1600200">
+            <a:lnSpc>
+              <a:spcPct val="90000"/>
+            </a:lnSpc>
+            <a:spcBef>
+              <a:spcPct val="0"/>
+            </a:spcBef>
+            <a:spcAft>
+              <a:spcPct val="35000"/>
+            </a:spcAft>
+          </a:pPr>
+          <a:r>
+            <a:rPr lang="en-US" sz="3600" kern="1200" dirty="0" smtClean="0"/>
+            <a:t>Materialize new samples from Hard Disk</a:t>
+          </a:r>
+          <a:endParaRPr lang="en-US" sz="3600" kern="1200" dirty="0"/>
+        </a:p>
+      </dsp:txBody>
+      <dsp:txXfrm>
+        <a:off x="18128787" y="2128423"/>
+        <a:ext cx="3749331" cy="2499553"/>
+      </dsp:txXfrm>
+    </dsp:sp>
+    <dsp:sp modelId="{59AD2FC9-9DBD-844B-BEB4-B6FD10DC3B42}">
+      <dsp:nvSpPr>
+        <dsp:cNvPr id="0" name=""/>
+        <dsp:cNvSpPr/>
+      </dsp:nvSpPr>
+      <dsp:spPr>
+        <a:xfrm>
+          <a:off x="22503006" y="2128423"/>
+          <a:ext cx="6248884" cy="2499553"/>
+        </a:xfrm>
+        <a:prstGeom prst="chevron">
+          <a:avLst/>
+        </a:prstGeom>
+        <a:gradFill rotWithShape="0">
+          <a:gsLst>
+            <a:gs pos="0">
+              <a:schemeClr val="accent1">
+                <a:hueOff val="0"/>
+                <a:satOff val="0"/>
+                <a:lumOff val="0"/>
+                <a:alphaOff val="0"/>
+                <a:lumMod val="95000"/>
+              </a:schemeClr>
+            </a:gs>
+            <a:gs pos="100000">
+              <a:schemeClr val="accent1">
+                <a:hueOff val="0"/>
+                <a:satOff val="0"/>
+                <a:lumOff val="0"/>
+                <a:alphaOff val="0"/>
+                <a:shade val="82000"/>
+                <a:satMod val="125000"/>
+                <a:lumMod val="74000"/>
+              </a:schemeClr>
+            </a:gs>
+          </a:gsLst>
+          <a:lin ang="5400000" scaled="0"/>
+        </a:gradFill>
+        <a:ln>
+          <a:noFill/>
+        </a:ln>
+        <a:effectLst>
+          <a:outerShdw blurRad="40005" dist="22984" dir="5400000" rotWithShape="0">
+            <a:srgbClr val="000000">
+              <a:alpha val="45000"/>
+            </a:srgbClr>
+          </a:outerShdw>
+        </a:effectLst>
+        <a:scene3d>
+          <a:camera prst="orthographicFront">
+            <a:rot lat="0" lon="0" rev="0"/>
+          </a:camera>
+          <a:lightRig rig="balanced" dir="tr"/>
+        </a:scene3d>
+        <a:sp3d prstMaterial="matte">
+          <a:bevelT w="19050" h="38100"/>
+        </a:sp3d>
+      </dsp:spPr>
+      <dsp:style>
+        <a:lnRef idx="0">
+          <a:scrgbClr r="0" g="0" b="0"/>
+        </a:lnRef>
+        <a:fillRef idx="3">
+          <a:scrgbClr r="0" g="0" b="0"/>
+        </a:fillRef>
+        <a:effectRef idx="2">
+          <a:scrgbClr r="0" g="0" b="0"/>
+        </a:effectRef>
+        <a:fontRef idx="minor">
+          <a:schemeClr val="lt1"/>
+        </a:fontRef>
+      </dsp:style>
+      <dsp:txBody>
+        <a:bodyPr spcFirstLastPara="0" vert="horz" wrap="square" lIns="144018" tIns="48006" rIns="48006" bIns="48006" numCol="1" spcCol="1270" anchor="ctr" anchorCtr="0">
+          <a:noAutofit/>
+        </a:bodyPr>
+        <a:lstStyle/>
+        <a:p>
+          <a:pPr lvl="0" algn="ctr" defTabSz="1600200">
+            <a:lnSpc>
+              <a:spcPct val="90000"/>
+            </a:lnSpc>
+            <a:spcBef>
+              <a:spcPct val="0"/>
+            </a:spcBef>
+            <a:spcAft>
+              <a:spcPct val="35000"/>
+            </a:spcAft>
+          </a:pPr>
+          <a:r>
+            <a:rPr lang="en-US" sz="3600" kern="1200" dirty="0" smtClean="0"/>
+            <a:t>Return R-sample to Rule Finder</a:t>
+          </a:r>
+          <a:endParaRPr lang="en-US" sz="3600" kern="1200" dirty="0"/>
+        </a:p>
+      </dsp:txBody>
+      <dsp:txXfrm>
+        <a:off x="23752783" y="2128423"/>
+        <a:ext cx="3749331" cy="2499553"/>
+      </dsp:txXfrm>
+    </dsp:sp>
+  </dsp:spTree>
+</dsp:drawing>
+</file>
+
+<file path=ppt/diagrams/layout1.xml><?xml version="1.0" encoding="utf-8"?>
+<dgm:layoutDef xmlns:dgm="http://schemas.openxmlformats.org/drawingml/2006/diagram" xmlns:a="http://schemas.openxmlformats.org/drawingml/2006/main" uniqueId="urn:microsoft.com/office/officeart/2005/8/layout/process1">
+  <dgm:title val=""/>
+  <dgm:desc val=""/>
+  <dgm:catLst>
+    <dgm:cat type="process" pri="1000"/>
+    <dgm:cat type="convert" pri="15000"/>
+  </dgm:catLst>
+  <dgm:sampData useDef="1">
+    <dgm:dataModel>
+      <dgm:ptLst/>
+      <dgm:bg/>
+      <dgm:whole/>
+    </dgm:dataModel>
+  </dgm:sampData>
+  <dgm:styleData>
+    <dgm:dataModel>
+      <dgm:ptLst>
+        <dgm:pt modelId="0" type="doc"/>
+        <dgm:pt modelId="1"/>
+        <dgm:pt modelId="2"/>
+      </dgm:ptLst>
+      <dgm:cxnLst>
+        <dgm:cxn modelId="3" srcId="0" destId="1" srcOrd="0" destOrd="0"/>
+        <dgm:cxn modelId="4" srcId="0" destId="2" srcOrd="1" destOrd="0"/>
+      </dgm:cxnLst>
+      <dgm:bg/>
+      <dgm:whole/>
+    </dgm:dataModel>
+  </dgm:styleData>
+  <dgm:clrData>
+    <dgm:dataModel>
+      <dgm:ptLst>
+        <dgm:pt modelId="0" type="doc"/>
+        <dgm:pt modelId="1"/>
+        <dgm:pt modelId="2"/>
+        <dgm:pt modelId="3"/>
+        <dgm:pt modelId="4"/>
+      </dgm:ptLst>
+      <dgm:cxnLst>
+        <dgm:cxn modelId="5" srcId="0" destId="1" srcOrd="0" destOrd="0"/>
+        <dgm:cxn modelId="6" srcId="0" destId="2" srcOrd="1" destOrd="0"/>
+        <dgm:cxn modelId="7" srcId="0" destId="3" srcOrd="2" destOrd="0"/>
+        <dgm:cxn modelId="8" srcId="0" destId="4" srcOrd="3" destOrd="0"/>
+      </dgm:cxnLst>
+      <dgm:bg/>
+      <dgm:whole/>
+    </dgm:dataModel>
+  </dgm:clrData>
+  <dgm:layoutNode name="Name0">
+    <dgm:varLst>
+      <dgm:dir/>
+      <dgm:resizeHandles val="exact"/>
+    </dgm:varLst>
+    <dgm:choose name="Name1">
+      <dgm:if name="Name2" func="var" arg="dir" op="equ" val="norm">
+        <dgm:alg type="lin"/>
+      </dgm:if>
+      <dgm:else name="Name3">
+        <dgm:alg type="lin">
+          <dgm:param type="linDir" val="fromR"/>
+        </dgm:alg>
+      </dgm:else>
+    </dgm:choose>
+    <dgm:shape xmlns:r="http://schemas.openxmlformats.org/officeDocument/2006/relationships" r:blip="">
+      <dgm:adjLst/>
+    </dgm:shape>
+    <dgm:presOf/>
+    <dgm:constrLst>
+      <dgm:constr type="w" for="ch" ptType="node" refType="w"/>
+      <dgm:constr type="h" for="ch" ptType="node" op="equ"/>
+      <dgm:constr type="primFontSz" for="ch" ptType="node" op="equ" val="65"/>
+      <dgm:constr type="w" for="ch" ptType="sibTrans" refType="w" refFor="ch" refPtType="node" op="equ" fact="0.4"/>
+      <dgm:constr type="h" for="ch" ptType="sibTrans" op="equ"/>
+      <dgm:constr type="primFontSz" for="des" forName="connectorText" op="equ" val="55"/>
+      <dgm:constr type="primFontSz" for="des" forName="connectorText" refType="primFontSz" refFor="ch" refPtType="node" op="lte" fact="0.8"/>
+    </dgm:constrLst>
+    <dgm:ruleLst/>
+    <dgm:forEach name="nodesForEach" axis="ch" ptType="node">
+      <dgm:layoutNode name="node">
+        <dgm:varLst>
+          <dgm:bulletEnabled val="1"/>
+        </dgm:varLst>
+        <dgm:alg type="tx"/>
+        <dgm:shape xmlns:r="http://schemas.openxmlformats.org/officeDocument/2006/relationships" type="roundRect" r:blip="">
+          <dgm:adjLst>
+            <dgm:adj idx="1" val="0.1"/>
+          </dgm:adjLst>
+        </dgm:shape>
+        <dgm:presOf axis="desOrSelf" ptType="node"/>
+        <dgm:constrLst>
+          <dgm:constr type="h" refType="w" fact="0.6"/>
+          <dgm:constr type="tMarg" refType="primFontSz" fact="0.3"/>
+          <dgm:constr type="bMarg" refType="primFontSz" fact="0.3"/>
+          <dgm:constr type="lMarg" refType="primFontSz" fact="0.3"/>
+          <dgm:constr type="rMarg" refType="primFontSz" fact="0.3"/>
+        </dgm:constrLst>
+        <dgm:ruleLst>
+          <dgm:rule type="primFontSz" val="18" fact="NaN" max="NaN"/>
+          <dgm:rule type="h" val="NaN" fact="1.5" max="NaN"/>
+          <dgm:rule type="primFontSz" val="5" fact="NaN" max="NaN"/>
+          <dgm:rule type="h" val="INF" fact="NaN" max="NaN"/>
+        </dgm:ruleLst>
+      </dgm:layoutNode>
+      <dgm:forEach name="sibTransForEach" axis="followSib" ptType="sibTrans" cnt="1">
+        <dgm:layoutNode name="sibTrans">
+          <dgm:alg type="conn">
+            <dgm:param type="begPts" val="auto"/>
+            <dgm:param type="endPts" val="auto"/>
+          </dgm:alg>
+          <dgm:shape xmlns:r="http://schemas.openxmlformats.org/officeDocument/2006/relationships" type="conn" r:blip="">
+            <dgm:adjLst/>
+          </dgm:shape>
+          <dgm:presOf axis="self"/>
+          <dgm:constrLst>
+            <dgm:constr type="h" refType="w" fact="0.62"/>
+            <dgm:constr type="connDist"/>
+            <dgm:constr type="begPad" refType="connDist" fact="0.25"/>
+            <dgm:constr type="endPad" refType="connDist" fact="0.22"/>
+          </dgm:constrLst>
+          <dgm:ruleLst/>
+          <dgm:layoutNode name="connectorText">
+            <dgm:alg type="tx">
+              <dgm:param type="autoTxRot" val="grav"/>
+            </dgm:alg>
+            <dgm:shape xmlns:r="http://schemas.openxmlformats.org/officeDocument/2006/relationships" type="conn" r:blip="" hideGeom="1">
+              <dgm:adjLst/>
+            </dgm:shape>
+            <dgm:presOf axis="self"/>
+            <dgm:constrLst>
+              <dgm:constr type="lMarg"/>
+              <dgm:constr type="rMarg"/>
+              <dgm:constr type="tMarg"/>
+              <dgm:constr type="bMarg"/>
+            </dgm:constrLst>
+            <dgm:ruleLst>
+              <dgm:rule type="primFontSz" val="5" fact="NaN" max="NaN"/>
+            </dgm:ruleLst>
+          </dgm:layoutNode>
+        </dgm:layoutNode>
+      </dgm:forEach>
+    </dgm:forEach>
+  </dgm:layoutNode>
+</dgm:layoutDef>
+</file>
+
+<file path=ppt/diagrams/layout2.xml><?xml version="1.0" encoding="utf-8"?>
+<dgm:layoutDef xmlns:dgm="http://schemas.openxmlformats.org/drawingml/2006/diagram" xmlns:a="http://schemas.openxmlformats.org/drawingml/2006/main" uniqueId="urn:microsoft.com/office/officeart/2005/8/layout/chevron1">
+  <dgm:title val=""/>
+  <dgm:desc val=""/>
+  <dgm:catLst>
+    <dgm:cat type="process" pri="9000"/>
+  </dgm:catLst>
+  <dgm:sampData useDef="1">
+    <dgm:dataModel>
+      <dgm:ptLst/>
+      <dgm:bg/>
+      <dgm:whole/>
+    </dgm:dataModel>
+  </dgm:sampData>
+  <dgm:styleData>
+    <dgm:dataModel>
+      <dgm:ptLst>
+        <dgm:pt modelId="0" type="doc"/>
+        <dgm:pt modelId="1"/>
+        <dgm:pt modelId="2"/>
+      </dgm:ptLst>
+      <dgm:cxnLst>
+        <dgm:cxn modelId="3" srcId="0" destId="1" srcOrd="0" destOrd="0"/>
+        <dgm:cxn modelId="4" srcId="0" destId="2" srcOrd="1" destOrd="0"/>
+      </dgm:cxnLst>
+      <dgm:bg/>
+      <dgm:whole/>
+    </dgm:dataModel>
+  </dgm:styleData>
+  <dgm:clrData>
+    <dgm:dataModel>
+      <dgm:ptLst>
+        <dgm:pt modelId="0" type="doc"/>
+        <dgm:pt modelId="1"/>
+        <dgm:pt modelId="2"/>
+        <dgm:pt modelId="3"/>
+        <dgm:pt modelId="4"/>
+      </dgm:ptLst>
+      <dgm:cxnLst>
+        <dgm:cxn modelId="5" srcId="0" destId="1" srcOrd="0" destOrd="0"/>
+        <dgm:cxn modelId="6" srcId="0" destId="2" srcOrd="1" destOrd="0"/>
+        <dgm:cxn modelId="7" srcId="0" destId="3" srcOrd="2" destOrd="0"/>
+        <dgm:cxn modelId="8" srcId="0" destId="4" srcOrd="3" destOrd="0"/>
+      </dgm:cxnLst>
+      <dgm:bg/>
+      <dgm:whole/>
+    </dgm:dataModel>
+  </dgm:clrData>
+  <dgm:layoutNode name="Name0">
+    <dgm:varLst>
+      <dgm:dir/>
+      <dgm:animLvl val="lvl"/>
+      <dgm:resizeHandles val="exact"/>
+    </dgm:varLst>
+    <dgm:choose name="Name1">
+      <dgm:if name="Name2" func="var" arg="dir" op="equ" val="norm">
+        <dgm:alg type="lin"/>
+      </dgm:if>
+      <dgm:else name="Name3">
+        <dgm:alg type="lin">
+          <dgm:param type="linDir" val="fromR"/>
+        </dgm:alg>
+      </dgm:else>
+    </dgm:choose>
+    <dgm:shape xmlns:r="http://schemas.openxmlformats.org/officeDocument/2006/relationships" r:blip="">
+      <dgm:adjLst/>
+    </dgm:shape>
+    <dgm:presOf/>
+    <dgm:choose name="Name4">
+      <dgm:if name="Name5" axis="des" func="maxDepth" op="gte" val="2">
+        <dgm:constrLst>
+          <dgm:constr type="h" for="ch" forName="composite" refType="h"/>
+          <dgm:constr type="w" for="ch" forName="composite" refType="w"/>
+          <dgm:constr type="w" for="des" forName="parTx"/>
+          <dgm:constr type="h" for="des" forName="parTx" op="equ"/>
+          <dgm:constr type="w" for="des" forName="desTx"/>
+          <dgm:constr type="h" for="des" forName="desTx" op="equ"/>
+          <dgm:constr type="primFontSz" for="des" forName="parTx" val="65"/>
+          <dgm:constr type="secFontSz" for="des" forName="desTx" refType="primFontSz" refFor="des" refForName="parTx" op="equ"/>
+          <dgm:constr type="h" for="des" forName="parTx" refType="primFontSz" refFor="des" refForName="parTx" fact="1.5"/>
+          <dgm:constr type="h" for="des" forName="desTx" refType="primFontSz" refFor="des" refForName="parTx" fact="0.5"/>
+          <dgm:constr type="w" for="ch" forName="space" op="equ" val="-6"/>
+        </dgm:constrLst>
+        <dgm:ruleLst>
+          <dgm:rule type="w" for="ch" forName="composite" val="0" fact="NaN" max="NaN"/>
+          <dgm:rule type="primFontSz" for="des" forName="parTx" val="5" fact="NaN" max="NaN"/>
+        </dgm:ruleLst>
+        <dgm:forEach name="Name6" axis="ch" ptType="node">
+          <dgm:layoutNode name="composite">
+            <dgm:alg type="composite"/>
+            <dgm:shape xmlns:r="http://schemas.openxmlformats.org/officeDocument/2006/relationships" r:blip="">
+              <dgm:adjLst/>
+            </dgm:shape>
+            <dgm:presOf/>
+            <dgm:choose name="Name7">
+              <dgm:if name="Name8" func="var" arg="dir" op="equ" val="norm">
+                <dgm:constrLst>
+                  <dgm:constr type="l" for="ch" forName="parTx"/>
+                  <dgm:constr type="w" for="ch" forName="parTx" refType="w"/>
+                  <dgm:constr type="t" for="ch" forName="parTx"/>
+                  <dgm:constr type="l" for="ch" forName="desTx"/>
+                  <dgm:constr type="w" for="ch" forName="desTx" refType="w" refFor="ch" refForName="parTx" fact="0.8"/>
+                  <dgm:constr type="t" for="ch" forName="desTx" refType="h" refFor="ch" refForName="parTx" fact="1.125"/>
+                </dgm:constrLst>
+              </dgm:if>
+              <dgm:else name="Name9">
+                <dgm:constrLst>
+                  <dgm:constr type="l" for="ch" forName="parTx"/>
+                  <dgm:constr type="w" for="ch" forName="parTx" refType="w"/>
+                  <dgm:constr type="t" for="ch" forName="parTx"/>
+                  <dgm:constr type="l" for="ch" forName="desTx" refType="w" fact="0.2"/>
+                  <dgm:constr type="w" for="ch" forName="desTx" refType="w" refFor="ch" refForName="parTx" fact="0.8"/>
+                  <dgm:constr type="t" for="ch" forName="desTx" refType="h" refFor="ch" refForName="parTx" fact="1.125"/>
+                </dgm:constrLst>
+              </dgm:else>
+            </dgm:choose>
+            <dgm:ruleLst>
+              <dgm:rule type="h" val="INF" fact="NaN" max="NaN"/>
+            </dgm:ruleLst>
+            <dgm:layoutNode name="parTx">
+              <dgm:varLst>
+                <dgm:chMax val="0"/>
+                <dgm:chPref val="0"/>
+                <dgm:bulletEnabled val="1"/>
+              </dgm:varLst>
+              <dgm:alg type="tx"/>
+              <dgm:choose name="Name10">
+                <dgm:if name="Name11" func="var" arg="dir" op="equ" val="norm">
+                  <dgm:shape xmlns:r="http://schemas.openxmlformats.org/officeDocument/2006/relationships" type="chevron" r:blip="">
+                    <dgm:adjLst/>
+                  </dgm:shape>
+                </dgm:if>
+                <dgm:else name="Name12">
+                  <dgm:shape xmlns:r="http://schemas.openxmlformats.org/officeDocument/2006/relationships" rot="180" type="chevron" r:blip="">
+                    <dgm:adjLst/>
+                  </dgm:shape>
+                </dgm:else>
+              </dgm:choose>
+              <dgm:presOf axis="self" ptType="node"/>
+              <dgm:choose name="Name13">
+                <dgm:if name="Name14" func="var" arg="dir" op="equ" val="norm">
+                  <dgm:constrLst>
+                    <dgm:constr type="h" refType="w" op="lte" fact="0.4"/>
+                    <dgm:constr type="h"/>
+                    <dgm:constr type="tMarg" refType="primFontSz" fact="0.105"/>
+                    <dgm:constr type="bMarg" refType="primFontSz" fact="0.105"/>
+                    <dgm:constr type="lMarg" refType="primFontSz" fact="0.315"/>
+                    <dgm:constr type="rMarg" refType="primFontSz" fact="0.105"/>
+                  </dgm:constrLst>
+                </dgm:if>
+                <dgm:else name="Name15">
+                  <dgm:constrLst>
+                    <dgm:constr type="h" refType="w" op="lte" fact="0.4"/>
+                    <dgm:constr type="h"/>
+                    <dgm:constr type="tMarg" refType="primFontSz" fact="0.105"/>
+                    <dgm:constr type="bMarg" refType="primFontSz" fact="0.105"/>
+                    <dgm:constr type="lMarg" refType="primFontSz" fact="0.105"/>
+                    <dgm:constr type="rMarg" refType="primFontSz" fact="0.315"/>
+                  </dgm:constrLst>
+                </dgm:else>
+              </dgm:choose>
+              <dgm:ruleLst>
+                <dgm:rule type="h" val="INF" fact="NaN" max="NaN"/>
+              </dgm:ruleLst>
+            </dgm:layoutNode>
+            <dgm:layoutNode name="desTx" styleLbl="revTx">
+              <dgm:varLst>
+                <dgm:bulletEnabled val="1"/>
+              </dgm:varLst>
+              <dgm:alg type="tx">
+                <dgm:param type="stBulletLvl" val="1"/>
+              </dgm:alg>
+              <dgm:choose name="Name16">
+                <dgm:if name="Name17" axis="ch" ptType="node" func="cnt" op="gte" val="1">
+                  <dgm:shape xmlns:r="http://schemas.openxmlformats.org/officeDocument/2006/relationships" type="rect" r:blip="">
+                    <dgm:adjLst/>
+                  </dgm:shape>
+                </dgm:if>
+                <dgm:else name="Name18">
+                  <dgm:shape xmlns:r="http://schemas.openxmlformats.org/officeDocument/2006/relationships" type="rect" r:blip="" hideGeom="1">
+                    <dgm:adjLst/>
+                  </dgm:shape>
+                </dgm:else>
+              </dgm:choose>
+              <dgm:presOf axis="des" ptType="node"/>
+              <dgm:constrLst>
+                <dgm:constr type="secFontSz" val="65"/>
+                <dgm:constr type="primFontSz" refType="secFontSz"/>
+                <dgm:constr type="h"/>
+                <dgm:constr type="tMarg"/>
+                <dgm:constr type="bMarg"/>
+                <dgm:constr type="rMarg"/>
+                <dgm:constr type="lMarg"/>
+              </dgm:constrLst>
+              <dgm:ruleLst>
+                <dgm:rule type="h" val="INF" fact="NaN" max="NaN"/>
+              </dgm:ruleLst>
+            </dgm:layoutNode>
+          </dgm:layoutNode>
+          <dgm:forEach name="Name19" axis="followSib" ptType="sibTrans" cnt="1">
+            <dgm:layoutNode name="space">
+              <dgm:alg type="sp"/>
+              <dgm:shape xmlns:r="http://schemas.openxmlformats.org/officeDocument/2006/relationships" r:blip="">
+                <dgm:adjLst/>
+              </dgm:shape>
+              <dgm:presOf/>
+              <dgm:constrLst/>
+              <dgm:ruleLst/>
+            </dgm:layoutNode>
+          </dgm:forEach>
+        </dgm:forEach>
+      </dgm:if>
+      <dgm:else name="Name20">
+        <dgm:constrLst>
+          <dgm:constr type="w" for="ch" forName="parTxOnly" refType="w"/>
+          <dgm:constr type="h" for="des" forName="parTxOnly" op="equ"/>
+          <dgm:constr type="primFontSz" for="des" forName="parTxOnly" op="equ" val="65"/>
+          <dgm:constr type="w" for="ch" forName="parTxOnlySpace" refType="w" refFor="ch" refForName="parTxOnly" fact="-0.1"/>
+        </dgm:constrLst>
+        <dgm:ruleLst/>
+        <dgm:forEach name="Name21" axis="ch" ptType="node">
+          <dgm:layoutNode name="parTxOnly">
+            <dgm:varLst>
+              <dgm:chMax val="0"/>
+              <dgm:chPref val="0"/>
+              <dgm:bulletEnabled val="1"/>
+            </dgm:varLst>
+            <dgm:alg type="tx"/>
+            <dgm:choose name="Name22">
+              <dgm:if name="Name23" func="var" arg="dir" op="equ" val="norm">
+                <dgm:shape xmlns:r="http://schemas.openxmlformats.org/officeDocument/2006/relationships" type="chevron" r:blip="">
+                  <dgm:adjLst/>
+                </dgm:shape>
+              </dgm:if>
+              <dgm:else name="Name24">
+                <dgm:shape xmlns:r="http://schemas.openxmlformats.org/officeDocument/2006/relationships" rot="180" type="chevron" r:blip="">
+                  <dgm:adjLst/>
+                </dgm:shape>
+              </dgm:else>
+            </dgm:choose>
+            <dgm:presOf axis="self" ptType="node"/>
+            <dgm:choose name="Name25">
+              <dgm:if name="Name26" func="var" arg="dir" op="equ" val="norm">
+                <dgm:constrLst>
+                  <dgm:constr type="h" refType="w" op="equ" fact="0.4"/>
+                  <dgm:constr type="tMarg" refType="primFontSz" fact="0.105"/>
+                  <dgm:constr type="bMarg" refType="primFontSz" fact="0.105"/>
+                  <dgm:constr type="lMarg" refType="primFontSz" fact="0.315"/>
+                  <dgm:constr type="rMarg" refType="primFontSz" fact="0.105"/>
+                </dgm:constrLst>
+              </dgm:if>
+              <dgm:else name="Name27">
+                <dgm:constrLst>
+                  <dgm:constr type="h" refType="w" op="equ" fact="0.4"/>
+                  <dgm:constr type="tMarg" refType="primFontSz" fact="0.105"/>
+                  <dgm:constr type="bMarg" refType="primFontSz" fact="0.105"/>
+                  <dgm:constr type="lMarg" refType="primFontSz" fact="0.105"/>
+                  <dgm:constr type="rMarg" refType="primFontSz" fact="0.315"/>
+                </dgm:constrLst>
+              </dgm:else>
+            </dgm:choose>
+            <dgm:ruleLst>
+              <dgm:rule type="primFontSz" val="5" fact="NaN" max="NaN"/>
+            </dgm:ruleLst>
+          </dgm:layoutNode>
+          <dgm:forEach name="Name28" axis="followSib" ptType="sibTrans" cnt="1">
+            <dgm:layoutNode name="parTxOnlySpace">
+              <dgm:alg type="sp"/>
+              <dgm:shape xmlns:r="http://schemas.openxmlformats.org/officeDocument/2006/relationships" r:blip="">
+                <dgm:adjLst/>
+              </dgm:shape>
+              <dgm:presOf/>
+              <dgm:constrLst/>
+              <dgm:ruleLst/>
+            </dgm:layoutNode>
+          </dgm:forEach>
+        </dgm:forEach>
+      </dgm:else>
+    </dgm:choose>
+  </dgm:layoutNode>
+</dgm:layoutDef>
+</file>
+
+<file path=ppt/diagrams/quickStyle1.xml><?xml version="1.0" encoding="utf-8"?>
+<dgm:styleDef xmlns:dgm="http://schemas.openxmlformats.org/drawingml/2006/diagram" xmlns:a="http://schemas.openxmlformats.org/drawingml/2006/main" uniqueId="urn:microsoft.com/office/officeart/2005/8/quickstyle/simple5">
+  <dgm:title val=""/>
+  <dgm:desc val=""/>
+  <dgm:catLst>
+    <dgm:cat type="simple" pri="10500"/>
+  </dgm:catLst>
+  <dgm:scene3d>
+    <a:camera prst="orthographicFront"/>
+    <a:lightRig rig="threePt" dir="t"/>
+  </dgm:scene3d>
+  <dgm:styleLbl name="node0">
+    <dgm:scene3d>
+      <a:camera prst="orthographicFront"/>
+      <a:lightRig rig="threePt" dir="t"/>
+    </dgm:scene3d>
+    <dgm:sp3d/>
+    <dgm:txPr/>
+    <dgm:style>
+      <a:lnRef idx="0">
+        <a:scrgbClr r="0" g="0" b="0"/>
+      </a:lnRef>
+      <a:fillRef idx="3">
+        <a:scrgbClr r="0" g="0" b="0"/>
+      </a:fillRef>
+      <a:effectRef idx="3">
+        <a:scrgbClr r="0" g="0" b="0"/>
+      </a:effectRef>
+      <a:fontRef idx="minor">
+        <a:schemeClr val="lt1"/>
+      </a:fontRef>
+    </dgm:style>
+  </dgm:styleLbl>
+  <dgm:styleLbl name="lnNode1">
+    <dgm:scene3d>
+      <a:camera prst="orthographicFront"/>
+      <a:lightRig rig="threePt" dir="t"/>
+    </dgm:scene3d>
+    <dgm:sp3d/>
+    <dgm:txPr/>
+    <dgm:style>
+      <a:lnRef idx="0">
+        <a:scrgbClr r="0" g="0" b="0"/>
+      </a:lnRef>
+      <a:fillRef idx="3">
+        <a:scrgbClr r="0" g="0" b="0"/>
+      </a:fillRef>
+      <a:effectRef idx="3">
+        <a:scrgbClr r="0" g="0" b="0"/>
+      </a:effectRef>
+      <a:fontRef idx="minor">
+        <a:schemeClr val="lt1"/>
+      </a:fontRef>
+    </dgm:style>
+  </dgm:styleLbl>
+  <dgm:styleLbl name="vennNode1">
+    <dgm:scene3d>
+      <a:camera prst="orthographicFront"/>
+      <a:lightRig rig="threePt" dir="t"/>
+    </dgm:scene3d>
+    <dgm:sp3d/>
+    <dgm:txPr/>
+    <dgm:style>
+      <a:lnRef idx="0">
+        <a:scrgbClr r="0" g="0" b="0"/>
+      </a:lnRef>
+      <a:fillRef idx="3">
+        <a:scrgbClr r="0" g="0" b="0"/>
+      </a:fillRef>
+      <a:effectRef idx="3">
+        <a:scrgbClr r="0" g="0" b="0"/>
+      </a:effectRef>
+      <a:fontRef idx="minor">
+        <a:schemeClr val="tx1"/>
+      </a:fontRef>
+    </dgm:style>
+  </dgm:styleLbl>
+  <dgm:styleLbl name="alignNode1">
+    <dgm:scene3d>
+      <a:camera prst="orthographicFront"/>
+      <a:lightRig rig="threePt" dir="t"/>
+    </dgm:scene3d>
+    <dgm:sp3d/>
+    <dgm:txPr/>
+    <dgm:style>
+      <a:lnRef idx="1">
+        <a:scrgbClr r="0" g="0" b="0"/>
+      </a:lnRef>
+      <a:fillRef idx="3">
+        <a:scrgbClr r="0" g="0" b="0"/>
+      </a:fillRef>
+      <a:effectRef idx="3">
+        <a:scrgbClr r="0" g="0" b="0"/>
+      </a:effectRef>
+      <a:fontRef idx="minor">
+        <a:schemeClr val="lt1"/>
+      </a:fontRef>
+    </dgm:style>
+  </dgm:styleLbl>
+  <dgm:styleLbl name="node1">
+    <dgm:scene3d>
+      <a:camera prst="orthographicFront"/>
+      <a:lightRig rig="threePt" dir="t"/>
+    </dgm:scene3d>
+    <dgm:sp3d/>
+    <dgm:txPr/>
+    <dgm:style>
+      <a:lnRef idx="0">
+        <a:scrgbClr r="0" g="0" b="0"/>
+      </a:lnRef>
+      <a:fillRef idx="3">
+        <a:scrgbClr r="0" g="0" b="0"/>
+      </a:fillRef>
+      <a:effectRef idx="3">
+        <a:scrgbClr r="0" g="0" b="0"/>
+      </a:effectRef>
+      <a:fontRef idx="minor">
+        <a:schemeClr val="lt1"/>
+      </a:fontRef>
+    </dgm:style>
+  </dgm:styleLbl>
+  <dgm:styleLbl name="node2">
+    <dgm:scene3d>
+      <a:camera prst="orthographicFront"/>
+      <a:lightRig rig="threePt" dir="t"/>
+    </dgm:scene3d>
+    <dgm:sp3d/>
+    <dgm:txPr/>
+    <dgm:style>
+      <a:lnRef idx="0">
+        <a:scrgbClr r="0" g="0" b="0"/>
+      </a:lnRef>
+      <a:fillRef idx="3">
+        <a:scrgbClr r="0" g="0" b="0"/>
+      </a:fillRef>
+      <a:effectRef idx="3">
+        <a:scrgbClr r="0" g="0" b="0"/>
+      </a:effectRef>
+      <a:fontRef idx="minor">
+        <a:schemeClr val="lt1"/>
+      </a:fontRef>
+    </dgm:style>
+  </dgm:styleLbl>
+  <dgm:styleLbl name="node3">
+    <dgm:scene3d>
+      <a:camera prst="orthographicFront"/>
+      <a:lightRig rig="threePt" dir="t"/>
+    </dgm:scene3d>
+    <dgm:sp3d/>
+    <dgm:txPr/>
+    <dgm:style>
+      <a:lnRef idx="0">
+        <a:scrgbClr r="0" g="0" b="0"/>
+      </a:lnRef>
+      <a:fillRef idx="3">
+        <a:scrgbClr r="0" g="0" b="0"/>
+      </a:fillRef>
+      <a:effectRef idx="3">
+        <a:scrgbClr r="0" g="0" b="0"/>
+      </a:effectRef>
+      <a:fontRef idx="minor">
+        <a:schemeClr val="lt1"/>
+      </a:fontRef>
+    </dgm:style>
+  </dgm:styleLbl>
+  <dgm:styleLbl name="node4">
+    <dgm:scene3d>
+      <a:camera prst="orthographicFront"/>
+      <a:lightRig rig="threePt" dir="t"/>
+    </dgm:scene3d>
+    <dgm:sp3d/>
+    <dgm:txPr/>
+    <dgm:style>
+      <a:lnRef idx="0">
+        <a:scrgbClr r="0" g="0" b="0"/>
+      </a:lnRef>
+      <a:fillRef idx="3">
+        <a:scrgbClr r="0" g="0" b="0"/>
+      </a:fillRef>
+      <a:effectRef idx="3">
+        <a:scrgbClr r="0" g="0" b="0"/>
+      </a:effectRef>
+      <a:fontRef idx="minor">
+        <a:schemeClr val="lt1"/>
+      </a:fontRef>
+    </dgm:style>
+  </dgm:styleLbl>
+  <dgm:styleLbl name="fgImgPlace1">
+    <dgm:scene3d>
+      <a:camera prst="orthographicFront"/>
+      <a:lightRig rig="threePt" dir="t"/>
+    </dgm:scene3d>
+    <dgm:sp3d/>
+    <dgm:txPr/>
+    <dgm:style>
+      <a:lnRef idx="0">
+        <a:scrgbClr r="0" g="0" b="0"/>
+      </a:lnRef>
+      <a:fillRef idx="1">
+        <a:scrgbClr r="0" g="0" b="0"/>
+      </a:fillRef>
+      <a:effectRef idx="3">
+        <a:scrgbClr r="0" g="0" b="0"/>
+      </a:effectRef>
+      <a:fontRef idx="minor"/>
+    </dgm:style>
+  </dgm:styleLbl>
+  <dgm:styleLbl name="alignImgPlace1">
+    <dgm:scene3d>
+      <a:camera prst="orthographicFront"/>
+      <a:lightRig rig="threePt" dir="t"/>
+    </dgm:scene3d>
+    <dgm:sp3d/>
+    <dgm:txPr/>
+    <dgm:style>
+      <a:lnRef idx="0">
+        <a:scrgbClr r="0" g="0" b="0"/>
+      </a:lnRef>
+      <a:fillRef idx="1">
+        <a:scrgbClr r="0" g="0" b="0"/>
+      </a:fillRef>
+      <a:effectRef idx="3">
+        <a:scrgbClr r="0" g="0" b="0"/>
+      </a:effectRef>
+      <a:fontRef idx="minor"/>
+    </dgm:style>
+  </dgm:styleLbl>
+  <dgm:styleLbl name="bgImgPlace1">
+    <dgm:scene3d>
+      <a:camera prst="orthographicFront"/>
+      <a:lightRig rig="threePt" dir="t"/>
+    </dgm:scene3d>
+    <dgm:sp3d/>
+    <dgm:txPr/>
+    <dgm:style>
+      <a:lnRef idx="0">
+        <a:scrgbClr r="0" g="0" b="0"/>
+      </a:lnRef>
+      <a:fillRef idx="1">
+        <a:scrgbClr r="0" g="0" b="0"/>
+      </a:fillRef>
+      <a:effectRef idx="3">
+        <a:scrgbClr r="0" g="0" b="0"/>
+      </a:effectRef>
+      <a:fontRef idx="minor"/>
+    </dgm:style>
+  </dgm:styleLbl>
+  <dgm:styleLbl name="sibTrans2D1">
+    <dgm:scene3d>
+      <a:camera prst="orthographicFront"/>
+      <a:lightRig rig="threePt" dir="t"/>
+    </dgm:scene3d>
+    <dgm:sp3d/>
+    <dgm:txPr/>
+    <dgm:style>
+      <a:lnRef idx="0">
+        <a:scrgbClr r="0" g="0" b="0"/>
+      </a:lnRef>
+      <a:fillRef idx="3">
+        <a:scrgbClr r="0" g="0" b="0"/>
+      </a:fillRef>
+      <a:effectRef idx="3">
+        <a:scrgbClr r="0" g="0" b="0"/>
+      </a:effectRef>
+      <a:fontRef idx="minor">
+        <a:schemeClr val="lt1"/>
+      </a:fontRef>
+    </dgm:style>
+  </dgm:styleLbl>
+  <dgm:styleLbl name="fgSibTrans2D1">
+    <dgm:scene3d>
+      <a:camera prst="orthographicFront"/>
+      <a:lightRig rig="threePt" dir="t"/>
+    </dgm:scene3d>
+    <dgm:sp3d/>
+    <dgm:txPr/>
+    <dgm:style>
+      <a:lnRef idx="0">
+        <a:scrgbClr r="0" g="0" b="0"/>
+      </a:lnRef>
+      <a:fillRef idx="3">
+        <a:scrgbClr r="0" g="0" b="0"/>
+      </a:fillRef>
+      <a:effectRef idx="3">
+        <a:scrgbClr r="0" g="0" b="0"/>
+      </a:effectRef>
+      <a:fontRef idx="minor">
+        <a:schemeClr val="lt1"/>
+      </a:fontRef>
+    </dgm:style>
+  </dgm:styleLbl>
+  <dgm:styleLbl name="bgSibTrans2D1">
+    <dgm:scene3d>
+      <a:camera prst="orthographicFront"/>
+      <a:lightRig rig="threePt" dir="t"/>
+    </dgm:scene3d>
+    <dgm:sp3d/>
+    <dgm:txPr/>
+    <dgm:style>
+      <a:lnRef idx="0">
+        <a:scrgbClr r="0" g="0" b="0"/>
+      </a:lnRef>
+      <a:fillRef idx="3">
+        <a:scrgbClr r="0" g="0" b="0"/>
+      </a:fillRef>
+      <a:effectRef idx="3">
+        <a:scrgbClr r="0" g="0" b="0"/>
+      </a:effectRef>
+      <a:fontRef idx="minor">
+        <a:schemeClr val="lt1"/>
+      </a:fontRef>
+    </dgm:style>
+  </dgm:styleLbl>
+  <dgm:styleLbl name="sibTrans1D1">
+    <dgm:scene3d>
+      <a:camera prst="orthographicFront"/>
+      <a:lightRig rig="threePt" dir="t"/>
+    </dgm:scene3d>
+    <dgm:sp3d/>
+    <dgm:txPr/>
+    <dgm:style>
+      <a:lnRef idx="1">
+        <a:scrgbClr r="0" g="0" b="0"/>
+      </a:lnRef>
+      <a:fillRef idx="0">
+        <a:scrgbClr r="0" g="0" b="0"/>
+      </a:fillRef>
+      <a:effectRef idx="0">
+        <a:scrgbClr r="0" g="0" b="0"/>
+      </a:effectRef>
+      <a:fontRef idx="minor"/>
+    </dgm:style>
+  </dgm:styleLbl>
+  <dgm:styleLbl name="callout">
+    <dgm:scene3d>
+      <a:camera prst="orthographicFront"/>
+      <a:lightRig rig="threePt" dir="t"/>
+    </dgm:scene3d>
+    <dgm:sp3d/>
+    <dgm:txPr/>
+    <dgm:style>
+      <a:lnRef idx="1">
+        <a:scrgbClr r="0" g="0" b="0"/>
+      </a:lnRef>
+      <a:fillRef idx="0">
+        <a:scrgbClr r="0" g="0" b="0"/>
+      </a:fillRef>
+      <a:effectRef idx="1">
+        <a:scrgbClr r="0" g="0" b="0"/>
+      </a:effectRef>
+      <a:fontRef idx="minor"/>
+    </dgm:style>
+  </dgm:styleLbl>
+  <dgm:styleLbl name="asst0">
+    <dgm:scene3d>
+      <a:camera prst="orthographicFront"/>
+      <a:lightRig rig="threePt" dir="t"/>
+    </dgm:scene3d>
+    <dgm:sp3d/>
+    <dgm:txPr/>
+    <dgm:style>
+      <a:lnRef idx="0">
+        <a:scrgbClr r="0" g="0" b="0"/>
+      </a:lnRef>
+      <a:fillRef idx="3">
+        <a:scrgbClr r="0" g="0" b="0"/>
+      </a:fillRef>
+      <a:effectRef idx="3">
+        <a:scrgbClr r="0" g="0" b="0"/>
+      </a:effectRef>
+      <a:fontRef idx="minor">
+        <a:schemeClr val="lt1"/>
+      </a:fontRef>
+    </dgm:style>
+  </dgm:styleLbl>
+  <dgm:styleLbl name="asst1">
+    <dgm:scene3d>
+      <a:camera prst="orthographicFront"/>
+      <a:lightRig rig="threePt" dir="t"/>
+    </dgm:scene3d>
+    <dgm:sp3d/>
+    <dgm:txPr/>
+    <dgm:style>
+      <a:lnRef idx="0">
+        <a:scrgbClr r="0" g="0" b="0"/>
+      </a:lnRef>
+      <a:fillRef idx="3">
+        <a:scrgbClr r="0" g="0" b="0"/>
+      </a:fillRef>
+      <a:effectRef idx="3">
+        <a:scrgbClr r="0" g="0" b="0"/>
+      </a:effectRef>
+      <a:fontRef idx="minor">
+        <a:schemeClr val="lt1"/>
+      </a:fontRef>
+    </dgm:style>
+  </dgm:styleLbl>
+  <dgm:styleLbl name="asst2">
+    <dgm:scene3d>
+      <a:camera prst="orthographicFront"/>
+      <a:lightRig rig="threePt" dir="t"/>
+    </dgm:scene3d>
+    <dgm:sp3d/>
+    <dgm:txPr/>
+    <dgm:style>
+      <a:lnRef idx="0">
+        <a:scrgbClr r="0" g="0" b="0"/>
+      </a:lnRef>
+      <a:fillRef idx="3">
+        <a:scrgbClr r="0" g="0" b="0"/>
+      </a:fillRef>
+      <a:effectRef idx="3">
+        <a:scrgbClr r="0" g="0" b="0"/>
+      </a:effectRef>
+      <a:fontRef idx="minor">
+        <a:schemeClr val="lt1"/>
+      </a:fontRef>
+    </dgm:style>
+  </dgm:styleLbl>
+  <dgm:styleLbl name="asst3">
+    <dgm:scene3d>
+      <a:camera prst="orthographicFront"/>
+      <a:lightRig rig="threePt" dir="t"/>
+    </dgm:scene3d>
+    <dgm:sp3d/>
+    <dgm:txPr/>
+    <dgm:style>
+      <a:lnRef idx="0">
+        <a:scrgbClr r="0" g="0" b="0"/>
+      </a:lnRef>
+      <a:fillRef idx="3">
+        <a:scrgbClr r="0" g="0" b="0"/>
+      </a:fillRef>
+      <a:effectRef idx="3">
+        <a:scrgbClr r="0" g="0" b="0"/>
+      </a:effectRef>
+      <a:fontRef idx="minor">
+        <a:schemeClr val="lt1"/>
+      </a:fontRef>
+    </dgm:style>
+  </dgm:styleLbl>
+  <dgm:styleLbl name="asst4">
+    <dgm:scene3d>
+      <a:camera prst="orthographicFront"/>
+      <a:lightRig rig="threePt" dir="t"/>
+    </dgm:scene3d>
+    <dgm:sp3d/>
+    <dgm:txPr/>
+    <dgm:style>
+      <a:lnRef idx="0">
+        <a:scrgbClr r="0" g="0" b="0"/>
+      </a:lnRef>
+      <a:fillRef idx="3">
+        <a:scrgbClr r="0" g="0" b="0"/>
+      </a:fillRef>
+      <a:effectRef idx="3">
+        <a:scrgbClr r="0" g="0" b="0"/>
+      </a:effectRef>
+      <a:fontRef idx="minor">
+        <a:schemeClr val="lt1"/>
+      </a:fontRef>
+    </dgm:style>
+  </dgm:styleLbl>
+  <dgm:styleLbl name="parChTrans2D1">
+    <dgm:scene3d>
+      <a:camera prst="orthographicFront"/>
+      <a:lightRig rig="threePt" dir="t"/>
+    </dgm:scene3d>
+    <dgm:sp3d/>
+    <dgm:txPr/>
+    <dgm:style>
+      <a:lnRef idx="0">
+        <a:scrgbClr r="0" g="0" b="0"/>
+      </a:lnRef>
+      <a:fillRef idx="3">
+        <a:scrgbClr r="0" g="0" b="0"/>
+      </a:fillRef>
+      <a:effectRef idx="3">
+        <a:scrgbClr r="0" g="0" b="0"/>
+      </a:effectRef>
+      <a:fontRef idx="minor">
+        <a:schemeClr val="lt1"/>
+      </a:fontRef>
+    </dgm:style>
+  </dgm:styleLbl>
+  <dgm:styleLbl name="parChTrans2D2">
+    <dgm:scene3d>
+      <a:camera prst="orthographicFront"/>
+      <a:lightRig rig="threePt" dir="t"/>
+    </dgm:scene3d>
+    <dgm:sp3d/>
+    <dgm:txPr/>
+    <dgm:style>
+      <a:lnRef idx="0">
+        <a:scrgbClr r="0" g="0" b="0"/>
+      </a:lnRef>
+      <a:fillRef idx="3">
+        <a:scrgbClr r="0" g="0" b="0"/>
+      </a:fillRef>
+      <a:effectRef idx="3">
+        <a:scrgbClr r="0" g="0" b="0"/>
+      </a:effectRef>
+      <a:fontRef idx="minor">
+        <a:schemeClr val="lt1"/>
+      </a:fontRef>
+    </dgm:style>
+  </dgm:styleLbl>
+  <dgm:styleLbl name="parChTrans2D3">
+    <dgm:scene3d>
+      <a:camera prst="orthographicFront"/>
+      <a:lightRig rig="threePt" dir="t"/>
+    </dgm:scene3d>
+    <dgm:sp3d/>
+    <dgm:txPr/>
+    <dgm:style>
+      <a:lnRef idx="0">
+        <a:scrgbClr r="0" g="0" b="0"/>
+      </a:lnRef>
+      <a:fillRef idx="3">
+        <a:scrgbClr r="0" g="0" b="0"/>
+      </a:fillRef>
+      <a:effectRef idx="3">
+        <a:scrgbClr r="0" g="0" b="0"/>
+      </a:effectRef>
+      <a:fontRef idx="minor">
+        <a:schemeClr val="lt1"/>
+      </a:fontRef>
+    </dgm:style>
+  </dgm:styleLbl>
+  <dgm:styleLbl name="parChTrans2D4">
+    <dgm:scene3d>
+      <a:camera prst="orthographicFront"/>
+      <a:lightRig rig="threePt" dir="t"/>
+    </dgm:scene3d>
+    <dgm:sp3d/>
+    <dgm:txPr/>
+    <dgm:style>
+      <a:lnRef idx="0">
+        <a:scrgbClr r="0" g="0" b="0"/>
+      </a:lnRef>
+      <a:fillRef idx="3">
+        <a:scrgbClr r="0" g="0" b="0"/>
+      </a:fillRef>
+      <a:effectRef idx="3">
+        <a:scrgbClr r="0" g="0" b="0"/>
+      </a:effectRef>
+      <a:fontRef idx="minor">
+        <a:schemeClr val="lt1"/>
+      </a:fontRef>
+    </dgm:style>
+  </dgm:styleLbl>
+  <dgm:styleLbl name="parChTrans1D1">
+    <dgm:scene3d>
+      <a:camera prst="orthographicFront"/>
+      <a:lightRig rig="threePt" dir="t"/>
+    </dgm:scene3d>
+    <dgm:sp3d/>
+    <dgm:txPr/>
+    <dgm:style>
+      <a:lnRef idx="2">
+        <a:scrgbClr r="0" g="0" b="0"/>
+      </a:lnRef>
+      <a:fillRef idx="0">
+        <a:scrgbClr r="0" g="0" b="0"/>
+      </a:fillRef>
+      <a:effectRef idx="0">
+        <a:scrgbClr r="0" g="0" b="0"/>
+      </a:effectRef>
+      <a:fontRef idx="minor"/>
+    </dgm:style>
+  </dgm:styleLbl>
+  <dgm:styleLbl name="parChTrans1D2">
+    <dgm:scene3d>
+      <a:camera prst="orthographicFront"/>
+      <a:lightRig rig="threePt" dir="t"/>
+    </dgm:scene3d>
+    <dgm:sp3d/>
+    <dgm:txPr/>
+    <dgm:style>
+      <a:lnRef idx="2">
+        <a:scrgbClr r="0" g="0" b="0"/>
+      </a:lnRef>
+      <a:fillRef idx="0">
+        <a:scrgbClr r="0" g="0" b="0"/>
+      </a:fillRef>
+      <a:effectRef idx="0">
+        <a:scrgbClr r="0" g="0" b="0"/>
+      </a:effectRef>
+      <a:fontRef idx="minor"/>
+    </dgm:style>
+  </dgm:styleLbl>
+  <dgm:styleLbl name="parChTrans1D3">
+    <dgm:scene3d>
+      <a:camera prst="orthographicFront"/>
+      <a:lightRig rig="threePt" dir="t"/>
+    </dgm:scene3d>
+    <dgm:sp3d/>
+    <dgm:txPr/>
+    <dgm:style>
+      <a:lnRef idx="2">
+        <a:scrgbClr r="0" g="0" b="0"/>
+      </a:lnRef>
+      <a:fillRef idx="0">
+        <a:scrgbClr r="0" g="0" b="0"/>
+      </a:fillRef>
+      <a:effectRef idx="0">
+        <a:scrgbClr r="0" g="0" b="0"/>
+      </a:effectRef>
+      <a:fontRef idx="minor"/>
+    </dgm:style>
+  </dgm:styleLbl>
+  <dgm:styleLbl name="parChTrans1D4">
+    <dgm:scene3d>
+      <a:camera prst="orthographicFront"/>
+      <a:lightRig rig="threePt" dir="t"/>
+    </dgm:scene3d>
+    <dgm:sp3d/>
+    <dgm:txPr/>
+    <dgm:style>
+      <a:lnRef idx="2">
+        <a:scrgbClr r="0" g="0" b="0"/>
+      </a:lnRef>
+      <a:fillRef idx="0">
+        <a:scrgbClr r="0" g="0" b="0"/>
+      </a:fillRef>
+      <a:effectRef idx="0">
+        <a:scrgbClr r="0" g="0" b="0"/>
+      </a:effectRef>
+      <a:fontRef idx="minor"/>
+    </dgm:style>
+  </dgm:styleLbl>
+  <dgm:styleLbl name="fgAcc1">
+    <dgm:scene3d>
+      <a:camera prst="orthographicFront"/>
+      <a:lightRig rig="threePt" dir="t"/>
+    </dgm:scene3d>
+    <dgm:sp3d/>
+    <dgm:txPr/>
+    <dgm:style>
+      <a:lnRef idx="1">
+        <a:scrgbClr r="0" g="0" b="0"/>
+      </a:lnRef>
+      <a:fillRef idx="1">
+        <a:scrgbClr r="0" g="0" b="0"/>
+      </a:fillRef>
+      <a:effectRef idx="2">
+        <a:scrgbClr r="0" g="0" b="0"/>
+      </a:effectRef>
+      <a:fontRef idx="minor"/>
+    </dgm:style>
+  </dgm:styleLbl>
+  <dgm:styleLbl name="conFgAcc1">
+    <dgm:scene3d>
+      <a:camera prst="orthographicFront"/>
+      <a:lightRig rig="threePt" dir="t"/>
+    </dgm:scene3d>
+    <dgm:sp3d/>
+    <dgm:txPr/>
+    <dgm:style>
+      <a:lnRef idx="1">
+        <a:scrgbClr r="0" g="0" b="0"/>
+      </a:lnRef>
+      <a:fillRef idx="1">
+        <a:scrgbClr r="0" g="0" b="0"/>
+      </a:fillRef>
+      <a:effectRef idx="2">
+        <a:scrgbClr r="0" g="0" b="0"/>
+      </a:effectRef>
+      <a:fontRef idx="minor"/>
+    </dgm:style>
+  </dgm:styleLbl>
+  <dgm:styleLbl name="alignAcc1">
+    <dgm:scene3d>
+      <a:camera prst="orthographicFront"/>
+      <a:lightRig rig="threePt" dir="t"/>
+    </dgm:scene3d>
+    <dgm:sp3d/>
+    <dgm:txPr/>
+    <dgm:style>
+      <a:lnRef idx="1">
+        <a:scrgbClr r="0" g="0" b="0"/>
+      </a:lnRef>
+      <a:fillRef idx="1">
+        <a:scrgbClr r="0" g="0" b="0"/>
+      </a:fillRef>
+      <a:effectRef idx="2">
+        <a:scrgbClr r="0" g="0" b="0"/>
+      </a:effectRef>
+      <a:fontRef idx="minor"/>
+    </dgm:style>
+  </dgm:styleLbl>
+  <dgm:styleLbl name="trAlignAcc1">
+    <dgm:scene3d>
+      <a:camera prst="orthographicFront"/>
+      <a:lightRig rig="threePt" dir="t"/>
+    </dgm:scene3d>
+    <dgm:sp3d/>
+    <dgm:txPr/>
+    <dgm:style>
+      <a:lnRef idx="1">
+        <a:scrgbClr r="0" g="0" b="0"/>
+      </a:lnRef>
+      <a:fillRef idx="1">
+        <a:scrgbClr r="0" g="0" b="0"/>
+      </a:fillRef>
+      <a:effectRef idx="0">
+        <a:scrgbClr r="0" g="0" b="0"/>
+      </a:effectRef>
+      <a:fontRef idx="minor"/>
+    </dgm:style>
+  </dgm:styleLbl>
+  <dgm:styleLbl name="bgAcc1">
+    <dgm:scene3d>
+      <a:camera prst="orthographicFront"/>
+      <a:lightRig rig="threePt" dir="t"/>
+    </dgm:scene3d>
+    <dgm:sp3d/>
+    <dgm:txPr/>
+    <dgm:style>
+      <a:lnRef idx="1">
+        <a:scrgbClr r="0" g="0" b="0"/>
+      </a:lnRef>
+      <a:fillRef idx="1">
+        <a:scrgbClr r="0" g="0" b="0"/>
+      </a:fillRef>
+      <a:effectRef idx="2">
+        <a:scrgbClr r="0" g="0" b="0"/>
+      </a:effectRef>
+      <a:fontRef idx="minor"/>
+    </dgm:style>
+  </dgm:styleLbl>
+  <dgm:styleLbl name="solidFgAcc1">
+    <dgm:scene3d>
+      <a:camera prst="orthographicFront"/>
+      <a:lightRig rig="threePt" dir="t"/>
+    </dgm:scene3d>
+    <dgm:sp3d/>
+    <dgm:txPr/>
+    <dgm:style>
+      <a:lnRef idx="1">
+        <a:scrgbClr r="0" g="0" b="0"/>
+      </a:lnRef>
+      <a:fillRef idx="1">
+        <a:scrgbClr r="0" g="0" b="0"/>
+      </a:fillRef>
+      <a:effectRef idx="2">
+        <a:scrgbClr r="0" g="0" b="0"/>
+      </a:effectRef>
+      <a:fontRef idx="minor"/>
+    </dgm:style>
+  </dgm:styleLbl>
+  <dgm:styleLbl name="solidAlignAcc1">
+    <dgm:scene3d>
+      <a:camera prst="orthographicFront"/>
+      <a:lightRig rig="threePt" dir="t"/>
+    </dgm:scene3d>
+    <dgm:sp3d/>
+    <dgm:txPr/>
+    <dgm:style>
+      <a:lnRef idx="1">
+        <a:scrgbClr r="0" g="0" b="0"/>
+      </a:lnRef>
+      <a:fillRef idx="1">
+        <a:scrgbClr r="0" g="0" b="0"/>
+      </a:fillRef>
+      <a:effectRef idx="3">
+        <a:scrgbClr r="0" g="0" b="0"/>
+      </a:effectRef>
+      <a:fontRef idx="minor"/>
+    </dgm:style>
+  </dgm:styleLbl>
+  <dgm:styleLbl name="solidBgAcc1">
+    <dgm:scene3d>
+      <a:camera prst="orthographicFront"/>
+      <a:lightRig rig="threePt" dir="t"/>
+    </dgm:scene3d>
+    <dgm:sp3d/>
+    <dgm:txPr/>
+    <dgm:style>
+      <a:lnRef idx="1">
+        <a:scrgbClr r="0" g="0" b="0"/>
+      </a:lnRef>
+      <a:fillRef idx="1">
+        <a:scrgbClr r="0" g="0" b="0"/>
+      </a:fillRef>
+      <a:effectRef idx="3">
+        <a:scrgbClr r="0" g="0" b="0"/>
+      </a:effectRef>
+      <a:fontRef idx="minor"/>
+    </dgm:style>
+  </dgm:styleLbl>
+  <dgm:styleLbl name="fgAccFollowNode1">
+    <dgm:scene3d>
+      <a:camera prst="orthographicFront"/>
+      <a:lightRig rig="threePt" dir="t"/>
+    </dgm:scene3d>
+    <dgm:sp3d/>
+    <dgm:txPr/>
+    <dgm:style>
+      <a:lnRef idx="1">
+        <a:scrgbClr r="0" g="0" b="0"/>
+      </a:lnRef>
+      <a:fillRef idx="1">
+        <a:scrgbClr r="0" g="0" b="0"/>
+      </a:fillRef>
+      <a:effectRef idx="2">
+        <a:scrgbClr r="0" g="0" b="0"/>
+      </a:effectRef>
+      <a:fontRef idx="minor"/>
+    </dgm:style>
+  </dgm:styleLbl>
+  <dgm:styleLbl name="alignAccFollowNode1">
+    <dgm:scene3d>
+      <a:camera prst="orthographicFront"/>
+      <a:lightRig rig="threePt" dir="t"/>
+    </dgm:scene3d>
+    <dgm:sp3d/>
+    <dgm:txPr/>
+    <dgm:style>
+      <a:lnRef idx="1">
+        <a:scrgbClr r="0" g="0" b="0"/>
+      </a:lnRef>
+      <a:fillRef idx="1">
+        <a:scrgbClr r="0" g="0" b="0"/>
+      </a:fillRef>
+      <a:effectRef idx="2">
+        <a:scrgbClr r="0" g="0" b="0"/>
+      </a:effectRef>
+      <a:fontRef idx="minor"/>
+    </dgm:style>
+  </dgm:styleLbl>
+  <dgm:styleLbl name="bgAccFollowNode1">
+    <dgm:scene3d>
+      <a:camera prst="orthographicFront"/>
+      <a:lightRig rig="threePt" dir="t"/>
+    </dgm:scene3d>
+    <dgm:sp3d/>
+    <dgm:txPr/>
+    <dgm:style>
+      <a:lnRef idx="1">
+        <a:scrgbClr r="0" g="0" b="0"/>
+      </a:lnRef>
+      <a:fillRef idx="1">
+        <a:scrgbClr r="0" g="0" b="0"/>
+      </a:fillRef>
+      <a:effectRef idx="2">
+        <a:scrgbClr r="0" g="0" b="0"/>
+      </a:effectRef>
+      <a:fontRef idx="minor"/>
+    </dgm:style>
+  </dgm:styleLbl>
+  <dgm:styleLbl name="fgAcc0">
+    <dgm:scene3d>
+      <a:camera prst="orthographicFront"/>
+      <a:lightRig rig="threePt" dir="t"/>
+    </dgm:scene3d>
+    <dgm:sp3d/>
+    <dgm:txPr/>
+    <dgm:style>
+      <a:lnRef idx="1">
+        <a:scrgbClr r="0" g="0" b="0"/>
+      </a:lnRef>
+      <a:fillRef idx="1">
+        <a:scrgbClr r="0" g="0" b="0"/>
+      </a:fillRef>
+      <a:effectRef idx="2">
+        <a:scrgbClr r="0" g="0" b="0"/>
+      </a:effectRef>
+      <a:fontRef idx="minor"/>
+    </dgm:style>
+  </dgm:styleLbl>
+  <dgm:styleLbl name="fgAcc2">
+    <dgm:scene3d>
+      <a:camera prst="orthographicFront"/>
+      <a:lightRig rig="threePt" dir="t"/>
+    </dgm:scene3d>
+    <dgm:sp3d/>
+    <dgm:txPr/>
+    <dgm:style>
+      <a:lnRef idx="1">
+        <a:scrgbClr r="0" g="0" b="0"/>
+      </a:lnRef>
+      <a:fillRef idx="1">
+        <a:scrgbClr r="0" g="0" b="0"/>
+      </a:fillRef>
+      <a:effectRef idx="2">
+        <a:scrgbClr r="0" g="0" b="0"/>
+      </a:effectRef>
+      <a:fontRef idx="minor"/>
+    </dgm:style>
+  </dgm:styleLbl>
+  <dgm:styleLbl name="fgAcc3">
+    <dgm:scene3d>
+      <a:camera prst="orthographicFront"/>
+      <a:lightRig rig="threePt" dir="t"/>
+    </dgm:scene3d>
+    <dgm:sp3d/>
+    <dgm:txPr/>
+    <dgm:style>
+      <a:lnRef idx="1">
+        <a:scrgbClr r="0" g="0" b="0"/>
+      </a:lnRef>
+      <a:fillRef idx="1">
+        <a:scrgbClr r="0" g="0" b="0"/>
+      </a:fillRef>
+      <a:effectRef idx="2">
+        <a:scrgbClr r="0" g="0" b="0"/>
+      </a:effectRef>
+      <a:fontRef idx="minor"/>
+    </dgm:style>
+  </dgm:styleLbl>
+  <dgm:styleLbl name="fgAcc4">
+    <dgm:scene3d>
+      <a:camera prst="orthographicFront"/>
+      <a:lightRig rig="threePt" dir="t"/>
+    </dgm:scene3d>
+    <dgm:sp3d/>
+    <dgm:txPr/>
+    <dgm:style>
+      <a:lnRef idx="1">
+        <a:scrgbClr r="0" g="0" b="0"/>
+      </a:lnRef>
+      <a:fillRef idx="1">
+        <a:scrgbClr r="0" g="0" b="0"/>
+      </a:fillRef>
+      <a:effectRef idx="2">
+        <a:scrgbClr r="0" g="0" b="0"/>
+      </a:effectRef>
+      <a:fontRef idx="minor"/>
+    </dgm:style>
+  </dgm:styleLbl>
+  <dgm:styleLbl name="bgShp">
+    <dgm:scene3d>
+      <a:camera prst="orthographicFront"/>
+      <a:lightRig rig="threePt" dir="t"/>
+    </dgm:scene3d>
+    <dgm:sp3d/>
+    <dgm:txPr/>
+    <dgm:style>
+      <a:lnRef idx="0">
+        <a:scrgbClr r="0" g="0" b="0"/>
+      </a:lnRef>
+      <a:fillRef idx="1">
+        <a:scrgbClr r="0" g="0" b="0"/>
+      </a:fillRef>
+      <a:effectRef idx="2">
+        <a:scrgbClr r="0" g="0" b="0"/>
+      </a:effectRef>
+      <a:fontRef idx="minor"/>
+    </dgm:style>
+  </dgm:styleLbl>
+  <dgm:styleLbl name="dkBgShp">
+    <dgm:scene3d>
+      <a:camera prst="orthographicFront"/>
+      <a:lightRig rig="threePt" dir="t"/>
+    </dgm:scene3d>
+    <dgm:sp3d/>
+    <dgm:txPr/>
+    <dgm:style>
+      <a:lnRef idx="0">
+        <a:scrgbClr r="0" g="0" b="0"/>
+      </a:lnRef>
+      <a:fillRef idx="1">
+        <a:scrgbClr r="0" g="0" b="0"/>
+      </a:fillRef>
+      <a:effectRef idx="3">
+        <a:scrgbClr r="0" g="0" b="0"/>
+      </a:effectRef>
+      <a:fontRef idx="minor"/>
+    </dgm:style>
+  </dgm:styleLbl>
+  <dgm:styleLbl name="trBgShp">
+    <dgm:scene3d>
+      <a:camera prst="orthographicFront"/>
+      <a:lightRig rig="threePt" dir="t"/>
+    </dgm:scene3d>
+    <dgm:sp3d/>
+    <dgm:txPr/>
+    <dgm:style>
+      <a:lnRef idx="0">
+        <a:scrgbClr r="0" g="0" b="0"/>
+      </a:lnRef>
+      <a:fillRef idx="1">
+        <a:scrgbClr r="0" g="0" b="0"/>
+      </a:fillRef>
+      <a:effectRef idx="0">
+        <a:scrgbClr r="0" g="0" b="0"/>
+      </a:effectRef>
+      <a:fontRef idx="minor"/>
+    </dgm:style>
+  </dgm:styleLbl>
+  <dgm:styleLbl name="fgShp">
+    <dgm:scene3d>
+      <a:camera prst="orthographicFront"/>
+      <a:lightRig rig="threePt" dir="t"/>
+    </dgm:scene3d>
+    <dgm:sp3d/>
+    <dgm:txPr/>
+    <dgm:style>
+      <a:lnRef idx="0">
+        <a:scrgbClr r="0" g="0" b="0"/>
+      </a:lnRef>
+      <a:fillRef idx="3">
+        <a:scrgbClr r="0" g="0" b="0"/>
+      </a:fillRef>
+      <a:effectRef idx="3">
+        <a:scrgbClr r="0" g="0" b="0"/>
+      </a:effectRef>
+      <a:fontRef idx="minor"/>
+    </dgm:style>
+  </dgm:styleLbl>
+  <dgm:styleLbl name="revTx">
+    <dgm:scene3d>
+      <a:camera prst="orthographicFront"/>
+      <a:lightRig rig="threePt" dir="t"/>
+    </dgm:scene3d>
+    <dgm:sp3d/>
+    <dgm:txPr/>
+    <dgm:style>
+      <a:lnRef idx="0">
+        <a:scrgbClr r="0" g="0" b="0"/>
+      </a:lnRef>
+      <a:fillRef idx="0">
+        <a:scrgbClr r="0" g="0" b="0"/>
+      </a:fillRef>
+      <a:effectRef idx="0">
+        <a:scrgbClr r="0" g="0" b="0"/>
+      </a:effectRef>
+      <a:fontRef idx="minor"/>
+    </dgm:style>
+  </dgm:styleLbl>
+</dgm:styleDef>
+</file>
+
+<file path=ppt/diagrams/quickStyle2.xml><?xml version="1.0" encoding="utf-8"?>
+<dgm:styleDef xmlns:dgm="http://schemas.openxmlformats.org/drawingml/2006/diagram" xmlns:a="http://schemas.openxmlformats.org/drawingml/2006/main" uniqueId="urn:microsoft.com/office/officeart/2005/8/quickstyle/simple4">
+  <dgm:title val=""/>
+  <dgm:desc val=""/>
+  <dgm:catLst>
+    <dgm:cat type="simple" pri="10400"/>
+  </dgm:catLst>
+  <dgm:scene3d>
+    <a:camera prst="orthographicFront"/>
+    <a:lightRig rig="threePt" dir="t"/>
+  </dgm:scene3d>
+  <dgm:styleLbl name="node0">
+    <dgm:scene3d>
+      <a:camera prst="orthographicFront"/>
+      <a:lightRig rig="threePt" dir="t"/>
+    </dgm:scene3d>
+    <dgm:sp3d/>
+    <dgm:txPr/>
+    <dgm:style>
+      <a:lnRef idx="0">
+        <a:scrgbClr r="0" g="0" b="0"/>
+      </a:lnRef>
+      <a:fillRef idx="3">
+        <a:scrgbClr r="0" g="0" b="0"/>
+      </a:fillRef>
+      <a:effectRef idx="2">
+        <a:scrgbClr r="0" g="0" b="0"/>
+      </a:effectRef>
+      <a:fontRef idx="minor">
+        <a:schemeClr val="lt1"/>
+      </a:fontRef>
+    </dgm:style>
+  </dgm:styleLbl>
+  <dgm:styleLbl name="lnNode1">
+    <dgm:scene3d>
+      <a:camera prst="orthographicFront"/>
+      <a:lightRig rig="threePt" dir="t"/>
+    </dgm:scene3d>
+    <dgm:sp3d/>
+    <dgm:txPr/>
+    <dgm:style>
+      <a:lnRef idx="1">
+        <a:scrgbClr r="0" g="0" b="0"/>
+      </a:lnRef>
+      <a:fillRef idx="3">
+        <a:scrgbClr r="0" g="0" b="0"/>
+      </a:fillRef>
+      <a:effectRef idx="2">
+        <a:scrgbClr r="0" g="0" b="0"/>
+      </a:effectRef>
+      <a:fontRef idx="minor">
+        <a:schemeClr val="lt1"/>
+      </a:fontRef>
+    </dgm:style>
+  </dgm:styleLbl>
+  <dgm:styleLbl name="vennNode1">
+    <dgm:scene3d>
+      <a:camera prst="orthographicFront"/>
+      <a:lightRig rig="threePt" dir="t"/>
+    </dgm:scene3d>
+    <dgm:sp3d/>
+    <dgm:txPr/>
+    <dgm:style>
+      <a:lnRef idx="0">
+        <a:scrgbClr r="0" g="0" b="0"/>
+      </a:lnRef>
+      <a:fillRef idx="3">
+        <a:scrgbClr r="0" g="0" b="0"/>
+      </a:fillRef>
+      <a:effectRef idx="0">
+        <a:scrgbClr r="0" g="0" b="0"/>
+      </a:effectRef>
+      <a:fontRef idx="minor">
+        <a:schemeClr val="tx1"/>
+      </a:fontRef>
+    </dgm:style>
+  </dgm:styleLbl>
+  <dgm:styleLbl name="alignNode1">
+    <dgm:scene3d>
+      <a:camera prst="orthographicFront"/>
+      <a:lightRig rig="threePt" dir="t"/>
+    </dgm:scene3d>
+    <dgm:sp3d/>
+    <dgm:txPr/>
+    <dgm:style>
+      <a:lnRef idx="1">
+        <a:scrgbClr r="0" g="0" b="0"/>
+      </a:lnRef>
+      <a:fillRef idx="3">
+        <a:scrgbClr r="0" g="0" b="0"/>
+      </a:fillRef>
+      <a:effectRef idx="2">
+        <a:scrgbClr r="0" g="0" b="0"/>
+      </a:effectRef>
+      <a:fontRef idx="minor">
+        <a:schemeClr val="lt1"/>
+      </a:fontRef>
+    </dgm:style>
+  </dgm:styleLbl>
+  <dgm:styleLbl name="node1">
+    <dgm:scene3d>
+      <a:camera prst="orthographicFront"/>
+      <a:lightRig rig="threePt" dir="t"/>
+    </dgm:scene3d>
+    <dgm:sp3d/>
+    <dgm:txPr/>
+    <dgm:style>
+      <a:lnRef idx="0">
+        <a:scrgbClr r="0" g="0" b="0"/>
+      </a:lnRef>
+      <a:fillRef idx="3">
+        <a:scrgbClr r="0" g="0" b="0"/>
+      </a:fillRef>
+      <a:effectRef idx="2">
+        <a:scrgbClr r="0" g="0" b="0"/>
+      </a:effectRef>
+      <a:fontRef idx="minor">
+        <a:schemeClr val="lt1"/>
+      </a:fontRef>
+    </dgm:style>
+  </dgm:styleLbl>
+  <dgm:styleLbl name="node2">
+    <dgm:scene3d>
+      <a:camera prst="orthographicFront"/>
+      <a:lightRig rig="threePt" dir="t"/>
+    </dgm:scene3d>
+    <dgm:sp3d/>
+    <dgm:txPr/>
+    <dgm:style>
+      <a:lnRef idx="0">
+        <a:scrgbClr r="0" g="0" b="0"/>
+      </a:lnRef>
+      <a:fillRef idx="3">
+        <a:scrgbClr r="0" g="0" b="0"/>
+      </a:fillRef>
+      <a:effectRef idx="2">
+        <a:scrgbClr r="0" g="0" b="0"/>
+      </a:effectRef>
+      <a:fontRef idx="minor">
+        <a:schemeClr val="lt1"/>
+      </a:fontRef>
+    </dgm:style>
+  </dgm:styleLbl>
+  <dgm:styleLbl name="node3">
+    <dgm:scene3d>
+      <a:camera prst="orthographicFront"/>
+      <a:lightRig rig="threePt" dir="t"/>
+    </dgm:scene3d>
+    <dgm:sp3d/>
+    <dgm:txPr/>
+    <dgm:style>
+      <a:lnRef idx="0">
+        <a:scrgbClr r="0" g="0" b="0"/>
+      </a:lnRef>
+      <a:fillRef idx="3">
+        <a:scrgbClr r="0" g="0" b="0"/>
+      </a:fillRef>
+      <a:effectRef idx="2">
+        <a:scrgbClr r="0" g="0" b="0"/>
+      </a:effectRef>
+      <a:fontRef idx="minor">
+        <a:schemeClr val="lt1"/>
+      </a:fontRef>
+    </dgm:style>
+  </dgm:styleLbl>
+  <dgm:styleLbl name="node4">
+    <dgm:scene3d>
+      <a:camera prst="orthographicFront"/>
+      <a:lightRig rig="threePt" dir="t"/>
+    </dgm:scene3d>
+    <dgm:sp3d/>
+    <dgm:txPr/>
+    <dgm:style>
+      <a:lnRef idx="0">
+        <a:scrgbClr r="0" g="0" b="0"/>
+      </a:lnRef>
+      <a:fillRef idx="3">
+        <a:scrgbClr r="0" g="0" b="0"/>
+      </a:fillRef>
+      <a:effectRef idx="2">
+        <a:scrgbClr r="0" g="0" b="0"/>
+      </a:effectRef>
+      <a:fontRef idx="minor">
+        <a:schemeClr val="lt1"/>
+      </a:fontRef>
+    </dgm:style>
+  </dgm:styleLbl>
+  <dgm:styleLbl name="fgImgPlace1">
+    <dgm:scene3d>
+      <a:camera prst="orthographicFront"/>
+      <a:lightRig rig="threePt" dir="t"/>
+    </dgm:scene3d>
+    <dgm:sp3d/>
+    <dgm:txPr/>
+    <dgm:style>
+      <a:lnRef idx="0">
+        <a:scrgbClr r="0" g="0" b="0"/>
+      </a:lnRef>
+      <a:fillRef idx="1">
+        <a:scrgbClr r="0" g="0" b="0"/>
+      </a:fillRef>
+      <a:effectRef idx="2">
+        <a:scrgbClr r="0" g="0" b="0"/>
+      </a:effectRef>
+      <a:fontRef idx="minor"/>
+    </dgm:style>
+  </dgm:styleLbl>
+  <dgm:styleLbl name="alignImgPlace1">
+    <dgm:scene3d>
+      <a:camera prst="orthographicFront"/>
+      <a:lightRig rig="threePt" dir="t"/>
+    </dgm:scene3d>
+    <dgm:sp3d/>
+    <dgm:txPr/>
+    <dgm:style>
+      <a:lnRef idx="0">
+        <a:scrgbClr r="0" g="0" b="0"/>
+      </a:lnRef>
+      <a:fillRef idx="1">
+        <a:scrgbClr r="0" g="0" b="0"/>
+      </a:fillRef>
+      <a:effectRef idx="2">
+        <a:scrgbClr r="0" g="0" b="0"/>
+      </a:effectRef>
+      <a:fontRef idx="minor"/>
+    </dgm:style>
+  </dgm:styleLbl>
+  <dgm:styleLbl name="bgImgPlace1">
+    <dgm:scene3d>
+      <a:camera prst="orthographicFront"/>
+      <a:lightRig rig="threePt" dir="t"/>
+    </dgm:scene3d>
+    <dgm:sp3d/>
+    <dgm:txPr/>
+    <dgm:style>
+      <a:lnRef idx="0">
+        <a:scrgbClr r="0" g="0" b="0"/>
+      </a:lnRef>
+      <a:fillRef idx="1">
+        <a:scrgbClr r="0" g="0" b="0"/>
+      </a:fillRef>
+      <a:effectRef idx="2">
+        <a:scrgbClr r="0" g="0" b="0"/>
+      </a:effectRef>
+      <a:fontRef idx="minor"/>
+    </dgm:style>
+  </dgm:styleLbl>
+  <dgm:styleLbl name="sibTrans2D1">
+    <dgm:scene3d>
+      <a:camera prst="orthographicFront"/>
+      <a:lightRig rig="threePt" dir="t"/>
+    </dgm:scene3d>
+    <dgm:sp3d/>
+    <dgm:txPr/>
+    <dgm:style>
+      <a:lnRef idx="0">
+        <a:scrgbClr r="0" g="0" b="0"/>
+      </a:lnRef>
+      <a:fillRef idx="3">
+        <a:scrgbClr r="0" g="0" b="0"/>
+      </a:fillRef>
+      <a:effectRef idx="2">
+        <a:scrgbClr r="0" g="0" b="0"/>
+      </a:effectRef>
+      <a:fontRef idx="minor">
+        <a:schemeClr val="lt1"/>
+      </a:fontRef>
+    </dgm:style>
+  </dgm:styleLbl>
+  <dgm:styleLbl name="fgSibTrans2D1">
+    <dgm:scene3d>
+      <a:camera prst="orthographicFront"/>
+      <a:lightRig rig="threePt" dir="t"/>
+    </dgm:scene3d>
+    <dgm:sp3d/>
+    <dgm:txPr/>
+    <dgm:style>
+      <a:lnRef idx="0">
+        <a:scrgbClr r="0" g="0" b="0"/>
+      </a:lnRef>
+      <a:fillRef idx="3">
+        <a:scrgbClr r="0" g="0" b="0"/>
+      </a:fillRef>
+      <a:effectRef idx="2">
+        <a:scrgbClr r="0" g="0" b="0"/>
+      </a:effectRef>
+      <a:fontRef idx="minor">
+        <a:schemeClr val="lt1"/>
+      </a:fontRef>
+    </dgm:style>
+  </dgm:styleLbl>
+  <dgm:styleLbl name="bgSibTrans2D1">
+    <dgm:scene3d>
+      <a:camera prst="orthographicFront"/>
+      <a:lightRig rig="threePt" dir="t"/>
+    </dgm:scene3d>
+    <dgm:sp3d/>
+    <dgm:txPr/>
+    <dgm:style>
+      <a:lnRef idx="0">
+        <a:scrgbClr r="0" g="0" b="0"/>
+      </a:lnRef>
+      <a:fillRef idx="3">
+        <a:scrgbClr r="0" g="0" b="0"/>
+      </a:fillRef>
+      <a:effectRef idx="2">
+        <a:scrgbClr r="0" g="0" b="0"/>
+      </a:effectRef>
+      <a:fontRef idx="minor">
+        <a:schemeClr val="lt1"/>
+      </a:fontRef>
+    </dgm:style>
+  </dgm:styleLbl>
+  <dgm:styleLbl name="sibTrans1D1">
+    <dgm:scene3d>
+      <a:camera prst="orthographicFront"/>
+      <a:lightRig rig="threePt" dir="t"/>
+    </dgm:scene3d>
+    <dgm:sp3d/>
+    <dgm:txPr/>
+    <dgm:style>
+      <a:lnRef idx="1">
+        <a:scrgbClr r="0" g="0" b="0"/>
+      </a:lnRef>
+      <a:fillRef idx="0">
+        <a:scrgbClr r="0" g="0" b="0"/>
+      </a:fillRef>
+      <a:effectRef idx="0">
+        <a:scrgbClr r="0" g="0" b="0"/>
+      </a:effectRef>
+      <a:fontRef idx="minor"/>
+    </dgm:style>
+  </dgm:styleLbl>
+  <dgm:styleLbl name="callout">
+    <dgm:scene3d>
+      <a:camera prst="orthographicFront"/>
+      <a:lightRig rig="threePt" dir="t"/>
+    </dgm:scene3d>
+    <dgm:sp3d/>
+    <dgm:txPr/>
+    <dgm:style>
+      <a:lnRef idx="2">
+        <a:scrgbClr r="0" g="0" b="0"/>
+      </a:lnRef>
+      <a:fillRef idx="1">
+        <a:scrgbClr r="0" g="0" b="0"/>
+      </a:fillRef>
+      <a:effectRef idx="1">
+        <a:scrgbClr r="0" g="0" b="0"/>
+      </a:effectRef>
+      <a:fontRef idx="minor"/>
+    </dgm:style>
+  </dgm:styleLbl>
+  <dgm:styleLbl name="asst0">
+    <dgm:scene3d>
+      <a:camera prst="orthographicFront"/>
+      <a:lightRig rig="threePt" dir="t"/>
+    </dgm:scene3d>
+    <dgm:sp3d/>
+    <dgm:txPr/>
+    <dgm:style>
+      <a:lnRef idx="0">
+        <a:scrgbClr r="0" g="0" b="0"/>
+      </a:lnRef>
+      <a:fillRef idx="3">
+        <a:scrgbClr r="0" g="0" b="0"/>
+      </a:fillRef>
+      <a:effectRef idx="2">
+        <a:scrgbClr r="0" g="0" b="0"/>
+      </a:effectRef>
+      <a:fontRef idx="minor">
+        <a:schemeClr val="lt1"/>
+      </a:fontRef>
+    </dgm:style>
+  </dgm:styleLbl>
+  <dgm:styleLbl name="asst1">
+    <dgm:scene3d>
+      <a:camera prst="orthographicFront"/>
+      <a:lightRig rig="threePt" dir="t"/>
+    </dgm:scene3d>
+    <dgm:sp3d/>
+    <dgm:txPr/>
+    <dgm:style>
+      <a:lnRef idx="0">
+        <a:scrgbClr r="0" g="0" b="0"/>
+      </a:lnRef>
+      <a:fillRef idx="3">
+        <a:scrgbClr r="0" g="0" b="0"/>
+      </a:fillRef>
+      <a:effectRef idx="2">
+        <a:scrgbClr r="0" g="0" b="0"/>
+      </a:effectRef>
+      <a:fontRef idx="minor">
+        <a:schemeClr val="lt1"/>
+      </a:fontRef>
+    </dgm:style>
+  </dgm:styleLbl>
+  <dgm:styleLbl name="asst2">
+    <dgm:scene3d>
+      <a:camera prst="orthographicFront"/>
+      <a:lightRig rig="threePt" dir="t"/>
+    </dgm:scene3d>
+    <dgm:sp3d/>
+    <dgm:txPr/>
+    <dgm:style>
+      <a:lnRef idx="0">
+        <a:scrgbClr r="0" g="0" b="0"/>
+      </a:lnRef>
+      <a:fillRef idx="3">
+        <a:scrgbClr r="0" g="0" b="0"/>
+      </a:fillRef>
+      <a:effectRef idx="2">
+        <a:scrgbClr r="0" g="0" b="0"/>
+      </a:effectRef>
+      <a:fontRef idx="minor">
+        <a:schemeClr val="lt1"/>
+      </a:fontRef>
+    </dgm:style>
+  </dgm:styleLbl>
+  <dgm:styleLbl name="asst3">
+    <dgm:scene3d>
+      <a:camera prst="orthographicFront"/>
+      <a:lightRig rig="threePt" dir="t"/>
+    </dgm:scene3d>
+    <dgm:sp3d/>
+    <dgm:txPr/>
+    <dgm:style>
+      <a:lnRef idx="0">
+        <a:scrgbClr r="0" g="0" b="0"/>
+      </a:lnRef>
+      <a:fillRef idx="3">
+        <a:scrgbClr r="0" g="0" b="0"/>
+      </a:fillRef>
+      <a:effectRef idx="2">
+        <a:scrgbClr r="0" g="0" b="0"/>
+      </a:effectRef>
+      <a:fontRef idx="minor">
+        <a:schemeClr val="lt1"/>
+      </a:fontRef>
+    </dgm:style>
+  </dgm:styleLbl>
+  <dgm:styleLbl name="asst4">
+    <dgm:scene3d>
+      <a:camera prst="orthographicFront"/>
+      <a:lightRig rig="threePt" dir="t"/>
+    </dgm:scene3d>
+    <dgm:sp3d/>
+    <dgm:txPr/>
+    <dgm:style>
+      <a:lnRef idx="0">
+        <a:scrgbClr r="0" g="0" b="0"/>
+      </a:lnRef>
+      <a:fillRef idx="3">
+        <a:scrgbClr r="0" g="0" b="0"/>
+      </a:fillRef>
+      <a:effectRef idx="2">
+        <a:scrgbClr r="0" g="0" b="0"/>
+      </a:effectRef>
+      <a:fontRef idx="minor">
+        <a:schemeClr val="lt1"/>
+      </a:fontRef>
+    </dgm:style>
+  </dgm:styleLbl>
+  <dgm:styleLbl name="parChTrans2D1">
+    <dgm:scene3d>
+      <a:camera prst="orthographicFront"/>
+      <a:lightRig rig="threePt" dir="t"/>
+    </dgm:scene3d>
+    <dgm:sp3d/>
+    <dgm:txPr/>
+    <dgm:style>
+      <a:lnRef idx="0">
+        <a:scrgbClr r="0" g="0" b="0"/>
+      </a:lnRef>
+      <a:fillRef idx="3">
+        <a:scrgbClr r="0" g="0" b="0"/>
+      </a:fillRef>
+      <a:effectRef idx="2">
+        <a:scrgbClr r="0" g="0" b="0"/>
+      </a:effectRef>
+      <a:fontRef idx="minor">
+        <a:schemeClr val="lt1"/>
+      </a:fontRef>
+    </dgm:style>
+  </dgm:styleLbl>
+  <dgm:styleLbl name="parChTrans2D2">
+    <dgm:scene3d>
+      <a:camera prst="orthographicFront"/>
+      <a:lightRig rig="threePt" dir="t"/>
+    </dgm:scene3d>
+    <dgm:sp3d/>
+    <dgm:txPr/>
+    <dgm:style>
+      <a:lnRef idx="0">
+        <a:scrgbClr r="0" g="0" b="0"/>
+      </a:lnRef>
+      <a:fillRef idx="3">
+        <a:scrgbClr r="0" g="0" b="0"/>
+      </a:fillRef>
+      <a:effectRef idx="2">
+        <a:scrgbClr r="0" g="0" b="0"/>
+      </a:effectRef>
+      <a:fontRef idx="minor">
+        <a:schemeClr val="lt1"/>
+      </a:fontRef>
+    </dgm:style>
+  </dgm:styleLbl>
+  <dgm:styleLbl name="parChTrans2D3">
+    <dgm:scene3d>
+      <a:camera prst="orthographicFront"/>
+      <a:lightRig rig="threePt" dir="t"/>
+    </dgm:scene3d>
+    <dgm:sp3d/>
+    <dgm:txPr/>
+    <dgm:style>
+      <a:lnRef idx="1">
+        <a:scrgbClr r="0" g="0" b="0"/>
+      </a:lnRef>
+      <a:fillRef idx="3">
+        <a:scrgbClr r="0" g="0" b="0"/>
+      </a:fillRef>
+      <a:effectRef idx="2">
+        <a:scrgbClr r="0" g="0" b="0"/>
+      </a:effectRef>
+      <a:fontRef idx="minor">
+        <a:schemeClr val="lt1"/>
+      </a:fontRef>
+    </dgm:style>
+  </dgm:styleLbl>
+  <dgm:styleLbl name="parChTrans2D4">
+    <dgm:scene3d>
+      <a:camera prst="orthographicFront"/>
+      <a:lightRig rig="threePt" dir="t"/>
+    </dgm:scene3d>
+    <dgm:sp3d/>
+    <dgm:txPr/>
+    <dgm:style>
+      <a:lnRef idx="1">
+        <a:scrgbClr r="0" g="0" b="0"/>
+      </a:lnRef>
+      <a:fillRef idx="3">
+        <a:scrgbClr r="0" g="0" b="0"/>
+      </a:fillRef>
+      <a:effectRef idx="2">
+        <a:scrgbClr r="0" g="0" b="0"/>
+      </a:effectRef>
+      <a:fontRef idx="minor">
+        <a:schemeClr val="lt1"/>
+      </a:fontRef>
+    </dgm:style>
+  </dgm:styleLbl>
+  <dgm:styleLbl name="parChTrans1D1">
+    <dgm:scene3d>
+      <a:camera prst="orthographicFront"/>
+      <a:lightRig rig="threePt" dir="t"/>
+    </dgm:scene3d>
+    <dgm:sp3d/>
+    <dgm:txPr/>
+    <dgm:style>
+      <a:lnRef idx="1">
+        <a:scrgbClr r="0" g="0" b="0"/>
+      </a:lnRef>
+      <a:fillRef idx="0">
+        <a:scrgbClr r="0" g="0" b="0"/>
+      </a:fillRef>
+      <a:effectRef idx="0">
+        <a:scrgbClr r="0" g="0" b="0"/>
+      </a:effectRef>
+      <a:fontRef idx="minor"/>
+    </dgm:style>
+  </dgm:styleLbl>
+  <dgm:styleLbl name="parChTrans1D2">
+    <dgm:scene3d>
+      <a:camera prst="orthographicFront"/>
+      <a:lightRig rig="threePt" dir="t"/>
+    </dgm:scene3d>
+    <dgm:sp3d/>
+    <dgm:txPr/>
+    <dgm:style>
+      <a:lnRef idx="1">
+        <a:scrgbClr r="0" g="0" b="0"/>
+      </a:lnRef>
+      <a:fillRef idx="0">
+        <a:scrgbClr r="0" g="0" b="0"/>
+      </a:fillRef>
+      <a:effectRef idx="0">
+        <a:scrgbClr r="0" g="0" b="0"/>
+      </a:effectRef>
+      <a:fontRef idx="minor"/>
+    </dgm:style>
+  </dgm:styleLbl>
+  <dgm:styleLbl name="parChTrans1D3">
+    <dgm:scene3d>
+      <a:camera prst="orthographicFront"/>
+      <a:lightRig rig="threePt" dir="t"/>
+    </dgm:scene3d>
+    <dgm:sp3d/>
+    <dgm:txPr/>
+    <dgm:style>
+      <a:lnRef idx="1">
+        <a:scrgbClr r="0" g="0" b="0"/>
+      </a:lnRef>
+      <a:fillRef idx="0">
+        <a:scrgbClr r="0" g="0" b="0"/>
+      </a:fillRef>
+      <a:effectRef idx="0">
+        <a:scrgbClr r="0" g="0" b="0"/>
+      </a:effectRef>
+      <a:fontRef idx="minor"/>
+    </dgm:style>
+  </dgm:styleLbl>
+  <dgm:styleLbl name="parChTrans1D4">
+    <dgm:scene3d>
+      <a:camera prst="orthographicFront"/>
+      <a:lightRig rig="threePt" dir="t"/>
+    </dgm:scene3d>
+    <dgm:sp3d/>
+    <dgm:txPr/>
+    <dgm:style>
+      <a:lnRef idx="1">
+        <a:scrgbClr r="0" g="0" b="0"/>
+      </a:lnRef>
+      <a:fillRef idx="0">
+        <a:scrgbClr r="0" g="0" b="0"/>
+      </a:fillRef>
+      <a:effectRef idx="0">
+        <a:scrgbClr r="0" g="0" b="0"/>
+      </a:effectRef>
+      <a:fontRef idx="minor"/>
+    </dgm:style>
+  </dgm:styleLbl>
+  <dgm:styleLbl name="fgAcc1">
+    <dgm:scene3d>
+      <a:camera prst="orthographicFront"/>
+      <a:lightRig rig="threePt" dir="t"/>
+    </dgm:scene3d>
+    <dgm:sp3d/>
+    <dgm:txPr/>
+    <dgm:style>
+      <a:lnRef idx="1">
+        <a:scrgbClr r="0" g="0" b="0"/>
+      </a:lnRef>
+      <a:fillRef idx="1">
+        <a:scrgbClr r="0" g="0" b="0"/>
+      </a:fillRef>
+      <a:effectRef idx="0">
+        <a:scrgbClr r="0" g="0" b="0"/>
+      </a:effectRef>
+      <a:fontRef idx="minor"/>
+    </dgm:style>
+  </dgm:styleLbl>
+  <dgm:styleLbl name="conFgAcc1">
+    <dgm:scene3d>
+      <a:camera prst="orthographicFront"/>
+      <a:lightRig rig="threePt" dir="t"/>
+    </dgm:scene3d>
+    <dgm:sp3d/>
+    <dgm:txPr/>
+    <dgm:style>
+      <a:lnRef idx="1">
+        <a:scrgbClr r="0" g="0" b="0"/>
+      </a:lnRef>
+      <a:fillRef idx="1">
+        <a:scrgbClr r="0" g="0" b="0"/>
+      </a:fillRef>
+      <a:effectRef idx="0">
+        <a:scrgbClr r="0" g="0" b="0"/>
+      </a:effectRef>
+      <a:fontRef idx="minor"/>
+    </dgm:style>
+  </dgm:styleLbl>
+  <dgm:styleLbl name="alignAcc1">
+    <dgm:scene3d>
+      <a:camera prst="orthographicFront"/>
+      <a:lightRig rig="threePt" dir="t"/>
+    </dgm:scene3d>
+    <dgm:sp3d/>
+    <dgm:txPr/>
+    <dgm:style>
+      <a:lnRef idx="1">
+        <a:scrgbClr r="0" g="0" b="0"/>
+      </a:lnRef>
+      <a:fillRef idx="1">
+        <a:scrgbClr r="0" g="0" b="0"/>
+      </a:fillRef>
+      <a:effectRef idx="0">
+        <a:scrgbClr r="0" g="0" b="0"/>
+      </a:effectRef>
+      <a:fontRef idx="minor"/>
+    </dgm:style>
+  </dgm:styleLbl>
+  <dgm:styleLbl name="trAlignAcc1">
+    <dgm:scene3d>
+      <a:camera prst="orthographicFront"/>
+      <a:lightRig rig="threePt" dir="t"/>
+    </dgm:scene3d>
+    <dgm:sp3d/>
+    <dgm:txPr/>
+    <dgm:style>
+      <a:lnRef idx="1">
+        <a:scrgbClr r="0" g="0" b="0"/>
+      </a:lnRef>
+      <a:fillRef idx="1">
+        <a:scrgbClr r="0" g="0" b="0"/>
+      </a:fillRef>
+      <a:effectRef idx="0">
+        <a:scrgbClr r="0" g="0" b="0"/>
+      </a:effectRef>
+      <a:fontRef idx="minor"/>
+    </dgm:style>
+  </dgm:styleLbl>
+  <dgm:styleLbl name="bgAcc1">
+    <dgm:scene3d>
+      <a:camera prst="orthographicFront"/>
+      <a:lightRig rig="threePt" dir="t"/>
+    </dgm:scene3d>
+    <dgm:sp3d/>
+    <dgm:txPr/>
+    <dgm:style>
+      <a:lnRef idx="1">
+        <a:scrgbClr r="0" g="0" b="0"/>
+      </a:lnRef>
+      <a:fillRef idx="1">
+        <a:scrgbClr r="0" g="0" b="0"/>
+      </a:fillRef>
+      <a:effectRef idx="0">
+        <a:scrgbClr r="0" g="0" b="0"/>
+      </a:effectRef>
+      <a:fontRef idx="minor"/>
+    </dgm:style>
+  </dgm:styleLbl>
+  <dgm:styleLbl name="solidFgAcc1">
+    <dgm:scene3d>
+      <a:camera prst="orthographicFront"/>
+      <a:lightRig rig="threePt" dir="t"/>
+    </dgm:scene3d>
+    <dgm:sp3d/>
+    <dgm:txPr/>
+    <dgm:style>
+      <a:lnRef idx="1">
+        <a:scrgbClr r="0" g="0" b="0"/>
+      </a:lnRef>
+      <a:fillRef idx="1">
+        <a:scrgbClr r="0" g="0" b="0"/>
+      </a:fillRef>
+      <a:effectRef idx="0">
+        <a:scrgbClr r="0" g="0" b="0"/>
+      </a:effectRef>
+      <a:fontRef idx="minor"/>
+    </dgm:style>
+  </dgm:styleLbl>
+  <dgm:styleLbl name="solidAlignAcc1">
+    <dgm:scene3d>
+      <a:camera prst="orthographicFront"/>
+      <a:lightRig rig="threePt" dir="t"/>
+    </dgm:scene3d>
+    <dgm:sp3d/>
+    <dgm:txPr/>
+    <dgm:style>
+      <a:lnRef idx="1">
+        <a:scrgbClr r="0" g="0" b="0"/>
+      </a:lnRef>
+      <a:fillRef idx="1">
+        <a:scrgbClr r="0" g="0" b="0"/>
+      </a:fillRef>
+      <a:effectRef idx="0">
+        <a:scrgbClr r="0" g="0" b="0"/>
+      </a:effectRef>
+      <a:fontRef idx="minor"/>
+    </dgm:style>
+  </dgm:styleLbl>
+  <dgm:styleLbl name="solidBgAcc1">
+    <dgm:scene3d>
+      <a:camera prst="orthographicFront"/>
+      <a:lightRig rig="threePt" dir="t"/>
+    </dgm:scene3d>
+    <dgm:sp3d/>
+    <dgm:txPr/>
+    <dgm:style>
+      <a:lnRef idx="1">
+        <a:scrgbClr r="0" g="0" b="0"/>
+      </a:lnRef>
+      <a:fillRef idx="1">
+        <a:scrgbClr r="0" g="0" b="0"/>
+      </a:fillRef>
+      <a:effectRef idx="0">
+        <a:scrgbClr r="0" g="0" b="0"/>
+      </a:effectRef>
+      <a:fontRef idx="minor"/>
+    </dgm:style>
+  </dgm:styleLbl>
+  <dgm:styleLbl name="fgAccFollowNode1">
+    <dgm:scene3d>
+      <a:camera prst="orthographicFront"/>
+      <a:lightRig rig="threePt" dir="t"/>
+    </dgm:scene3d>
+    <dgm:sp3d/>
+    <dgm:txPr/>
+    <dgm:style>
+      <a:lnRef idx="1">
+        <a:scrgbClr r="0" g="0" b="0"/>
+      </a:lnRef>
+      <a:fillRef idx="1">
+        <a:scrgbClr r="0" g="0" b="0"/>
+      </a:fillRef>
+      <a:effectRef idx="0">
+        <a:scrgbClr r="0" g="0" b="0"/>
+      </a:effectRef>
+      <a:fontRef idx="minor"/>
+    </dgm:style>
+  </dgm:styleLbl>
+  <dgm:styleLbl name="alignAccFollowNode1">
+    <dgm:scene3d>
+      <a:camera prst="orthographicFront"/>
+      <a:lightRig rig="threePt" dir="t"/>
+    </dgm:scene3d>
+    <dgm:sp3d/>
+    <dgm:txPr/>
+    <dgm:style>
+      <a:lnRef idx="1">
+        <a:scrgbClr r="0" g="0" b="0"/>
+      </a:lnRef>
+      <a:fillRef idx="1">
+        <a:scrgbClr r="0" g="0" b="0"/>
+      </a:fillRef>
+      <a:effectRef idx="0">
+        <a:scrgbClr r="0" g="0" b="0"/>
+      </a:effectRef>
+      <a:fontRef idx="minor"/>
+    </dgm:style>
+  </dgm:styleLbl>
+  <dgm:styleLbl name="bgAccFollowNode1">
+    <dgm:scene3d>
+      <a:camera prst="orthographicFront"/>
+      <a:lightRig rig="threePt" dir="t"/>
+    </dgm:scene3d>
+    <dgm:sp3d/>
+    <dgm:txPr/>
+    <dgm:style>
+      <a:lnRef idx="1">
+        <a:scrgbClr r="0" g="0" b="0"/>
+      </a:lnRef>
+      <a:fillRef idx="1">
+        <a:scrgbClr r="0" g="0" b="0"/>
+      </a:fillRef>
+      <a:effectRef idx="0">
+        <a:scrgbClr r="0" g="0" b="0"/>
+      </a:effectRef>
+      <a:fontRef idx="minor"/>
+    </dgm:style>
+  </dgm:styleLbl>
+  <dgm:styleLbl name="fgAcc0">
+    <dgm:scene3d>
+      <a:camera prst="orthographicFront"/>
+      <a:lightRig rig="threePt" dir="t"/>
+    </dgm:scene3d>
+    <dgm:sp3d/>
+    <dgm:txPr/>
+    <dgm:style>
+      <a:lnRef idx="1">
+        <a:scrgbClr r="0" g="0" b="0"/>
+      </a:lnRef>
+      <a:fillRef idx="1">
+        <a:scrgbClr r="0" g="0" b="0"/>
+      </a:fillRef>
+      <a:effectRef idx="0">
+        <a:scrgbClr r="0" g="0" b="0"/>
+      </a:effectRef>
+      <a:fontRef idx="minor"/>
+    </dgm:style>
+  </dgm:styleLbl>
+  <dgm:styleLbl name="fgAcc2">
+    <dgm:scene3d>
+      <a:camera prst="orthographicFront"/>
+      <a:lightRig rig="threePt" dir="t"/>
+    </dgm:scene3d>
+    <dgm:sp3d/>
+    <dgm:txPr/>
+    <dgm:style>
+      <a:lnRef idx="1">
+        <a:scrgbClr r="0" g="0" b="0"/>
+      </a:lnRef>
+      <a:fillRef idx="1">
+        <a:scrgbClr r="0" g="0" b="0"/>
+      </a:fillRef>
+      <a:effectRef idx="0">
+        <a:scrgbClr r="0" g="0" b="0"/>
+      </a:effectRef>
+      <a:fontRef idx="minor"/>
+    </dgm:style>
+  </dgm:styleLbl>
+  <dgm:styleLbl name="fgAcc3">
+    <dgm:scene3d>
+      <a:camera prst="orthographicFront"/>
+      <a:lightRig rig="threePt" dir="t"/>
+    </dgm:scene3d>
+    <dgm:sp3d/>
+    <dgm:txPr/>
+    <dgm:style>
+      <a:lnRef idx="1">
+        <a:scrgbClr r="0" g="0" b="0"/>
+      </a:lnRef>
+      <a:fillRef idx="1">
+        <a:scrgbClr r="0" g="0" b="0"/>
+      </a:fillRef>
+      <a:effectRef idx="0">
+        <a:scrgbClr r="0" g="0" b="0"/>
+      </a:effectRef>
+      <a:fontRef idx="minor"/>
+    </dgm:style>
+  </dgm:styleLbl>
+  <dgm:styleLbl name="fgAcc4">
+    <dgm:scene3d>
+      <a:camera prst="orthographicFront"/>
+      <a:lightRig rig="threePt" dir="t"/>
+    </dgm:scene3d>
+    <dgm:sp3d/>
+    <dgm:txPr/>
+    <dgm:style>
+      <a:lnRef idx="1">
+        <a:scrgbClr r="0" g="0" b="0"/>
+      </a:lnRef>
+      <a:fillRef idx="1">
+        <a:scrgbClr r="0" g="0" b="0"/>
+      </a:fillRef>
+      <a:effectRef idx="0">
+        <a:scrgbClr r="0" g="0" b="0"/>
+      </a:effectRef>
+      <a:fontRef idx="minor"/>
+    </dgm:style>
+  </dgm:styleLbl>
+  <dgm:styleLbl name="bgShp">
+    <dgm:scene3d>
+      <a:camera prst="orthographicFront"/>
+      <a:lightRig rig="threePt" dir="t"/>
+    </dgm:scene3d>
+    <dgm:sp3d/>
+    <dgm:txPr/>
+    <dgm:style>
+      <a:lnRef idx="0">
+        <a:scrgbClr r="0" g="0" b="0"/>
+      </a:lnRef>
+      <a:fillRef idx="1">
+        <a:scrgbClr r="0" g="0" b="0"/>
+      </a:fillRef>
+      <a:effectRef idx="2">
+        <a:scrgbClr r="0" g="0" b="0"/>
+      </a:effectRef>
+      <a:fontRef idx="minor"/>
+    </dgm:style>
+  </dgm:styleLbl>
+  <dgm:styleLbl name="dkBgShp">
+    <dgm:scene3d>
+      <a:camera prst="orthographicFront"/>
+      <a:lightRig rig="threePt" dir="t"/>
+    </dgm:scene3d>
+    <dgm:sp3d/>
+    <dgm:txPr/>
+    <dgm:style>
+      <a:lnRef idx="0">
+        <a:scrgbClr r="0" g="0" b="0"/>
+      </a:lnRef>
+      <a:fillRef idx="1">
+        <a:scrgbClr r="0" g="0" b="0"/>
+      </a:fillRef>
+      <a:effectRef idx="2">
+        <a:scrgbClr r="0" g="0" b="0"/>
+      </a:effectRef>
+      <a:fontRef idx="minor"/>
+    </dgm:style>
+  </dgm:styleLbl>
+  <dgm:styleLbl name="trBgShp">
+    <dgm:scene3d>
+      <a:camera prst="orthographicFront"/>
+      <a:lightRig rig="threePt" dir="t"/>
+    </dgm:scene3d>
+    <dgm:sp3d/>
+    <dgm:txPr/>
+    <dgm:style>
+      <a:lnRef idx="0">
+        <a:scrgbClr r="0" g="0" b="0"/>
+      </a:lnRef>
+      <a:fillRef idx="1">
+        <a:scrgbClr r="0" g="0" b="0"/>
+      </a:fillRef>
+      <a:effectRef idx="0">
+        <a:scrgbClr r="0" g="0" b="0"/>
+      </a:effectRef>
+      <a:fontRef idx="minor"/>
+    </dgm:style>
+  </dgm:styleLbl>
+  <dgm:styleLbl name="fgShp">
+    <dgm:scene3d>
+      <a:camera prst="orthographicFront"/>
+      <a:lightRig rig="threePt" dir="t"/>
+    </dgm:scene3d>
+    <dgm:sp3d/>
+    <dgm:txPr/>
+    <dgm:style>
+      <a:lnRef idx="0">
+        <a:scrgbClr r="0" g="0" b="0"/>
+      </a:lnRef>
+      <a:fillRef idx="3">
+        <a:scrgbClr r="0" g="0" b="0"/>
+      </a:fillRef>
+      <a:effectRef idx="2">
+        <a:scrgbClr r="0" g="0" b="0"/>
+      </a:effectRef>
+      <a:fontRef idx="minor"/>
+    </dgm:style>
+  </dgm:styleLbl>
+  <dgm:styleLbl name="revTx">
+    <dgm:scene3d>
+      <a:camera prst="orthographicFront"/>
+      <a:lightRig rig="threePt" dir="t"/>
+    </dgm:scene3d>
+    <dgm:sp3d/>
+    <dgm:txPr/>
+    <dgm:style>
+      <a:lnRef idx="0">
+        <a:scrgbClr r="0" g="0" b="0"/>
+      </a:lnRef>
+      <a:fillRef idx="0">
+        <a:scrgbClr r="0" g="0" b="0"/>
+      </a:fillRef>
+      <a:effectRef idx="0">
+        <a:scrgbClr r="0" g="0" b="0"/>
+      </a:effectRef>
+      <a:fontRef idx="minor"/>
+    </dgm:style>
+  </dgm:styleLbl>
+</dgm:styleDef>
+</file>
+
+<file path=ppt/notesMasters/notesMaster1.xml><?xml version="1.0" encoding="utf-8"?>
+<p:notesMaster xmlns:a="http://schemas.openxmlformats.org/drawingml/2006/main" xmlns:r="http://schemas.openxmlformats.org/officeDocument/2006/relationships" xmlns:p="http://schemas.openxmlformats.org/presentationml/2006/main">
+  <p:cSld>
+    <p:bg>
+      <p:bgRef idx="1001">
+        <a:schemeClr val="bg1"/>
+      </p:bgRef>
+    </p:bg>
+    <p:spTree>
+      <p:nvGrpSpPr>
+        <p:cNvPr id="1" name=""/>
+        <p:cNvGrpSpPr/>
+        <p:nvPr/>
+      </p:nvGrpSpPr>
+      <p:grpSpPr>
+        <a:xfrm>
+          <a:off x="0" y="0"/>
+          <a:ext cx="0" cy="0"/>
+          <a:chOff x="0" y="0"/>
+          <a:chExt cx="0" cy="0"/>
+        </a:xfrm>
+      </p:grpSpPr>
+      <p:sp>
+        <p:nvSpPr>
+          <p:cNvPr id="2" name="Header Placeholder 1"/>
+          <p:cNvSpPr>
+            <a:spLocks noGrp="1"/>
+          </p:cNvSpPr>
+          <p:nvPr>
+            <p:ph type="hdr" sz="quarter"/>
+          </p:nvPr>
+        </p:nvSpPr>
+        <p:spPr>
+          <a:xfrm>
+            <a:off x="0" y="0"/>
+            <a:ext cx="2971800" cy="457200"/>
+          </a:xfrm>
+          <a:prstGeom prst="rect">
+            <a:avLst/>
+          </a:prstGeom>
+        </p:spPr>
+        <p:txBody>
+          <a:bodyPr vert="horz" lIns="91440" tIns="45720" rIns="91440" bIns="45720" rtlCol="0"/>
+          <a:lstStyle>
+            <a:lvl1pPr algn="l">
+              <a:defRPr sz="1200"/>
+            </a:lvl1pPr>
+          </a:lstStyle>
+          <a:p>
+            <a:endParaRPr lang="en-US"/>
+          </a:p>
+        </p:txBody>
+      </p:sp>
+      <p:sp>
+        <p:nvSpPr>
+          <p:cNvPr id="3" name="Date Placeholder 2"/>
+          <p:cNvSpPr>
+            <a:spLocks noGrp="1"/>
+          </p:cNvSpPr>
+          <p:nvPr>
+            <p:ph type="dt" idx="1"/>
+          </p:nvPr>
+        </p:nvSpPr>
+        <p:spPr>
+          <a:xfrm>
+            <a:off x="3884613" y="0"/>
+            <a:ext cx="2971800" cy="457200"/>
+          </a:xfrm>
+          <a:prstGeom prst="rect">
+            <a:avLst/>
+          </a:prstGeom>
+        </p:spPr>
+        <p:txBody>
+          <a:bodyPr vert="horz" lIns="91440" tIns="45720" rIns="91440" bIns="45720" rtlCol="0"/>
+          <a:lstStyle>
+            <a:lvl1pPr algn="r">
+              <a:defRPr sz="1200"/>
+            </a:lvl1pPr>
+          </a:lstStyle>
+          <a:p>
+            <a:fld id="{B7112545-71B1-E443-9CD0-A6E5D6597F54}" type="datetimeFigureOut">
+              <a:rPr lang="en-US" smtClean="0"/>
+              <a:t>8/28/15</a:t>
+            </a:fld>
+            <a:endParaRPr lang="en-US"/>
+          </a:p>
+        </p:txBody>
+      </p:sp>
+      <p:sp>
+        <p:nvSpPr>
+          <p:cNvPr id="4" name="Slide Image Placeholder 3"/>
+          <p:cNvSpPr>
+            <a:spLocks noGrp="1" noRot="1" noChangeAspect="1"/>
+          </p:cNvSpPr>
+          <p:nvPr>
+            <p:ph type="sldImg" idx="2"/>
+          </p:nvPr>
+        </p:nvSpPr>
+        <p:spPr>
+          <a:xfrm>
+            <a:off x="2143125" y="685800"/>
+            <a:ext cx="2571750" cy="3429000"/>
+          </a:xfrm>
+          <a:prstGeom prst="rect">
+            <a:avLst/>
+          </a:prstGeom>
+          <a:noFill/>
+          <a:ln w="12700">
+            <a:solidFill>
+              <a:prstClr val="black"/>
+            </a:solidFill>
+          </a:ln>
+        </p:spPr>
+        <p:txBody>
+          <a:bodyPr vert="horz" lIns="91440" tIns="45720" rIns="91440" bIns="45720" rtlCol="0" anchor="ctr"/>
+          <a:lstStyle/>
+          <a:p>
+            <a:endParaRPr lang="en-US"/>
+          </a:p>
+        </p:txBody>
+      </p:sp>
+      <p:sp>
+        <p:nvSpPr>
+          <p:cNvPr id="5" name="Notes Placeholder 4"/>
+          <p:cNvSpPr>
+            <a:spLocks noGrp="1"/>
+          </p:cNvSpPr>
+          <p:nvPr>
+            <p:ph type="body" sz="quarter" idx="3"/>
+          </p:nvPr>
+        </p:nvSpPr>
+        <p:spPr>
+          <a:xfrm>
+            <a:off x="685800" y="4343400"/>
+            <a:ext cx="5486400" cy="4114800"/>
+          </a:xfrm>
+          <a:prstGeom prst="rect">
+            <a:avLst/>
+          </a:prstGeom>
+        </p:spPr>
+        <p:txBody>
+          <a:bodyPr vert="horz" lIns="91440" tIns="45720" rIns="91440" bIns="45720" rtlCol="0"/>
+          <a:lstStyle/>
+          <a:p>
+            <a:pPr lvl="0"/>
+            <a:r>
+              <a:rPr lang="en-US" smtClean="0"/>
+              <a:t>Click to edit Master text styles</a:t>
+            </a:r>
+          </a:p>
+          <a:p>
+            <a:pPr lvl="1"/>
+            <a:r>
+              <a:rPr lang="en-US" smtClean="0"/>
+              <a:t>Second level</a:t>
+            </a:r>
+          </a:p>
+          <a:p>
+            <a:pPr lvl="2"/>
+            <a:r>
+              <a:rPr lang="en-US" smtClean="0"/>
+              <a:t>Third level</a:t>
+            </a:r>
+          </a:p>
+          <a:p>
+            <a:pPr lvl="3"/>
+            <a:r>
+              <a:rPr lang="en-US" smtClean="0"/>
+              <a:t>Fourth level</a:t>
+            </a:r>
+          </a:p>
+          <a:p>
+            <a:pPr lvl="4"/>
+            <a:r>
+              <a:rPr lang="en-US" smtClean="0"/>
+              <a:t>Fifth level</a:t>
+            </a:r>
+            <a:endParaRPr lang="en-US"/>
+          </a:p>
+        </p:txBody>
+      </p:sp>
+      <p:sp>
+        <p:nvSpPr>
+          <p:cNvPr id="6" name="Footer Placeholder 5"/>
+          <p:cNvSpPr>
+            <a:spLocks noGrp="1"/>
+          </p:cNvSpPr>
+          <p:nvPr>
+            <p:ph type="ftr" sz="quarter" idx="4"/>
+          </p:nvPr>
+        </p:nvSpPr>
+        <p:spPr>
+          <a:xfrm>
+            <a:off x="0" y="8685213"/>
+            <a:ext cx="2971800" cy="457200"/>
+          </a:xfrm>
+          <a:prstGeom prst="rect">
+            <a:avLst/>
+          </a:prstGeom>
+        </p:spPr>
+        <p:txBody>
+          <a:bodyPr vert="horz" lIns="91440" tIns="45720" rIns="91440" bIns="45720" rtlCol="0" anchor="b"/>
+          <a:lstStyle>
+            <a:lvl1pPr algn="l">
+              <a:defRPr sz="1200"/>
+            </a:lvl1pPr>
+          </a:lstStyle>
+          <a:p>
+            <a:endParaRPr lang="en-US"/>
+          </a:p>
+        </p:txBody>
+      </p:sp>
+      <p:sp>
+        <p:nvSpPr>
+          <p:cNvPr id="7" name="Slide Number Placeholder 6"/>
+          <p:cNvSpPr>
+            <a:spLocks noGrp="1"/>
+          </p:cNvSpPr>
+          <p:nvPr>
+            <p:ph type="sldNum" sz="quarter" idx="5"/>
+          </p:nvPr>
+        </p:nvSpPr>
+        <p:spPr>
+          <a:xfrm>
+            <a:off x="3884613" y="8685213"/>
+            <a:ext cx="2971800" cy="457200"/>
+          </a:xfrm>
+          <a:prstGeom prst="rect">
+            <a:avLst/>
+          </a:prstGeom>
+        </p:spPr>
+        <p:txBody>
+          <a:bodyPr vert="horz" lIns="91440" tIns="45720" rIns="91440" bIns="45720" rtlCol="0" anchor="b"/>
+          <a:lstStyle>
+            <a:lvl1pPr algn="r">
+              <a:defRPr sz="1200"/>
+            </a:lvl1pPr>
+          </a:lstStyle>
+          <a:p>
+            <a:fld id="{0B5B1B5D-B86B-F14F-9316-9C622C2AD641}" type="slidenum">
+              <a:rPr lang="en-US" smtClean="0"/>
+              <a:t>‹#›</a:t>
+            </a:fld>
+            <a:endParaRPr lang="en-US"/>
+          </a:p>
+        </p:txBody>
+      </p:sp>
+    </p:spTree>
+    <p:extLst>
+      <p:ext uri="{BB962C8B-B14F-4D97-AF65-F5344CB8AC3E}">
+        <p14:creationId xmlns:p14="http://schemas.microsoft.com/office/powerpoint/2010/main" val="2454709022"/>
+      </p:ext>
+    </p:extLst>
+  </p:cSld>
+  <p:clrMap bg1="lt1" tx1="dk1" bg2="lt2" tx2="dk2" accent1="accent1" accent2="accent2" accent3="accent3" accent4="accent4" accent5="accent5" accent6="accent6" hlink="hlink" folHlink="folHlink"/>
+  <p:notesStyle>
+    <a:lvl1pPr marL="0" algn="l" defTabSz="457200" rtl="0" eaLnBrk="1" latinLnBrk="0" hangingPunct="1">
+      <a:defRPr sz="1200" kern="1200">
+        <a:solidFill>
+          <a:schemeClr val="tx1"/>
+        </a:solidFill>
+        <a:latin typeface="+mn-lt"/>
+        <a:ea typeface="+mn-ea"/>
+        <a:cs typeface="+mn-cs"/>
+      </a:defRPr>
+    </a:lvl1pPr>
+    <a:lvl2pPr marL="457200" algn="l" defTabSz="457200" rtl="0" eaLnBrk="1" latinLnBrk="0" hangingPunct="1">
+      <a:defRPr sz="1200" kern="1200">
+        <a:solidFill>
+          <a:schemeClr val="tx1"/>
+        </a:solidFill>
+        <a:latin typeface="+mn-lt"/>
+        <a:ea typeface="+mn-ea"/>
+        <a:cs typeface="+mn-cs"/>
+      </a:defRPr>
+    </a:lvl2pPr>
+    <a:lvl3pPr marL="914400" algn="l" defTabSz="457200" rtl="0" eaLnBrk="1" latinLnBrk="0" hangingPunct="1">
+      <a:defRPr sz="1200" kern="1200">
+        <a:solidFill>
+          <a:schemeClr val="tx1"/>
+        </a:solidFill>
+        <a:latin typeface="+mn-lt"/>
+        <a:ea typeface="+mn-ea"/>
+        <a:cs typeface="+mn-cs"/>
+      </a:defRPr>
+    </a:lvl3pPr>
+    <a:lvl4pPr marL="1371600" algn="l" defTabSz="457200" rtl="0" eaLnBrk="1" latinLnBrk="0" hangingPunct="1">
+      <a:defRPr sz="1200" kern="1200">
+        <a:solidFill>
+          <a:schemeClr val="tx1"/>
+        </a:solidFill>
+        <a:latin typeface="+mn-lt"/>
+        <a:ea typeface="+mn-ea"/>
+        <a:cs typeface="+mn-cs"/>
+      </a:defRPr>
+    </a:lvl4pPr>
+    <a:lvl5pPr marL="1828800" algn="l" defTabSz="457200" rtl="0" eaLnBrk="1" latinLnBrk="0" hangingPunct="1">
+      <a:defRPr sz="1200" kern="1200">
+        <a:solidFill>
+          <a:schemeClr val="tx1"/>
+        </a:solidFill>
+        <a:latin typeface="+mn-lt"/>
+        <a:ea typeface="+mn-ea"/>
+        <a:cs typeface="+mn-cs"/>
+      </a:defRPr>
+    </a:lvl5pPr>
+    <a:lvl6pPr marL="2286000" algn="l" defTabSz="457200" rtl="0" eaLnBrk="1" latinLnBrk="0" hangingPunct="1">
+      <a:defRPr sz="1200" kern="1200">
+        <a:solidFill>
+          <a:schemeClr val="tx1"/>
+        </a:solidFill>
+        <a:latin typeface="+mn-lt"/>
+        <a:ea typeface="+mn-ea"/>
+        <a:cs typeface="+mn-cs"/>
+      </a:defRPr>
+    </a:lvl6pPr>
+    <a:lvl7pPr marL="2743200" algn="l" defTabSz="457200" rtl="0" eaLnBrk="1" latinLnBrk="0" hangingPunct="1">
+      <a:defRPr sz="1200" kern="1200">
+        <a:solidFill>
+          <a:schemeClr val="tx1"/>
+        </a:solidFill>
+        <a:latin typeface="+mn-lt"/>
+        <a:ea typeface="+mn-ea"/>
+        <a:cs typeface="+mn-cs"/>
+      </a:defRPr>
+    </a:lvl7pPr>
+    <a:lvl8pPr marL="3200400" algn="l" defTabSz="457200" rtl="0" eaLnBrk="1" latinLnBrk="0" hangingPunct="1">
+      <a:defRPr sz="1200" kern="1200">
+        <a:solidFill>
+          <a:schemeClr val="tx1"/>
+        </a:solidFill>
+        <a:latin typeface="+mn-lt"/>
+        <a:ea typeface="+mn-ea"/>
+        <a:cs typeface="+mn-cs"/>
+      </a:defRPr>
+    </a:lvl8pPr>
+    <a:lvl9pPr marL="3657600" algn="l" defTabSz="457200" rtl="0" eaLnBrk="1" latinLnBrk="0" hangingPunct="1">
+      <a:defRPr sz="1200" kern="1200">
+        <a:solidFill>
+          <a:schemeClr val="tx1"/>
+        </a:solidFill>
+        <a:latin typeface="+mn-lt"/>
+        <a:ea typeface="+mn-ea"/>
+        <a:cs typeface="+mn-cs"/>
+      </a:defRPr>
+    </a:lvl9pPr>
+  </p:notesStyle>
+</p:notesMaster>
+</file>
+
+<file path=ppt/notesSlides/notesSlide1.xml><?xml version="1.0" encoding="utf-8"?>
+<p:notes xmlns:a="http://schemas.openxmlformats.org/drawingml/2006/main" xmlns:r="http://schemas.openxmlformats.org/officeDocument/2006/relationships" xmlns:p="http://schemas.openxmlformats.org/presentationml/2006/main">
+  <p:cSld>
+    <p:spTree>
+      <p:nvGrpSpPr>
+        <p:cNvPr id="1" name=""/>
+        <p:cNvGrpSpPr/>
+        <p:nvPr/>
+      </p:nvGrpSpPr>
+      <p:grpSpPr>
+        <a:xfrm>
+          <a:off x="0" y="0"/>
+          <a:ext cx="0" cy="0"/>
+          <a:chOff x="0" y="0"/>
+          <a:chExt cx="0" cy="0"/>
+        </a:xfrm>
+      </p:grpSpPr>
+      <p:sp>
+        <p:nvSpPr>
+          <p:cNvPr id="2" name="Slide Image Placeholder 1"/>
+          <p:cNvSpPr>
+            <a:spLocks noGrp="1" noRot="1" noChangeAspect="1"/>
+          </p:cNvSpPr>
+          <p:nvPr>
+            <p:ph type="sldImg"/>
+          </p:nvPr>
+        </p:nvSpPr>
+        <p:spPr/>
+      </p:sp>
+      <p:sp>
+        <p:nvSpPr>
+          <p:cNvPr id="3" name="Notes Placeholder 2"/>
+          <p:cNvSpPr>
+            <a:spLocks noGrp="1"/>
+          </p:cNvSpPr>
+          <p:nvPr>
+            <p:ph type="body" idx="1"/>
+          </p:nvPr>
+        </p:nvSpPr>
+        <p:spPr/>
+        <p:txBody>
+          <a:bodyPr/>
+          <a:lstStyle/>
+          <a:p>
+            <a:endParaRPr lang="en-US" dirty="0" smtClean="0"/>
+          </a:p>
+          <a:p>
+            <a:pPr marL="0" marR="0" indent="0" algn="l" defTabSz="457200" rtl="0" eaLnBrk="1" fontAlgn="auto" latinLnBrk="0" hangingPunct="1">
+              <a:lnSpc>
+                <a:spcPct val="100000"/>
+              </a:lnSpc>
+              <a:spcBef>
+                <a:spcPts val="0"/>
+              </a:spcBef>
+              <a:spcAft>
+                <a:spcPts val="0"/>
+              </a:spcAft>
+              <a:buClrTx/>
+              <a:buSzTx/>
+              <a:buFontTx/>
+              <a:buNone/>
+              <a:tabLst/>
+              <a:defRPr/>
+            </a:pPr>
+            <a:r>
+              <a:rPr lang="en-US" baseline="0" dirty="0" smtClean="0"/>
+              <a:t>Poster work: </a:t>
+            </a:r>
+            <a:r>
+              <a:rPr lang="en-US" baseline="0" dirty="0" smtClean="0"/>
+              <a:t>start with example: screenshot of raw table, then screenshot of summary. First say raw table hard to see. Then point to summary. explain meaning of rule. </a:t>
+            </a:r>
+            <a:r>
+              <a:rPr lang="en-US" baseline="0" smtClean="0"/>
+              <a:t>then rest. </a:t>
+            </a:r>
+            <a:endParaRPr lang="en-US" baseline="0" dirty="0" smtClean="0"/>
+          </a:p>
+          <a:p>
+            <a:endParaRPr lang="en-US" baseline="0" dirty="0" smtClean="0"/>
+          </a:p>
+          <a:p>
+            <a:r>
+              <a:rPr lang="en-US" baseline="0" dirty="0" smtClean="0"/>
+              <a:t>Speech/Story: Say something about algorithms : </a:t>
+            </a:r>
+            <a:r>
+              <a:rPr lang="en-US" baseline="0" dirty="0" err="1" smtClean="0"/>
+              <a:t>submodular</a:t>
+            </a:r>
+            <a:r>
+              <a:rPr lang="en-US" baseline="0" dirty="0" smtClean="0"/>
+              <a:t> – greedy, etc.</a:t>
+            </a:r>
+          </a:p>
+          <a:p>
+            <a:r>
+              <a:rPr lang="en-US" baseline="0" dirty="0" smtClean="0"/>
+              <a:t>Say we have paper on this. </a:t>
+            </a:r>
+          </a:p>
+          <a:p>
+            <a:r>
+              <a:rPr lang="en-US" baseline="0" dirty="0" smtClean="0"/>
+              <a:t>State scoring stuff while showing example on marketing data</a:t>
+            </a:r>
+          </a:p>
+          <a:p>
+            <a:r>
+              <a:rPr lang="en-US" baseline="0" dirty="0" smtClean="0"/>
+              <a:t>Mention and contrast drill-down at start</a:t>
+            </a:r>
+          </a:p>
+          <a:p>
+            <a:r>
+              <a:rPr lang="en-US" baseline="0" dirty="0" smtClean="0"/>
+              <a:t>Clarify that &gt; 10 years is a string, not a range</a:t>
+            </a:r>
+          </a:p>
+          <a:p>
+            <a:r>
+              <a:rPr lang="en-US" baseline="0" dirty="0" smtClean="0"/>
+              <a:t>Have a story (show the big rule for marketing). </a:t>
+            </a:r>
+          </a:p>
+          <a:p>
+            <a:endParaRPr lang="en-US" baseline="0" dirty="0" smtClean="0"/>
+          </a:p>
+          <a:p>
+            <a:r>
+              <a:rPr lang="en-US" baseline="0" dirty="0" smtClean="0"/>
+              <a:t>Interface: line on dataset in interface. put three parameters in same line. </a:t>
+            </a:r>
+          </a:p>
+          <a:p>
+            <a:r>
+              <a:rPr lang="en-US" baseline="0" dirty="0" smtClean="0"/>
+              <a:t>Multiple sections: basics, more options, new dataset</a:t>
+            </a:r>
+          </a:p>
+          <a:p>
+            <a:endParaRPr lang="en-US" baseline="0" dirty="0" smtClean="0"/>
+          </a:p>
+        </p:txBody>
+      </p:sp>
+      <p:sp>
+        <p:nvSpPr>
+          <p:cNvPr id="4" name="Slide Number Placeholder 3"/>
+          <p:cNvSpPr>
+            <a:spLocks noGrp="1"/>
+          </p:cNvSpPr>
+          <p:nvPr>
+            <p:ph type="sldNum" sz="quarter" idx="10"/>
+          </p:nvPr>
+        </p:nvSpPr>
+        <p:spPr/>
+        <p:txBody>
+          <a:bodyPr/>
+          <a:lstStyle/>
+          <a:p>
+            <a:fld id="{0B5B1B5D-B86B-F14F-9316-9C622C2AD641}" type="slidenum">
+              <a:rPr lang="en-US" smtClean="0"/>
+              <a:t>1</a:t>
+            </a:fld>
+            <a:endParaRPr lang="en-US"/>
+          </a:p>
+        </p:txBody>
+      </p:sp>
+    </p:spTree>
+    <p:extLst>
+      <p:ext uri="{BB962C8B-B14F-4D97-AF65-F5344CB8AC3E}">
+        <p14:creationId xmlns:p14="http://schemas.microsoft.com/office/powerpoint/2010/main" val="1263112451"/>
+      </p:ext>
+    </p:extLst>
+  </p:cSld>
+  <p:clrMapOvr>
+    <a:masterClrMapping/>
+  </p:clrMapOvr>
+</p:notes>
 </file>
 
 <file path=ppt/slideLayouts/slideLayout1.xml><?xml version="1.0" encoding="utf-8"?>
@@ -4460,6 +10878,134 @@
       </p:grpSpPr>
       <p:sp>
         <p:nvSpPr>
+          <p:cNvPr id="76" name="Rounded Rectangle 75"/>
+          <p:cNvSpPr/>
+          <p:nvPr/>
+        </p:nvSpPr>
+        <p:spPr>
+          <a:xfrm>
+            <a:off x="1524196" y="29260800"/>
+            <a:ext cx="29876513" cy="6197600"/>
+          </a:xfrm>
+          <a:prstGeom prst="roundRect">
+            <a:avLst/>
+          </a:prstGeom>
+        </p:spPr>
+        <p:style>
+          <a:lnRef idx="2">
+            <a:schemeClr val="accent2"/>
+          </a:lnRef>
+          <a:fillRef idx="1">
+            <a:schemeClr val="lt1"/>
+          </a:fillRef>
+          <a:effectRef idx="0">
+            <a:schemeClr val="accent2"/>
+          </a:effectRef>
+          <a:fontRef idx="minor">
+            <a:schemeClr val="dk1"/>
+          </a:fontRef>
+        </p:style>
+        <p:txBody>
+          <a:bodyPr rtlCol="0" anchor="ctr"/>
+          <a:lstStyle/>
+          <a:p>
+            <a:endParaRPr lang="en-US" sz="5500" b="1" dirty="0" smtClean="0"/>
+          </a:p>
+          <a:p>
+            <a:endParaRPr lang="en-US" sz="5500" b="1" dirty="0" smtClean="0"/>
+          </a:p>
+          <a:p>
+            <a:r>
+              <a:rPr lang="en-US" sz="5500" b="1" dirty="0" smtClean="0"/>
+              <a:t>Rule Finder</a:t>
+            </a:r>
+          </a:p>
+          <a:p>
+            <a:pPr marL="2880360" lvl="1" indent="-685800">
+              <a:buFont typeface="Arial"/>
+              <a:buChar char="•"/>
+            </a:pPr>
+            <a:endParaRPr lang="en-US" sz="4500" dirty="0"/>
+          </a:p>
+          <a:p>
+            <a:pPr marL="2880360" lvl="1" indent="-685800">
+              <a:buFont typeface="Arial"/>
+              <a:buChar char="•"/>
+            </a:pPr>
+            <a:endParaRPr lang="en-US" sz="4500" dirty="0" smtClean="0"/>
+          </a:p>
+          <a:p>
+            <a:pPr marL="2880360" lvl="1" indent="-685800">
+              <a:buFont typeface="Arial"/>
+              <a:buChar char="•"/>
+            </a:pPr>
+            <a:endParaRPr lang="en-US" sz="4500" dirty="0"/>
+          </a:p>
+          <a:p>
+            <a:pPr marL="2880360" lvl="1" indent="-685800">
+              <a:buFont typeface="Arial"/>
+              <a:buChar char="•"/>
+            </a:pPr>
+            <a:endParaRPr lang="en-US" sz="4500" dirty="0" smtClean="0"/>
+          </a:p>
+          <a:p>
+            <a:pPr marL="2880360" lvl="1" indent="-685800">
+              <a:buFont typeface="Arial"/>
+              <a:buChar char="•"/>
+            </a:pPr>
+            <a:endParaRPr lang="en-US" sz="4500" dirty="0"/>
+          </a:p>
+          <a:p>
+            <a:pPr marL="2880360" lvl="1" indent="-685800">
+              <a:buFont typeface="Arial"/>
+              <a:buChar char="•"/>
+            </a:pPr>
+            <a:endParaRPr lang="en-US" sz="4500" dirty="0" smtClean="0"/>
+          </a:p>
+          <a:p>
+            <a:pPr marL="2880360" lvl="1" indent="-685800">
+              <a:buFont typeface="Arial"/>
+              <a:buChar char="•"/>
+            </a:pPr>
+            <a:endParaRPr lang="en-US" sz="4500" dirty="0"/>
+          </a:p>
+          <a:p>
+            <a:pPr marL="2880360" lvl="1" indent="-685800">
+              <a:buFont typeface="Arial"/>
+              <a:buChar char="•"/>
+            </a:pPr>
+            <a:endParaRPr lang="en-US" sz="4500" dirty="0" smtClean="0"/>
+          </a:p>
+          <a:p>
+            <a:pPr lvl="1"/>
+            <a:endParaRPr lang="en-US" sz="4500" dirty="0"/>
+          </a:p>
+        </p:txBody>
+      </p:sp>
+      <p:graphicFrame>
+        <p:nvGraphicFramePr>
+          <p:cNvPr id="69" name="Diagram 68"/>
+          <p:cNvGraphicFramePr/>
+          <p:nvPr>
+            <p:extLst>
+              <p:ext uri="{D42A27DB-BD31-4B8C-83A1-F6EECF244321}">
+                <p14:modId xmlns:p14="http://schemas.microsoft.com/office/powerpoint/2010/main" val="909932110"/>
+              </p:ext>
+            </p:extLst>
+          </p:nvPr>
+        </p:nvGraphicFramePr>
+        <p:xfrm>
+          <a:off x="2286197" y="30480001"/>
+          <a:ext cx="28041403" cy="4978399"/>
+        </p:xfrm>
+        <a:graphic>
+          <a:graphicData uri="http://schemas.openxmlformats.org/drawingml/2006/diagram">
+            <dgm:relIds xmlns:dgm="http://schemas.openxmlformats.org/drawingml/2006/diagram" xmlns:r="http://schemas.openxmlformats.org/officeDocument/2006/relationships" r:dm="rId3" r:lo="rId4" r:qs="rId5" r:cs="rId6"/>
+          </a:graphicData>
+        </a:graphic>
+      </p:graphicFrame>
+      <p:sp>
+        <p:nvSpPr>
           <p:cNvPr id="5" name="Rounded Rectangle 4"/>
           <p:cNvSpPr/>
           <p:nvPr/>
@@ -4521,7 +11067,7 @@
             <a:pPr algn="ctr"/>
             <a:r>
               <a:rPr lang="en-US" sz="4500" dirty="0" smtClean="0">
-                <a:hlinkClick r:id="rId2"/>
+                <a:hlinkClick r:id="rId8"/>
               </a:rPr>
               <a:t>manasrj@stanford.edu</a:t>
             </a:r>
@@ -4531,7 +11077,7 @@
             </a:r>
             <a:r>
               <a:rPr lang="en-US" sz="4500" dirty="0" smtClean="0">
-                <a:hlinkClick r:id="rId3"/>
+                <a:hlinkClick r:id="rId9"/>
               </a:rPr>
               <a:t>hector@cs.stanford.edu</a:t>
             </a:r>
@@ -4800,8 +11346,8 @@
         </p:nvSpPr>
         <p:spPr>
           <a:xfrm>
-            <a:off x="1524197" y="18918469"/>
-            <a:ext cx="29927313" cy="11663130"/>
+            <a:off x="1524196" y="17901309"/>
+            <a:ext cx="29876513" cy="10191091"/>
           </a:xfrm>
           <a:prstGeom prst="roundRect">
             <a:avLst/>
@@ -4827,117 +11373,14 @@
           <a:p>
             <a:r>
               <a:rPr lang="en-US" sz="5500" b="1" dirty="0" smtClean="0"/>
-              <a:t>Technical Challenges</a:t>
-            </a:r>
-          </a:p>
-          <a:p>
-            <a:pPr lvl="1"/>
-            <a:r>
-              <a:rPr lang="en-US" sz="5000" b="1" dirty="0" smtClean="0"/>
-              <a:t>Rule Finding</a:t>
-            </a:r>
-          </a:p>
-          <a:p>
-            <a:pPr marL="2880360" lvl="1" indent="-685800">
-              <a:buFont typeface="Arial"/>
-              <a:buChar char="•"/>
-            </a:pPr>
-            <a:r>
-              <a:rPr lang="en-US" sz="4500" dirty="0" smtClean="0"/>
-              <a:t>Exact Optimization NP-Hard</a:t>
-            </a:r>
-            <a:endParaRPr lang="en-US" sz="4500" dirty="0" smtClean="0"/>
-          </a:p>
-          <a:p>
-            <a:pPr marL="2880360" lvl="1" indent="-685800">
-              <a:buFont typeface="Arial"/>
-              <a:buChar char="•"/>
-            </a:pPr>
-            <a:r>
-              <a:rPr lang="en-US" sz="4500" dirty="0"/>
-              <a:t>Score is </a:t>
-            </a:r>
-            <a:r>
-              <a:rPr lang="en-US" sz="4500" dirty="0" err="1"/>
-              <a:t>submodular</a:t>
-            </a:r>
-            <a:r>
-              <a:rPr lang="en-US" sz="4500" dirty="0"/>
-              <a:t> as long as </a:t>
-            </a:r>
-            <a:r>
-              <a:rPr lang="en-US" sz="4500" dirty="0" smtClean="0"/>
-              <a:t>weighting </a:t>
-            </a:r>
-            <a:r>
-              <a:rPr lang="en-US" sz="4500" dirty="0"/>
-              <a:t>function if monotone</a:t>
-            </a:r>
-          </a:p>
-          <a:p>
-            <a:pPr marL="2880360" lvl="1" indent="-685800">
-              <a:buFont typeface="Arial"/>
-              <a:buChar char="•"/>
-            </a:pPr>
-            <a:r>
-              <a:rPr lang="en-US" sz="4500" dirty="0" smtClean="0"/>
-              <a:t>Greedy Approximation algorithm</a:t>
-            </a:r>
-          </a:p>
-          <a:p>
-            <a:pPr marL="2880360" lvl="1" indent="-685800">
-              <a:buFont typeface="Arial"/>
-              <a:buChar char="•"/>
-            </a:pPr>
-            <a:r>
-              <a:rPr lang="en-US" sz="4500" dirty="0" smtClean="0"/>
-              <a:t>A-priori like algorithm for each step of Greedy Algorithm</a:t>
-            </a:r>
-          </a:p>
-          <a:p>
-            <a:pPr lvl="1"/>
-            <a:r>
-              <a:rPr lang="en-US" sz="5000" b="1" dirty="0" smtClean="0"/>
-              <a:t>Sampling</a:t>
-            </a:r>
-          </a:p>
-          <a:p>
-            <a:pPr marL="2880360" lvl="1" indent="-685800">
-              <a:buFont typeface="Arial"/>
-              <a:buChar char="•"/>
-            </a:pPr>
-            <a:r>
-              <a:rPr lang="en-US" sz="4500" dirty="0" smtClean="0"/>
-              <a:t>Using samples to speed up processing. When user clicks on a rule, we create sample for that rule on the fly, using existing samples in memory, or the hard disk. </a:t>
-            </a:r>
-          </a:p>
-          <a:p>
-            <a:pPr marL="2880360" lvl="1" indent="-685800">
-              <a:buFont typeface="Arial"/>
-              <a:buChar char="•"/>
-            </a:pPr>
-            <a:r>
-              <a:rPr lang="en-US" sz="4500" dirty="0" smtClean="0"/>
-              <a:t>Store optimal samples </a:t>
-            </a:r>
-            <a:r>
-              <a:rPr lang="en-US" sz="4500" smtClean="0"/>
-              <a:t>to avoid </a:t>
-            </a:r>
-            <a:r>
-              <a:rPr lang="en-US" sz="4500" dirty="0" smtClean="0"/>
-              <a:t>hard disk access. </a:t>
-            </a:r>
-          </a:p>
-          <a:p>
-            <a:pPr marL="2880360" lvl="1" indent="-685800">
-              <a:buFont typeface="Arial"/>
-              <a:buChar char="•"/>
-            </a:pPr>
-            <a:r>
-              <a:rPr lang="en-US" sz="4500" dirty="0" smtClean="0"/>
-              <a:t>Finding best samples is NP-Hard; we use a Dynamic Programming Based Approximation. </a:t>
-            </a:r>
+              <a:t>System Architecture</a:t>
+            </a:r>
+          </a:p>
+          <a:p>
+            <a:endParaRPr lang="en-US" sz="5500" b="1" dirty="0"/>
+          </a:p>
+          <a:p>
+            <a:endParaRPr lang="en-US" sz="5500" b="1" dirty="0" smtClean="0"/>
           </a:p>
           <a:p>
             <a:pPr marL="2880360" lvl="1" indent="-685800">
@@ -4946,18 +11389,217 @@
             </a:pPr>
             <a:endParaRPr lang="en-US" sz="4500" dirty="0"/>
           </a:p>
+          <a:p>
+            <a:pPr marL="2880360" lvl="1" indent="-685800">
+              <a:buFont typeface="Arial"/>
+              <a:buChar char="•"/>
+            </a:pPr>
+            <a:endParaRPr lang="en-US" sz="4500" dirty="0" smtClean="0"/>
+          </a:p>
+          <a:p>
+            <a:pPr marL="2880360" lvl="1" indent="-685800">
+              <a:buFont typeface="Arial"/>
+              <a:buChar char="•"/>
+            </a:pPr>
+            <a:endParaRPr lang="en-US" sz="4500" dirty="0"/>
+          </a:p>
+          <a:p>
+            <a:pPr marL="2880360" lvl="1" indent="-685800">
+              <a:buFont typeface="Arial"/>
+              <a:buChar char="•"/>
+            </a:pPr>
+            <a:endParaRPr lang="en-US" sz="4500" dirty="0" smtClean="0"/>
+          </a:p>
+          <a:p>
+            <a:pPr marL="2880360" lvl="1" indent="-685800">
+              <a:buFont typeface="Arial"/>
+              <a:buChar char="•"/>
+            </a:pPr>
+            <a:endParaRPr lang="en-US" sz="4500" dirty="0"/>
+          </a:p>
+          <a:p>
+            <a:pPr marL="2880360" lvl="1" indent="-685800">
+              <a:buFont typeface="Arial"/>
+              <a:buChar char="•"/>
+            </a:pPr>
+            <a:endParaRPr lang="en-US" sz="4500" dirty="0" smtClean="0"/>
+          </a:p>
+          <a:p>
+            <a:pPr marL="2880360" lvl="1" indent="-685800">
+              <a:buFont typeface="Arial"/>
+              <a:buChar char="•"/>
+            </a:pPr>
+            <a:endParaRPr lang="en-US" sz="4500" dirty="0"/>
+          </a:p>
+          <a:p>
+            <a:pPr marL="2880360" lvl="1" indent="-685800">
+              <a:buFont typeface="Arial"/>
+              <a:buChar char="•"/>
+            </a:pPr>
+            <a:endParaRPr lang="en-US" sz="4500" dirty="0" smtClean="0"/>
+          </a:p>
+          <a:p>
+            <a:pPr lvl="1"/>
+            <a:endParaRPr lang="en-US" sz="4500" dirty="0"/>
+          </a:p>
         </p:txBody>
       </p:sp>
+      <p:pic>
+        <p:nvPicPr>
+          <p:cNvPr id="67" name="Picture 66" descr="arch.pdf"/>
+          <p:cNvPicPr>
+            <a:picLocks noChangeAspect="1"/>
+          </p:cNvPicPr>
+          <p:nvPr/>
+        </p:nvPicPr>
+        <p:blipFill>
+          <a:blip r:embed="rId10">
+            <a:extLst>
+              <a:ext uri="{28A0092B-C50C-407E-A947-70E740481C1C}">
+                <a14:useLocalDpi xmlns:a14="http://schemas.microsoft.com/office/drawing/2010/main" val="0"/>
+              </a:ext>
+            </a:extLst>
+          </a:blip>
+          <a:stretch>
+            <a:fillRect/>
+          </a:stretch>
+        </p:blipFill>
+        <p:spPr>
+          <a:xfrm>
+            <a:off x="2641796" y="20390509"/>
+            <a:ext cx="20993775" cy="6889092"/>
+          </a:xfrm>
+          <a:prstGeom prst="rect">
+            <a:avLst/>
+          </a:prstGeom>
+        </p:spPr>
+      </p:pic>
+      <p:grpSp>
+        <p:nvGrpSpPr>
+          <p:cNvPr id="73" name="Group 72"/>
+          <p:cNvGrpSpPr/>
+          <p:nvPr/>
+        </p:nvGrpSpPr>
+        <p:grpSpPr>
+          <a:xfrm>
+            <a:off x="15546655" y="31220723"/>
+            <a:ext cx="1177399" cy="1377334"/>
+            <a:chOff x="13830479" y="1800532"/>
+            <a:chExt cx="1177399" cy="1377334"/>
+          </a:xfrm>
+        </p:grpSpPr>
+        <p:sp>
+          <p:nvSpPr>
+            <p:cNvPr id="74" name="Right Arrow 73"/>
+            <p:cNvSpPr/>
+            <p:nvPr/>
+          </p:nvSpPr>
+          <p:spPr>
+            <a:xfrm rot="10800000">
+              <a:off x="13830479" y="1800532"/>
+              <a:ext cx="1177399" cy="1377334"/>
+            </a:xfrm>
+            <a:prstGeom prst="rightArrow">
+              <a:avLst>
+                <a:gd name="adj1" fmla="val 60000"/>
+                <a:gd name="adj2" fmla="val 50000"/>
+              </a:avLst>
+            </a:prstGeom>
+          </p:spPr>
+          <p:style>
+            <a:lnRef idx="0">
+              <a:schemeClr val="accent1">
+                <a:tint val="60000"/>
+                <a:hueOff val="0"/>
+                <a:satOff val="0"/>
+                <a:lumOff val="0"/>
+                <a:alphaOff val="0"/>
+              </a:schemeClr>
+            </a:lnRef>
+            <a:fillRef idx="3">
+              <a:schemeClr val="accent1">
+                <a:tint val="60000"/>
+                <a:hueOff val="0"/>
+                <a:satOff val="0"/>
+                <a:lumOff val="0"/>
+                <a:alphaOff val="0"/>
+              </a:schemeClr>
+            </a:fillRef>
+            <a:effectRef idx="3">
+              <a:schemeClr val="accent1">
+                <a:tint val="60000"/>
+                <a:hueOff val="0"/>
+                <a:satOff val="0"/>
+                <a:lumOff val="0"/>
+                <a:alphaOff val="0"/>
+              </a:schemeClr>
+            </a:effectRef>
+            <a:fontRef idx="minor">
+              <a:schemeClr val="lt1"/>
+            </a:fontRef>
+          </p:style>
+        </p:sp>
+        <p:sp>
+          <p:nvSpPr>
+            <p:cNvPr id="75" name="Right Arrow 4"/>
+            <p:cNvSpPr/>
+            <p:nvPr/>
+          </p:nvSpPr>
+          <p:spPr>
+            <a:xfrm rot="21600000">
+              <a:off x="14183699" y="2075999"/>
+              <a:ext cx="824179" cy="826400"/>
+            </a:xfrm>
+            <a:prstGeom prst="rect">
+              <a:avLst/>
+            </a:prstGeom>
+          </p:spPr>
+          <p:style>
+            <a:lnRef idx="0">
+              <a:scrgbClr r="0" g="0" b="0"/>
+            </a:lnRef>
+            <a:fillRef idx="0">
+              <a:scrgbClr r="0" g="0" b="0"/>
+            </a:fillRef>
+            <a:effectRef idx="0">
+              <a:scrgbClr r="0" g="0" b="0"/>
+            </a:effectRef>
+            <a:fontRef idx="minor">
+              <a:schemeClr val="lt1"/>
+            </a:fontRef>
+          </p:style>
+          <p:txBody>
+            <a:bodyPr spcFirstLastPara="0" vert="horz" wrap="square" lIns="0" tIns="0" rIns="0" bIns="0" numCol="1" spcCol="1270" anchor="ctr" anchorCtr="0">
+              <a:noAutofit/>
+            </a:bodyPr>
+            <a:lstStyle/>
+            <a:p>
+              <a:pPr lvl="0" algn="ctr" defTabSz="1778000">
+                <a:lnSpc>
+                  <a:spcPct val="90000"/>
+                </a:lnSpc>
+                <a:spcBef>
+                  <a:spcPct val="0"/>
+                </a:spcBef>
+                <a:spcAft>
+                  <a:spcPct val="35000"/>
+                </a:spcAft>
+              </a:pPr>
+              <a:endParaRPr lang="en-US" sz="4000" kern="1200"/>
+            </a:p>
+          </p:txBody>
+        </p:sp>
+      </p:grpSp>
       <p:sp>
         <p:nvSpPr>
-          <p:cNvPr id="9" name="Rounded Rectangle 8"/>
+          <p:cNvPr id="77" name="Rounded Rectangle 76"/>
           <p:cNvSpPr/>
           <p:nvPr/>
         </p:nvSpPr>
         <p:spPr>
           <a:xfrm>
-            <a:off x="1473396" y="31712990"/>
-            <a:ext cx="29927313" cy="9695979"/>
+            <a:off x="1524196" y="36474400"/>
+            <a:ext cx="29876513" cy="6197600"/>
           </a:xfrm>
           <a:prstGeom prst="roundRect">
             <a:avLst/>
@@ -4981,9 +11623,15 @@
           <a:bodyPr rtlCol="0" anchor="ctr"/>
           <a:lstStyle/>
           <a:p>
+            <a:endParaRPr lang="en-US" sz="5500" b="1" dirty="0" smtClean="0"/>
+          </a:p>
+          <a:p>
+            <a:endParaRPr lang="en-US" sz="5500" b="1" dirty="0" smtClean="0"/>
+          </a:p>
+          <a:p>
             <a:r>
               <a:rPr lang="en-US" sz="5500" b="1" dirty="0" smtClean="0"/>
-              <a:t>Comparison to Existing work</a:t>
+              <a:t>Sample Handler</a:t>
             </a:r>
           </a:p>
           <a:p>
@@ -4991,93 +11639,85 @@
               <a:buFont typeface="Arial"/>
               <a:buChar char="•"/>
             </a:pPr>
-            <a:r>
-              <a:rPr lang="en-US" sz="4500" dirty="0" smtClean="0"/>
-              <a:t> Pattern Mining </a:t>
-            </a:r>
-          </a:p>
-          <a:p>
-            <a:pPr marL="5074920" lvl="2" indent="-685800">
-              <a:buFont typeface="Arial"/>
-              <a:buChar char="•"/>
-            </a:pPr>
-            <a:r>
-              <a:rPr lang="en-US" sz="4500" dirty="0" smtClean="0"/>
-              <a:t>Fast and Tunable</a:t>
-            </a:r>
-          </a:p>
-          <a:p>
-            <a:pPr marL="5074920" lvl="2" indent="-685800">
-              <a:buFont typeface="Arial"/>
-              <a:buChar char="•"/>
-            </a:pPr>
-            <a:r>
-              <a:rPr lang="en-US" sz="4500" dirty="0" smtClean="0"/>
-              <a:t>Works on Structured Data</a:t>
-            </a:r>
-          </a:p>
-          <a:p>
-            <a:pPr marL="5074920" lvl="2" indent="-685800">
-              <a:buFont typeface="Arial"/>
-              <a:buChar char="•"/>
-            </a:pPr>
-            <a:r>
-              <a:rPr lang="en-US" sz="4500" dirty="0" smtClean="0"/>
-              <a:t>Theoretical Approximation Guarantees. </a:t>
-            </a:r>
+            <a:endParaRPr lang="en-US" sz="4500" dirty="0"/>
           </a:p>
           <a:p>
             <a:pPr marL="2880360" lvl="1" indent="-685800">
               <a:buFont typeface="Arial"/>
               <a:buChar char="•"/>
             </a:pPr>
-            <a:r>
-              <a:rPr lang="en-US" sz="4500" dirty="0" smtClean="0"/>
-              <a:t>Max entropy based approaches : Emphasizes High Coverage of Table using Minimum Space.  </a:t>
-            </a:r>
+            <a:endParaRPr lang="en-US" sz="4500" dirty="0" smtClean="0"/>
           </a:p>
           <a:p>
             <a:pPr marL="2880360" lvl="1" indent="-685800">
               <a:buFont typeface="Arial"/>
               <a:buChar char="•"/>
             </a:pPr>
-            <a:r>
-              <a:rPr lang="en-US" sz="4500" dirty="0" smtClean="0"/>
-              <a:t>Regular Drill-Down</a:t>
-            </a:r>
-          </a:p>
-          <a:p>
-            <a:pPr marL="5074920" lvl="2" indent="-685800">
+            <a:endParaRPr lang="en-US" sz="4500" dirty="0"/>
+          </a:p>
+          <a:p>
+            <a:pPr marL="2880360" lvl="1" indent="-685800">
               <a:buFont typeface="Arial"/>
               <a:buChar char="•"/>
             </a:pPr>
-            <a:r>
-              <a:rPr lang="en-US" sz="4500" dirty="0" smtClean="0"/>
-              <a:t>Requires no pre-computation </a:t>
-            </a:r>
-          </a:p>
-          <a:p>
-            <a:pPr marL="5074920" lvl="2" indent="-685800">
+            <a:endParaRPr lang="en-US" sz="4500" dirty="0" smtClean="0"/>
+          </a:p>
+          <a:p>
+            <a:pPr marL="2880360" lvl="1" indent="-685800">
               <a:buFont typeface="Arial"/>
               <a:buChar char="•"/>
             </a:pPr>
-            <a:r>
-              <a:rPr lang="en-US" sz="4500" dirty="0" smtClean="0"/>
-              <a:t>Shows only most interesting results </a:t>
-            </a:r>
-          </a:p>
-          <a:p>
-            <a:pPr marL="5074920" lvl="2" indent="-685800">
+            <a:endParaRPr lang="en-US" sz="4500" dirty="0"/>
+          </a:p>
+          <a:p>
+            <a:pPr marL="2880360" lvl="1" indent="-685800">
               <a:buFont typeface="Arial"/>
               <a:buChar char="•"/>
             </a:pPr>
-            <a:r>
-              <a:rPr lang="en-US" sz="4500" dirty="0" smtClean="0"/>
-              <a:t>Instantiates multiple columns at once without requiring user to guess the columns. </a:t>
-            </a:r>
+            <a:endParaRPr lang="en-US" sz="4500" dirty="0" smtClean="0"/>
+          </a:p>
+          <a:p>
+            <a:pPr marL="2880360" lvl="1" indent="-685800">
+              <a:buFont typeface="Arial"/>
+              <a:buChar char="•"/>
+            </a:pPr>
+            <a:endParaRPr lang="en-US" sz="4500" dirty="0"/>
+          </a:p>
+          <a:p>
+            <a:pPr marL="2880360" lvl="1" indent="-685800">
+              <a:buFont typeface="Arial"/>
+              <a:buChar char="•"/>
+            </a:pPr>
+            <a:endParaRPr lang="en-US" sz="4500" dirty="0" smtClean="0"/>
+          </a:p>
+          <a:p>
+            <a:pPr lvl="1"/>
+            <a:endParaRPr lang="en-US" sz="4500" dirty="0"/>
           </a:p>
         </p:txBody>
       </p:sp>
+      <p:graphicFrame>
+        <p:nvGraphicFramePr>
+          <p:cNvPr id="78" name="Diagram 77"/>
+          <p:cNvGraphicFramePr/>
+          <p:nvPr>
+            <p:extLst>
+              <p:ext uri="{D42A27DB-BD31-4B8C-83A1-F6EECF244321}">
+                <p14:modId xmlns:p14="http://schemas.microsoft.com/office/powerpoint/2010/main" val="601522408"/>
+              </p:ext>
+            </p:extLst>
+          </p:nvPr>
+        </p:nvGraphicFramePr>
+        <p:xfrm>
+          <a:off x="2286197" y="36474400"/>
+          <a:ext cx="28758913" cy="6756400"/>
+        </p:xfrm>
+        <a:graphic>
+          <a:graphicData uri="http://schemas.openxmlformats.org/drawingml/2006/diagram">
+            <dgm:relIds xmlns:dgm="http://schemas.openxmlformats.org/drawingml/2006/diagram" xmlns:r="http://schemas.openxmlformats.org/officeDocument/2006/relationships" r:dm="rId11" r:lo="rId12" r:qs="rId13" r:cs="rId14"/>
+          </a:graphicData>
+        </a:graphic>
+      </p:graphicFrame>
     </p:spTree>
     <p:extLst>
       <p:ext uri="{BB962C8B-B14F-4D97-AF65-F5344CB8AC3E}">
@@ -5398,4 +12038,324 @@
   <a:objectDefaults/>
   <a:extraClrSchemeLst/>
 </a:theme>
+</file>
+
+<file path=ppt/theme/theme2.xml><?xml version="1.0" encoding="utf-8"?>
+<a:theme xmlns:a="http://schemas.openxmlformats.org/drawingml/2006/main" name="Office Theme">
+  <a:themeElements>
+    <a:clrScheme name="Office">
+      <a:dk1>
+        <a:sysClr val="windowText" lastClr="000000"/>
+      </a:dk1>
+      <a:lt1>
+        <a:sysClr val="window" lastClr="FFFFFF"/>
+      </a:lt1>
+      <a:dk2>
+        <a:srgbClr val="1F497D"/>
+      </a:dk2>
+      <a:lt2>
+        <a:srgbClr val="EEECE1"/>
+      </a:lt2>
+      <a:accent1>
+        <a:srgbClr val="4F81BD"/>
+      </a:accent1>
+      <a:accent2>
+        <a:srgbClr val="C0504D"/>
+      </a:accent2>
+      <a:accent3>
+        <a:srgbClr val="9BBB59"/>
+      </a:accent3>
+      <a:accent4>
+        <a:srgbClr val="8064A2"/>
+      </a:accent4>
+      <a:accent5>
+        <a:srgbClr val="4BACC6"/>
+      </a:accent5>
+      <a:accent6>
+        <a:srgbClr val="F79646"/>
+      </a:accent6>
+      <a:hlink>
+        <a:srgbClr val="0000FF"/>
+      </a:hlink>
+      <a:folHlink>
+        <a:srgbClr val="800080"/>
+      </a:folHlink>
+    </a:clrScheme>
+    <a:fontScheme name="Office">
+      <a:majorFont>
+        <a:latin typeface="Calibri"/>
+        <a:ea typeface=""/>
+        <a:cs typeface=""/>
+        <a:font script="Jpan" typeface="ＭＳ Ｐゴシック"/>
+        <a:font script="Hang" typeface="맑은 고딕"/>
+        <a:font script="Hans" typeface="宋体"/>
+        <a:font script="Hant" typeface="新細明體"/>
+        <a:font script="Arab" typeface="Times New Roman"/>
+        <a:font script="Hebr" typeface="Times New Roman"/>
+        <a:font script="Thai" typeface="Angsana New"/>
+        <a:font script="Ethi" typeface="Nyala"/>
+        <a:font script="Beng" typeface="Vrinda"/>
+        <a:font script="Gujr" typeface="Shruti"/>
+        <a:font script="Khmr" typeface="MoolBoran"/>
+        <a:font script="Knda" typeface="Tunga"/>
+        <a:font script="Guru" typeface="Raavi"/>
+        <a:font script="Cans" typeface="Euphemia"/>
+        <a:font script="Cher" typeface="Plantagenet Cherokee"/>
+        <a:font script="Yiii" typeface="Microsoft Yi Baiti"/>
+        <a:font script="Tibt" typeface="Microsoft Himalaya"/>
+        <a:font script="Thaa" typeface="MV Boli"/>
+        <a:font script="Deva" typeface="Mangal"/>
+        <a:font script="Telu" typeface="Gautami"/>
+        <a:font script="Taml" typeface="Latha"/>
+        <a:font script="Syrc" typeface="Estrangelo Edessa"/>
+        <a:font script="Orya" typeface="Kalinga"/>
+        <a:font script="Mlym" typeface="Kartika"/>
+        <a:font script="Laoo" typeface="DokChampa"/>
+        <a:font script="Sinh" typeface="Iskoola Pota"/>
+        <a:font script="Mong" typeface="Mongolian Baiti"/>
+        <a:font script="Viet" typeface="Times New Roman"/>
+        <a:font script="Uigh" typeface="Microsoft Uighur"/>
+        <a:font script="Geor" typeface="Sylfaen"/>
+      </a:majorFont>
+      <a:minorFont>
+        <a:latin typeface="Calibri"/>
+        <a:ea typeface=""/>
+        <a:cs typeface=""/>
+        <a:font script="Jpan" typeface="ＭＳ Ｐゴシック"/>
+        <a:font script="Hang" typeface="맑은 고딕"/>
+        <a:font script="Hans" typeface="宋体"/>
+        <a:font script="Hant" typeface="新細明體"/>
+        <a:font script="Arab" typeface="Arial"/>
+        <a:font script="Hebr" typeface="Arial"/>
+        <a:font script="Thai" typeface="Cordia New"/>
+        <a:font script="Ethi" typeface="Nyala"/>
+        <a:font script="Beng" typeface="Vrinda"/>
+        <a:font script="Gujr" typeface="Shruti"/>
+        <a:font script="Khmr" typeface="DaunPenh"/>
+        <a:font script="Knda" typeface="Tunga"/>
+        <a:font script="Guru" typeface="Raavi"/>
+        <a:font script="Cans" typeface="Euphemia"/>
+        <a:font script="Cher" typeface="Plantagenet Cherokee"/>
+        <a:font script="Yiii" typeface="Microsoft Yi Baiti"/>
+        <a:font script="Tibt" typeface="Microsoft Himalaya"/>
+        <a:font script="Thaa" typeface="MV Boli"/>
+        <a:font script="Deva" typeface="Mangal"/>
+        <a:font script="Telu" typeface="Gautami"/>
+        <a:font script="Taml" typeface="Latha"/>
+        <a:font script="Syrc" typeface="Estrangelo Edessa"/>
+        <a:font script="Orya" typeface="Kalinga"/>
+        <a:font script="Mlym" typeface="Kartika"/>
+        <a:font script="Laoo" typeface="DokChampa"/>
+        <a:font script="Sinh" typeface="Iskoola Pota"/>
+        <a:font script="Mong" typeface="Mongolian Baiti"/>
+        <a:font script="Viet" typeface="Arial"/>
+        <a:font script="Uigh" typeface="Microsoft Uighur"/>
+        <a:font script="Geor" typeface="Sylfaen"/>
+      </a:minorFont>
+    </a:fontScheme>
+    <a:fmtScheme name="Office">
+      <a:fillStyleLst>
+        <a:solidFill>
+          <a:schemeClr val="phClr"/>
+        </a:solidFill>
+        <a:gradFill rotWithShape="1">
+          <a:gsLst>
+            <a:gs pos="0">
+              <a:schemeClr val="phClr">
+                <a:tint val="50000"/>
+                <a:satMod val="300000"/>
+              </a:schemeClr>
+            </a:gs>
+            <a:gs pos="35000">
+              <a:schemeClr val="phClr">
+                <a:tint val="37000"/>
+                <a:satMod val="300000"/>
+              </a:schemeClr>
+            </a:gs>
+            <a:gs pos="100000">
+              <a:schemeClr val="phClr">
+                <a:tint val="15000"/>
+                <a:satMod val="350000"/>
+              </a:schemeClr>
+            </a:gs>
+          </a:gsLst>
+          <a:lin ang="16200000" scaled="1"/>
+        </a:gradFill>
+        <a:gradFill rotWithShape="1">
+          <a:gsLst>
+            <a:gs pos="0">
+              <a:schemeClr val="phClr">
+                <a:tint val="100000"/>
+                <a:shade val="100000"/>
+                <a:satMod val="130000"/>
+              </a:schemeClr>
+            </a:gs>
+            <a:gs pos="100000">
+              <a:schemeClr val="phClr">
+                <a:tint val="50000"/>
+                <a:shade val="100000"/>
+                <a:satMod val="350000"/>
+              </a:schemeClr>
+            </a:gs>
+          </a:gsLst>
+          <a:lin ang="16200000" scaled="0"/>
+        </a:gradFill>
+      </a:fillStyleLst>
+      <a:lnStyleLst>
+        <a:ln w="9525" cap="flat" cmpd="sng" algn="ctr">
+          <a:solidFill>
+            <a:schemeClr val="phClr">
+              <a:shade val="95000"/>
+              <a:satMod val="105000"/>
+            </a:schemeClr>
+          </a:solidFill>
+          <a:prstDash val="solid"/>
+        </a:ln>
+        <a:ln w="25400" cap="flat" cmpd="sng" algn="ctr">
+          <a:solidFill>
+            <a:schemeClr val="phClr"/>
+          </a:solidFill>
+          <a:prstDash val="solid"/>
+        </a:ln>
+        <a:ln w="38100" cap="flat" cmpd="sng" algn="ctr">
+          <a:solidFill>
+            <a:schemeClr val="phClr"/>
+          </a:solidFill>
+          <a:prstDash val="solid"/>
+        </a:ln>
+      </a:lnStyleLst>
+      <a:effectStyleLst>
+        <a:effectStyle>
+          <a:effectLst>
+            <a:outerShdw blurRad="40000" dist="20000" dir="5400000" rotWithShape="0">
+              <a:srgbClr val="000000">
+                <a:alpha val="38000"/>
+              </a:srgbClr>
+            </a:outerShdw>
+          </a:effectLst>
+        </a:effectStyle>
+        <a:effectStyle>
+          <a:effectLst>
+            <a:outerShdw blurRad="40000" dist="23000" dir="5400000" rotWithShape="0">
+              <a:srgbClr val="000000">
+                <a:alpha val="35000"/>
+              </a:srgbClr>
+            </a:outerShdw>
+          </a:effectLst>
+        </a:effectStyle>
+        <a:effectStyle>
+          <a:effectLst>
+            <a:outerShdw blurRad="40000" dist="23000" dir="5400000" rotWithShape="0">
+              <a:srgbClr val="000000">
+                <a:alpha val="35000"/>
+              </a:srgbClr>
+            </a:outerShdw>
+          </a:effectLst>
+          <a:scene3d>
+            <a:camera prst="orthographicFront">
+              <a:rot lat="0" lon="0" rev="0"/>
+            </a:camera>
+            <a:lightRig rig="threePt" dir="t">
+              <a:rot lat="0" lon="0" rev="1200000"/>
+            </a:lightRig>
+          </a:scene3d>
+          <a:sp3d>
+            <a:bevelT w="63500" h="25400"/>
+          </a:sp3d>
+        </a:effectStyle>
+      </a:effectStyleLst>
+      <a:bgFillStyleLst>
+        <a:solidFill>
+          <a:schemeClr val="phClr"/>
+        </a:solidFill>
+        <a:gradFill rotWithShape="1">
+          <a:gsLst>
+            <a:gs pos="0">
+              <a:schemeClr val="phClr">
+                <a:tint val="40000"/>
+                <a:satMod val="350000"/>
+              </a:schemeClr>
+            </a:gs>
+            <a:gs pos="40000">
+              <a:schemeClr val="phClr">
+                <a:tint val="45000"/>
+                <a:shade val="99000"/>
+                <a:satMod val="350000"/>
+              </a:schemeClr>
+            </a:gs>
+            <a:gs pos="100000">
+              <a:schemeClr val="phClr">
+                <a:shade val="20000"/>
+                <a:satMod val="255000"/>
+              </a:schemeClr>
+            </a:gs>
+          </a:gsLst>
+          <a:path path="circle">
+            <a:fillToRect l="50000" t="-80000" r="50000" b="180000"/>
+          </a:path>
+        </a:gradFill>
+        <a:gradFill rotWithShape="1">
+          <a:gsLst>
+            <a:gs pos="0">
+              <a:schemeClr val="phClr">
+                <a:tint val="80000"/>
+                <a:satMod val="300000"/>
+              </a:schemeClr>
+            </a:gs>
+            <a:gs pos="100000">
+              <a:schemeClr val="phClr">
+                <a:shade val="30000"/>
+                <a:satMod val="200000"/>
+              </a:schemeClr>
+            </a:gs>
+          </a:gsLst>
+          <a:path path="circle">
+            <a:fillToRect l="50000" t="50000" r="50000" b="50000"/>
+          </a:path>
+        </a:gradFill>
+      </a:bgFillStyleLst>
+    </a:fmtScheme>
+  </a:themeElements>
+  <a:objectDefaults>
+    <a:spDef>
+      <a:spPr/>
+      <a:bodyPr/>
+      <a:lstStyle/>
+      <a:style>
+        <a:lnRef idx="1">
+          <a:schemeClr val="accent1"/>
+        </a:lnRef>
+        <a:fillRef idx="3">
+          <a:schemeClr val="accent1"/>
+        </a:fillRef>
+        <a:effectRef idx="2">
+          <a:schemeClr val="accent1"/>
+        </a:effectRef>
+        <a:fontRef idx="minor">
+          <a:schemeClr val="lt1"/>
+        </a:fontRef>
+      </a:style>
+    </a:spDef>
+    <a:lnDef>
+      <a:spPr/>
+      <a:bodyPr/>
+      <a:lstStyle/>
+      <a:style>
+        <a:lnRef idx="2">
+          <a:schemeClr val="accent1"/>
+        </a:lnRef>
+        <a:fillRef idx="0">
+          <a:schemeClr val="accent1"/>
+        </a:fillRef>
+        <a:effectRef idx="1">
+          <a:schemeClr val="accent1"/>
+        </a:effectRef>
+        <a:fontRef idx="minor">
+          <a:schemeClr val="tx1"/>
+        </a:fontRef>
+      </a:style>
+    </a:lnDef>
+  </a:objectDefaults>
+  <a:extraClrSchemeLst/>
+</a:theme>
 </file>
--- a/DemoPaper/Poster/DemoPoster.pptx
+++ b/DemoPaper/Poster/DemoPoster.pptx
@@ -1769,7 +1769,7 @@
       <dgm:spPr/>
     </dgm:pt>
     <dgm:pt modelId="{AD317480-EB17-5C44-9E7B-D1BFA2ADE1DC}" type="pres">
-      <dgm:prSet presAssocID="{04DCF5E6-A340-F540-9670-36A87D3D9E5D}" presName="node" presStyleLbl="node1" presStyleIdx="0" presStyleCnt="4">
+      <dgm:prSet presAssocID="{04DCF5E6-A340-F540-9670-36A87D3D9E5D}" presName="node" presStyleLbl="node1" presStyleIdx="0" presStyleCnt="4" custScaleY="132919">
         <dgm:presLayoutVars>
           <dgm:bulletEnabled val="1"/>
         </dgm:presLayoutVars>
@@ -1792,7 +1792,7 @@
       <dgm:spPr/>
     </dgm:pt>
     <dgm:pt modelId="{6616C542-299A-0B49-B457-1BEE24F6B193}" type="pres">
-      <dgm:prSet presAssocID="{5A4BA33D-45D7-C442-ABF2-258AC759BF30}" presName="node" presStyleLbl="node1" presStyleIdx="1" presStyleCnt="4">
+      <dgm:prSet presAssocID="{5A4BA33D-45D7-C442-ABF2-258AC759BF30}" presName="node" presStyleLbl="node1" presStyleIdx="1" presStyleCnt="4" custScaleY="130132">
         <dgm:presLayoutVars>
           <dgm:bulletEnabled val="1"/>
         </dgm:presLayoutVars>
@@ -1815,7 +1815,7 @@
       <dgm:spPr/>
     </dgm:pt>
     <dgm:pt modelId="{CA0005FE-0DB4-4148-ADB1-FBBCDFD4FDCE}" type="pres">
-      <dgm:prSet presAssocID="{DBE1BA70-9DA7-CF47-8C32-147D2383C491}" presName="node" presStyleLbl="node1" presStyleIdx="2" presStyleCnt="4">
+      <dgm:prSet presAssocID="{DBE1BA70-9DA7-CF47-8C32-147D2383C491}" presName="node" presStyleLbl="node1" presStyleIdx="2" presStyleCnt="4" custScaleY="127345">
         <dgm:presLayoutVars>
           <dgm:bulletEnabled val="1"/>
         </dgm:presLayoutVars>
@@ -1831,7 +1831,7 @@
       <dgm:spPr/>
     </dgm:pt>
     <dgm:pt modelId="{1D0BE7EF-4EF0-A54F-A186-1DFD468C5C36}" type="pres">
-      <dgm:prSet presAssocID="{C1D8F58C-D44C-1645-8B64-3B5786DD4A2C}" presName="node" presStyleLbl="node1" presStyleIdx="3" presStyleCnt="4">
+      <dgm:prSet presAssocID="{C1D8F58C-D44C-1645-8B64-3B5786DD4A2C}" presName="node" presStyleLbl="node1" presStyleIdx="3" presStyleCnt="4" custScaleY="135706">
         <dgm:presLayoutVars>
           <dgm:bulletEnabled val="1"/>
         </dgm:presLayoutVars>
@@ -2199,7 +2199,7 @@
   <dgm:whole/>
   <dgm:extLst>
     <a:ext uri="http://schemas.microsoft.com/office/drawing/2008/diagram">
-      <dsp:dataModelExt xmlns:dsp="http://schemas.microsoft.com/office/drawing/2008/diagram" relId="rId15" minVer="http://schemas.openxmlformats.org/drawingml/2006/diagram"/>
+      <dsp:dataModelExt xmlns:dsp="http://schemas.microsoft.com/office/drawing/2008/diagram" relId="rId13" minVer="http://schemas.openxmlformats.org/drawingml/2006/diagram"/>
     </a:ext>
   </dgm:extLst>
 </dgm:dataModel>
@@ -2220,8 +2220,8 @@
       </dsp:nvSpPr>
       <dsp:spPr>
         <a:xfrm>
-          <a:off x="12322" y="872848"/>
-          <a:ext cx="5387837" cy="3232702"/>
+          <a:off x="8685" y="974953"/>
+          <a:ext cx="3797414" cy="3028491"/>
         </a:xfrm>
         <a:prstGeom prst="roundRect">
           <a:avLst>
@@ -2294,12 +2294,12 @@
         </a:fontRef>
       </dsp:style>
       <dsp:txBody>
-        <a:bodyPr spcFirstLastPara="0" vert="horz" wrap="square" lIns="182880" tIns="182880" rIns="182880" bIns="182880" numCol="1" spcCol="1270" anchor="ctr" anchorCtr="0">
+        <a:bodyPr spcFirstLastPara="0" vert="horz" wrap="square" lIns="133350" tIns="133350" rIns="133350" bIns="133350" numCol="1" spcCol="1270" anchor="ctr" anchorCtr="0">
           <a:noAutofit/>
         </a:bodyPr>
         <a:lstStyle/>
         <a:p>
-          <a:pPr lvl="0" algn="ctr" defTabSz="2133600">
+          <a:pPr lvl="0" algn="ctr" defTabSz="1555750">
             <a:lnSpc>
               <a:spcPct val="90000"/>
             </a:lnSpc>
@@ -2311,15 +2311,15 @@
             </a:spcAft>
           </a:pPr>
           <a:r>
-            <a:rPr lang="en-US" sz="4800" kern="1200" dirty="0" smtClean="0"/>
+            <a:rPr lang="en-US" sz="3500" kern="1200" dirty="0" smtClean="0"/>
             <a:t>1. Start with empty Set S</a:t>
           </a:r>
-          <a:endParaRPr lang="en-US" sz="4800" kern="1200" dirty="0"/>
+          <a:endParaRPr lang="en-US" sz="3500" kern="1200" dirty="0"/>
         </a:p>
       </dsp:txBody>
       <dsp:txXfrm>
-        <a:off x="107005" y="967531"/>
-        <a:ext cx="5198471" cy="3043336"/>
+        <a:off x="97386" y="1063654"/>
+        <a:ext cx="3620012" cy="2851089"/>
       </dsp:txXfrm>
     </dsp:sp>
     <dsp:sp modelId="{F589E56F-FF0E-E44F-9194-CEDC33BD781C}">
@@ -2329,8 +2329,8 @@
       </dsp:nvSpPr>
       <dsp:spPr>
         <a:xfrm>
-          <a:off x="5938944" y="1821107"/>
-          <a:ext cx="1142221" cy="1336183"/>
+          <a:off x="4185841" y="2018320"/>
+          <a:ext cx="805051" cy="941758"/>
         </a:xfrm>
         <a:prstGeom prst="rightArrow">
           <a:avLst>
@@ -2412,7 +2412,7 @@
         </a:bodyPr>
         <a:lstStyle/>
         <a:p>
-          <a:pPr lvl="0" algn="ctr" defTabSz="1689100">
+          <a:pPr lvl="0" algn="ctr" defTabSz="1200150">
             <a:lnSpc>
               <a:spcPct val="90000"/>
             </a:lnSpc>
@@ -2423,12 +2423,12 @@
               <a:spcPct val="35000"/>
             </a:spcAft>
           </a:pPr>
-          <a:endParaRPr lang="en-US" sz="3800" kern="1200"/>
+          <a:endParaRPr lang="en-US" sz="2700" kern="1200"/>
         </a:p>
       </dsp:txBody>
       <dsp:txXfrm>
-        <a:off x="5938944" y="2088344"/>
-        <a:ext cx="799555" cy="801709"/>
+        <a:off x="4185841" y="2206672"/>
+        <a:ext cx="563536" cy="565054"/>
       </dsp:txXfrm>
     </dsp:sp>
     <dsp:sp modelId="{6616C542-299A-0B49-B457-1BEE24F6B193}">
@@ -2438,8 +2438,8 @@
       </dsp:nvSpPr>
       <dsp:spPr>
         <a:xfrm>
-          <a:off x="7555295" y="872848"/>
-          <a:ext cx="5387837" cy="3232702"/>
+          <a:off x="5325065" y="1006704"/>
+          <a:ext cx="3797414" cy="2964990"/>
         </a:xfrm>
         <a:prstGeom prst="roundRect">
           <a:avLst>
@@ -2512,12 +2512,12 @@
         </a:fontRef>
       </dsp:style>
       <dsp:txBody>
-        <a:bodyPr spcFirstLastPara="0" vert="horz" wrap="square" lIns="182880" tIns="182880" rIns="182880" bIns="182880" numCol="1" spcCol="1270" anchor="ctr" anchorCtr="0">
+        <a:bodyPr spcFirstLastPara="0" vert="horz" wrap="square" lIns="129540" tIns="129540" rIns="129540" bIns="129540" numCol="1" spcCol="1270" anchor="ctr" anchorCtr="0">
           <a:noAutofit/>
         </a:bodyPr>
         <a:lstStyle/>
         <a:p>
-          <a:pPr lvl="0" algn="ctr" defTabSz="2133600">
+          <a:pPr lvl="0" algn="ctr" defTabSz="1511300">
             <a:lnSpc>
               <a:spcPct val="90000"/>
             </a:lnSpc>
@@ -2529,15 +2529,15 @@
             </a:spcAft>
           </a:pPr>
           <a:r>
-            <a:rPr lang="en-US" sz="4800" kern="1200" dirty="0" smtClean="0"/>
+            <a:rPr lang="en-US" sz="3400" kern="1200" dirty="0" smtClean="0"/>
             <a:t>2. Greedily add best rule to S using a-priori like algorithm</a:t>
           </a:r>
-          <a:endParaRPr lang="en-US" sz="4800" kern="1200" dirty="0"/>
+          <a:endParaRPr lang="en-US" sz="3400" kern="1200" dirty="0"/>
         </a:p>
       </dsp:txBody>
       <dsp:txXfrm>
-        <a:off x="7649978" y="967531"/>
-        <a:ext cx="5198471" cy="3043336"/>
+        <a:off x="5411907" y="1093546"/>
+        <a:ext cx="3623730" cy="2791306"/>
       </dsp:txXfrm>
     </dsp:sp>
     <dsp:sp modelId="{6B6F3CB4-AA77-2C43-B2B4-444FD55867B4}">
@@ -2547,8 +2547,8 @@
       </dsp:nvSpPr>
       <dsp:spPr>
         <a:xfrm>
-          <a:off x="13448039" y="2807785"/>
-          <a:ext cx="1142221" cy="1336183"/>
+          <a:off x="9478343" y="2713743"/>
+          <a:ext cx="805051" cy="941758"/>
         </a:xfrm>
         <a:prstGeom prst="rightArrow">
           <a:avLst>
@@ -2630,7 +2630,7 @@
         </a:bodyPr>
         <a:lstStyle/>
         <a:p>
-          <a:pPr lvl="0" algn="ctr" defTabSz="1689100">
+          <a:pPr lvl="0" algn="ctr" defTabSz="1200150">
             <a:lnSpc>
               <a:spcPct val="90000"/>
             </a:lnSpc>
@@ -2641,12 +2641,12 @@
               <a:spcPct val="35000"/>
             </a:spcAft>
           </a:pPr>
-          <a:endParaRPr lang="en-US" sz="3800" kern="1200"/>
+          <a:endParaRPr lang="en-US" sz="2700" kern="1200"/>
         </a:p>
       </dsp:txBody>
       <dsp:txXfrm>
-        <a:off x="13448039" y="3075022"/>
-        <a:ext cx="799555" cy="801709"/>
+        <a:off x="9478343" y="2902095"/>
+        <a:ext cx="563536" cy="565054"/>
       </dsp:txXfrm>
     </dsp:sp>
     <dsp:sp modelId="{CA0005FE-0DB4-4148-ADB1-FBBCDFD4FDCE}">
@@ -2656,8 +2656,8 @@
       </dsp:nvSpPr>
       <dsp:spPr>
         <a:xfrm>
-          <a:off x="15098269" y="872848"/>
-          <a:ext cx="5387837" cy="3232702"/>
+          <a:off x="10641445" y="1038454"/>
+          <a:ext cx="3797414" cy="2901490"/>
         </a:xfrm>
         <a:prstGeom prst="roundRect">
           <a:avLst>
@@ -2730,12 +2730,12 @@
         </a:fontRef>
       </dsp:style>
       <dsp:txBody>
-        <a:bodyPr spcFirstLastPara="0" vert="horz" wrap="square" lIns="182880" tIns="182880" rIns="182880" bIns="182880" numCol="1" spcCol="1270" anchor="ctr" anchorCtr="0">
+        <a:bodyPr spcFirstLastPara="0" vert="horz" wrap="square" lIns="129540" tIns="129540" rIns="129540" bIns="129540" numCol="1" spcCol="1270" anchor="ctr" anchorCtr="0">
           <a:noAutofit/>
         </a:bodyPr>
         <a:lstStyle/>
         <a:p>
-          <a:pPr lvl="0" algn="ctr" defTabSz="2133600">
+          <a:pPr lvl="0" algn="ctr" defTabSz="1511300">
             <a:lnSpc>
               <a:spcPct val="90000"/>
             </a:lnSpc>
@@ -2747,15 +2747,15 @@
             </a:spcAft>
           </a:pPr>
           <a:r>
-            <a:rPr lang="en-US" sz="4800" kern="1200" dirty="0" smtClean="0"/>
+            <a:rPr lang="en-US" sz="3400" kern="1200" dirty="0" smtClean="0"/>
             <a:t>3. If we have enough rules, return to Step 2, else:</a:t>
           </a:r>
-          <a:endParaRPr lang="en-US" sz="4800" kern="1200" dirty="0"/>
+          <a:endParaRPr lang="en-US" sz="3400" kern="1200" dirty="0"/>
         </a:p>
       </dsp:txBody>
       <dsp:txXfrm>
-        <a:off x="15192952" y="967531"/>
-        <a:ext cx="5198471" cy="3043336"/>
+        <a:off x="10726427" y="1123436"/>
+        <a:ext cx="3627450" cy="2731526"/>
       </dsp:txXfrm>
     </dsp:sp>
     <dsp:sp modelId="{AAE80FAF-F927-B748-BE62-CFF192C3AA48}">
@@ -2765,8 +2765,8 @@
       </dsp:nvSpPr>
       <dsp:spPr>
         <a:xfrm>
-          <a:off x="21024890" y="1821107"/>
-          <a:ext cx="1142221" cy="1336183"/>
+          <a:off x="14818601" y="2018320"/>
+          <a:ext cx="805051" cy="941758"/>
         </a:xfrm>
         <a:prstGeom prst="rightArrow">
           <a:avLst>
@@ -2848,7 +2848,7 @@
         </a:bodyPr>
         <a:lstStyle/>
         <a:p>
-          <a:pPr lvl="0" algn="ctr" defTabSz="1689100">
+          <a:pPr lvl="0" algn="ctr" defTabSz="1200150">
             <a:lnSpc>
               <a:spcPct val="90000"/>
             </a:lnSpc>
@@ -2859,12 +2859,12 @@
               <a:spcPct val="35000"/>
             </a:spcAft>
           </a:pPr>
-          <a:endParaRPr lang="en-US" sz="3800" kern="1200"/>
+          <a:endParaRPr lang="en-US" sz="2700" kern="1200"/>
         </a:p>
       </dsp:txBody>
       <dsp:txXfrm>
-        <a:off x="21024890" y="2088344"/>
-        <a:ext cx="799555" cy="801709"/>
+        <a:off x="14818601" y="2206672"/>
+        <a:ext cx="563536" cy="565054"/>
       </dsp:txXfrm>
     </dsp:sp>
     <dsp:sp modelId="{1D0BE7EF-4EF0-A54F-A186-1DFD468C5C36}">
@@ -2874,8 +2874,8 @@
       </dsp:nvSpPr>
       <dsp:spPr>
         <a:xfrm>
-          <a:off x="22641242" y="872848"/>
-          <a:ext cx="5387837" cy="3232702"/>
+          <a:off x="15957825" y="943203"/>
+          <a:ext cx="3797414" cy="3091991"/>
         </a:xfrm>
         <a:prstGeom prst="roundRect">
           <a:avLst>
@@ -2948,12 +2948,12 @@
         </a:fontRef>
       </dsp:style>
       <dsp:txBody>
-        <a:bodyPr spcFirstLastPara="0" vert="horz" wrap="square" lIns="182880" tIns="182880" rIns="182880" bIns="182880" numCol="1" spcCol="1270" anchor="ctr" anchorCtr="0">
+        <a:bodyPr spcFirstLastPara="0" vert="horz" wrap="square" lIns="129540" tIns="129540" rIns="129540" bIns="129540" numCol="1" spcCol="1270" anchor="ctr" anchorCtr="0">
           <a:noAutofit/>
         </a:bodyPr>
         <a:lstStyle/>
         <a:p>
-          <a:pPr lvl="0" algn="ctr" defTabSz="2133600">
+          <a:pPr lvl="0" algn="ctr" defTabSz="1511300">
             <a:lnSpc>
               <a:spcPct val="90000"/>
             </a:lnSpc>
@@ -2965,15 +2965,15 @@
             </a:spcAft>
           </a:pPr>
           <a:r>
-            <a:rPr lang="en-US" sz="4800" kern="1200" dirty="0" smtClean="0"/>
+            <a:rPr lang="en-US" sz="3400" kern="1200" dirty="0" smtClean="0"/>
             <a:t>4. Return S sorted by weight</a:t>
           </a:r>
-          <a:endParaRPr lang="en-US" sz="4800" kern="1200" dirty="0"/>
+          <a:endParaRPr lang="en-US" sz="3400" kern="1200" dirty="0"/>
         </a:p>
       </dsp:txBody>
       <dsp:txXfrm>
-        <a:off x="22735925" y="967531"/>
-        <a:ext cx="5198471" cy="3043336"/>
+        <a:off x="16048386" y="1033764"/>
+        <a:ext cx="3616292" cy="2910869"/>
       </dsp:txXfrm>
     </dsp:sp>
   </dsp:spTree>
@@ -6388,7 +6388,67 @@
           <a:bodyPr/>
           <a:lstStyle/>
           <a:p>
-            <a:endParaRPr lang="en-US" dirty="0" smtClean="0"/>
+            <a:r>
+              <a:rPr lang="en-US" baseline="0" smtClean="0"/>
+              <a:t>Speech</a:t>
+            </a:r>
+            <a:r>
+              <a:rPr lang="en-US" baseline="0" dirty="0" smtClean="0"/>
+              <a:t>/Story: </a:t>
+            </a:r>
+          </a:p>
+          <a:p>
+            <a:r>
+              <a:rPr lang="en-US" baseline="0" dirty="0" smtClean="0"/>
+              <a:t>Have an actual story: suppose you are sales manager. you have a survey results on your customers, and want to learn more about your target demographic. you have this raw data which is hard to make sense of. Our system gives you this nice summary. And you can tune it and explore further. </a:t>
+            </a:r>
+          </a:p>
+          <a:p>
+            <a:endParaRPr lang="en-US" baseline="0" dirty="0" smtClean="0"/>
+          </a:p>
+          <a:p>
+            <a:r>
+              <a:rPr lang="en-US" baseline="0" dirty="0" smtClean="0"/>
+              <a:t>Say something about algorithms : </a:t>
+            </a:r>
+            <a:r>
+              <a:rPr lang="en-US" baseline="0" dirty="0" err="1" smtClean="0"/>
+              <a:t>submodular</a:t>
+            </a:r>
+            <a:r>
+              <a:rPr lang="en-US" baseline="0" dirty="0" smtClean="0"/>
+              <a:t> – greedy, etc.</a:t>
+            </a:r>
+          </a:p>
+          <a:p>
+            <a:r>
+              <a:rPr lang="en-US" baseline="0" dirty="0" smtClean="0"/>
+              <a:t>Say we have paper on this. </a:t>
+            </a:r>
+          </a:p>
+          <a:p>
+            <a:r>
+              <a:rPr lang="en-US" baseline="0" dirty="0" smtClean="0"/>
+              <a:t>State scoring stuff while showing example on marketing data</a:t>
+            </a:r>
+          </a:p>
+          <a:p>
+            <a:r>
+              <a:rPr lang="en-US" baseline="0" dirty="0" smtClean="0"/>
+              <a:t>Mention and contrast drill-down at start</a:t>
+            </a:r>
+          </a:p>
+          <a:p>
+            <a:r>
+              <a:rPr lang="en-US" baseline="0" dirty="0" smtClean="0"/>
+              <a:t>Clarify that &gt; 10 years is a string, not a range</a:t>
+            </a:r>
+          </a:p>
+          <a:p>
+            <a:r>
+              <a:rPr lang="en-US" baseline="0" dirty="0" smtClean="0"/>
+              <a:t>Have a story (show the big rule for marketing). </a:t>
+            </a:r>
           </a:p>
           <a:p>
             <a:pPr marL="0" marR="0" indent="0" algn="l" defTabSz="457200" rtl="0" eaLnBrk="1" fontAlgn="auto" latinLnBrk="0" hangingPunct="1">
@@ -6410,63 +6470,7 @@
             </a:pPr>
             <a:r>
               <a:rPr lang="en-US" baseline="0" dirty="0" smtClean="0"/>
-              <a:t>Poster work: </a:t>
-            </a:r>
-            <a:r>
-              <a:rPr lang="en-US" baseline="0" dirty="0" smtClean="0"/>
-              <a:t>start with example: screenshot of raw table, then screenshot of summary. First say raw table hard to see. Then point to summary. explain meaning of rule. </a:t>
-            </a:r>
-            <a:r>
-              <a:rPr lang="en-US" baseline="0" smtClean="0"/>
-              <a:t>then rest. </a:t>
-            </a:r>
-            <a:endParaRPr lang="en-US" baseline="0" dirty="0" smtClean="0"/>
-          </a:p>
-          <a:p>
-            <a:endParaRPr lang="en-US" baseline="0" dirty="0" smtClean="0"/>
-          </a:p>
-          <a:p>
-            <a:r>
-              <a:rPr lang="en-US" baseline="0" dirty="0" smtClean="0"/>
-              <a:t>Speech/Story: Say something about algorithms : </a:t>
-            </a:r>
-            <a:r>
-              <a:rPr lang="en-US" baseline="0" dirty="0" err="1" smtClean="0"/>
-              <a:t>submodular</a:t>
-            </a:r>
-            <a:r>
-              <a:rPr lang="en-US" baseline="0" dirty="0" smtClean="0"/>
-              <a:t> – greedy, etc.</a:t>
-            </a:r>
-          </a:p>
-          <a:p>
-            <a:r>
-              <a:rPr lang="en-US" baseline="0" dirty="0" smtClean="0"/>
-              <a:t>Say we have paper on this. </a:t>
-            </a:r>
-          </a:p>
-          <a:p>
-            <a:r>
-              <a:rPr lang="en-US" baseline="0" dirty="0" smtClean="0"/>
-              <a:t>State scoring stuff while showing example on marketing data</a:t>
-            </a:r>
-          </a:p>
-          <a:p>
-            <a:r>
-              <a:rPr lang="en-US" baseline="0" dirty="0" smtClean="0"/>
-              <a:t>Mention and contrast drill-down at start</a:t>
-            </a:r>
-          </a:p>
-          <a:p>
-            <a:r>
-              <a:rPr lang="en-US" baseline="0" dirty="0" smtClean="0"/>
-              <a:t>Clarify that &gt; 10 years is a string, not a range</a:t>
-            </a:r>
-          </a:p>
-          <a:p>
-            <a:r>
-              <a:rPr lang="en-US" baseline="0" dirty="0" smtClean="0"/>
-              <a:t>Have a story (show the big rule for marketing). </a:t>
+              <a:t>Multiple sections: basics, more options, new dataset</a:t>
             </a:r>
           </a:p>
           <a:p>
@@ -6476,12 +6480,6 @@
             <a:r>
               <a:rPr lang="en-US" baseline="0" dirty="0" smtClean="0"/>
               <a:t>Interface: line on dataset in interface. put three parameters in same line. </a:t>
-            </a:r>
-          </a:p>
-          <a:p>
-            <a:r>
-              <a:rPr lang="en-US" baseline="0" dirty="0" smtClean="0"/>
-              <a:t>Multiple sections: basics, more options, new dataset</a:t>
             </a:r>
           </a:p>
           <a:p>
@@ -10919,47 +10917,85 @@
               <a:rPr lang="en-US" sz="5500" b="1" dirty="0" smtClean="0"/>
               <a:t>Rule Finder</a:t>
             </a:r>
-          </a:p>
-          <a:p>
-            <a:pPr marL="2880360" lvl="1" indent="-685800">
+            <a:endParaRPr lang="en-US" sz="4500" dirty="0"/>
+          </a:p>
+          <a:p>
+            <a:pPr marL="685800" indent="-685800">
               <a:buFont typeface="Arial"/>
               <a:buChar char="•"/>
             </a:pPr>
-            <a:endParaRPr lang="en-US" sz="4500" dirty="0"/>
-          </a:p>
-          <a:p>
-            <a:pPr marL="2880360" lvl="1" indent="-685800">
+            <a:r>
+              <a:rPr lang="en-US" sz="4500" dirty="0" smtClean="0"/>
+              <a:t>Score </a:t>
+            </a:r>
+            <a:r>
+              <a:rPr lang="en-US" sz="4500" i="1" dirty="0" err="1" smtClean="0"/>
+              <a:t>submodular</a:t>
+            </a:r>
+            <a:r>
+              <a:rPr lang="en-US" sz="4500" i="1" dirty="0" smtClean="0"/>
+              <a:t> for </a:t>
+            </a:r>
+          </a:p>
+          <a:p>
+            <a:r>
+              <a:rPr lang="en-US" sz="4500" i="1" dirty="0"/>
+              <a:t> </a:t>
+            </a:r>
+            <a:r>
+              <a:rPr lang="en-US" sz="4500" i="1" dirty="0" smtClean="0"/>
+              <a:t>   monotone </a:t>
+            </a:r>
+            <a:r>
+              <a:rPr lang="en-US" sz="4500" dirty="0" smtClean="0"/>
+              <a:t>Weight functions</a:t>
+            </a:r>
+            <a:endParaRPr lang="en-US" sz="4500" dirty="0" smtClean="0"/>
+          </a:p>
+          <a:p>
+            <a:pPr marL="685800" indent="-685800">
               <a:buFont typeface="Arial"/>
               <a:buChar char="•"/>
             </a:pPr>
-            <a:endParaRPr lang="en-US" sz="4500" dirty="0" smtClean="0"/>
-          </a:p>
-          <a:p>
-            <a:pPr marL="2880360" lvl="1" indent="-685800">
+            <a:r>
+              <a:rPr lang="en-US" sz="4500" dirty="0" smtClean="0"/>
+              <a:t>Greedy Approximation</a:t>
+            </a:r>
+          </a:p>
+          <a:p>
+            <a:pPr marL="685800" indent="-685800">
               <a:buFont typeface="Arial"/>
               <a:buChar char="•"/>
             </a:pPr>
-            <a:endParaRPr lang="en-US" sz="4500" dirty="0"/>
-          </a:p>
-          <a:p>
-            <a:pPr marL="2880360" lvl="1" indent="-685800">
-              <a:buFont typeface="Arial"/>
-              <a:buChar char="•"/>
-            </a:pPr>
-            <a:endParaRPr lang="en-US" sz="4500" dirty="0" smtClean="0"/>
-          </a:p>
-          <a:p>
-            <a:pPr marL="2880360" lvl="1" indent="-685800">
-              <a:buFont typeface="Arial"/>
-              <a:buChar char="•"/>
-            </a:pPr>
-            <a:endParaRPr lang="en-US" sz="4500" dirty="0"/>
-          </a:p>
-          <a:p>
-            <a:pPr marL="2880360" lvl="1" indent="-685800">
-              <a:buFont typeface="Arial"/>
-              <a:buChar char="•"/>
-            </a:pPr>
+            <a:r>
+              <a:rPr lang="en-US" sz="4500" dirty="0" smtClean="0"/>
+              <a:t>A priori-like algorithm for </a:t>
+            </a:r>
+          </a:p>
+          <a:p>
+            <a:r>
+              <a:rPr lang="en-US" sz="4500" dirty="0"/>
+              <a:t> </a:t>
+            </a:r>
+            <a:r>
+              <a:rPr lang="en-US" sz="4500" dirty="0" smtClean="0"/>
+              <a:t>   </a:t>
+            </a:r>
+            <a:r>
+              <a:rPr lang="en-US" sz="4500" dirty="0" smtClean="0"/>
+              <a:t>each greedy</a:t>
+            </a:r>
+            <a:r>
+              <a:rPr lang="en-US" sz="4500" dirty="0" smtClean="0"/>
+              <a:t> </a:t>
+            </a:r>
+            <a:r>
+              <a:rPr lang="en-US" sz="4500" dirty="0" smtClean="0"/>
+              <a:t>step</a:t>
+            </a:r>
+          </a:p>
+          <a:p>
+            <a:pPr lvl="1"/>
             <a:endParaRPr lang="en-US" sz="4500" dirty="0" smtClean="0"/>
           </a:p>
           <a:p>
@@ -10989,14 +11025,14 @@
           <p:nvPr>
             <p:extLst>
               <p:ext uri="{D42A27DB-BD31-4B8C-83A1-F6EECF244321}">
-                <p14:modId xmlns:p14="http://schemas.microsoft.com/office/powerpoint/2010/main" val="909932110"/>
+                <p14:modId xmlns:p14="http://schemas.microsoft.com/office/powerpoint/2010/main" val="3019357281"/>
               </p:ext>
             </p:extLst>
           </p:nvPr>
         </p:nvGraphicFramePr>
         <p:xfrm>
-          <a:off x="2286197" y="30480001"/>
-          <a:ext cx="28041403" cy="4978399"/>
+          <a:off x="10593175" y="30108858"/>
+          <a:ext cx="19763925" cy="4978399"/>
         </p:xfrm>
         <a:graphic>
           <a:graphicData uri="http://schemas.openxmlformats.org/drawingml/2006/diagram">
@@ -11066,30 +11102,30 @@
           <a:p>
             <a:pPr algn="ctr"/>
             <a:r>
-              <a:rPr lang="en-US" sz="4500" dirty="0" smtClean="0">
-                <a:hlinkClick r:id="rId8"/>
-              </a:rPr>
+              <a:rPr lang="en-US" sz="4000" dirty="0" err="1" smtClean="0"/>
               <a:t>manasrj@stanford.edu</a:t>
             </a:r>
             <a:r>
-              <a:rPr lang="en-US" sz="4500" dirty="0" smtClean="0"/>
+              <a:rPr lang="en-US" sz="4000" dirty="0" smtClean="0"/>
               <a:t>, </a:t>
             </a:r>
             <a:r>
-              <a:rPr lang="en-US" sz="4500" dirty="0" smtClean="0">
-                <a:hlinkClick r:id="rId9"/>
-              </a:rPr>
+              <a:rPr lang="en-US" sz="4000" dirty="0" err="1" smtClean="0"/>
               <a:t>hector@cs.stanford.edu</a:t>
             </a:r>
             <a:r>
-              <a:rPr lang="en-US" sz="4500" dirty="0" smtClean="0"/>
+              <a:rPr lang="en-US" sz="4000" dirty="0" smtClean="0"/>
               <a:t>, </a:t>
             </a:r>
             <a:r>
-              <a:rPr lang="en-US" sz="4500" dirty="0" err="1" smtClean="0"/>
+              <a:rPr lang="en-US" sz="4000" dirty="0" err="1" smtClean="0"/>
               <a:t>adityagp@illinois.edu</a:t>
             </a:r>
-            <a:endParaRPr lang="en-US" sz="4500" dirty="0"/>
+            <a:r>
+              <a:rPr lang="en-US" sz="4000" dirty="0" smtClean="0"/>
+              <a:t> </a:t>
+            </a:r>
+            <a:endParaRPr lang="en-US" sz="4000" dirty="0" smtClean="0"/>
           </a:p>
         </p:txBody>
       </p:sp>
@@ -11101,7 +11137,7 @@
         </p:nvSpPr>
         <p:spPr>
           <a:xfrm>
-            <a:off x="1524196" y="6350306"/>
+            <a:off x="1367078" y="6117923"/>
             <a:ext cx="29891177" cy="10890603"/>
           </a:xfrm>
           <a:prstGeom prst="roundRect">
@@ -11136,22 +11172,33 @@
             </a:r>
             <a:r>
               <a:rPr lang="en-US" sz="4500" dirty="0" smtClean="0"/>
-              <a:t> Enable fast tunable summarization of structured data.</a:t>
-            </a:r>
+              <a:t> Enable fast tunable and interactive summarization of structured data.</a:t>
+            </a:r>
+          </a:p>
+          <a:p>
+            <a:endParaRPr lang="en-US" sz="4500" dirty="0"/>
+          </a:p>
+          <a:p>
+            <a:endParaRPr lang="en-US" sz="4500" dirty="0" smtClean="0"/>
+          </a:p>
+          <a:p>
+            <a:endParaRPr lang="en-US" sz="4500" dirty="0"/>
+          </a:p>
+          <a:p>
+            <a:endParaRPr lang="en-US" sz="4500" dirty="0" smtClean="0"/>
+          </a:p>
+          <a:p>
+            <a:r>
+              <a:rPr lang="en-US" sz="5500" b="1" dirty="0" smtClean="0"/>
+              <a:t> </a:t>
+            </a:r>
+            <a:endParaRPr lang="en-US" sz="4500" dirty="0" smtClean="0"/>
           </a:p>
           <a:p>
             <a:pPr marL="2880360" lvl="1" indent="-685800">
               <a:buFont typeface="Arial"/>
               <a:buChar char="•"/>
             </a:pPr>
-            <a:r>
-              <a:rPr lang="en-US" sz="4500" b="1" dirty="0" smtClean="0"/>
-              <a:t>Motivation :</a:t>
-            </a:r>
-            <a:r>
-              <a:rPr lang="en-US" sz="4500" dirty="0" smtClean="0"/>
-              <a:t> Help users explore large structured datasets on the fly when they have limited prior knowledge of what to look for. Augment functionality of regular Drill-Down.</a:t>
-            </a:r>
             <a:endParaRPr lang="en-US" sz="4500" b="1" dirty="0" smtClean="0"/>
           </a:p>
           <a:p>
@@ -11159,181 +11206,37 @@
               <a:buFont typeface="Arial"/>
               <a:buChar char="•"/>
             </a:pPr>
-            <a:r>
-              <a:rPr lang="en-US" sz="4500" b="1" dirty="0" smtClean="0"/>
-              <a:t>Smart Drill-Down</a:t>
-            </a:r>
-            <a:r>
-              <a:rPr lang="en-US" sz="4500" dirty="0" smtClean="0"/>
-              <a:t> : Operator to find the </a:t>
-            </a:r>
-            <a:r>
-              <a:rPr lang="en-US" sz="4500" i="1" dirty="0" smtClean="0"/>
-              <a:t>best </a:t>
-            </a:r>
-            <a:r>
-              <a:rPr lang="en-US" sz="4500" dirty="0" smtClean="0"/>
-              <a:t>set of </a:t>
-            </a:r>
-            <a:r>
-              <a:rPr lang="en-US" sz="4500" i="1" dirty="0" smtClean="0"/>
-              <a:t>rules </a:t>
-            </a:r>
-            <a:r>
-              <a:rPr lang="en-US" sz="4500" dirty="0" smtClean="0"/>
-              <a:t>to summarize a set of tuples.</a:t>
-            </a:r>
-          </a:p>
-          <a:p>
-            <a:pPr marL="2651760" lvl="1" indent="-457200">
+            <a:endParaRPr lang="en-US" sz="4500" b="1" dirty="0"/>
+          </a:p>
+          <a:p>
+            <a:pPr marL="2880360" lvl="1" indent="-685800">
               <a:buFont typeface="Arial"/>
               <a:buChar char="•"/>
             </a:pPr>
-            <a:r>
-              <a:rPr lang="en-US" sz="4500" b="1" dirty="0" smtClean="0"/>
-              <a:t>Rule</a:t>
-            </a:r>
-            <a:r>
-              <a:rPr lang="en-US" sz="4500" dirty="0" smtClean="0"/>
-              <a:t> : A tuple consisting of actual values and wildcard-characters e.g. (a, *) matches (</a:t>
-            </a:r>
-            <a:r>
-              <a:rPr lang="en-US" sz="4500" dirty="0" err="1" smtClean="0"/>
-              <a:t>a,b</a:t>
-            </a:r>
-            <a:r>
-              <a:rPr lang="en-US" sz="4500" dirty="0" smtClean="0"/>
-              <a:t>) but not (</a:t>
-            </a:r>
-            <a:r>
-              <a:rPr lang="en-US" sz="4500" dirty="0" err="1" smtClean="0"/>
-              <a:t>c</a:t>
-            </a:r>
-            <a:r>
-              <a:rPr lang="en-US" sz="4500" dirty="0" err="1" smtClean="0"/>
-              <a:t>,</a:t>
-            </a:r>
-            <a:r>
-              <a:rPr lang="en-US" sz="4500" dirty="0" err="1" smtClean="0"/>
-              <a:t>b</a:t>
-            </a:r>
-            <a:r>
-              <a:rPr lang="en-US" sz="4500" dirty="0" smtClean="0"/>
-              <a:t>).</a:t>
-            </a:r>
-          </a:p>
-          <a:p>
-            <a:pPr marL="2651760" lvl="1" indent="-457200">
+            <a:endParaRPr lang="en-US" sz="4500" b="1" dirty="0" smtClean="0"/>
+          </a:p>
+          <a:p>
+            <a:pPr marL="2880360" lvl="1" indent="-685800">
               <a:buFont typeface="Arial"/>
               <a:buChar char="•"/>
             </a:pPr>
-            <a:r>
-              <a:rPr lang="en-US" sz="4500" b="1" dirty="0" smtClean="0"/>
-              <a:t>Best set of rules: </a:t>
-            </a:r>
-            <a:r>
-              <a:rPr lang="en-US" sz="4500" dirty="0" smtClean="0"/>
-              <a:t>Interestingness of a rule is based on :</a:t>
-            </a:r>
-            <a:endParaRPr lang="en-US" sz="4500" b="1" dirty="0" smtClean="0"/>
-          </a:p>
-          <a:p>
-            <a:pPr marL="4846320" lvl="2" indent="-457200">
+            <a:endParaRPr lang="en-US" sz="4500" b="1" dirty="0"/>
+          </a:p>
+          <a:p>
+            <a:pPr marL="2880360" lvl="1" indent="-685800">
               <a:buFont typeface="Arial"/>
               <a:buChar char="•"/>
             </a:pPr>
-            <a:r>
-              <a:rPr lang="en-US" sz="4500" b="1" dirty="0" smtClean="0"/>
-              <a:t>Weighting function:</a:t>
-            </a:r>
-            <a:r>
-              <a:rPr lang="en-US" sz="4500" dirty="0" smtClean="0"/>
-              <a:t> Inherent interestingness of a rule e.g. Number of non-* values.</a:t>
-            </a:r>
-          </a:p>
-          <a:p>
-            <a:pPr marL="4846320" lvl="2" indent="-457200">
+            <a:endParaRPr lang="en-US" sz="4500" b="1" dirty="0" smtClean="0"/>
+          </a:p>
+          <a:p>
+            <a:pPr marL="2880360" lvl="1" indent="-685800">
               <a:buFont typeface="Arial"/>
               <a:buChar char="•"/>
             </a:pPr>
-            <a:r>
-              <a:rPr lang="en-US" sz="4500" b="1" dirty="0"/>
-              <a:t>Count</a:t>
-            </a:r>
-            <a:r>
-              <a:rPr lang="en-US" sz="4500" dirty="0"/>
-              <a:t> : Number of tuples matched by </a:t>
-            </a:r>
-            <a:r>
-              <a:rPr lang="en-US" sz="4500" dirty="0" smtClean="0"/>
-              <a:t>rule. </a:t>
-            </a:r>
-          </a:p>
-          <a:p>
-            <a:pPr marL="4846320" lvl="2" indent="-457200">
-              <a:buFont typeface="Arial"/>
-              <a:buChar char="•"/>
-            </a:pPr>
-            <a:r>
-              <a:rPr lang="en-US" sz="4500" b="1" dirty="0" err="1" smtClean="0"/>
-              <a:t>MCount</a:t>
-            </a:r>
-            <a:r>
-              <a:rPr lang="en-US" sz="4500" b="1" dirty="0" smtClean="0"/>
-              <a:t> </a:t>
-            </a:r>
-            <a:r>
-              <a:rPr lang="en-US" sz="4500" dirty="0"/>
-              <a:t>: Number of new tuples covered by rule in a list of </a:t>
-            </a:r>
-            <a:r>
-              <a:rPr lang="en-US" sz="4500" dirty="0" smtClean="0"/>
-              <a:t>rules</a:t>
-            </a:r>
-            <a:r>
-              <a:rPr lang="en-US" sz="4500" dirty="0" smtClean="0"/>
-              <a:t> </a:t>
-            </a:r>
             <a:endParaRPr lang="en-US" sz="4500" b="1" dirty="0" smtClean="0"/>
           </a:p>
           <a:p>
-            <a:pPr marL="2651760" lvl="1" indent="-457200">
-              <a:buFont typeface="Arial"/>
-              <a:buChar char="•"/>
-            </a:pPr>
-            <a:r>
-              <a:rPr lang="en-US" sz="4500" dirty="0" smtClean="0"/>
-              <a:t>Smart Drill Down Maximizes</a:t>
-            </a:r>
-            <a:r>
-              <a:rPr lang="en-US" sz="4500" b="1" dirty="0" smtClean="0"/>
-              <a:t> Score:</a:t>
-            </a:r>
-            <a:r>
-              <a:rPr lang="en-US" sz="4500" dirty="0" smtClean="0"/>
-              <a:t> </a:t>
-            </a:r>
-            <a:r>
-              <a:rPr lang="en-US" sz="4500" dirty="0" smtClean="0"/>
-              <a:t>∑ </a:t>
-            </a:r>
-            <a:r>
-              <a:rPr lang="en-US" sz="4500" dirty="0" err="1" smtClean="0"/>
-              <a:t>MCount</a:t>
-            </a:r>
-            <a:r>
-              <a:rPr lang="en-US" sz="4500" dirty="0" smtClean="0"/>
-              <a:t>(r) x Weight(r) </a:t>
-            </a:r>
-          </a:p>
-          <a:p>
-            <a:endParaRPr lang="en-US" sz="3500" dirty="0" smtClean="0"/>
-          </a:p>
-          <a:p>
-            <a:pPr marL="457200" indent="-457200">
-              <a:buFont typeface="Arial"/>
-              <a:buChar char="•"/>
-            </a:pPr>
             <a:endParaRPr lang="en-US" sz="3000" dirty="0"/>
           </a:p>
         </p:txBody>
@@ -11373,52 +11276,74 @@
           <a:p>
             <a:r>
               <a:rPr lang="en-US" sz="5500" b="1" dirty="0" smtClean="0"/>
-              <a:t>System Architecture</a:t>
-            </a:r>
-          </a:p>
-          <a:p>
-            <a:endParaRPr lang="en-US" sz="5500" b="1" dirty="0"/>
+              <a:t>Technical Challenges                      System Architecture</a:t>
+            </a:r>
           </a:p>
           <a:p>
             <a:endParaRPr lang="en-US" sz="5500" b="1" dirty="0" smtClean="0"/>
           </a:p>
           <a:p>
-            <a:pPr marL="2880360" lvl="1" indent="-685800">
+            <a:pPr marL="685800" indent="-685800">
               <a:buFont typeface="Arial"/>
               <a:buChar char="•"/>
             </a:pPr>
+            <a:r>
+              <a:rPr lang="en-US" sz="4500" dirty="0" smtClean="0"/>
+              <a:t>Rule Finding NP-Hard</a:t>
+            </a:r>
+          </a:p>
+          <a:p>
+            <a:pPr marL="685800" indent="-685800">
+              <a:buFont typeface="Arial"/>
+              <a:buChar char="•"/>
+            </a:pPr>
+            <a:r>
+              <a:rPr lang="en-US" sz="4500" dirty="0" smtClean="0"/>
+              <a:t>Limited Space Budget</a:t>
+            </a:r>
             <a:endParaRPr lang="en-US" sz="4500" dirty="0"/>
           </a:p>
           <a:p>
-            <a:pPr marL="2880360" lvl="1" indent="-685800">
+            <a:pPr marL="685800" indent="-685800">
+              <a:buFont typeface="Arial"/>
+              <a:buChar char="•"/>
+            </a:pPr>
+            <a:r>
+              <a:rPr lang="en-US" sz="4500" dirty="0" smtClean="0"/>
+              <a:t>Large Datasets</a:t>
+            </a:r>
+          </a:p>
+          <a:p>
+            <a:pPr marL="685800" indent="-685800">
+              <a:buFont typeface="Arial"/>
+              <a:buChar char="•"/>
+            </a:pPr>
+            <a:r>
+              <a:rPr lang="en-US" sz="4500" dirty="0" smtClean="0"/>
+              <a:t>Expensive Disk Reads</a:t>
+            </a:r>
+            <a:endParaRPr lang="en-US" sz="4500" dirty="0" smtClean="0"/>
+          </a:p>
+          <a:p>
+            <a:pPr marL="685800" indent="-685800">
+              <a:buFont typeface="Arial"/>
+              <a:buChar char="•"/>
+            </a:pPr>
+            <a:r>
+              <a:rPr lang="en-US" sz="4500" dirty="0" smtClean="0"/>
+              <a:t>Optimal Sampling NP-Hard</a:t>
+            </a:r>
+            <a:endParaRPr lang="en-US" sz="4500" dirty="0" smtClean="0"/>
+          </a:p>
+          <a:p>
+            <a:pPr marL="685800" indent="-685800">
               <a:buFont typeface="Arial"/>
               <a:buChar char="•"/>
             </a:pPr>
             <a:endParaRPr lang="en-US" sz="4500" dirty="0" smtClean="0"/>
           </a:p>
           <a:p>
-            <a:pPr marL="2880360" lvl="1" indent="-685800">
-              <a:buFont typeface="Arial"/>
-              <a:buChar char="•"/>
-            </a:pPr>
-            <a:endParaRPr lang="en-US" sz="4500" dirty="0"/>
-          </a:p>
-          <a:p>
-            <a:pPr marL="2880360" lvl="1" indent="-685800">
-              <a:buFont typeface="Arial"/>
-              <a:buChar char="•"/>
-            </a:pPr>
-            <a:endParaRPr lang="en-US" sz="4500" dirty="0" smtClean="0"/>
-          </a:p>
-          <a:p>
-            <a:pPr marL="2880360" lvl="1" indent="-685800">
-              <a:buFont typeface="Arial"/>
-              <a:buChar char="•"/>
-            </a:pPr>
-            <a:endParaRPr lang="en-US" sz="4500" dirty="0"/>
-          </a:p>
-          <a:p>
-            <a:pPr marL="2880360" lvl="1" indent="-685800">
+            <a:pPr marL="685800" indent="-685800">
               <a:buFont typeface="Arial"/>
               <a:buChar char="•"/>
             </a:pPr>
@@ -11453,7 +11378,7 @@
           <p:nvPr/>
         </p:nvPicPr>
         <p:blipFill>
-          <a:blip r:embed="rId10">
+          <a:blip r:embed="rId8">
             <a:extLst>
               <a:ext uri="{28A0092B-C50C-407E-A947-70E740481C1C}">
                 <a14:useLocalDpi xmlns:a14="http://schemas.microsoft.com/office/drawing/2010/main" val="0"/>
@@ -11466,7 +11391,7 @@
         </p:blipFill>
         <p:spPr>
           <a:xfrm>
-            <a:off x="2641796" y="20390509"/>
+            <a:off x="9741330" y="20390509"/>
             <a:ext cx="20993775" cy="6889092"/>
           </a:xfrm>
           <a:prstGeom prst="rect">
@@ -11482,8 +11407,8 @@
         </p:nvGrpSpPr>
         <p:grpSpPr>
           <a:xfrm>
-            <a:off x="15546655" y="31220723"/>
-            <a:ext cx="1177399" cy="1377334"/>
+            <a:off x="19933005" y="31563385"/>
+            <a:ext cx="805384" cy="881493"/>
             <a:chOff x="13830479" y="1800532"/>
             <a:chExt cx="1177399" cy="1377334"/>
           </a:xfrm>
@@ -11714,10 +11639,752 @@
         </p:xfrm>
         <a:graphic>
           <a:graphicData uri="http://schemas.openxmlformats.org/drawingml/2006/diagram">
-            <dgm:relIds xmlns:dgm="http://schemas.openxmlformats.org/drawingml/2006/diagram" xmlns:r="http://schemas.openxmlformats.org/officeDocument/2006/relationships" r:dm="rId11" r:lo="rId12" r:qs="rId13" r:cs="rId14"/>
+            <dgm:relIds xmlns:dgm="http://schemas.openxmlformats.org/drawingml/2006/diagram" xmlns:r="http://schemas.openxmlformats.org/officeDocument/2006/relationships" r:dm="rId9" r:lo="rId10" r:qs="rId11" r:cs="rId12"/>
           </a:graphicData>
         </a:graphic>
       </p:graphicFrame>
+      <p:pic>
+        <p:nvPicPr>
+          <p:cNvPr id="79" name="Picture 78" descr="Screen Shot 2015-08-28 at 2.35.11 PM.png"/>
+          <p:cNvPicPr>
+            <a:picLocks noChangeAspect="1"/>
+          </p:cNvPicPr>
+          <p:nvPr/>
+        </p:nvPicPr>
+        <p:blipFill>
+          <a:blip r:embed="rId14">
+            <a:extLst>
+              <a:ext uri="{28A0092B-C50C-407E-A947-70E740481C1C}">
+                <a14:useLocalDpi xmlns:a14="http://schemas.microsoft.com/office/drawing/2010/main" val="0"/>
+              </a:ext>
+            </a:extLst>
+          </a:blip>
+          <a:stretch>
+            <a:fillRect/>
+          </a:stretch>
+        </p:blipFill>
+        <p:spPr>
+          <a:xfrm>
+            <a:off x="2641796" y="8279070"/>
+            <a:ext cx="7677452" cy="6809861"/>
+          </a:xfrm>
+          <a:prstGeom prst="rect">
+            <a:avLst/>
+          </a:prstGeom>
+        </p:spPr>
+      </p:pic>
+      <p:pic>
+        <p:nvPicPr>
+          <p:cNvPr id="80" name="Picture 79" descr="Screen Shot 2015-08-28 at 2.38.14 PM.png"/>
+          <p:cNvPicPr>
+            <a:picLocks noChangeAspect="1"/>
+          </p:cNvPicPr>
+          <p:nvPr/>
+        </p:nvPicPr>
+        <p:blipFill>
+          <a:blip r:embed="rId15">
+            <a:extLst>
+              <a:ext uri="{28A0092B-C50C-407E-A947-70E740481C1C}">
+                <a14:useLocalDpi xmlns:a14="http://schemas.microsoft.com/office/drawing/2010/main" val="0"/>
+              </a:ext>
+            </a:extLst>
+          </a:blip>
+          <a:stretch>
+            <a:fillRect/>
+          </a:stretch>
+        </p:blipFill>
+        <p:spPr>
+          <a:xfrm>
+            <a:off x="13802908" y="8279070"/>
+            <a:ext cx="9832663" cy="6809861"/>
+          </a:xfrm>
+          <a:prstGeom prst="rect">
+            <a:avLst/>
+          </a:prstGeom>
+          <a:ln w="38100" cap="sq">
+            <a:solidFill>
+              <a:srgbClr val="000000"/>
+            </a:solidFill>
+            <a:prstDash val="solid"/>
+            <a:miter lim="800000"/>
+          </a:ln>
+          <a:effectLst>
+            <a:outerShdw blurRad="50800" dist="38100" dir="2700000" algn="tl" rotWithShape="0">
+              <a:srgbClr val="000000">
+                <a:alpha val="43000"/>
+              </a:srgbClr>
+            </a:outerShdw>
+          </a:effectLst>
+        </p:spPr>
+      </p:pic>
+      <p:sp>
+        <p:nvSpPr>
+          <p:cNvPr id="81" name="Right Arrow 80"/>
+          <p:cNvSpPr/>
+          <p:nvPr/>
+        </p:nvSpPr>
+        <p:spPr>
+          <a:xfrm>
+            <a:off x="10954278" y="10890448"/>
+            <a:ext cx="2476620" cy="1365274"/>
+          </a:xfrm>
+          <a:prstGeom prst="rightArrow">
+            <a:avLst/>
+          </a:prstGeom>
+        </p:spPr>
+        <p:style>
+          <a:lnRef idx="3">
+            <a:schemeClr val="lt1"/>
+          </a:lnRef>
+          <a:fillRef idx="1">
+            <a:schemeClr val="accent1"/>
+          </a:fillRef>
+          <a:effectRef idx="1">
+            <a:schemeClr val="accent1"/>
+          </a:effectRef>
+          <a:fontRef idx="minor">
+            <a:schemeClr val="lt1"/>
+          </a:fontRef>
+        </p:style>
+        <p:txBody>
+          <a:bodyPr rtlCol="0" anchor="ctr"/>
+          <a:lstStyle/>
+          <a:p>
+            <a:pPr algn="ctr"/>
+            <a:endParaRPr lang="en-US"/>
+          </a:p>
+        </p:txBody>
+      </p:sp>
+      <p:sp>
+        <p:nvSpPr>
+          <p:cNvPr id="84" name="Rectangle 83"/>
+          <p:cNvSpPr/>
+          <p:nvPr/>
+        </p:nvSpPr>
+        <p:spPr>
+          <a:xfrm>
+            <a:off x="4864839" y="15088931"/>
+            <a:ext cx="3185262" cy="923330"/>
+          </a:xfrm>
+          <a:prstGeom prst="rect">
+            <a:avLst/>
+          </a:prstGeom>
+          <a:ln>
+            <a:solidFill>
+              <a:schemeClr val="bg1"/>
+            </a:solidFill>
+          </a:ln>
+        </p:spPr>
+        <p:style>
+          <a:lnRef idx="2">
+            <a:schemeClr val="accent2"/>
+          </a:lnRef>
+          <a:fillRef idx="1">
+            <a:schemeClr val="lt1"/>
+          </a:fillRef>
+          <a:effectRef idx="0">
+            <a:schemeClr val="accent2"/>
+          </a:effectRef>
+          <a:fontRef idx="minor">
+            <a:schemeClr val="dk1"/>
+          </a:fontRef>
+        </p:style>
+        <p:txBody>
+          <a:bodyPr wrap="none" lIns="91440" tIns="45720" rIns="91440" bIns="45720">
+            <a:spAutoFit/>
+          </a:bodyPr>
+          <a:lstStyle/>
+          <a:p>
+            <a:pPr algn="ctr"/>
+            <a:r>
+              <a:rPr lang="en-US" sz="5400" dirty="0" smtClean="0">
+                <a:ln w="18415" cmpd="sng">
+                  <a:solidFill>
+                    <a:srgbClr val="FFFFFF"/>
+                  </a:solidFill>
+                  <a:prstDash val="solid"/>
+                </a:ln>
+                <a:solidFill>
+                  <a:schemeClr val="tx1"/>
+                </a:solidFill>
+                <a:effectLst>
+                  <a:outerShdw blurRad="63500" dir="3600000" algn="tl" rotWithShape="0">
+                    <a:srgbClr val="000000">
+                      <a:alpha val="70000"/>
+                    </a:srgbClr>
+                  </a:outerShdw>
+                </a:effectLst>
+              </a:rPr>
+              <a:t>Raw Data</a:t>
+            </a:r>
+            <a:endParaRPr lang="en-US" sz="5400" dirty="0">
+              <a:ln w="18415" cmpd="sng">
+                <a:solidFill>
+                  <a:srgbClr val="FFFFFF"/>
+                </a:solidFill>
+                <a:prstDash val="solid"/>
+              </a:ln>
+              <a:solidFill>
+                <a:schemeClr val="tx1"/>
+              </a:solidFill>
+              <a:effectLst>
+                <a:outerShdw blurRad="63500" dir="3600000" algn="tl" rotWithShape="0">
+                  <a:srgbClr val="000000">
+                    <a:alpha val="70000"/>
+                  </a:srgbClr>
+                </a:outerShdw>
+              </a:effectLst>
+            </a:endParaRPr>
+          </a:p>
+        </p:txBody>
+      </p:sp>
+      <p:sp>
+        <p:nvSpPr>
+          <p:cNvPr id="85" name="Rectangle 84"/>
+          <p:cNvSpPr/>
+          <p:nvPr/>
+        </p:nvSpPr>
+        <p:spPr>
+          <a:xfrm>
+            <a:off x="15427796" y="15225905"/>
+            <a:ext cx="6622326" cy="923330"/>
+          </a:xfrm>
+          <a:prstGeom prst="rect">
+            <a:avLst/>
+          </a:prstGeom>
+          <a:ln>
+            <a:solidFill>
+              <a:schemeClr val="bg1"/>
+            </a:solidFill>
+          </a:ln>
+        </p:spPr>
+        <p:style>
+          <a:lnRef idx="2">
+            <a:schemeClr val="accent2"/>
+          </a:lnRef>
+          <a:fillRef idx="1">
+            <a:schemeClr val="lt1"/>
+          </a:fillRef>
+          <a:effectRef idx="0">
+            <a:schemeClr val="accent2"/>
+          </a:effectRef>
+          <a:fontRef idx="minor">
+            <a:schemeClr val="dk1"/>
+          </a:fontRef>
+        </p:style>
+        <p:txBody>
+          <a:bodyPr wrap="none" lIns="91440" tIns="45720" rIns="91440" bIns="45720">
+            <a:spAutoFit/>
+          </a:bodyPr>
+          <a:lstStyle/>
+          <a:p>
+            <a:pPr algn="ctr"/>
+            <a:r>
+              <a:rPr lang="en-US" sz="5400" dirty="0" smtClean="0">
+                <a:ln w="18415" cmpd="sng">
+                  <a:solidFill>
+                    <a:srgbClr val="FFFFFF"/>
+                  </a:solidFill>
+                  <a:prstDash val="solid"/>
+                </a:ln>
+                <a:solidFill>
+                  <a:schemeClr val="tx1"/>
+                </a:solidFill>
+                <a:effectLst>
+                  <a:outerShdw blurRad="63500" dir="3600000" algn="tl" rotWithShape="0">
+                    <a:srgbClr val="000000">
+                      <a:alpha val="70000"/>
+                    </a:srgbClr>
+                  </a:outerShdw>
+                </a:effectLst>
+              </a:rPr>
+              <a:t>Interactive Summary</a:t>
+            </a:r>
+            <a:endParaRPr lang="en-US" sz="5400" dirty="0">
+              <a:ln w="18415" cmpd="sng">
+                <a:solidFill>
+                  <a:srgbClr val="FFFFFF"/>
+                </a:solidFill>
+                <a:prstDash val="solid"/>
+              </a:ln>
+              <a:solidFill>
+                <a:schemeClr val="tx1"/>
+              </a:solidFill>
+              <a:effectLst>
+                <a:outerShdw blurRad="63500" dir="3600000" algn="tl" rotWithShape="0">
+                  <a:srgbClr val="000000">
+                    <a:alpha val="70000"/>
+                  </a:srgbClr>
+                </a:outerShdw>
+              </a:effectLst>
+            </a:endParaRPr>
+          </a:p>
+        </p:txBody>
+      </p:sp>
+      <p:sp>
+        <p:nvSpPr>
+          <p:cNvPr id="86" name="Rectangle 85"/>
+          <p:cNvSpPr/>
+          <p:nvPr/>
+        </p:nvSpPr>
+        <p:spPr>
+          <a:xfrm>
+            <a:off x="27956175" y="14764240"/>
+            <a:ext cx="184666" cy="923330"/>
+          </a:xfrm>
+          <a:prstGeom prst="rect">
+            <a:avLst/>
+          </a:prstGeom>
+          <a:noFill/>
+        </p:spPr>
+        <p:txBody>
+          <a:bodyPr wrap="none" lIns="91440" tIns="45720" rIns="91440" bIns="45720">
+            <a:spAutoFit/>
+          </a:bodyPr>
+          <a:lstStyle/>
+          <a:p>
+            <a:pPr algn="ctr"/>
+            <a:r>
+              <a:rPr lang="en-US" sz="5400" b="1" dirty="0">
+                <a:ln w="12700">
+                  <a:solidFill>
+                    <a:schemeClr val="tx2">
+                      <a:satMod val="155000"/>
+                    </a:schemeClr>
+                  </a:solidFill>
+                  <a:prstDash val="solid"/>
+                </a:ln>
+                <a:solidFill>
+                  <a:schemeClr val="bg2">
+                    <a:tint val="85000"/>
+                    <a:satMod val="155000"/>
+                  </a:schemeClr>
+                </a:solidFill>
+                <a:effectLst>
+                  <a:outerShdw blurRad="41275" dist="20320" dir="1800000" algn="tl" rotWithShape="0">
+                    <a:srgbClr val="000000">
+                      <a:alpha val="40000"/>
+                    </a:srgbClr>
+                  </a:outerShdw>
+                </a:effectLst>
+              </a:rPr>
+              <a:t> </a:t>
+            </a:r>
+            <a:r>
+              <a:rPr lang="en-US" sz="5400" b="1" dirty="0" smtClean="0">
+                <a:ln w="12700">
+                  <a:solidFill>
+                    <a:schemeClr val="tx2">
+                      <a:satMod val="155000"/>
+                    </a:schemeClr>
+                  </a:solidFill>
+                  <a:prstDash val="solid"/>
+                </a:ln>
+                <a:solidFill>
+                  <a:schemeClr val="bg2">
+                    <a:tint val="85000"/>
+                    <a:satMod val="155000"/>
+                  </a:schemeClr>
+                </a:solidFill>
+                <a:effectLst>
+                  <a:outerShdw blurRad="41275" dist="20320" dir="1800000" algn="tl" rotWithShape="0">
+                    <a:srgbClr val="000000">
+                      <a:alpha val="40000"/>
+                    </a:srgbClr>
+                  </a:outerShdw>
+                </a:effectLst>
+              </a:rPr>
+              <a:t>  </a:t>
+            </a:r>
+            <a:endParaRPr lang="en-US" sz="5400" b="1" cap="none" spc="0" dirty="0" smtClean="0">
+              <a:ln w="12700">
+                <a:solidFill>
+                  <a:schemeClr val="tx2">
+                    <a:satMod val="155000"/>
+                  </a:schemeClr>
+                </a:solidFill>
+                <a:prstDash val="solid"/>
+              </a:ln>
+              <a:solidFill>
+                <a:schemeClr val="bg2">
+                  <a:tint val="85000"/>
+                  <a:satMod val="155000"/>
+                </a:schemeClr>
+              </a:solidFill>
+              <a:effectLst>
+                <a:outerShdw blurRad="41275" dist="20320" dir="1800000" algn="tl" rotWithShape="0">
+                  <a:srgbClr val="000000">
+                    <a:alpha val="40000"/>
+                  </a:srgbClr>
+                </a:outerShdw>
+              </a:effectLst>
+            </a:endParaRPr>
+          </a:p>
+        </p:txBody>
+      </p:sp>
+      <p:sp>
+        <p:nvSpPr>
+          <p:cNvPr id="87" name="Rectangle 86"/>
+          <p:cNvSpPr/>
+          <p:nvPr/>
+        </p:nvSpPr>
+        <p:spPr>
+          <a:xfrm>
+            <a:off x="24188493" y="8279070"/>
+            <a:ext cx="6621710" cy="1477328"/>
+          </a:xfrm>
+          <a:prstGeom prst="rect">
+            <a:avLst/>
+          </a:prstGeom>
+          <a:noFill/>
+        </p:spPr>
+        <p:txBody>
+          <a:bodyPr wrap="none" lIns="91440" tIns="45720" rIns="91440" bIns="45720">
+            <a:spAutoFit/>
+          </a:bodyPr>
+          <a:lstStyle/>
+          <a:p>
+            <a:pPr algn="ctr"/>
+            <a:r>
+              <a:rPr lang="en-US" sz="4500" b="1" dirty="0" smtClean="0">
+                <a:ln w="10541" cmpd="sng">
+                  <a:solidFill>
+                    <a:srgbClr val="7D7D7D">
+                      <a:tint val="100000"/>
+                      <a:shade val="100000"/>
+                      <a:satMod val="110000"/>
+                    </a:srgbClr>
+                  </a:solidFill>
+                  <a:prstDash val="solid"/>
+                </a:ln>
+                <a:solidFill>
+                  <a:srgbClr val="000000"/>
+                </a:solidFill>
+              </a:rPr>
+              <a:t>Summary = </a:t>
+            </a:r>
+            <a:r>
+              <a:rPr lang="en-US" sz="4500" b="1" i="1" dirty="0" smtClean="0">
+                <a:ln w="10541" cmpd="sng">
+                  <a:solidFill>
+                    <a:srgbClr val="7D7D7D">
+                      <a:tint val="100000"/>
+                      <a:shade val="100000"/>
+                      <a:satMod val="110000"/>
+                    </a:srgbClr>
+                  </a:solidFill>
+                  <a:prstDash val="solid"/>
+                </a:ln>
+                <a:solidFill>
+                  <a:srgbClr val="000000"/>
+                </a:solidFill>
+              </a:rPr>
+              <a:t>Most </a:t>
+            </a:r>
+          </a:p>
+          <a:p>
+            <a:pPr algn="ctr"/>
+            <a:r>
+              <a:rPr lang="en-US" sz="4500" b="1" i="1" dirty="0" smtClean="0">
+                <a:ln w="10541" cmpd="sng">
+                  <a:solidFill>
+                    <a:srgbClr val="7D7D7D">
+                      <a:tint val="100000"/>
+                      <a:shade val="100000"/>
+                      <a:satMod val="110000"/>
+                    </a:srgbClr>
+                  </a:solidFill>
+                  <a:prstDash val="solid"/>
+                </a:ln>
+                <a:solidFill>
+                  <a:srgbClr val="000000"/>
+                </a:solidFill>
+              </a:rPr>
+              <a:t>Interesting</a:t>
+            </a:r>
+            <a:r>
+              <a:rPr lang="en-US" sz="4500" b="1" dirty="0" smtClean="0">
+                <a:ln w="10541" cmpd="sng">
+                  <a:solidFill>
+                    <a:srgbClr val="7D7D7D">
+                      <a:tint val="100000"/>
+                      <a:shade val="100000"/>
+                      <a:satMod val="110000"/>
+                    </a:srgbClr>
+                  </a:solidFill>
+                  <a:prstDash val="solid"/>
+                </a:ln>
+                <a:solidFill>
+                  <a:srgbClr val="000000"/>
+                </a:solidFill>
+              </a:rPr>
+              <a:t> set of </a:t>
+            </a:r>
+            <a:r>
+              <a:rPr lang="en-US" sz="4500" b="1" i="1" dirty="0" smtClean="0">
+                <a:ln w="10541" cmpd="sng">
+                  <a:solidFill>
+                    <a:srgbClr val="7D7D7D">
+                      <a:tint val="100000"/>
+                      <a:shade val="100000"/>
+                      <a:satMod val="110000"/>
+                    </a:srgbClr>
+                  </a:solidFill>
+                  <a:prstDash val="solid"/>
+                </a:ln>
+                <a:solidFill>
+                  <a:srgbClr val="000000"/>
+                </a:solidFill>
+              </a:rPr>
+              <a:t>Rules</a:t>
+            </a:r>
+            <a:endParaRPr lang="en-US" sz="4500" b="1" i="1" dirty="0">
+              <a:ln w="10541" cmpd="sng">
+                <a:solidFill>
+                  <a:srgbClr val="7D7D7D">
+                    <a:tint val="100000"/>
+                    <a:shade val="100000"/>
+                    <a:satMod val="110000"/>
+                  </a:srgbClr>
+                </a:solidFill>
+                <a:prstDash val="solid"/>
+              </a:ln>
+              <a:solidFill>
+                <a:srgbClr val="000000"/>
+              </a:solidFill>
+            </a:endParaRPr>
+          </a:p>
+        </p:txBody>
+      </p:sp>
+      <p:sp>
+        <p:nvSpPr>
+          <p:cNvPr id="88" name="Rectangle 87"/>
+          <p:cNvSpPr/>
+          <p:nvPr/>
+        </p:nvSpPr>
+        <p:spPr>
+          <a:xfrm>
+            <a:off x="24576044" y="10085897"/>
+            <a:ext cx="5781056" cy="1477328"/>
+          </a:xfrm>
+          <a:prstGeom prst="rect">
+            <a:avLst/>
+          </a:prstGeom>
+          <a:noFill/>
+        </p:spPr>
+        <p:txBody>
+          <a:bodyPr wrap="none" lIns="91440" tIns="45720" rIns="91440" bIns="45720">
+            <a:spAutoFit/>
+          </a:bodyPr>
+          <a:lstStyle/>
+          <a:p>
+            <a:pPr algn="ctr"/>
+            <a:r>
+              <a:rPr lang="en-US" sz="4500" b="1" dirty="0" smtClean="0">
+                <a:ln w="10541" cmpd="sng">
+                  <a:solidFill>
+                    <a:srgbClr val="7D7D7D">
+                      <a:tint val="100000"/>
+                      <a:shade val="100000"/>
+                      <a:satMod val="110000"/>
+                    </a:srgbClr>
+                  </a:solidFill>
+                  <a:prstDash val="solid"/>
+                </a:ln>
+                <a:solidFill>
+                  <a:srgbClr val="000000"/>
+                </a:solidFill>
+              </a:rPr>
+              <a:t>Rule = Tuple with </a:t>
+            </a:r>
+          </a:p>
+          <a:p>
+            <a:pPr algn="ctr"/>
+            <a:r>
+              <a:rPr lang="en-US" sz="4500" b="1" dirty="0" smtClean="0">
+                <a:ln w="10541" cmpd="sng">
+                  <a:solidFill>
+                    <a:srgbClr val="7D7D7D">
+                      <a:tint val="100000"/>
+                      <a:shade val="100000"/>
+                      <a:satMod val="110000"/>
+                    </a:srgbClr>
+                  </a:solidFill>
+                  <a:prstDash val="solid"/>
+                </a:ln>
+                <a:solidFill>
+                  <a:srgbClr val="000000"/>
+                </a:solidFill>
+              </a:rPr>
+              <a:t>values and wildcards</a:t>
+            </a:r>
+            <a:endParaRPr lang="en-US" sz="4500" b="1" dirty="0">
+              <a:ln w="10541" cmpd="sng">
+                <a:solidFill>
+                  <a:srgbClr val="7D7D7D">
+                    <a:tint val="100000"/>
+                    <a:shade val="100000"/>
+                    <a:satMod val="110000"/>
+                  </a:srgbClr>
+                </a:solidFill>
+                <a:prstDash val="solid"/>
+              </a:ln>
+              <a:solidFill>
+                <a:srgbClr val="000000"/>
+              </a:solidFill>
+            </a:endParaRPr>
+          </a:p>
+        </p:txBody>
+      </p:sp>
+      <p:sp>
+        <p:nvSpPr>
+          <p:cNvPr id="89" name="Rectangle 88"/>
+          <p:cNvSpPr/>
+          <p:nvPr/>
+        </p:nvSpPr>
+        <p:spPr>
+          <a:xfrm>
+            <a:off x="25302448" y="11951237"/>
+            <a:ext cx="4262705" cy="2862322"/>
+          </a:xfrm>
+          <a:prstGeom prst="rect">
+            <a:avLst/>
+          </a:prstGeom>
+          <a:noFill/>
+        </p:spPr>
+        <p:txBody>
+          <a:bodyPr wrap="none" lIns="91440" tIns="45720" rIns="91440" bIns="45720">
+            <a:spAutoFit/>
+          </a:bodyPr>
+          <a:lstStyle/>
+          <a:p>
+            <a:pPr algn="ctr"/>
+            <a:r>
+              <a:rPr lang="en-US" sz="4500" b="1" dirty="0" smtClean="0">
+                <a:ln w="10541" cmpd="sng">
+                  <a:solidFill>
+                    <a:srgbClr val="7D7D7D">
+                      <a:tint val="100000"/>
+                      <a:shade val="100000"/>
+                      <a:satMod val="110000"/>
+                    </a:srgbClr>
+                  </a:solidFill>
+                  <a:prstDash val="solid"/>
+                </a:ln>
+                <a:solidFill>
+                  <a:srgbClr val="000000"/>
+                </a:solidFill>
+              </a:rPr>
+              <a:t>Interesting = </a:t>
+            </a:r>
+          </a:p>
+          <a:p>
+            <a:pPr marL="685800" indent="-685800">
+              <a:buFont typeface="Arial"/>
+              <a:buChar char="•"/>
+            </a:pPr>
+            <a:r>
+              <a:rPr lang="en-US" sz="4500" b="1" dirty="0" smtClean="0">
+                <a:ln w="10541" cmpd="sng">
+                  <a:solidFill>
+                    <a:srgbClr val="7D7D7D">
+                      <a:tint val="100000"/>
+                      <a:shade val="100000"/>
+                      <a:satMod val="110000"/>
+                    </a:srgbClr>
+                  </a:solidFill>
+                  <a:prstDash val="solid"/>
+                </a:ln>
+                <a:solidFill>
+                  <a:srgbClr val="000000"/>
+                </a:solidFill>
+              </a:rPr>
+              <a:t>High Weight</a:t>
+            </a:r>
+          </a:p>
+          <a:p>
+            <a:pPr marL="685800" indent="-685800">
+              <a:buFont typeface="Arial"/>
+              <a:buChar char="•"/>
+            </a:pPr>
+            <a:r>
+              <a:rPr lang="en-US" sz="4500" b="1" dirty="0" smtClean="0">
+                <a:ln w="10541" cmpd="sng">
+                  <a:solidFill>
+                    <a:srgbClr val="7D7D7D">
+                      <a:tint val="100000"/>
+                      <a:shade val="100000"/>
+                      <a:satMod val="110000"/>
+                    </a:srgbClr>
+                  </a:solidFill>
+                  <a:prstDash val="solid"/>
+                </a:ln>
+                <a:solidFill>
+                  <a:srgbClr val="000000"/>
+                </a:solidFill>
+              </a:rPr>
+              <a:t>High Count              </a:t>
+            </a:r>
+          </a:p>
+          <a:p>
+            <a:pPr marL="685800" indent="-685800">
+              <a:buFont typeface="Arial"/>
+              <a:buChar char="•"/>
+            </a:pPr>
+            <a:r>
+              <a:rPr lang="en-US" sz="4500" b="1" dirty="0" smtClean="0">
+                <a:ln w="10541" cmpd="sng">
+                  <a:solidFill>
+                    <a:srgbClr val="7D7D7D">
+                      <a:tint val="100000"/>
+                      <a:shade val="100000"/>
+                      <a:satMod val="110000"/>
+                    </a:srgbClr>
+                  </a:solidFill>
+                  <a:prstDash val="solid"/>
+                </a:ln>
+                <a:solidFill>
+                  <a:srgbClr val="000000"/>
+                </a:solidFill>
+              </a:rPr>
+              <a:t>High </a:t>
+            </a:r>
+            <a:r>
+              <a:rPr lang="en-US" sz="4500" b="1" dirty="0" err="1" smtClean="0">
+                <a:ln w="10541" cmpd="sng">
+                  <a:solidFill>
+                    <a:srgbClr val="7D7D7D">
+                      <a:tint val="100000"/>
+                      <a:shade val="100000"/>
+                      <a:satMod val="110000"/>
+                    </a:srgbClr>
+                  </a:solidFill>
+                  <a:prstDash val="solid"/>
+                </a:ln>
+                <a:solidFill>
+                  <a:srgbClr val="000000"/>
+                </a:solidFill>
+              </a:rPr>
+              <a:t>MCount</a:t>
+            </a:r>
+            <a:endParaRPr lang="en-US" sz="4500" b="1" dirty="0" smtClean="0">
+              <a:ln w="10541" cmpd="sng">
+                <a:solidFill>
+                  <a:srgbClr val="7D7D7D">
+                    <a:tint val="100000"/>
+                    <a:shade val="100000"/>
+                    <a:satMod val="110000"/>
+                  </a:srgbClr>
+                </a:solidFill>
+                <a:prstDash val="solid"/>
+              </a:ln>
+              <a:solidFill>
+                <a:srgbClr val="000000"/>
+              </a:solidFill>
+            </a:endParaRPr>
+          </a:p>
+        </p:txBody>
+      </p:sp>
     </p:spTree>
     <p:extLst>
       <p:ext uri="{BB962C8B-B14F-4D97-AF65-F5344CB8AC3E}">

--- a/DemoPaper/Poster/DemoPoster.pptx
+++ b/DemoPaper/Poster/DemoPoster.pptx
@@ -6389,12 +6389,8 @@
           <a:lstStyle/>
           <a:p>
             <a:r>
-              <a:rPr lang="en-US" baseline="0" smtClean="0"/>
-              <a:t>Speech</a:t>
-            </a:r>
-            <a:r>
               <a:rPr lang="en-US" baseline="0" dirty="0" smtClean="0"/>
-              <a:t>/Story: </a:t>
+              <a:t>Speech/Story: </a:t>
             </a:r>
           </a:p>
           <a:p>
@@ -6402,9 +6398,6 @@
               <a:rPr lang="en-US" baseline="0" dirty="0" smtClean="0"/>
               <a:t>Have an actual story: suppose you are sales manager. you have a survey results on your customers, and want to learn more about your target demographic. you have this raw data which is hard to make sense of. Our system gives you this nice summary. And you can tune it and explore further. </a:t>
             </a:r>
-          </a:p>
-          <a:p>
-            <a:endParaRPr lang="en-US" baseline="0" dirty="0" smtClean="0"/>
           </a:p>
           <a:p>
             <a:r>
@@ -6471,15 +6464,6 @@
             <a:r>
               <a:rPr lang="en-US" baseline="0" dirty="0" smtClean="0"/>
               <a:t>Multiple sections: basics, more options, new dataset</a:t>
-            </a:r>
-          </a:p>
-          <a:p>
-            <a:endParaRPr lang="en-US" baseline="0" dirty="0" smtClean="0"/>
-          </a:p>
-          <a:p>
-            <a:r>
-              <a:rPr lang="en-US" baseline="0" dirty="0" smtClean="0"/>
-              <a:t>Interface: line on dataset in interface. put three parameters in same line. </a:t>
             </a:r>
           </a:p>
           <a:p>
